--- a/ppt_tenant_aboutissant_pb.pptx
+++ b/ppt_tenant_aboutissant_pb.pptx
@@ -2,21 +2,22 @@
 <file path=ppt/presentation.xml><?xml version="1.0" encoding="utf-8"?>
 <p:presentation xmlns:a="http://schemas.openxmlformats.org/drawingml/2006/main" xmlns:r="http://schemas.openxmlformats.org/officeDocument/2006/relationships" xmlns:p="http://schemas.openxmlformats.org/presentationml/2006/main" saveSubsetFonts="1">
   <p:sldMasterIdLst>
-    <p:sldMasterId id="2147483648" r:id="rId1"/>
+    <p:sldMasterId id="2147483660" r:id="rId1"/>
   </p:sldMasterIdLst>
   <p:sldIdLst>
     <p:sldId id="256" r:id="rId2"/>
-    <p:sldId id="257" r:id="rId3"/>
-    <p:sldId id="258" r:id="rId4"/>
-    <p:sldId id="259" r:id="rId5"/>
+    <p:sldId id="260" r:id="rId3"/>
+    <p:sldId id="257" r:id="rId4"/>
+    <p:sldId id="258" r:id="rId5"/>
+    <p:sldId id="259" r:id="rId6"/>
   </p:sldIdLst>
   <p:sldSz cx="12192000" cy="6858000"/>
   <p:notesSz cx="6858000" cy="9144000"/>
   <p:defaultTextStyle>
     <a:defPPr>
-      <a:defRPr lang="fr-FR"/>
+      <a:defRPr lang="en-US"/>
     </a:defPPr>
-    <a:lvl1pPr marL="0" algn="l" defTabSz="914400" rtl="0" eaLnBrk="1" latinLnBrk="0" hangingPunct="1">
+    <a:lvl1pPr marL="0" algn="l" defTabSz="457200" rtl="0" eaLnBrk="1" latinLnBrk="0" hangingPunct="1">
       <a:defRPr sz="1800" kern="1200">
         <a:solidFill>
           <a:schemeClr val="tx1"/>
@@ -26,7 +27,7 @@
         <a:cs typeface="+mn-cs"/>
       </a:defRPr>
     </a:lvl1pPr>
-    <a:lvl2pPr marL="457200" algn="l" defTabSz="914400" rtl="0" eaLnBrk="1" latinLnBrk="0" hangingPunct="1">
+    <a:lvl2pPr marL="457200" algn="l" defTabSz="457200" rtl="0" eaLnBrk="1" latinLnBrk="0" hangingPunct="1">
       <a:defRPr sz="1800" kern="1200">
         <a:solidFill>
           <a:schemeClr val="tx1"/>
@@ -36,7 +37,7 @@
         <a:cs typeface="+mn-cs"/>
       </a:defRPr>
     </a:lvl2pPr>
-    <a:lvl3pPr marL="914400" algn="l" defTabSz="914400" rtl="0" eaLnBrk="1" latinLnBrk="0" hangingPunct="1">
+    <a:lvl3pPr marL="914400" algn="l" defTabSz="457200" rtl="0" eaLnBrk="1" latinLnBrk="0" hangingPunct="1">
       <a:defRPr sz="1800" kern="1200">
         <a:solidFill>
           <a:schemeClr val="tx1"/>
@@ -46,7 +47,7 @@
         <a:cs typeface="+mn-cs"/>
       </a:defRPr>
     </a:lvl3pPr>
-    <a:lvl4pPr marL="1371600" algn="l" defTabSz="914400" rtl="0" eaLnBrk="1" latinLnBrk="0" hangingPunct="1">
+    <a:lvl4pPr marL="1371600" algn="l" defTabSz="457200" rtl="0" eaLnBrk="1" latinLnBrk="0" hangingPunct="1">
       <a:defRPr sz="1800" kern="1200">
         <a:solidFill>
           <a:schemeClr val="tx1"/>
@@ -56,7 +57,7 @@
         <a:cs typeface="+mn-cs"/>
       </a:defRPr>
     </a:lvl4pPr>
-    <a:lvl5pPr marL="1828800" algn="l" defTabSz="914400" rtl="0" eaLnBrk="1" latinLnBrk="0" hangingPunct="1">
+    <a:lvl5pPr marL="1828800" algn="l" defTabSz="457200" rtl="0" eaLnBrk="1" latinLnBrk="0" hangingPunct="1">
       <a:defRPr sz="1800" kern="1200">
         <a:solidFill>
           <a:schemeClr val="tx1"/>
@@ -66,7 +67,7 @@
         <a:cs typeface="+mn-cs"/>
       </a:defRPr>
     </a:lvl5pPr>
-    <a:lvl6pPr marL="2286000" algn="l" defTabSz="914400" rtl="0" eaLnBrk="1" latinLnBrk="0" hangingPunct="1">
+    <a:lvl6pPr marL="2286000" algn="l" defTabSz="457200" rtl="0" eaLnBrk="1" latinLnBrk="0" hangingPunct="1">
       <a:defRPr sz="1800" kern="1200">
         <a:solidFill>
           <a:schemeClr val="tx1"/>
@@ -76,7 +77,7 @@
         <a:cs typeface="+mn-cs"/>
       </a:defRPr>
     </a:lvl6pPr>
-    <a:lvl7pPr marL="2743200" algn="l" defTabSz="914400" rtl="0" eaLnBrk="1" latinLnBrk="0" hangingPunct="1">
+    <a:lvl7pPr marL="2743200" algn="l" defTabSz="457200" rtl="0" eaLnBrk="1" latinLnBrk="0" hangingPunct="1">
       <a:defRPr sz="1800" kern="1200">
         <a:solidFill>
           <a:schemeClr val="tx1"/>
@@ -86,7 +87,7 @@
         <a:cs typeface="+mn-cs"/>
       </a:defRPr>
     </a:lvl7pPr>
-    <a:lvl8pPr marL="3200400" algn="l" defTabSz="914400" rtl="0" eaLnBrk="1" latinLnBrk="0" hangingPunct="1">
+    <a:lvl8pPr marL="3200400" algn="l" defTabSz="457200" rtl="0" eaLnBrk="1" latinLnBrk="0" hangingPunct="1">
       <a:defRPr sz="1800" kern="1200">
         <a:solidFill>
           <a:schemeClr val="tx1"/>
@@ -96,7 +97,7 @@
         <a:cs typeface="+mn-cs"/>
       </a:defRPr>
     </a:lvl8pPr>
-    <a:lvl9pPr marL="3657600" algn="l" defTabSz="914400" rtl="0" eaLnBrk="1" latinLnBrk="0" hangingPunct="1">
+    <a:lvl9pPr marL="3657600" algn="l" defTabSz="457200" rtl="0" eaLnBrk="1" latinLnBrk="0" hangingPunct="1">
       <a:defRPr sz="1800" kern="1200">
         <a:solidFill>
           <a:schemeClr val="tx1"/>
@@ -107,11 +108,3707 @@
       </a:defRPr>
     </a:lvl9pPr>
   </p:defaultTextStyle>
+  <p:extLst>
+    <p:ext uri="{EFAFB233-063F-42B5-8137-9DF3F51BA10A}">
+      <p15:sldGuideLst xmlns:p15="http://schemas.microsoft.com/office/powerpoint/2012/main"/>
+    </p:ext>
+  </p:extLst>
 </p:presentation>
 </file>
 
+<file path=ppt/diagrams/colors1.xml><?xml version="1.0" encoding="utf-8"?>
+<dgm:colorsDef xmlns:dgm="http://schemas.openxmlformats.org/drawingml/2006/diagram" xmlns:a="http://schemas.openxmlformats.org/drawingml/2006/main" uniqueId="urn:microsoft.com/office/officeart/2005/8/colors/colorful2">
+  <dgm:title val=""/>
+  <dgm:desc val=""/>
+  <dgm:catLst>
+    <dgm:cat type="colorful" pri="10200"/>
+  </dgm:catLst>
+  <dgm:styleLbl name="node0">
+    <dgm:fillClrLst meth="repeat">
+      <a:schemeClr val="accent1"/>
+    </dgm:fillClrLst>
+    <dgm:linClrLst meth="repeat">
+      <a:schemeClr val="lt1"/>
+    </dgm:linClrLst>
+    <dgm:effectClrLst/>
+    <dgm:txLinClrLst/>
+    <dgm:txFillClrLst/>
+    <dgm:txEffectClrLst/>
+  </dgm:styleLbl>
+  <dgm:styleLbl name="node1">
+    <dgm:fillClrLst>
+      <a:schemeClr val="accent2"/>
+      <a:schemeClr val="accent3"/>
+    </dgm:fillClrLst>
+    <dgm:linClrLst meth="repeat">
+      <a:schemeClr val="lt1"/>
+    </dgm:linClrLst>
+    <dgm:effectClrLst/>
+    <dgm:txLinClrLst/>
+    <dgm:txFillClrLst/>
+    <dgm:txEffectClrLst/>
+  </dgm:styleLbl>
+  <dgm:styleLbl name="alignNode1">
+    <dgm:fillClrLst>
+      <a:schemeClr val="accent2"/>
+      <a:schemeClr val="accent3"/>
+    </dgm:fillClrLst>
+    <dgm:linClrLst>
+      <a:schemeClr val="accent2"/>
+      <a:schemeClr val="accent3"/>
+    </dgm:linClrLst>
+    <dgm:effectClrLst/>
+    <dgm:txLinClrLst/>
+    <dgm:txFillClrLst/>
+    <dgm:txEffectClrLst/>
+  </dgm:styleLbl>
+  <dgm:styleLbl name="lnNode1">
+    <dgm:fillClrLst>
+      <a:schemeClr val="accent2"/>
+      <a:schemeClr val="accent3"/>
+    </dgm:fillClrLst>
+    <dgm:linClrLst meth="repeat">
+      <a:schemeClr val="lt1"/>
+    </dgm:linClrLst>
+    <dgm:effectClrLst/>
+    <dgm:txLinClrLst/>
+    <dgm:txFillClrLst/>
+    <dgm:txEffectClrLst/>
+  </dgm:styleLbl>
+  <dgm:styleLbl name="vennNode1">
+    <dgm:fillClrLst>
+      <a:schemeClr val="accent2">
+        <a:alpha val="50000"/>
+      </a:schemeClr>
+      <a:schemeClr val="accent3">
+        <a:alpha val="50000"/>
+      </a:schemeClr>
+    </dgm:fillClrLst>
+    <dgm:linClrLst meth="repeat">
+      <a:schemeClr val="lt1"/>
+    </dgm:linClrLst>
+    <dgm:effectClrLst/>
+    <dgm:txLinClrLst/>
+    <dgm:txFillClrLst/>
+    <dgm:txEffectClrLst/>
+  </dgm:styleLbl>
+  <dgm:styleLbl name="node2">
+    <dgm:fillClrLst>
+      <a:schemeClr val="accent3"/>
+    </dgm:fillClrLst>
+    <dgm:linClrLst meth="repeat">
+      <a:schemeClr val="lt1"/>
+    </dgm:linClrLst>
+    <dgm:effectClrLst/>
+    <dgm:txLinClrLst/>
+    <dgm:txFillClrLst/>
+    <dgm:txEffectClrLst/>
+  </dgm:styleLbl>
+  <dgm:styleLbl name="node3">
+    <dgm:fillClrLst>
+      <a:schemeClr val="accent4"/>
+    </dgm:fillClrLst>
+    <dgm:linClrLst meth="repeat">
+      <a:schemeClr val="lt1"/>
+    </dgm:linClrLst>
+    <dgm:effectClrLst/>
+    <dgm:txLinClrLst/>
+    <dgm:txFillClrLst/>
+    <dgm:txEffectClrLst/>
+  </dgm:styleLbl>
+  <dgm:styleLbl name="node4">
+    <dgm:fillClrLst>
+      <a:schemeClr val="accent5"/>
+    </dgm:fillClrLst>
+    <dgm:linClrLst meth="repeat">
+      <a:schemeClr val="lt1"/>
+    </dgm:linClrLst>
+    <dgm:effectClrLst/>
+    <dgm:txLinClrLst/>
+    <dgm:txFillClrLst/>
+    <dgm:txEffectClrLst/>
+  </dgm:styleLbl>
+  <dgm:styleLbl name="fgImgPlace1">
+    <dgm:fillClrLst>
+      <a:schemeClr val="accent2">
+        <a:tint val="50000"/>
+      </a:schemeClr>
+      <a:schemeClr val="accent3">
+        <a:tint val="50000"/>
+      </a:schemeClr>
+    </dgm:fillClrLst>
+    <dgm:linClrLst meth="repeat">
+      <a:schemeClr val="lt1"/>
+    </dgm:linClrLst>
+    <dgm:effectClrLst/>
+    <dgm:txLinClrLst/>
+    <dgm:txFillClrLst meth="repeat">
+      <a:schemeClr val="lt1"/>
+    </dgm:txFillClrLst>
+    <dgm:txEffectClrLst/>
+  </dgm:styleLbl>
+  <dgm:styleLbl name="alignImgPlace1">
+    <dgm:fillClrLst>
+      <a:schemeClr val="accent2">
+        <a:tint val="50000"/>
+      </a:schemeClr>
+      <a:schemeClr val="accent3">
+        <a:tint val="20000"/>
+      </a:schemeClr>
+    </dgm:fillClrLst>
+    <dgm:linClrLst meth="repeat">
+      <a:schemeClr val="lt1"/>
+    </dgm:linClrLst>
+    <dgm:effectClrLst/>
+    <dgm:txLinClrLst/>
+    <dgm:txFillClrLst meth="repeat">
+      <a:schemeClr val="lt1"/>
+    </dgm:txFillClrLst>
+    <dgm:txEffectClrLst/>
+  </dgm:styleLbl>
+  <dgm:styleLbl name="bgImgPlace1">
+    <dgm:fillClrLst>
+      <a:schemeClr val="accent2">
+        <a:tint val="50000"/>
+      </a:schemeClr>
+      <a:schemeClr val="accent3">
+        <a:tint val="20000"/>
+      </a:schemeClr>
+    </dgm:fillClrLst>
+    <dgm:linClrLst meth="repeat">
+      <a:schemeClr val="lt1"/>
+    </dgm:linClrLst>
+    <dgm:effectClrLst/>
+    <dgm:txLinClrLst/>
+    <dgm:txFillClrLst meth="repeat">
+      <a:schemeClr val="lt1"/>
+    </dgm:txFillClrLst>
+    <dgm:txEffectClrLst/>
+  </dgm:styleLbl>
+  <dgm:styleLbl name="sibTrans2D1">
+    <dgm:fillClrLst>
+      <a:schemeClr val="accent2"/>
+      <a:schemeClr val="accent3"/>
+    </dgm:fillClrLst>
+    <dgm:linClrLst meth="repeat">
+      <a:schemeClr val="lt1"/>
+    </dgm:linClrLst>
+    <dgm:effectClrLst/>
+    <dgm:txLinClrLst/>
+    <dgm:txFillClrLst/>
+    <dgm:txEffectClrLst/>
+  </dgm:styleLbl>
+  <dgm:styleLbl name="fgSibTrans2D1">
+    <dgm:fillClrLst>
+      <a:schemeClr val="accent2"/>
+      <a:schemeClr val="accent3"/>
+    </dgm:fillClrLst>
+    <dgm:linClrLst meth="repeat">
+      <a:schemeClr val="lt1"/>
+    </dgm:linClrLst>
+    <dgm:effectClrLst/>
+    <dgm:txLinClrLst/>
+    <dgm:txFillClrLst meth="repeat">
+      <a:schemeClr val="lt1"/>
+    </dgm:txFillClrLst>
+    <dgm:txEffectClrLst/>
+  </dgm:styleLbl>
+  <dgm:styleLbl name="bgSibTrans2D1">
+    <dgm:fillClrLst>
+      <a:schemeClr val="accent2"/>
+      <a:schemeClr val="accent3"/>
+    </dgm:fillClrLst>
+    <dgm:linClrLst meth="repeat">
+      <a:schemeClr val="lt1"/>
+    </dgm:linClrLst>
+    <dgm:effectClrLst/>
+    <dgm:txLinClrLst/>
+    <dgm:txFillClrLst meth="repeat">
+      <a:schemeClr val="lt1"/>
+    </dgm:txFillClrLst>
+    <dgm:txEffectClrLst/>
+  </dgm:styleLbl>
+  <dgm:styleLbl name="sibTrans1D1">
+    <dgm:fillClrLst/>
+    <dgm:linClrLst>
+      <a:schemeClr val="accent2"/>
+      <a:schemeClr val="accent3"/>
+    </dgm:linClrLst>
+    <dgm:effectClrLst/>
+    <dgm:txLinClrLst/>
+    <dgm:txFillClrLst meth="repeat">
+      <a:schemeClr val="tx1"/>
+    </dgm:txFillClrLst>
+    <dgm:txEffectClrLst/>
+  </dgm:styleLbl>
+  <dgm:styleLbl name="callout">
+    <dgm:fillClrLst meth="repeat">
+      <a:schemeClr val="accent2"/>
+    </dgm:fillClrLst>
+    <dgm:linClrLst meth="repeat">
+      <a:schemeClr val="accent2">
+        <a:tint val="50000"/>
+      </a:schemeClr>
+    </dgm:linClrLst>
+    <dgm:effectClrLst/>
+    <dgm:txLinClrLst/>
+    <dgm:txFillClrLst meth="repeat">
+      <a:schemeClr val="tx1"/>
+    </dgm:txFillClrLst>
+    <dgm:txEffectClrLst/>
+  </dgm:styleLbl>
+  <dgm:styleLbl name="asst0">
+    <dgm:fillClrLst meth="repeat">
+      <a:schemeClr val="accent2"/>
+    </dgm:fillClrLst>
+    <dgm:linClrLst meth="repeat">
+      <a:schemeClr val="lt1">
+        <a:shade val="80000"/>
+      </a:schemeClr>
+    </dgm:linClrLst>
+    <dgm:effectClrLst/>
+    <dgm:txLinClrLst/>
+    <dgm:txFillClrLst/>
+    <dgm:txEffectClrLst/>
+  </dgm:styleLbl>
+  <dgm:styleLbl name="asst1">
+    <dgm:fillClrLst meth="repeat">
+      <a:schemeClr val="accent3"/>
+    </dgm:fillClrLst>
+    <dgm:linClrLst meth="repeat">
+      <a:schemeClr val="lt1">
+        <a:shade val="80000"/>
+      </a:schemeClr>
+    </dgm:linClrLst>
+    <dgm:effectClrLst/>
+    <dgm:txLinClrLst/>
+    <dgm:txFillClrLst/>
+    <dgm:txEffectClrLst/>
+  </dgm:styleLbl>
+  <dgm:styleLbl name="asst2">
+    <dgm:fillClrLst>
+      <a:schemeClr val="accent4"/>
+    </dgm:fillClrLst>
+    <dgm:linClrLst meth="repeat">
+      <a:schemeClr val="lt1"/>
+    </dgm:linClrLst>
+    <dgm:effectClrLst/>
+    <dgm:txLinClrLst/>
+    <dgm:txFillClrLst/>
+    <dgm:txEffectClrLst/>
+  </dgm:styleLbl>
+  <dgm:styleLbl name="asst3">
+    <dgm:fillClrLst>
+      <a:schemeClr val="accent5"/>
+    </dgm:fillClrLst>
+    <dgm:linClrLst meth="repeat">
+      <a:schemeClr val="lt1"/>
+    </dgm:linClrLst>
+    <dgm:effectClrLst/>
+    <dgm:txLinClrLst/>
+    <dgm:txFillClrLst/>
+    <dgm:txEffectClrLst/>
+  </dgm:styleLbl>
+  <dgm:styleLbl name="asst4">
+    <dgm:fillClrLst>
+      <a:schemeClr val="accent6"/>
+    </dgm:fillClrLst>
+    <dgm:linClrLst meth="repeat">
+      <a:schemeClr val="lt1"/>
+    </dgm:linClrLst>
+    <dgm:effectClrLst/>
+    <dgm:txLinClrLst/>
+    <dgm:txFillClrLst/>
+    <dgm:txEffectClrLst/>
+  </dgm:styleLbl>
+  <dgm:styleLbl name="parChTrans2D1">
+    <dgm:fillClrLst meth="repeat">
+      <a:schemeClr val="accent2"/>
+    </dgm:fillClrLst>
+    <dgm:linClrLst meth="repeat">
+      <a:schemeClr val="lt1"/>
+    </dgm:linClrLst>
+    <dgm:effectClrLst/>
+    <dgm:txLinClrLst/>
+    <dgm:txFillClrLst meth="repeat">
+      <a:schemeClr val="lt1"/>
+    </dgm:txFillClrLst>
+    <dgm:txEffectClrLst/>
+  </dgm:styleLbl>
+  <dgm:styleLbl name="parChTrans2D2">
+    <dgm:fillClrLst meth="repeat">
+      <a:schemeClr val="accent3"/>
+    </dgm:fillClrLst>
+    <dgm:linClrLst meth="repeat">
+      <a:schemeClr val="lt1"/>
+    </dgm:linClrLst>
+    <dgm:effectClrLst/>
+    <dgm:txLinClrLst/>
+    <dgm:txFillClrLst/>
+    <dgm:txEffectClrLst/>
+  </dgm:styleLbl>
+  <dgm:styleLbl name="parChTrans2D3">
+    <dgm:fillClrLst meth="repeat">
+      <a:schemeClr val="accent4"/>
+    </dgm:fillClrLst>
+    <dgm:linClrLst meth="repeat">
+      <a:schemeClr val="lt1"/>
+    </dgm:linClrLst>
+    <dgm:effectClrLst/>
+    <dgm:txLinClrLst/>
+    <dgm:txFillClrLst/>
+    <dgm:txEffectClrLst/>
+  </dgm:styleLbl>
+  <dgm:styleLbl name="parChTrans2D4">
+    <dgm:fillClrLst meth="repeat">
+      <a:schemeClr val="accent5"/>
+    </dgm:fillClrLst>
+    <dgm:linClrLst meth="repeat">
+      <a:schemeClr val="lt1"/>
+    </dgm:linClrLst>
+    <dgm:effectClrLst/>
+    <dgm:txLinClrLst/>
+    <dgm:txFillClrLst meth="repeat">
+      <a:schemeClr val="lt1"/>
+    </dgm:txFillClrLst>
+    <dgm:txEffectClrLst/>
+  </dgm:styleLbl>
+  <dgm:styleLbl name="parChTrans1D1">
+    <dgm:fillClrLst meth="repeat">
+      <a:schemeClr val="accent2"/>
+    </dgm:fillClrLst>
+    <dgm:linClrLst meth="repeat">
+      <a:schemeClr val="accent2"/>
+    </dgm:linClrLst>
+    <dgm:effectClrLst/>
+    <dgm:txLinClrLst/>
+    <dgm:txFillClrLst meth="repeat">
+      <a:schemeClr val="tx1"/>
+    </dgm:txFillClrLst>
+    <dgm:txEffectClrLst/>
+  </dgm:styleLbl>
+  <dgm:styleLbl name="parChTrans1D2">
+    <dgm:fillClrLst meth="repeat">
+      <a:schemeClr val="accent2">
+        <a:tint val="90000"/>
+      </a:schemeClr>
+    </dgm:fillClrLst>
+    <dgm:linClrLst meth="repeat">
+      <a:schemeClr val="accent3"/>
+    </dgm:linClrLst>
+    <dgm:effectClrLst/>
+    <dgm:txLinClrLst/>
+    <dgm:txFillClrLst meth="repeat">
+      <a:schemeClr val="tx1"/>
+    </dgm:txFillClrLst>
+    <dgm:txEffectClrLst/>
+  </dgm:styleLbl>
+  <dgm:styleLbl name="parChTrans1D3">
+    <dgm:fillClrLst meth="repeat">
+      <a:schemeClr val="accent2">
+        <a:tint val="70000"/>
+      </a:schemeClr>
+    </dgm:fillClrLst>
+    <dgm:linClrLst meth="repeat">
+      <a:schemeClr val="accent4"/>
+    </dgm:linClrLst>
+    <dgm:effectClrLst/>
+    <dgm:txLinClrLst/>
+    <dgm:txFillClrLst meth="repeat">
+      <a:schemeClr val="tx1"/>
+    </dgm:txFillClrLst>
+    <dgm:txEffectClrLst/>
+  </dgm:styleLbl>
+  <dgm:styleLbl name="parChTrans1D4">
+    <dgm:fillClrLst meth="repeat">
+      <a:schemeClr val="accent2">
+        <a:tint val="50000"/>
+      </a:schemeClr>
+    </dgm:fillClrLst>
+    <dgm:linClrLst meth="repeat">
+      <a:schemeClr val="accent5"/>
+    </dgm:linClrLst>
+    <dgm:effectClrLst/>
+    <dgm:txLinClrLst/>
+    <dgm:txFillClrLst meth="repeat">
+      <a:schemeClr val="tx1"/>
+    </dgm:txFillClrLst>
+    <dgm:txEffectClrLst/>
+  </dgm:styleLbl>
+  <dgm:styleLbl name="fgAcc1">
+    <dgm:fillClrLst meth="repeat">
+      <a:schemeClr val="lt1">
+        <a:alpha val="90000"/>
+      </a:schemeClr>
+    </dgm:fillClrLst>
+    <dgm:linClrLst>
+      <a:schemeClr val="accent2"/>
+      <a:schemeClr val="accent3"/>
+    </dgm:linClrLst>
+    <dgm:effectClrLst/>
+    <dgm:txLinClrLst/>
+    <dgm:txFillClrLst meth="repeat">
+      <a:schemeClr val="dk1"/>
+    </dgm:txFillClrLst>
+    <dgm:txEffectClrLst/>
+  </dgm:styleLbl>
+  <dgm:styleLbl name="conFgAcc1">
+    <dgm:fillClrLst meth="repeat">
+      <a:schemeClr val="lt1">
+        <a:alpha val="90000"/>
+      </a:schemeClr>
+    </dgm:fillClrLst>
+    <dgm:linClrLst>
+      <a:schemeClr val="accent2"/>
+      <a:schemeClr val="accent3"/>
+    </dgm:linClrLst>
+    <dgm:effectClrLst/>
+    <dgm:txLinClrLst/>
+    <dgm:txFillClrLst meth="repeat">
+      <a:schemeClr val="dk1"/>
+    </dgm:txFillClrLst>
+    <dgm:txEffectClrLst/>
+  </dgm:styleLbl>
+  <dgm:styleLbl name="alignAcc1">
+    <dgm:fillClrLst meth="repeat">
+      <a:schemeClr val="lt1">
+        <a:alpha val="90000"/>
+      </a:schemeClr>
+    </dgm:fillClrLst>
+    <dgm:linClrLst>
+      <a:schemeClr val="accent2"/>
+      <a:schemeClr val="accent3"/>
+    </dgm:linClrLst>
+    <dgm:effectClrLst/>
+    <dgm:txLinClrLst/>
+    <dgm:txFillClrLst meth="repeat">
+      <a:schemeClr val="dk1"/>
+    </dgm:txFillClrLst>
+    <dgm:txEffectClrLst/>
+  </dgm:styleLbl>
+  <dgm:styleLbl name="trAlignAcc1">
+    <dgm:fillClrLst meth="repeat">
+      <a:schemeClr val="lt1">
+        <a:alpha val="40000"/>
+      </a:schemeClr>
+    </dgm:fillClrLst>
+    <dgm:linClrLst meth="repeat">
+      <a:schemeClr val="accent2"/>
+    </dgm:linClrLst>
+    <dgm:effectClrLst/>
+    <dgm:txLinClrLst/>
+    <dgm:txFillClrLst meth="repeat">
+      <a:schemeClr val="dk1"/>
+    </dgm:txFillClrLst>
+    <dgm:txEffectClrLst/>
+  </dgm:styleLbl>
+  <dgm:styleLbl name="bgAcc1">
+    <dgm:fillClrLst meth="repeat">
+      <a:schemeClr val="lt1">
+        <a:alpha val="90000"/>
+      </a:schemeClr>
+    </dgm:fillClrLst>
+    <dgm:linClrLst>
+      <a:schemeClr val="accent2"/>
+      <a:schemeClr val="accent3"/>
+    </dgm:linClrLst>
+    <dgm:effectClrLst/>
+    <dgm:txLinClrLst/>
+    <dgm:txFillClrLst meth="repeat">
+      <a:schemeClr val="dk1"/>
+    </dgm:txFillClrLst>
+    <dgm:txEffectClrLst/>
+  </dgm:styleLbl>
+  <dgm:styleLbl name="solidFgAcc1">
+    <dgm:fillClrLst meth="repeat">
+      <a:schemeClr val="lt1"/>
+    </dgm:fillClrLst>
+    <dgm:linClrLst>
+      <a:schemeClr val="accent2"/>
+      <a:schemeClr val="accent3"/>
+    </dgm:linClrLst>
+    <dgm:effectClrLst/>
+    <dgm:txLinClrLst/>
+    <dgm:txFillClrLst meth="repeat">
+      <a:schemeClr val="dk1"/>
+    </dgm:txFillClrLst>
+    <dgm:txEffectClrLst/>
+  </dgm:styleLbl>
+  <dgm:styleLbl name="solidAlignAcc1">
+    <dgm:fillClrLst meth="repeat">
+      <a:schemeClr val="lt1"/>
+    </dgm:fillClrLst>
+    <dgm:linClrLst>
+      <a:schemeClr val="accent2"/>
+      <a:schemeClr val="accent3"/>
+    </dgm:linClrLst>
+    <dgm:effectClrLst/>
+    <dgm:txLinClrLst/>
+    <dgm:txFillClrLst meth="repeat">
+      <a:schemeClr val="dk1"/>
+    </dgm:txFillClrLst>
+    <dgm:txEffectClrLst/>
+  </dgm:styleLbl>
+  <dgm:styleLbl name="solidBgAcc1">
+    <dgm:fillClrLst meth="repeat">
+      <a:schemeClr val="lt1"/>
+    </dgm:fillClrLst>
+    <dgm:linClrLst>
+      <a:schemeClr val="accent2"/>
+      <a:schemeClr val="accent3"/>
+    </dgm:linClrLst>
+    <dgm:effectClrLst/>
+    <dgm:txLinClrLst/>
+    <dgm:txFillClrLst meth="repeat">
+      <a:schemeClr val="dk1"/>
+    </dgm:txFillClrLst>
+    <dgm:txEffectClrLst/>
+  </dgm:styleLbl>
+  <dgm:styleLbl name="fgAccFollowNode1">
+    <dgm:fillClrLst>
+      <a:schemeClr val="accent2">
+        <a:tint val="40000"/>
+        <a:alpha val="90000"/>
+      </a:schemeClr>
+      <a:schemeClr val="accent3">
+        <a:tint val="40000"/>
+        <a:alpha val="90000"/>
+      </a:schemeClr>
+    </dgm:fillClrLst>
+    <dgm:linClrLst>
+      <a:schemeClr val="accent2">
+        <a:tint val="40000"/>
+        <a:alpha val="90000"/>
+      </a:schemeClr>
+      <a:schemeClr val="accent3">
+        <a:tint val="40000"/>
+        <a:alpha val="90000"/>
+      </a:schemeClr>
+    </dgm:linClrLst>
+    <dgm:effectClrLst/>
+    <dgm:txLinClrLst/>
+    <dgm:txFillClrLst meth="repeat">
+      <a:schemeClr val="dk1"/>
+    </dgm:txFillClrLst>
+    <dgm:txEffectClrLst/>
+  </dgm:styleLbl>
+  <dgm:styleLbl name="alignAccFollowNode1">
+    <dgm:fillClrLst>
+      <a:schemeClr val="accent2">
+        <a:tint val="40000"/>
+        <a:alpha val="90000"/>
+      </a:schemeClr>
+      <a:schemeClr val="accent3">
+        <a:tint val="40000"/>
+        <a:alpha val="90000"/>
+      </a:schemeClr>
+    </dgm:fillClrLst>
+    <dgm:linClrLst>
+      <a:schemeClr val="accent2">
+        <a:tint val="40000"/>
+        <a:alpha val="90000"/>
+      </a:schemeClr>
+      <a:schemeClr val="accent3">
+        <a:tint val="40000"/>
+        <a:alpha val="90000"/>
+      </a:schemeClr>
+    </dgm:linClrLst>
+    <dgm:effectClrLst/>
+    <dgm:txLinClrLst/>
+    <dgm:txFillClrLst meth="repeat">
+      <a:schemeClr val="dk1"/>
+    </dgm:txFillClrLst>
+    <dgm:txEffectClrLst/>
+  </dgm:styleLbl>
+  <dgm:styleLbl name="bgAccFollowNode1">
+    <dgm:fillClrLst>
+      <a:schemeClr val="accent2">
+        <a:tint val="40000"/>
+        <a:alpha val="90000"/>
+      </a:schemeClr>
+      <a:schemeClr val="accent3">
+        <a:tint val="40000"/>
+        <a:alpha val="90000"/>
+      </a:schemeClr>
+    </dgm:fillClrLst>
+    <dgm:linClrLst>
+      <a:schemeClr val="accent2">
+        <a:tint val="40000"/>
+        <a:alpha val="90000"/>
+      </a:schemeClr>
+      <a:schemeClr val="accent3">
+        <a:tint val="40000"/>
+        <a:alpha val="90000"/>
+      </a:schemeClr>
+    </dgm:linClrLst>
+    <dgm:effectClrLst/>
+    <dgm:txLinClrLst/>
+    <dgm:txFillClrLst meth="repeat">
+      <a:schemeClr val="dk1"/>
+    </dgm:txFillClrLst>
+    <dgm:txEffectClrLst/>
+  </dgm:styleLbl>
+  <dgm:styleLbl name="fgAcc0">
+    <dgm:fillClrLst meth="repeat">
+      <a:schemeClr val="lt1">
+        <a:alpha val="90000"/>
+      </a:schemeClr>
+    </dgm:fillClrLst>
+    <dgm:linClrLst>
+      <a:schemeClr val="accent1"/>
+    </dgm:linClrLst>
+    <dgm:effectClrLst/>
+    <dgm:txLinClrLst/>
+    <dgm:txFillClrLst meth="repeat">
+      <a:schemeClr val="dk1"/>
+    </dgm:txFillClrLst>
+    <dgm:txEffectClrLst/>
+  </dgm:styleLbl>
+  <dgm:styleLbl name="fgAcc2">
+    <dgm:fillClrLst meth="repeat">
+      <a:schemeClr val="lt1">
+        <a:alpha val="90000"/>
+      </a:schemeClr>
+    </dgm:fillClrLst>
+    <dgm:linClrLst>
+      <a:schemeClr val="accent3"/>
+    </dgm:linClrLst>
+    <dgm:effectClrLst/>
+    <dgm:txLinClrLst/>
+    <dgm:txFillClrLst meth="repeat">
+      <a:schemeClr val="dk1"/>
+    </dgm:txFillClrLst>
+    <dgm:txEffectClrLst/>
+  </dgm:styleLbl>
+  <dgm:styleLbl name="fgAcc3">
+    <dgm:fillClrLst meth="repeat">
+      <a:schemeClr val="lt1">
+        <a:alpha val="90000"/>
+      </a:schemeClr>
+    </dgm:fillClrLst>
+    <dgm:linClrLst>
+      <a:schemeClr val="accent4"/>
+    </dgm:linClrLst>
+    <dgm:effectClrLst/>
+    <dgm:txLinClrLst/>
+    <dgm:txFillClrLst meth="repeat">
+      <a:schemeClr val="dk1"/>
+    </dgm:txFillClrLst>
+    <dgm:txEffectClrLst/>
+  </dgm:styleLbl>
+  <dgm:styleLbl name="fgAcc4">
+    <dgm:fillClrLst meth="repeat">
+      <a:schemeClr val="lt1">
+        <a:alpha val="90000"/>
+      </a:schemeClr>
+    </dgm:fillClrLst>
+    <dgm:linClrLst>
+      <a:schemeClr val="accent5"/>
+    </dgm:linClrLst>
+    <dgm:effectClrLst/>
+    <dgm:txLinClrLst/>
+    <dgm:txFillClrLst meth="repeat">
+      <a:schemeClr val="dk1"/>
+    </dgm:txFillClrLst>
+    <dgm:txEffectClrLst/>
+  </dgm:styleLbl>
+  <dgm:styleLbl name="bgShp">
+    <dgm:fillClrLst meth="repeat">
+      <a:schemeClr val="accent2">
+        <a:tint val="40000"/>
+      </a:schemeClr>
+    </dgm:fillClrLst>
+    <dgm:linClrLst meth="repeat">
+      <a:schemeClr val="dk1"/>
+    </dgm:linClrLst>
+    <dgm:effectClrLst/>
+    <dgm:txLinClrLst/>
+    <dgm:txFillClrLst meth="repeat">
+      <a:schemeClr val="dk1"/>
+    </dgm:txFillClrLst>
+    <dgm:txEffectClrLst/>
+  </dgm:styleLbl>
+  <dgm:styleLbl name="dkBgShp">
+    <dgm:fillClrLst meth="repeat">
+      <a:schemeClr val="accent2">
+        <a:shade val="90000"/>
+      </a:schemeClr>
+    </dgm:fillClrLst>
+    <dgm:linClrLst meth="repeat">
+      <a:schemeClr val="dk1"/>
+    </dgm:linClrLst>
+    <dgm:effectClrLst/>
+    <dgm:txLinClrLst/>
+    <dgm:txFillClrLst meth="repeat">
+      <a:schemeClr val="lt1"/>
+    </dgm:txFillClrLst>
+    <dgm:txEffectClrLst/>
+  </dgm:styleLbl>
+  <dgm:styleLbl name="trBgShp">
+    <dgm:fillClrLst meth="repeat">
+      <a:schemeClr val="accent2">
+        <a:tint val="50000"/>
+        <a:alpha val="40000"/>
+      </a:schemeClr>
+    </dgm:fillClrLst>
+    <dgm:linClrLst meth="repeat">
+      <a:schemeClr val="accent2"/>
+    </dgm:linClrLst>
+    <dgm:effectClrLst/>
+    <dgm:txLinClrLst/>
+    <dgm:txFillClrLst meth="repeat">
+      <a:schemeClr val="lt1"/>
+    </dgm:txFillClrLst>
+    <dgm:txEffectClrLst/>
+  </dgm:styleLbl>
+  <dgm:styleLbl name="fgShp">
+    <dgm:fillClrLst meth="repeat">
+      <a:schemeClr val="accent2">
+        <a:tint val="40000"/>
+      </a:schemeClr>
+    </dgm:fillClrLst>
+    <dgm:linClrLst meth="repeat">
+      <a:schemeClr val="lt1"/>
+    </dgm:linClrLst>
+    <dgm:effectClrLst/>
+    <dgm:txLinClrLst/>
+    <dgm:txFillClrLst meth="repeat">
+      <a:schemeClr val="dk1"/>
+    </dgm:txFillClrLst>
+    <dgm:txEffectClrLst/>
+  </dgm:styleLbl>
+  <dgm:styleLbl name="revTx">
+    <dgm:fillClrLst meth="repeat">
+      <a:schemeClr val="lt1">
+        <a:alpha val="0"/>
+      </a:schemeClr>
+    </dgm:fillClrLst>
+    <dgm:linClrLst meth="repeat">
+      <a:schemeClr val="dk1">
+        <a:alpha val="0"/>
+      </a:schemeClr>
+    </dgm:linClrLst>
+    <dgm:effectClrLst/>
+    <dgm:txLinClrLst/>
+    <dgm:txFillClrLst meth="repeat">
+      <a:schemeClr val="tx1"/>
+    </dgm:txFillClrLst>
+    <dgm:txEffectClrLst/>
+  </dgm:styleLbl>
+</dgm:colorsDef>
+</file>
+
+<file path=ppt/diagrams/data1.xml><?xml version="1.0" encoding="utf-8"?>
+<dgm:dataModel xmlns:dgm="http://schemas.openxmlformats.org/drawingml/2006/diagram" xmlns:a="http://schemas.openxmlformats.org/drawingml/2006/main">
+  <dgm:ptLst>
+    <dgm:pt modelId="{17BFA331-6977-402A-BF43-FDA9F10E3F0C}" type="doc">
+      <dgm:prSet loTypeId="urn:microsoft.com/office/officeart/2005/8/layout/vProcess5" loCatId="process" qsTypeId="urn:microsoft.com/office/officeart/2005/8/quickstyle/simple1" qsCatId="simple" csTypeId="urn:microsoft.com/office/officeart/2005/8/colors/colorful2" csCatId="colorful" phldr="1"/>
+      <dgm:spPr/>
+      <dgm:t>
+        <a:bodyPr/>
+        <a:lstStyle/>
+        <a:p>
+          <a:endParaRPr lang="en-US"/>
+        </a:p>
+      </dgm:t>
+    </dgm:pt>
+    <dgm:pt modelId="{9D83F4AD-EEC8-425A-BC5C-C1028EC5C93A}">
+      <dgm:prSet/>
+      <dgm:spPr/>
+      <dgm:t>
+        <a:bodyPr/>
+        <a:lstStyle/>
+        <a:p>
+          <a:r>
+            <a:rPr lang="fr-FR" dirty="0"/>
+            <a:t>Prédire l’activité de la personne </a:t>
+          </a:r>
+          <a:endParaRPr lang="en-US" dirty="0"/>
+        </a:p>
+      </dgm:t>
+    </dgm:pt>
+    <dgm:pt modelId="{3AB18D23-2BBC-432D-935F-BEC3327840D6}" type="parTrans" cxnId="{9FA1991B-7FF5-4309-9399-0DEF67224B85}">
+      <dgm:prSet/>
+      <dgm:spPr/>
+      <dgm:t>
+        <a:bodyPr/>
+        <a:lstStyle/>
+        <a:p>
+          <a:endParaRPr lang="en-US"/>
+        </a:p>
+      </dgm:t>
+    </dgm:pt>
+    <dgm:pt modelId="{DF2BD833-0A94-4B83-8B08-A10D605337B9}" type="sibTrans" cxnId="{9FA1991B-7FF5-4309-9399-0DEF67224B85}">
+      <dgm:prSet/>
+      <dgm:spPr/>
+      <dgm:t>
+        <a:bodyPr/>
+        <a:lstStyle/>
+        <a:p>
+          <a:endParaRPr lang="en-US"/>
+        </a:p>
+      </dgm:t>
+    </dgm:pt>
+    <dgm:pt modelId="{ABCAE689-0945-49A4-B3CE-C45B6D4D7785}">
+      <dgm:prSet/>
+      <dgm:spPr/>
+      <dgm:t>
+        <a:bodyPr/>
+        <a:lstStyle/>
+        <a:p>
+          <a:r>
+            <a:rPr lang="fr-FR"/>
+            <a:t>Ce dataset à été réaliser dans le but de fournir à la communauté un dataset assez grand à analyser pour pouvoir améliorer la détection de via Photoplethysmography. </a:t>
+          </a:r>
+          <a:endParaRPr lang="en-US"/>
+        </a:p>
+      </dgm:t>
+    </dgm:pt>
+    <dgm:pt modelId="{29A491C5-4DEA-4A7E-960C-E1F92F809CBD}" type="parTrans" cxnId="{5494E242-1FFE-44DD-B165-0A89FC657740}">
+      <dgm:prSet/>
+      <dgm:spPr/>
+      <dgm:t>
+        <a:bodyPr/>
+        <a:lstStyle/>
+        <a:p>
+          <a:endParaRPr lang="en-US"/>
+        </a:p>
+      </dgm:t>
+    </dgm:pt>
+    <dgm:pt modelId="{8F32A0A3-8549-4F1B-A467-1B6A34985175}" type="sibTrans" cxnId="{5494E242-1FFE-44DD-B165-0A89FC657740}">
+      <dgm:prSet/>
+      <dgm:spPr/>
+      <dgm:t>
+        <a:bodyPr/>
+        <a:lstStyle/>
+        <a:p>
+          <a:endParaRPr lang="en-US"/>
+        </a:p>
+      </dgm:t>
+    </dgm:pt>
+    <dgm:pt modelId="{75160A2F-6AF4-4F5E-A4F8-5981E2EE6D30}">
+      <dgm:prSet/>
+      <dgm:spPr/>
+      <dgm:t>
+        <a:bodyPr/>
+        <a:lstStyle/>
+        <a:p>
+          <a:r>
+            <a:rPr lang="fr-FR"/>
+            <a:t>Nous utiliserons ici ce Dataset non pas pour prédire l’activité cardiaque de la personne en fonction de son activité mais l’inverse. </a:t>
+          </a:r>
+          <a:endParaRPr lang="en-US"/>
+        </a:p>
+      </dgm:t>
+    </dgm:pt>
+    <dgm:pt modelId="{B74B236C-00A0-47CD-B427-04936B30EAEB}" type="parTrans" cxnId="{FC0D6FA2-DBD3-4966-B2A1-01C8DE52D900}">
+      <dgm:prSet/>
+      <dgm:spPr/>
+      <dgm:t>
+        <a:bodyPr/>
+        <a:lstStyle/>
+        <a:p>
+          <a:endParaRPr lang="en-US"/>
+        </a:p>
+      </dgm:t>
+    </dgm:pt>
+    <dgm:pt modelId="{CC78DCFF-0F14-4BD8-B755-60882B8AC4C2}" type="sibTrans" cxnId="{FC0D6FA2-DBD3-4966-B2A1-01C8DE52D900}">
+      <dgm:prSet/>
+      <dgm:spPr/>
+      <dgm:t>
+        <a:bodyPr/>
+        <a:lstStyle/>
+        <a:p>
+          <a:endParaRPr lang="en-US"/>
+        </a:p>
+      </dgm:t>
+    </dgm:pt>
+    <dgm:pt modelId="{E580CBAF-88C9-4BE4-BA23-E0CAFE2D6E67}" type="pres">
+      <dgm:prSet presAssocID="{17BFA331-6977-402A-BF43-FDA9F10E3F0C}" presName="outerComposite" presStyleCnt="0">
+        <dgm:presLayoutVars>
+          <dgm:chMax val="5"/>
+          <dgm:dir/>
+          <dgm:resizeHandles val="exact"/>
+        </dgm:presLayoutVars>
+      </dgm:prSet>
+      <dgm:spPr/>
+    </dgm:pt>
+    <dgm:pt modelId="{F5F5E04E-E222-4278-9ED1-DA8D1696B3F8}" type="pres">
+      <dgm:prSet presAssocID="{17BFA331-6977-402A-BF43-FDA9F10E3F0C}" presName="dummyMaxCanvas" presStyleCnt="0">
+        <dgm:presLayoutVars/>
+      </dgm:prSet>
+      <dgm:spPr/>
+    </dgm:pt>
+    <dgm:pt modelId="{859D86DC-7E28-4C6B-9789-23BF2A81C1AC}" type="pres">
+      <dgm:prSet presAssocID="{17BFA331-6977-402A-BF43-FDA9F10E3F0C}" presName="ThreeNodes_1" presStyleLbl="node1" presStyleIdx="0" presStyleCnt="3">
+        <dgm:presLayoutVars>
+          <dgm:bulletEnabled val="1"/>
+        </dgm:presLayoutVars>
+      </dgm:prSet>
+      <dgm:spPr/>
+    </dgm:pt>
+    <dgm:pt modelId="{7D39224A-3C8A-483E-9C9E-C86A6D6AF577}" type="pres">
+      <dgm:prSet presAssocID="{17BFA331-6977-402A-BF43-FDA9F10E3F0C}" presName="ThreeNodes_2" presStyleLbl="node1" presStyleIdx="1" presStyleCnt="3">
+        <dgm:presLayoutVars>
+          <dgm:bulletEnabled val="1"/>
+        </dgm:presLayoutVars>
+      </dgm:prSet>
+      <dgm:spPr/>
+    </dgm:pt>
+    <dgm:pt modelId="{143637AA-4C87-47F0-8989-1162E7901F1B}" type="pres">
+      <dgm:prSet presAssocID="{17BFA331-6977-402A-BF43-FDA9F10E3F0C}" presName="ThreeNodes_3" presStyleLbl="node1" presStyleIdx="2" presStyleCnt="3">
+        <dgm:presLayoutVars>
+          <dgm:bulletEnabled val="1"/>
+        </dgm:presLayoutVars>
+      </dgm:prSet>
+      <dgm:spPr/>
+    </dgm:pt>
+    <dgm:pt modelId="{BF562B8B-8584-4BB0-A37F-4B150C61E2CF}" type="pres">
+      <dgm:prSet presAssocID="{17BFA331-6977-402A-BF43-FDA9F10E3F0C}" presName="ThreeConn_1-2" presStyleLbl="fgAccFollowNode1" presStyleIdx="0" presStyleCnt="2">
+        <dgm:presLayoutVars>
+          <dgm:bulletEnabled val="1"/>
+        </dgm:presLayoutVars>
+      </dgm:prSet>
+      <dgm:spPr/>
+    </dgm:pt>
+    <dgm:pt modelId="{3E5952A6-8B1B-417E-BD43-AA420F261E34}" type="pres">
+      <dgm:prSet presAssocID="{17BFA331-6977-402A-BF43-FDA9F10E3F0C}" presName="ThreeConn_2-3" presStyleLbl="fgAccFollowNode1" presStyleIdx="1" presStyleCnt="2">
+        <dgm:presLayoutVars>
+          <dgm:bulletEnabled val="1"/>
+        </dgm:presLayoutVars>
+      </dgm:prSet>
+      <dgm:spPr/>
+    </dgm:pt>
+    <dgm:pt modelId="{3802A1D9-FF55-4233-88CB-B7B6AECC1347}" type="pres">
+      <dgm:prSet presAssocID="{17BFA331-6977-402A-BF43-FDA9F10E3F0C}" presName="ThreeNodes_1_text" presStyleLbl="node1" presStyleIdx="2" presStyleCnt="3">
+        <dgm:presLayoutVars>
+          <dgm:bulletEnabled val="1"/>
+        </dgm:presLayoutVars>
+      </dgm:prSet>
+      <dgm:spPr/>
+    </dgm:pt>
+    <dgm:pt modelId="{55EBD083-FB93-4C5C-A422-4147644EE04A}" type="pres">
+      <dgm:prSet presAssocID="{17BFA331-6977-402A-BF43-FDA9F10E3F0C}" presName="ThreeNodes_2_text" presStyleLbl="node1" presStyleIdx="2" presStyleCnt="3">
+        <dgm:presLayoutVars>
+          <dgm:bulletEnabled val="1"/>
+        </dgm:presLayoutVars>
+      </dgm:prSet>
+      <dgm:spPr/>
+    </dgm:pt>
+    <dgm:pt modelId="{000C4BEA-FEE4-4A0E-BA04-2C3417F28F22}" type="pres">
+      <dgm:prSet presAssocID="{17BFA331-6977-402A-BF43-FDA9F10E3F0C}" presName="ThreeNodes_3_text" presStyleLbl="node1" presStyleIdx="2" presStyleCnt="3">
+        <dgm:presLayoutVars>
+          <dgm:bulletEnabled val="1"/>
+        </dgm:presLayoutVars>
+      </dgm:prSet>
+      <dgm:spPr/>
+    </dgm:pt>
+  </dgm:ptLst>
+  <dgm:cxnLst>
+    <dgm:cxn modelId="{9FA1991B-7FF5-4309-9399-0DEF67224B85}" srcId="{17BFA331-6977-402A-BF43-FDA9F10E3F0C}" destId="{9D83F4AD-EEC8-425A-BC5C-C1028EC5C93A}" srcOrd="0" destOrd="0" parTransId="{3AB18D23-2BBC-432D-935F-BEC3327840D6}" sibTransId="{DF2BD833-0A94-4B83-8B08-A10D605337B9}"/>
+    <dgm:cxn modelId="{CE74A531-9DA0-47BB-BBEB-0BD42C628191}" type="presOf" srcId="{DF2BD833-0A94-4B83-8B08-A10D605337B9}" destId="{BF562B8B-8584-4BB0-A37F-4B150C61E2CF}" srcOrd="0" destOrd="0" presId="urn:microsoft.com/office/officeart/2005/8/layout/vProcess5"/>
+    <dgm:cxn modelId="{5494E242-1FFE-44DD-B165-0A89FC657740}" srcId="{17BFA331-6977-402A-BF43-FDA9F10E3F0C}" destId="{ABCAE689-0945-49A4-B3CE-C45B6D4D7785}" srcOrd="1" destOrd="0" parTransId="{29A491C5-4DEA-4A7E-960C-E1F92F809CBD}" sibTransId="{8F32A0A3-8549-4F1B-A467-1B6A34985175}"/>
+    <dgm:cxn modelId="{679EED4D-8101-4D1D-90F5-DBA4E7424EDC}" type="presOf" srcId="{ABCAE689-0945-49A4-B3CE-C45B6D4D7785}" destId="{55EBD083-FB93-4C5C-A422-4147644EE04A}" srcOrd="1" destOrd="0" presId="urn:microsoft.com/office/officeart/2005/8/layout/vProcess5"/>
+    <dgm:cxn modelId="{23367C4E-0CC0-4393-A510-6DE2A97F6DA7}" type="presOf" srcId="{9D83F4AD-EEC8-425A-BC5C-C1028EC5C93A}" destId="{3802A1D9-FF55-4233-88CB-B7B6AECC1347}" srcOrd="1" destOrd="0" presId="urn:microsoft.com/office/officeart/2005/8/layout/vProcess5"/>
+    <dgm:cxn modelId="{08BF8378-8E96-4C4A-AC62-7F6A672718B7}" type="presOf" srcId="{75160A2F-6AF4-4F5E-A4F8-5981E2EE6D30}" destId="{143637AA-4C87-47F0-8989-1162E7901F1B}" srcOrd="0" destOrd="0" presId="urn:microsoft.com/office/officeart/2005/8/layout/vProcess5"/>
+    <dgm:cxn modelId="{4F36337B-8488-46AB-AEAA-C246D05CFF8A}" type="presOf" srcId="{8F32A0A3-8549-4F1B-A467-1B6A34985175}" destId="{3E5952A6-8B1B-417E-BD43-AA420F261E34}" srcOrd="0" destOrd="0" presId="urn:microsoft.com/office/officeart/2005/8/layout/vProcess5"/>
+    <dgm:cxn modelId="{FC0D6FA2-DBD3-4966-B2A1-01C8DE52D900}" srcId="{17BFA331-6977-402A-BF43-FDA9F10E3F0C}" destId="{75160A2F-6AF4-4F5E-A4F8-5981E2EE6D30}" srcOrd="2" destOrd="0" parTransId="{B74B236C-00A0-47CD-B427-04936B30EAEB}" sibTransId="{CC78DCFF-0F14-4BD8-B755-60882B8AC4C2}"/>
+    <dgm:cxn modelId="{F0E993CD-0ECD-4A11-99D7-48989C6B9A3E}" type="presOf" srcId="{17BFA331-6977-402A-BF43-FDA9F10E3F0C}" destId="{E580CBAF-88C9-4BE4-BA23-E0CAFE2D6E67}" srcOrd="0" destOrd="0" presId="urn:microsoft.com/office/officeart/2005/8/layout/vProcess5"/>
+    <dgm:cxn modelId="{539861F0-2399-4C3D-8DDA-48F473473E79}" type="presOf" srcId="{9D83F4AD-EEC8-425A-BC5C-C1028EC5C93A}" destId="{859D86DC-7E28-4C6B-9789-23BF2A81C1AC}" srcOrd="0" destOrd="0" presId="urn:microsoft.com/office/officeart/2005/8/layout/vProcess5"/>
+    <dgm:cxn modelId="{71A642F4-33C7-4FBD-9258-412D23EBA3BC}" type="presOf" srcId="{ABCAE689-0945-49A4-B3CE-C45B6D4D7785}" destId="{7D39224A-3C8A-483E-9C9E-C86A6D6AF577}" srcOrd="0" destOrd="0" presId="urn:microsoft.com/office/officeart/2005/8/layout/vProcess5"/>
+    <dgm:cxn modelId="{7ABEC0FC-B92A-46EB-9D31-B4188FD17C7B}" type="presOf" srcId="{75160A2F-6AF4-4F5E-A4F8-5981E2EE6D30}" destId="{000C4BEA-FEE4-4A0E-BA04-2C3417F28F22}" srcOrd="1" destOrd="0" presId="urn:microsoft.com/office/officeart/2005/8/layout/vProcess5"/>
+    <dgm:cxn modelId="{10077582-BDA3-40F8-A8B0-D521B6EB8CD6}" type="presParOf" srcId="{E580CBAF-88C9-4BE4-BA23-E0CAFE2D6E67}" destId="{F5F5E04E-E222-4278-9ED1-DA8D1696B3F8}" srcOrd="0" destOrd="0" presId="urn:microsoft.com/office/officeart/2005/8/layout/vProcess5"/>
+    <dgm:cxn modelId="{1B25C30A-3326-4AD2-A23D-0705743D79D9}" type="presParOf" srcId="{E580CBAF-88C9-4BE4-BA23-E0CAFE2D6E67}" destId="{859D86DC-7E28-4C6B-9789-23BF2A81C1AC}" srcOrd="1" destOrd="0" presId="urn:microsoft.com/office/officeart/2005/8/layout/vProcess5"/>
+    <dgm:cxn modelId="{58FB78DE-1953-4A8F-AE01-9E0951752B16}" type="presParOf" srcId="{E580CBAF-88C9-4BE4-BA23-E0CAFE2D6E67}" destId="{7D39224A-3C8A-483E-9C9E-C86A6D6AF577}" srcOrd="2" destOrd="0" presId="urn:microsoft.com/office/officeart/2005/8/layout/vProcess5"/>
+    <dgm:cxn modelId="{5CA02479-9CBF-4709-B1D8-4DAB423A859B}" type="presParOf" srcId="{E580CBAF-88C9-4BE4-BA23-E0CAFE2D6E67}" destId="{143637AA-4C87-47F0-8989-1162E7901F1B}" srcOrd="3" destOrd="0" presId="urn:microsoft.com/office/officeart/2005/8/layout/vProcess5"/>
+    <dgm:cxn modelId="{2AEAF0F0-37D4-4066-AC3F-D7C3756B30CA}" type="presParOf" srcId="{E580CBAF-88C9-4BE4-BA23-E0CAFE2D6E67}" destId="{BF562B8B-8584-4BB0-A37F-4B150C61E2CF}" srcOrd="4" destOrd="0" presId="urn:microsoft.com/office/officeart/2005/8/layout/vProcess5"/>
+    <dgm:cxn modelId="{B8EF7331-3562-438D-B03C-75E0149C6E9D}" type="presParOf" srcId="{E580CBAF-88C9-4BE4-BA23-E0CAFE2D6E67}" destId="{3E5952A6-8B1B-417E-BD43-AA420F261E34}" srcOrd="5" destOrd="0" presId="urn:microsoft.com/office/officeart/2005/8/layout/vProcess5"/>
+    <dgm:cxn modelId="{02E2EFE7-2045-4337-8EA3-8902ECF15878}" type="presParOf" srcId="{E580CBAF-88C9-4BE4-BA23-E0CAFE2D6E67}" destId="{3802A1D9-FF55-4233-88CB-B7B6AECC1347}" srcOrd="6" destOrd="0" presId="urn:microsoft.com/office/officeart/2005/8/layout/vProcess5"/>
+    <dgm:cxn modelId="{EB776319-AEB5-42C2-BF66-AF689970BEC3}" type="presParOf" srcId="{E580CBAF-88C9-4BE4-BA23-E0CAFE2D6E67}" destId="{55EBD083-FB93-4C5C-A422-4147644EE04A}" srcOrd="7" destOrd="0" presId="urn:microsoft.com/office/officeart/2005/8/layout/vProcess5"/>
+    <dgm:cxn modelId="{BDC619F8-DB29-46A9-A28C-131B7AC6ED6E}" type="presParOf" srcId="{E580CBAF-88C9-4BE4-BA23-E0CAFE2D6E67}" destId="{000C4BEA-FEE4-4A0E-BA04-2C3417F28F22}" srcOrd="8" destOrd="0" presId="urn:microsoft.com/office/officeart/2005/8/layout/vProcess5"/>
+  </dgm:cxnLst>
+  <dgm:bg/>
+  <dgm:whole/>
+  <dgm:extLst>
+    <a:ext uri="http://schemas.microsoft.com/office/drawing/2008/diagram">
+      <dsp:dataModelExt xmlns:dsp="http://schemas.microsoft.com/office/drawing/2008/diagram" relId="rId6" minVer="http://schemas.openxmlformats.org/drawingml/2006/diagram"/>
+    </a:ext>
+  </dgm:extLst>
+</dgm:dataModel>
+</file>
+
+<file path=ppt/diagrams/drawing1.xml><?xml version="1.0" encoding="utf-8"?>
+<dsp:drawing xmlns:dgm="http://schemas.openxmlformats.org/drawingml/2006/diagram" xmlns:dsp="http://schemas.microsoft.com/office/drawing/2008/diagram" xmlns:a="http://schemas.openxmlformats.org/drawingml/2006/main">
+  <dsp:spTree>
+    <dsp:nvGrpSpPr>
+      <dsp:cNvPr id="0" name=""/>
+      <dsp:cNvGrpSpPr/>
+    </dsp:nvGrpSpPr>
+    <dsp:grpSpPr/>
+    <dsp:sp modelId="{859D86DC-7E28-4C6B-9789-23BF2A81C1AC}">
+      <dsp:nvSpPr>
+        <dsp:cNvPr id="0" name=""/>
+        <dsp:cNvSpPr/>
+      </dsp:nvSpPr>
+      <dsp:spPr>
+        <a:xfrm>
+          <a:off x="0" y="0"/>
+          <a:ext cx="5778023" cy="1694973"/>
+        </a:xfrm>
+        <a:prstGeom prst="roundRect">
+          <a:avLst>
+            <a:gd name="adj" fmla="val 10000"/>
+          </a:avLst>
+        </a:prstGeom>
+        <a:solidFill>
+          <a:schemeClr val="accent2">
+            <a:hueOff val="0"/>
+            <a:satOff val="0"/>
+            <a:lumOff val="0"/>
+            <a:alphaOff val="0"/>
+          </a:schemeClr>
+        </a:solidFill>
+        <a:ln w="15875" cap="flat" cmpd="sng" algn="ctr">
+          <a:solidFill>
+            <a:schemeClr val="lt1">
+              <a:hueOff val="0"/>
+              <a:satOff val="0"/>
+              <a:lumOff val="0"/>
+              <a:alphaOff val="0"/>
+            </a:schemeClr>
+          </a:solidFill>
+          <a:prstDash val="solid"/>
+        </a:ln>
+        <a:effectLst/>
+      </dsp:spPr>
+      <dsp:style>
+        <a:lnRef idx="2">
+          <a:scrgbClr r="0" g="0" b="0"/>
+        </a:lnRef>
+        <a:fillRef idx="1">
+          <a:scrgbClr r="0" g="0" b="0"/>
+        </a:fillRef>
+        <a:effectRef idx="0">
+          <a:scrgbClr r="0" g="0" b="0"/>
+        </a:effectRef>
+        <a:fontRef idx="minor">
+          <a:schemeClr val="lt1"/>
+        </a:fontRef>
+      </dsp:style>
+      <dsp:txBody>
+        <a:bodyPr spcFirstLastPara="0" vert="horz" wrap="square" lIns="76200" tIns="76200" rIns="76200" bIns="76200" numCol="1" spcCol="1270" anchor="ctr" anchorCtr="0">
+          <a:noAutofit/>
+        </a:bodyPr>
+        <a:lstStyle/>
+        <a:p>
+          <a:pPr marL="0" lvl="0" indent="0" algn="l" defTabSz="889000">
+            <a:lnSpc>
+              <a:spcPct val="90000"/>
+            </a:lnSpc>
+            <a:spcBef>
+              <a:spcPct val="0"/>
+            </a:spcBef>
+            <a:spcAft>
+              <a:spcPct val="35000"/>
+            </a:spcAft>
+            <a:buNone/>
+          </a:pPr>
+          <a:r>
+            <a:rPr lang="fr-FR" sz="2000" kern="1200" dirty="0"/>
+            <a:t>Prédire l’activité de la personne </a:t>
+          </a:r>
+          <a:endParaRPr lang="en-US" sz="2000" kern="1200" dirty="0"/>
+        </a:p>
+      </dsp:txBody>
+      <dsp:txXfrm>
+        <a:off x="49644" y="49644"/>
+        <a:ext cx="3949015" cy="1595685"/>
+      </dsp:txXfrm>
+    </dsp:sp>
+    <dsp:sp modelId="{7D39224A-3C8A-483E-9C9E-C86A6D6AF577}">
+      <dsp:nvSpPr>
+        <dsp:cNvPr id="0" name=""/>
+        <dsp:cNvSpPr/>
+      </dsp:nvSpPr>
+      <dsp:spPr>
+        <a:xfrm>
+          <a:off x="509825" y="1977469"/>
+          <a:ext cx="5778023" cy="1694973"/>
+        </a:xfrm>
+        <a:prstGeom prst="roundRect">
+          <a:avLst>
+            <a:gd name="adj" fmla="val 10000"/>
+          </a:avLst>
+        </a:prstGeom>
+        <a:solidFill>
+          <a:schemeClr val="accent2">
+            <a:hueOff val="19519"/>
+            <a:satOff val="-13438"/>
+            <a:lumOff val="-3431"/>
+            <a:alphaOff val="0"/>
+          </a:schemeClr>
+        </a:solidFill>
+        <a:ln w="15875" cap="flat" cmpd="sng" algn="ctr">
+          <a:solidFill>
+            <a:schemeClr val="lt1">
+              <a:hueOff val="0"/>
+              <a:satOff val="0"/>
+              <a:lumOff val="0"/>
+              <a:alphaOff val="0"/>
+            </a:schemeClr>
+          </a:solidFill>
+          <a:prstDash val="solid"/>
+        </a:ln>
+        <a:effectLst/>
+      </dsp:spPr>
+      <dsp:style>
+        <a:lnRef idx="2">
+          <a:scrgbClr r="0" g="0" b="0"/>
+        </a:lnRef>
+        <a:fillRef idx="1">
+          <a:scrgbClr r="0" g="0" b="0"/>
+        </a:fillRef>
+        <a:effectRef idx="0">
+          <a:scrgbClr r="0" g="0" b="0"/>
+        </a:effectRef>
+        <a:fontRef idx="minor">
+          <a:schemeClr val="lt1"/>
+        </a:fontRef>
+      </dsp:style>
+      <dsp:txBody>
+        <a:bodyPr spcFirstLastPara="0" vert="horz" wrap="square" lIns="76200" tIns="76200" rIns="76200" bIns="76200" numCol="1" spcCol="1270" anchor="ctr" anchorCtr="0">
+          <a:noAutofit/>
+        </a:bodyPr>
+        <a:lstStyle/>
+        <a:p>
+          <a:pPr marL="0" lvl="0" indent="0" algn="l" defTabSz="889000">
+            <a:lnSpc>
+              <a:spcPct val="90000"/>
+            </a:lnSpc>
+            <a:spcBef>
+              <a:spcPct val="0"/>
+            </a:spcBef>
+            <a:spcAft>
+              <a:spcPct val="35000"/>
+            </a:spcAft>
+            <a:buNone/>
+          </a:pPr>
+          <a:r>
+            <a:rPr lang="fr-FR" sz="2000" kern="1200"/>
+            <a:t>Ce dataset à été réaliser dans le but de fournir à la communauté un dataset assez grand à analyser pour pouvoir améliorer la détection de via Photoplethysmography. </a:t>
+          </a:r>
+          <a:endParaRPr lang="en-US" sz="2000" kern="1200"/>
+        </a:p>
+      </dsp:txBody>
+      <dsp:txXfrm>
+        <a:off x="559469" y="2027113"/>
+        <a:ext cx="4067177" cy="1595685"/>
+      </dsp:txXfrm>
+    </dsp:sp>
+    <dsp:sp modelId="{143637AA-4C87-47F0-8989-1162E7901F1B}">
+      <dsp:nvSpPr>
+        <dsp:cNvPr id="0" name=""/>
+        <dsp:cNvSpPr/>
+      </dsp:nvSpPr>
+      <dsp:spPr>
+        <a:xfrm>
+          <a:off x="1019651" y="3954938"/>
+          <a:ext cx="5778023" cy="1694973"/>
+        </a:xfrm>
+        <a:prstGeom prst="roundRect">
+          <a:avLst>
+            <a:gd name="adj" fmla="val 10000"/>
+          </a:avLst>
+        </a:prstGeom>
+        <a:solidFill>
+          <a:schemeClr val="accent2">
+            <a:hueOff val="39038"/>
+            <a:satOff val="-26876"/>
+            <a:lumOff val="-6863"/>
+            <a:alphaOff val="0"/>
+          </a:schemeClr>
+        </a:solidFill>
+        <a:ln w="15875" cap="flat" cmpd="sng" algn="ctr">
+          <a:solidFill>
+            <a:schemeClr val="lt1">
+              <a:hueOff val="0"/>
+              <a:satOff val="0"/>
+              <a:lumOff val="0"/>
+              <a:alphaOff val="0"/>
+            </a:schemeClr>
+          </a:solidFill>
+          <a:prstDash val="solid"/>
+        </a:ln>
+        <a:effectLst/>
+      </dsp:spPr>
+      <dsp:style>
+        <a:lnRef idx="2">
+          <a:scrgbClr r="0" g="0" b="0"/>
+        </a:lnRef>
+        <a:fillRef idx="1">
+          <a:scrgbClr r="0" g="0" b="0"/>
+        </a:fillRef>
+        <a:effectRef idx="0">
+          <a:scrgbClr r="0" g="0" b="0"/>
+        </a:effectRef>
+        <a:fontRef idx="minor">
+          <a:schemeClr val="lt1"/>
+        </a:fontRef>
+      </dsp:style>
+      <dsp:txBody>
+        <a:bodyPr spcFirstLastPara="0" vert="horz" wrap="square" lIns="76200" tIns="76200" rIns="76200" bIns="76200" numCol="1" spcCol="1270" anchor="ctr" anchorCtr="0">
+          <a:noAutofit/>
+        </a:bodyPr>
+        <a:lstStyle/>
+        <a:p>
+          <a:pPr marL="0" lvl="0" indent="0" algn="l" defTabSz="889000">
+            <a:lnSpc>
+              <a:spcPct val="90000"/>
+            </a:lnSpc>
+            <a:spcBef>
+              <a:spcPct val="0"/>
+            </a:spcBef>
+            <a:spcAft>
+              <a:spcPct val="35000"/>
+            </a:spcAft>
+            <a:buNone/>
+          </a:pPr>
+          <a:r>
+            <a:rPr lang="fr-FR" sz="2000" kern="1200"/>
+            <a:t>Nous utiliserons ici ce Dataset non pas pour prédire l’activité cardiaque de la personne en fonction de son activité mais l’inverse. </a:t>
+          </a:r>
+          <a:endParaRPr lang="en-US" sz="2000" kern="1200"/>
+        </a:p>
+      </dsp:txBody>
+      <dsp:txXfrm>
+        <a:off x="1069295" y="4004582"/>
+        <a:ext cx="4067177" cy="1595685"/>
+      </dsp:txXfrm>
+    </dsp:sp>
+    <dsp:sp modelId="{BF562B8B-8584-4BB0-A37F-4B150C61E2CF}">
+      <dsp:nvSpPr>
+        <dsp:cNvPr id="0" name=""/>
+        <dsp:cNvSpPr/>
+      </dsp:nvSpPr>
+      <dsp:spPr>
+        <a:xfrm>
+          <a:off x="4676290" y="1285354"/>
+          <a:ext cx="1101732" cy="1101732"/>
+        </a:xfrm>
+        <a:prstGeom prst="downArrow">
+          <a:avLst>
+            <a:gd name="adj1" fmla="val 55000"/>
+            <a:gd name="adj2" fmla="val 45000"/>
+          </a:avLst>
+        </a:prstGeom>
+        <a:solidFill>
+          <a:schemeClr val="accent2">
+            <a:tint val="40000"/>
+            <a:alpha val="90000"/>
+            <a:hueOff val="0"/>
+            <a:satOff val="0"/>
+            <a:lumOff val="0"/>
+            <a:alphaOff val="0"/>
+          </a:schemeClr>
+        </a:solidFill>
+        <a:ln w="15875" cap="flat" cmpd="sng" algn="ctr">
+          <a:solidFill>
+            <a:schemeClr val="accent2">
+              <a:tint val="40000"/>
+              <a:alpha val="90000"/>
+              <a:hueOff val="0"/>
+              <a:satOff val="0"/>
+              <a:lumOff val="0"/>
+              <a:alphaOff val="0"/>
+            </a:schemeClr>
+          </a:solidFill>
+          <a:prstDash val="solid"/>
+        </a:ln>
+        <a:effectLst/>
+      </dsp:spPr>
+      <dsp:style>
+        <a:lnRef idx="2">
+          <a:scrgbClr r="0" g="0" b="0"/>
+        </a:lnRef>
+        <a:fillRef idx="1">
+          <a:scrgbClr r="0" g="0" b="0"/>
+        </a:fillRef>
+        <a:effectRef idx="0">
+          <a:scrgbClr r="0" g="0" b="0"/>
+        </a:effectRef>
+        <a:fontRef idx="minor"/>
+      </dsp:style>
+      <dsp:txBody>
+        <a:bodyPr spcFirstLastPara="0" vert="horz" wrap="square" lIns="45720" tIns="45720" rIns="45720" bIns="45720" numCol="1" spcCol="1270" anchor="ctr" anchorCtr="0">
+          <a:noAutofit/>
+        </a:bodyPr>
+        <a:lstStyle/>
+        <a:p>
+          <a:pPr marL="0" lvl="0" indent="0" algn="ctr" defTabSz="1600200">
+            <a:lnSpc>
+              <a:spcPct val="90000"/>
+            </a:lnSpc>
+            <a:spcBef>
+              <a:spcPct val="0"/>
+            </a:spcBef>
+            <a:spcAft>
+              <a:spcPct val="35000"/>
+            </a:spcAft>
+            <a:buNone/>
+          </a:pPr>
+          <a:endParaRPr lang="en-US" sz="3600" kern="1200"/>
+        </a:p>
+      </dsp:txBody>
+      <dsp:txXfrm>
+        <a:off x="4924180" y="1285354"/>
+        <a:ext cx="605952" cy="829053"/>
+      </dsp:txXfrm>
+    </dsp:sp>
+    <dsp:sp modelId="{3E5952A6-8B1B-417E-BD43-AA420F261E34}">
+      <dsp:nvSpPr>
+        <dsp:cNvPr id="0" name=""/>
+        <dsp:cNvSpPr/>
+      </dsp:nvSpPr>
+      <dsp:spPr>
+        <a:xfrm>
+          <a:off x="5186116" y="3251524"/>
+          <a:ext cx="1101732" cy="1101732"/>
+        </a:xfrm>
+        <a:prstGeom prst="downArrow">
+          <a:avLst>
+            <a:gd name="adj1" fmla="val 55000"/>
+            <a:gd name="adj2" fmla="val 45000"/>
+          </a:avLst>
+        </a:prstGeom>
+        <a:solidFill>
+          <a:schemeClr val="accent2">
+            <a:tint val="40000"/>
+            <a:alpha val="90000"/>
+            <a:hueOff val="247198"/>
+            <a:satOff val="-23816"/>
+            <a:lumOff val="-2511"/>
+            <a:alphaOff val="0"/>
+          </a:schemeClr>
+        </a:solidFill>
+        <a:ln w="15875" cap="flat" cmpd="sng" algn="ctr">
+          <a:solidFill>
+            <a:schemeClr val="accent2">
+              <a:tint val="40000"/>
+              <a:alpha val="90000"/>
+              <a:hueOff val="247198"/>
+              <a:satOff val="-23816"/>
+              <a:lumOff val="-2511"/>
+              <a:alphaOff val="0"/>
+            </a:schemeClr>
+          </a:solidFill>
+          <a:prstDash val="solid"/>
+        </a:ln>
+        <a:effectLst/>
+      </dsp:spPr>
+      <dsp:style>
+        <a:lnRef idx="2">
+          <a:scrgbClr r="0" g="0" b="0"/>
+        </a:lnRef>
+        <a:fillRef idx="1">
+          <a:scrgbClr r="0" g="0" b="0"/>
+        </a:fillRef>
+        <a:effectRef idx="0">
+          <a:scrgbClr r="0" g="0" b="0"/>
+        </a:effectRef>
+        <a:fontRef idx="minor"/>
+      </dsp:style>
+      <dsp:txBody>
+        <a:bodyPr spcFirstLastPara="0" vert="horz" wrap="square" lIns="45720" tIns="45720" rIns="45720" bIns="45720" numCol="1" spcCol="1270" anchor="ctr" anchorCtr="0">
+          <a:noAutofit/>
+        </a:bodyPr>
+        <a:lstStyle/>
+        <a:p>
+          <a:pPr marL="0" lvl="0" indent="0" algn="ctr" defTabSz="1600200">
+            <a:lnSpc>
+              <a:spcPct val="90000"/>
+            </a:lnSpc>
+            <a:spcBef>
+              <a:spcPct val="0"/>
+            </a:spcBef>
+            <a:spcAft>
+              <a:spcPct val="35000"/>
+            </a:spcAft>
+            <a:buNone/>
+          </a:pPr>
+          <a:endParaRPr lang="en-US" sz="3600" kern="1200"/>
+        </a:p>
+      </dsp:txBody>
+      <dsp:txXfrm>
+        <a:off x="5434006" y="3251524"/>
+        <a:ext cx="605952" cy="829053"/>
+      </dsp:txXfrm>
+    </dsp:sp>
+  </dsp:spTree>
+</dsp:drawing>
+</file>
+
+<file path=ppt/diagrams/layout1.xml><?xml version="1.0" encoding="utf-8"?>
+<dgm:layoutDef xmlns:dgm="http://schemas.openxmlformats.org/drawingml/2006/diagram" xmlns:a="http://schemas.openxmlformats.org/drawingml/2006/main" uniqueId="urn:microsoft.com/office/officeart/2005/8/layout/vProcess5">
+  <dgm:title val=""/>
+  <dgm:desc val=""/>
+  <dgm:catLst>
+    <dgm:cat type="process" pri="14000"/>
+  </dgm:catLst>
+  <dgm:sampData>
+    <dgm:dataModel>
+      <dgm:ptLst>
+        <dgm:pt modelId="0" type="doc"/>
+        <dgm:pt modelId="1">
+          <dgm:prSet phldr="1"/>
+        </dgm:pt>
+        <dgm:pt modelId="2">
+          <dgm:prSet phldr="1"/>
+        </dgm:pt>
+        <dgm:pt modelId="3">
+          <dgm:prSet phldr="1"/>
+        </dgm:pt>
+      </dgm:ptLst>
+      <dgm:cxnLst>
+        <dgm:cxn modelId="5" srcId="0" destId="1" srcOrd="0" destOrd="0"/>
+        <dgm:cxn modelId="6" srcId="0" destId="2" srcOrd="1" destOrd="0"/>
+        <dgm:cxn modelId="7" srcId="0" destId="3" srcOrd="2" destOrd="0"/>
+      </dgm:cxnLst>
+      <dgm:bg/>
+      <dgm:whole/>
+    </dgm:dataModel>
+  </dgm:sampData>
+  <dgm:styleData>
+    <dgm:dataModel>
+      <dgm:ptLst>
+        <dgm:pt modelId="0" type="doc"/>
+        <dgm:pt modelId="1"/>
+        <dgm:pt modelId="2"/>
+      </dgm:ptLst>
+      <dgm:cxnLst>
+        <dgm:cxn modelId="3" srcId="0" destId="1" srcOrd="0" destOrd="0"/>
+        <dgm:cxn modelId="4" srcId="0" destId="2" srcOrd="1" destOrd="0"/>
+      </dgm:cxnLst>
+      <dgm:bg/>
+      <dgm:whole/>
+    </dgm:dataModel>
+  </dgm:styleData>
+  <dgm:clrData>
+    <dgm:dataModel>
+      <dgm:ptLst>
+        <dgm:pt modelId="0" type="doc"/>
+        <dgm:pt modelId="1"/>
+        <dgm:pt modelId="2"/>
+        <dgm:pt modelId="3"/>
+        <dgm:pt modelId="4"/>
+      </dgm:ptLst>
+      <dgm:cxnLst>
+        <dgm:cxn modelId="6" srcId="0" destId="1" srcOrd="0" destOrd="0"/>
+        <dgm:cxn modelId="7" srcId="0" destId="2" srcOrd="1" destOrd="0"/>
+        <dgm:cxn modelId="8" srcId="0" destId="3" srcOrd="2" destOrd="0"/>
+        <dgm:cxn modelId="9" srcId="0" destId="4" srcOrd="3" destOrd="0"/>
+      </dgm:cxnLst>
+      <dgm:bg/>
+      <dgm:whole/>
+    </dgm:dataModel>
+  </dgm:clrData>
+  <dgm:layoutNode name="outerComposite">
+    <dgm:varLst>
+      <dgm:chMax val="5"/>
+      <dgm:dir/>
+      <dgm:resizeHandles val="exact"/>
+    </dgm:varLst>
+    <dgm:alg type="composite"/>
+    <dgm:shape xmlns:r="http://schemas.openxmlformats.org/officeDocument/2006/relationships" r:blip="">
+      <dgm:adjLst/>
+    </dgm:shape>
+    <dgm:presOf/>
+    <dgm:choose name="Name0">
+      <dgm:if name="Name1" func="var" arg="dir" op="equ" val="norm">
+        <dgm:constrLst>
+          <dgm:constr type="primFontSz" for="ch" ptType="node" op="equ" val="65"/>
+          <dgm:constr type="w" for="ch" forName="dummyMaxCanvas" refType="w"/>
+          <dgm:constr type="h" for="ch" forName="dummyMaxCanvas" refType="h"/>
+          <dgm:constr type="w" for="ch" forName="OneNode_1" refType="w"/>
+          <dgm:constr type="h" for="ch" forName="OneNode_1" refType="h" fact="0.5"/>
+          <dgm:constr type="ctrY" for="ch" forName="OneNode_1" refType="h" fact="0.5"/>
+          <dgm:constr type="w" for="ch" forName="TwoNodes_1" refType="w" fact="0.85"/>
+          <dgm:constr type="h" for="ch" forName="TwoNodes_1" refType="h" fact="0.45"/>
+          <dgm:constr type="t" for="ch" forName="TwoNodes_1"/>
+          <dgm:constr type="l" for="ch" forName="TwoNodes_1"/>
+          <dgm:constr type="w" for="ch" forName="TwoNodes_2" refType="w" fact="0.85"/>
+          <dgm:constr type="h" for="ch" forName="TwoNodes_2" refType="h" fact="0.45"/>
+          <dgm:constr type="b" for="ch" forName="TwoNodes_2" refType="h"/>
+          <dgm:constr type="r" for="ch" forName="TwoNodes_2" refType="w"/>
+          <dgm:constr type="w" for="ch" forName="TwoConn_1-2" refType="h" refFor="ch" refForName="TwoNodes_1" fact="0.65"/>
+          <dgm:constr type="h" for="ch" forName="TwoConn_1-2" refType="h" refFor="ch" refForName="TwoNodes_1" fact="0.65"/>
+          <dgm:constr type="ctrY" for="ch" forName="TwoConn_1-2" refType="h" fact="0.5"/>
+          <dgm:constr type="r" for="ch" forName="TwoConn_1-2" refType="r" refFor="ch" refForName="TwoNodes_1"/>
+          <dgm:constr type="r" for="ch" forName="TwoNodes_1_text" refType="l" refFor="ch" refForName="TwoConn_1-2"/>
+          <dgm:constr type="rOff" for="ch" forName="TwoNodes_1_text" refType="w" refFor="ch" refForName="TwoConn_1-2" fact="-0.5"/>
+          <dgm:constr type="t" for="ch" forName="TwoNodes_1_text" refType="t" refFor="ch" refForName="TwoNodes_1"/>
+          <dgm:constr type="b" for="ch" forName="TwoNodes_1_text" refType="b" refFor="ch" refForName="TwoNodes_1"/>
+          <dgm:constr type="l" for="ch" forName="TwoNodes_1_text" refType="l" refFor="ch" refForName="TwoNodes_1"/>
+          <dgm:constr type="r" for="ch" forName="TwoNodes_2_text" refType="l" refFor="ch" refForName="TwoConn_1-2"/>
+          <dgm:constr type="t" for="ch" forName="TwoNodes_2_text" refType="t" refFor="ch" refForName="TwoNodes_2"/>
+          <dgm:constr type="b" for="ch" forName="TwoNodes_2_text" refType="b" refFor="ch" refForName="TwoNodes_2"/>
+          <dgm:constr type="l" for="ch" forName="TwoNodes_2_text" refType="l" refFor="ch" refForName="TwoNodes_2"/>
+          <dgm:constr type="w" for="ch" forName="ThreeNodes_1" refType="w" fact="0.85"/>
+          <dgm:constr type="h" for="ch" forName="ThreeNodes_1" refType="h" fact="0.3"/>
+          <dgm:constr type="t" for="ch" forName="ThreeNodes_1"/>
+          <dgm:constr type="l" for="ch" forName="ThreeNodes_1"/>
+          <dgm:constr type="w" for="ch" forName="ThreeNodes_2" refType="w" fact="0.85"/>
+          <dgm:constr type="h" for="ch" forName="ThreeNodes_2" refType="h" fact="0.3"/>
+          <dgm:constr type="ctrY" for="ch" forName="ThreeNodes_2" refType="h" fact="0.5"/>
+          <dgm:constr type="ctrX" for="ch" forName="ThreeNodes_2" refType="w" fact="0.5"/>
+          <dgm:constr type="w" for="ch" forName="ThreeNodes_3" refType="w" fact="0.85"/>
+          <dgm:constr type="h" for="ch" forName="ThreeNodes_3" refType="h" fact="0.3"/>
+          <dgm:constr type="b" for="ch" forName="ThreeNodes_3" refType="h"/>
+          <dgm:constr type="r" for="ch" forName="ThreeNodes_3" refType="w"/>
+          <dgm:constr type="w" for="ch" forName="ThreeConn_1-2" refType="h" refFor="ch" refForName="ThreeNodes_1" fact="0.65"/>
+          <dgm:constr type="h" for="ch" forName="ThreeConn_1-2" refType="h" refFor="ch" refForName="ThreeNodes_1" fact="0.65"/>
+          <dgm:constr type="ctrY" for="ch" forName="ThreeConn_1-2" refType="h" fact="0.325"/>
+          <dgm:constr type="r" for="ch" forName="ThreeConn_1-2" refType="r" refFor="ch" refForName="ThreeNodes_1"/>
+          <dgm:constr type="w" for="ch" forName="ThreeConn_2-3" refType="h" refFor="ch" refForName="ThreeNodes_2" fact="0.65"/>
+          <dgm:constr type="h" for="ch" forName="ThreeConn_2-3" refType="h" refFor="ch" refForName="ThreeNodes_2" fact="0.65"/>
+          <dgm:constr type="ctrY" for="ch" forName="ThreeConn_2-3" refType="h" fact="0.673"/>
+          <dgm:constr type="r" for="ch" forName="ThreeConn_2-3" refType="r" refFor="ch" refForName="ThreeNodes_2"/>
+          <dgm:constr type="r" for="ch" forName="ThreeNodes_1_text" refType="l" refFor="ch" refForName="ThreeConn_1-2"/>
+          <dgm:constr type="rOff" for="ch" forName="ThreeNodes_1_text" refType="w" refFor="ch" refForName="ThreeConn_1-2" fact="-0.57"/>
+          <dgm:constr type="t" for="ch" forName="ThreeNodes_1_text" refType="t" refFor="ch" refForName="ThreeNodes_1"/>
+          <dgm:constr type="b" for="ch" forName="ThreeNodes_1_text" refType="b" refFor="ch" refForName="ThreeNodes_1"/>
+          <dgm:constr type="l" for="ch" forName="ThreeNodes_1_text" refType="l" refFor="ch" refForName="ThreeNodes_1"/>
+          <dgm:constr type="r" for="ch" forName="ThreeNodes_2_text" refType="l" refFor="ch" refForName="ThreeConn_1-2"/>
+          <dgm:constr type="t" for="ch" forName="ThreeNodes_2_text" refType="t" refFor="ch" refForName="ThreeNodes_2"/>
+          <dgm:constr type="b" for="ch" forName="ThreeNodes_2_text" refType="b" refFor="ch" refForName="ThreeNodes_2"/>
+          <dgm:constr type="l" for="ch" forName="ThreeNodes_2_text" refType="l" refFor="ch" refForName="ThreeNodes_2"/>
+          <dgm:constr type="r" for="ch" forName="ThreeNodes_3_text" refType="l" refFor="ch" refForName="ThreeConn_2-3"/>
+          <dgm:constr type="t" for="ch" forName="ThreeNodes_3_text" refType="t" refFor="ch" refForName="ThreeNodes_3"/>
+          <dgm:constr type="b" for="ch" forName="ThreeNodes_3_text" refType="b" refFor="ch" refForName="ThreeNodes_3"/>
+          <dgm:constr type="l" for="ch" forName="ThreeNodes_3_text" refType="l" refFor="ch" refForName="ThreeNodes_3"/>
+          <dgm:constr type="w" for="ch" forName="FourNodes_1" refType="w" fact="0.8"/>
+          <dgm:constr type="h" for="ch" forName="FourNodes_1" refType="h" fact="0.22"/>
+          <dgm:constr type="t" for="ch" forName="FourNodes_1"/>
+          <dgm:constr type="l" for="ch" forName="FourNodes_1"/>
+          <dgm:constr type="w" for="ch" forName="FourNodes_2" refType="w" fact="0.8"/>
+          <dgm:constr type="h" for="ch" forName="FourNodes_2" refType="h" fact="0.22"/>
+          <dgm:constr type="ctrY" for="ch" forName="FourNodes_2" refType="h" fact="0.37"/>
+          <dgm:constr type="ctrX" for="ch" forName="FourNodes_2" refType="w" fact="0.467"/>
+          <dgm:constr type="w" for="ch" forName="FourNodes_3" refType="w" fact="0.8"/>
+          <dgm:constr type="h" for="ch" forName="FourNodes_3" refType="h" fact="0.22"/>
+          <dgm:constr type="ctrY" for="ch" forName="FourNodes_3" refType="h" fact="0.63"/>
+          <dgm:constr type="ctrX" for="ch" forName="FourNodes_3" refType="w" fact="0.533"/>
+          <dgm:constr type="w" for="ch" forName="FourNodes_4" refType="w" fact="0.8"/>
+          <dgm:constr type="h" for="ch" forName="FourNodes_4" refType="h" fact="0.22"/>
+          <dgm:constr type="b" for="ch" forName="FourNodes_4" refType="h"/>
+          <dgm:constr type="r" for="ch" forName="FourNodes_4" refType="w"/>
+          <dgm:constr type="w" for="ch" forName="FourConn_1-2" refType="h" refFor="ch" refForName="FourNodes_1" fact="0.65"/>
+          <dgm:constr type="h" for="ch" forName="FourConn_1-2" refType="h" refFor="ch" refForName="FourNodes_1" fact="0.65"/>
+          <dgm:constr type="ctrY" for="ch" forName="FourConn_1-2" refType="h" fact="0.24"/>
+          <dgm:constr type="r" for="ch" forName="FourConn_1-2" refType="r" refFor="ch" refForName="FourNodes_1"/>
+          <dgm:constr type="w" for="ch" forName="FourConn_2-3" refType="h" refFor="ch" refForName="FourNodes_2" fact="0.65"/>
+          <dgm:constr type="h" for="ch" forName="FourConn_2-3" refType="h" refFor="ch" refForName="FourNodes_2" fact="0.65"/>
+          <dgm:constr type="ctrY" for="ch" forName="FourConn_2-3" refType="h" fact="0.5"/>
+          <dgm:constr type="r" for="ch" forName="FourConn_2-3" refType="r" refFor="ch" refForName="FourNodes_2"/>
+          <dgm:constr type="w" for="ch" forName="FourConn_3-4" refType="h" refFor="ch" refForName="FourNodes_3" fact="0.65"/>
+          <dgm:constr type="h" for="ch" forName="FourConn_3-4" refType="h" refFor="ch" refForName="FourNodes_3" fact="0.65"/>
+          <dgm:constr type="ctrY" for="ch" forName="FourConn_3-4" refType="h" fact="0.76"/>
+          <dgm:constr type="r" for="ch" forName="FourConn_3-4" refType="r" refFor="ch" refForName="FourNodes_3"/>
+          <dgm:constr type="r" for="ch" forName="FourNodes_1_text" refType="l" refFor="ch" refForName="FourConn_1-2"/>
+          <dgm:constr type="rOff" for="ch" forName="FourNodes_1_text" refType="w" refFor="ch" refForName="FourConn_1-2" fact="-0.7"/>
+          <dgm:constr type="t" for="ch" forName="FourNodes_1_text" refType="t" refFor="ch" refForName="FourNodes_1"/>
+          <dgm:constr type="b" for="ch" forName="FourNodes_1_text" refType="b" refFor="ch" refForName="FourNodes_1"/>
+          <dgm:constr type="l" for="ch" forName="FourNodes_1_text" refType="l" refFor="ch" refForName="FourNodes_1"/>
+          <dgm:constr type="r" for="ch" forName="FourNodes_2_text" refType="l" refFor="ch" refForName="FourConn_1-2"/>
+          <dgm:constr type="t" for="ch" forName="FourNodes_2_text" refType="t" refFor="ch" refForName="FourNodes_2"/>
+          <dgm:constr type="b" for="ch" forName="FourNodes_2_text" refType="b" refFor="ch" refForName="FourNodes_2"/>
+          <dgm:constr type="l" for="ch" forName="FourNodes_2_text" refType="l" refFor="ch" refForName="FourNodes_2"/>
+          <dgm:constr type="r" for="ch" forName="FourNodes_3_text" refType="l" refFor="ch" refForName="FourConn_2-3"/>
+          <dgm:constr type="t" for="ch" forName="FourNodes_3_text" refType="t" refFor="ch" refForName="FourNodes_3"/>
+          <dgm:constr type="b" for="ch" forName="FourNodes_3_text" refType="b" refFor="ch" refForName="FourNodes_3"/>
+          <dgm:constr type="l" for="ch" forName="FourNodes_3_text" refType="l" refFor="ch" refForName="FourNodes_3"/>
+          <dgm:constr type="r" for="ch" forName="FourNodes_4_text" refType="l" refFor="ch" refForName="FourConn_3-4"/>
+          <dgm:constr type="t" for="ch" forName="FourNodes_4_text" refType="t" refFor="ch" refForName="FourNodes_4"/>
+          <dgm:constr type="b" for="ch" forName="FourNodes_4_text" refType="b" refFor="ch" refForName="FourNodes_4"/>
+          <dgm:constr type="l" for="ch" forName="FourNodes_4_text" refType="l" refFor="ch" refForName="FourNodes_4"/>
+          <dgm:constr type="w" for="ch" forName="FiveNodes_1" refType="w" fact="0.77"/>
+          <dgm:constr type="h" for="ch" forName="FiveNodes_1" refType="h" fact="0.18"/>
+          <dgm:constr type="t" for="ch" forName="FiveNodes_1"/>
+          <dgm:constr type="l" for="ch" forName="FiveNodes_1"/>
+          <dgm:constr type="w" for="ch" forName="FiveNodes_2" refType="w" fact="0.77"/>
+          <dgm:constr type="h" for="ch" forName="FiveNodes_2" refType="h" fact="0.18"/>
+          <dgm:constr type="ctrY" for="ch" forName="FiveNodes_2" refType="h" fact="0.295"/>
+          <dgm:constr type="ctrX" for="ch" forName="FiveNodes_2" refType="w" fact="0.4425"/>
+          <dgm:constr type="w" for="ch" forName="FiveNodes_3" refType="w" fact="0.77"/>
+          <dgm:constr type="h" for="ch" forName="FiveNodes_3" refType="h" fact="0.18"/>
+          <dgm:constr type="ctrY" for="ch" forName="FiveNodes_3" refType="h" fact="0.5"/>
+          <dgm:constr type="ctrX" for="ch" forName="FiveNodes_3" refType="w" fact="0.5"/>
+          <dgm:constr type="w" for="ch" forName="FiveNodes_4" refType="w" fact="0.77"/>
+          <dgm:constr type="h" for="ch" forName="FiveNodes_4" refType="h" fact="0.18"/>
+          <dgm:constr type="ctrY" for="ch" forName="FiveNodes_4" refType="h" fact="0.705"/>
+          <dgm:constr type="ctrX" for="ch" forName="FiveNodes_4" refType="w" fact="0.5575"/>
+          <dgm:constr type="w" for="ch" forName="FiveNodes_5" refType="w" fact="0.77"/>
+          <dgm:constr type="h" for="ch" forName="FiveNodes_5" refType="h" fact="0.18"/>
+          <dgm:constr type="b" for="ch" forName="FiveNodes_5" refType="h"/>
+          <dgm:constr type="r" for="ch" forName="FiveNodes_5" refType="w"/>
+          <dgm:constr type="w" for="ch" forName="FiveConn_1-2" refType="h" refFor="ch" refForName="FiveNodes_1" fact="0.65"/>
+          <dgm:constr type="h" for="ch" forName="FiveConn_1-2" refType="h" refFor="ch" refForName="FiveNodes_1" fact="0.65"/>
+          <dgm:constr type="ctrY" for="ch" forName="FiveConn_1-2" refType="h" fact="0.19"/>
+          <dgm:constr type="r" for="ch" forName="FiveConn_1-2" refType="r" refFor="ch" refForName="FiveNodes_1"/>
+          <dgm:constr type="w" for="ch" forName="FiveConn_2-3" refType="h" refFor="ch" refForName="FiveNodes_2" fact="0.65"/>
+          <dgm:constr type="h" for="ch" forName="FiveConn_2-3" refType="h" refFor="ch" refForName="FiveNodes_2" fact="0.65"/>
+          <dgm:constr type="ctrY" for="ch" forName="FiveConn_2-3" refType="h" fact="0.395"/>
+          <dgm:constr type="r" for="ch" forName="FiveConn_2-3" refType="r" refFor="ch" refForName="FiveNodes_2"/>
+          <dgm:constr type="w" for="ch" forName="FiveConn_3-4" refType="h" refFor="ch" refForName="FiveNodes_3" fact="0.65"/>
+          <dgm:constr type="h" for="ch" forName="FiveConn_3-4" refType="h" refFor="ch" refForName="FiveNodes_3" fact="0.65"/>
+          <dgm:constr type="ctrY" for="ch" forName="FiveConn_3-4" refType="h" fact="0.597"/>
+          <dgm:constr type="r" for="ch" forName="FiveConn_3-4" refType="r" refFor="ch" refForName="FiveNodes_3"/>
+          <dgm:constr type="w" for="ch" forName="FiveConn_4-5" refType="h" refFor="ch" refForName="FiveNodes_4" fact="0.65"/>
+          <dgm:constr type="h" for="ch" forName="FiveConn_4-5" refType="h" refFor="ch" refForName="FiveNodes_4" fact="0.65"/>
+          <dgm:constr type="ctrY" for="ch" forName="FiveConn_4-5" refType="h" fact="0.804"/>
+          <dgm:constr type="r" for="ch" forName="FiveConn_4-5" refType="r" refFor="ch" refForName="FiveNodes_4"/>
+          <dgm:constr type="r" for="ch" forName="FiveNodes_1_text" refType="l" refFor="ch" refForName="FiveConn_1-2"/>
+          <dgm:constr type="rOff" for="ch" forName="FiveNodes_1_text" refType="w" refFor="ch" refForName="FiveConn_1-2" fact="-0.75"/>
+          <dgm:constr type="t" for="ch" forName="FiveNodes_1_text" refType="t" refFor="ch" refForName="FiveNodes_1"/>
+          <dgm:constr type="b" for="ch" forName="FiveNodes_1_text" refType="b" refFor="ch" refForName="FiveNodes_1"/>
+          <dgm:constr type="l" for="ch" forName="FiveNodes_1_text" refType="l" refFor="ch" refForName="FiveNodes_1"/>
+          <dgm:constr type="r" for="ch" forName="FiveNodes_2_text" refType="l" refFor="ch" refForName="FiveConn_1-2"/>
+          <dgm:constr type="t" for="ch" forName="FiveNodes_2_text" refType="t" refFor="ch" refForName="FiveNodes_2"/>
+          <dgm:constr type="b" for="ch" forName="FiveNodes_2_text" refType="b" refFor="ch" refForName="FiveNodes_2"/>
+          <dgm:constr type="l" for="ch" forName="FiveNodes_2_text" refType="l" refFor="ch" refForName="FiveNodes_2"/>
+          <dgm:constr type="r" for="ch" forName="FiveNodes_3_text" refType="l" refFor="ch" refForName="FiveConn_2-3"/>
+          <dgm:constr type="t" for="ch" forName="FiveNodes_3_text" refType="t" refFor="ch" refForName="FiveNodes_3"/>
+          <dgm:constr type="b" for="ch" forName="FiveNodes_3_text" refType="b" refFor="ch" refForName="FiveNodes_3"/>
+          <dgm:constr type="l" for="ch" forName="FiveNodes_3_text" refType="l" refFor="ch" refForName="FiveNodes_3"/>
+          <dgm:constr type="r" for="ch" forName="FiveNodes_4_text" refType="l" refFor="ch" refForName="FiveConn_3-4"/>
+          <dgm:constr type="t" for="ch" forName="FiveNodes_4_text" refType="t" refFor="ch" refForName="FiveNodes_4"/>
+          <dgm:constr type="b" for="ch" forName="FiveNodes_4_text" refType="b" refFor="ch" refForName="FiveNodes_4"/>
+          <dgm:constr type="l" for="ch" forName="FiveNodes_4_text" refType="l" refFor="ch" refForName="FiveNodes_4"/>
+          <dgm:constr type="r" for="ch" forName="FiveNodes_5_text" refType="l" refFor="ch" refForName="FiveConn_4-5"/>
+          <dgm:constr type="t" for="ch" forName="FiveNodes_5_text" refType="t" refFor="ch" refForName="FiveNodes_5"/>
+          <dgm:constr type="b" for="ch" forName="FiveNodes_5_text" refType="b" refFor="ch" refForName="FiveNodes_5"/>
+          <dgm:constr type="l" for="ch" forName="FiveNodes_5_text" refType="l" refFor="ch" refForName="FiveNodes_5"/>
+        </dgm:constrLst>
+      </dgm:if>
+      <dgm:else name="Name2">
+        <dgm:constrLst>
+          <dgm:constr type="primFontSz" for="ch" ptType="node" op="equ" val="65"/>
+          <dgm:constr type="w" for="ch" forName="dummyMaxCanvas" refType="w"/>
+          <dgm:constr type="h" for="ch" forName="dummyMaxCanvas" refType="h"/>
+          <dgm:constr type="w" for="ch" forName="OneNode_1" refType="w"/>
+          <dgm:constr type="h" for="ch" forName="OneNode_1" refType="h" fact="0.5"/>
+          <dgm:constr type="ctrY" for="ch" forName="OneNode_1" refType="h" fact="0.5"/>
+          <dgm:constr type="w" for="ch" forName="TwoNodes_1" refType="w" fact="0.85"/>
+          <dgm:constr type="h" for="ch" forName="TwoNodes_1" refType="h" fact="0.45"/>
+          <dgm:constr type="t" for="ch" forName="TwoNodes_1"/>
+          <dgm:constr type="r" for="ch" forName="TwoNodes_1" refType="w"/>
+          <dgm:constr type="w" for="ch" forName="TwoNodes_2" refType="w" fact="0.85"/>
+          <dgm:constr type="h" for="ch" forName="TwoNodes_2" refType="h" fact="0.45"/>
+          <dgm:constr type="b" for="ch" forName="TwoNodes_2" refType="h"/>
+          <dgm:constr type="l" for="ch" forName="TwoNodes_2"/>
+          <dgm:constr type="w" for="ch" forName="TwoConn_1-2" refType="h" refFor="ch" refForName="TwoNodes_1" fact="0.65"/>
+          <dgm:constr type="h" for="ch" forName="TwoConn_1-2" refType="h" refFor="ch" refForName="TwoNodes_1" fact="0.65"/>
+          <dgm:constr type="ctrY" for="ch" forName="TwoConn_1-2" refType="h" fact="0.5"/>
+          <dgm:constr type="l" for="ch" forName="TwoConn_1-2" refType="l" refFor="ch" refForName="TwoNodes_1"/>
+          <dgm:constr type="l" for="ch" forName="TwoNodes_1_text" refType="r" refFor="ch" refForName="TwoConn_1-2"/>
+          <dgm:constr type="lOff" for="ch" forName="TwoNodes_1_text" refType="w" refFor="ch" refForName="TwoConn_1-2" fact="0.5"/>
+          <dgm:constr type="t" for="ch" forName="TwoNodes_1_text" refType="t" refFor="ch" refForName="TwoNodes_1"/>
+          <dgm:constr type="b" for="ch" forName="TwoNodes_1_text" refType="b" refFor="ch" refForName="TwoNodes_1"/>
+          <dgm:constr type="r" for="ch" forName="TwoNodes_1_text" refType="r" refFor="ch" refForName="TwoNodes_1"/>
+          <dgm:constr type="l" for="ch" forName="TwoNodes_2_text" refType="r" refFor="ch" refForName="TwoConn_1-2"/>
+          <dgm:constr type="t" for="ch" forName="TwoNodes_2_text" refType="t" refFor="ch" refForName="TwoNodes_2"/>
+          <dgm:constr type="b" for="ch" forName="TwoNodes_2_text" refType="b" refFor="ch" refForName="TwoNodes_2"/>
+          <dgm:constr type="r" for="ch" forName="TwoNodes_2_text" refType="r" refFor="ch" refForName="TwoNodes_2"/>
+          <dgm:constr type="w" for="ch" forName="ThreeNodes_1" refType="w" fact="0.85"/>
+          <dgm:constr type="h" for="ch" forName="ThreeNodes_1" refType="h" fact="0.3"/>
+          <dgm:constr type="t" for="ch" forName="ThreeNodes_1"/>
+          <dgm:constr type="r" for="ch" forName="ThreeNodes_1" refType="w"/>
+          <dgm:constr type="w" for="ch" forName="ThreeNodes_2" refType="w" fact="0.85"/>
+          <dgm:constr type="h" for="ch" forName="ThreeNodes_2" refType="h" fact="0.3"/>
+          <dgm:constr type="ctrY" for="ch" forName="ThreeNodes_2" refType="h" fact="0.5"/>
+          <dgm:constr type="ctrX" for="ch" forName="ThreeNodes_2" refType="w" fact="0.5"/>
+          <dgm:constr type="w" for="ch" forName="ThreeNodes_3" refType="w" fact="0.85"/>
+          <dgm:constr type="h" for="ch" forName="ThreeNodes_3" refType="h" fact="0.3"/>
+          <dgm:constr type="b" for="ch" forName="ThreeNodes_3" refType="h"/>
+          <dgm:constr type="l" for="ch" forName="ThreeNodes_3"/>
+          <dgm:constr type="w" for="ch" forName="ThreeConn_1-2" refType="h" refFor="ch" refForName="ThreeNodes_1" fact="0.65"/>
+          <dgm:constr type="h" for="ch" forName="ThreeConn_1-2" refType="h" refFor="ch" refForName="ThreeNodes_1" fact="0.65"/>
+          <dgm:constr type="ctrY" for="ch" forName="ThreeConn_1-2" refType="h" fact="0.325"/>
+          <dgm:constr type="l" for="ch" forName="ThreeConn_1-2" refType="l" refFor="ch" refForName="ThreeNodes_1"/>
+          <dgm:constr type="w" for="ch" forName="ThreeConn_2-3" refType="h" refFor="ch" refForName="ThreeNodes_2" fact="0.65"/>
+          <dgm:constr type="h" for="ch" forName="ThreeConn_2-3" refType="h" refFor="ch" refForName="ThreeNodes_2" fact="0.65"/>
+          <dgm:constr type="ctrY" for="ch" forName="ThreeConn_2-3" refType="h" fact="0.673"/>
+          <dgm:constr type="l" for="ch" forName="ThreeConn_2-3" refType="l" refFor="ch" refForName="ThreeNodes_2"/>
+          <dgm:constr type="l" for="ch" forName="ThreeNodes_1_text" refType="r" refFor="ch" refForName="ThreeConn_1-2"/>
+          <dgm:constr type="lOff" for="ch" forName="ThreeNodes_1_text" refType="w" refFor="ch" refForName="ThreeConn_1-2" fact="0.55"/>
+          <dgm:constr type="t" for="ch" forName="ThreeNodes_1_text" refType="t" refFor="ch" refForName="ThreeNodes_1"/>
+          <dgm:constr type="b" for="ch" forName="ThreeNodes_1_text" refType="b" refFor="ch" refForName="ThreeNodes_1"/>
+          <dgm:constr type="r" for="ch" forName="ThreeNodes_1_text" refType="r" refFor="ch" refForName="ThreeNodes_1"/>
+          <dgm:constr type="l" for="ch" forName="ThreeNodes_2_text" refType="r" refFor="ch" refForName="ThreeConn_1-2"/>
+          <dgm:constr type="t" for="ch" forName="ThreeNodes_2_text" refType="t" refFor="ch" refForName="ThreeNodes_2"/>
+          <dgm:constr type="b" for="ch" forName="ThreeNodes_2_text" refType="b" refFor="ch" refForName="ThreeNodes_2"/>
+          <dgm:constr type="r" for="ch" forName="ThreeNodes_2_text" refType="r" refFor="ch" refForName="ThreeNodes_2"/>
+          <dgm:constr type="l" for="ch" forName="ThreeNodes_3_text" refType="r" refFor="ch" refForName="ThreeConn_2-3"/>
+          <dgm:constr type="t" for="ch" forName="ThreeNodes_3_text" refType="t" refFor="ch" refForName="ThreeNodes_3"/>
+          <dgm:constr type="b" for="ch" forName="ThreeNodes_3_text" refType="b" refFor="ch" refForName="ThreeNodes_3"/>
+          <dgm:constr type="r" for="ch" forName="ThreeNodes_3_text" refType="r" refFor="ch" refForName="ThreeNodes_3"/>
+          <dgm:constr type="w" for="ch" forName="FourNodes_1" refType="w" fact="0.8"/>
+          <dgm:constr type="h" for="ch" forName="FourNodes_1" refType="h" fact="0.22"/>
+          <dgm:constr type="t" for="ch" forName="FourNodes_1"/>
+          <dgm:constr type="r" for="ch" forName="FourNodes_1" refType="w"/>
+          <dgm:constr type="w" for="ch" forName="FourNodes_2" refType="w" fact="0.8"/>
+          <dgm:constr type="h" for="ch" forName="FourNodes_2" refType="h" fact="0.22"/>
+          <dgm:constr type="ctrY" for="ch" forName="FourNodes_2" refType="h" fact="0.37"/>
+          <dgm:constr type="ctrX" for="ch" forName="FourNodes_2" refType="w" fact="0.533"/>
+          <dgm:constr type="w" for="ch" forName="FourNodes_3" refType="w" fact="0.8"/>
+          <dgm:constr type="h" for="ch" forName="FourNodes_3" refType="h" fact="0.22"/>
+          <dgm:constr type="ctrY" for="ch" forName="FourNodes_3" refType="h" fact="0.63"/>
+          <dgm:constr type="ctrX" for="ch" forName="FourNodes_3" refType="w" fact="0.467"/>
+          <dgm:constr type="w" for="ch" forName="FourNodes_4" refType="w" fact="0.8"/>
+          <dgm:constr type="h" for="ch" forName="FourNodes_4" refType="h" fact="0.22"/>
+          <dgm:constr type="b" for="ch" forName="FourNodes_4" refType="h"/>
+          <dgm:constr type="l" for="ch" forName="FourNodes_4"/>
+          <dgm:constr type="w" for="ch" forName="FourConn_1-2" refType="h" refFor="ch" refForName="FourNodes_1" fact="0.65"/>
+          <dgm:constr type="h" for="ch" forName="FourConn_1-2" refType="h" refFor="ch" refForName="FourNodes_1" fact="0.65"/>
+          <dgm:constr type="ctrY" for="ch" forName="FourConn_1-2" refType="h" fact="0.24"/>
+          <dgm:constr type="l" for="ch" forName="FourConn_1-2" refType="l" refFor="ch" refForName="FourNodes_1"/>
+          <dgm:constr type="w" for="ch" forName="FourConn_2-3" refType="h" refFor="ch" refForName="FourNodes_2" fact="0.65"/>
+          <dgm:constr type="h" for="ch" forName="FourConn_2-3" refType="h" refFor="ch" refForName="FourNodes_2" fact="0.65"/>
+          <dgm:constr type="ctrY" for="ch" forName="FourConn_2-3" refType="h" fact="0.5"/>
+          <dgm:constr type="l" for="ch" forName="FourConn_2-3" refType="l" refFor="ch" refForName="FourNodes_2"/>
+          <dgm:constr type="w" for="ch" forName="FourConn_3-4" refType="h" refFor="ch" refForName="FourNodes_3" fact="0.65"/>
+          <dgm:constr type="h" for="ch" forName="FourConn_3-4" refType="h" refFor="ch" refForName="FourNodes_3" fact="0.65"/>
+          <dgm:constr type="ctrY" for="ch" forName="FourConn_3-4" refType="h" fact="0.76"/>
+          <dgm:constr type="l" for="ch" forName="FourConn_3-4" refType="l" refFor="ch" refForName="FourNodes_3"/>
+          <dgm:constr type="l" for="ch" forName="FourNodes_1_text" refType="r" refFor="ch" refForName="FourConn_1-2"/>
+          <dgm:constr type="lOff" for="ch" forName="FourNodes_1_text" refType="w" refFor="ch" refForName="FourConn_1-2" fact="0.69"/>
+          <dgm:constr type="t" for="ch" forName="FourNodes_1_text" refType="t" refFor="ch" refForName="FourNodes_1"/>
+          <dgm:constr type="b" for="ch" forName="FourNodes_1_text" refType="b" refFor="ch" refForName="FourNodes_1"/>
+          <dgm:constr type="r" for="ch" forName="FourNodes_1_text" refType="r" refFor="ch" refForName="FourNodes_1"/>
+          <dgm:constr type="l" for="ch" forName="FourNodes_2_text" refType="r" refFor="ch" refForName="FourConn_1-2"/>
+          <dgm:constr type="t" for="ch" forName="FourNodes_2_text" refType="t" refFor="ch" refForName="FourNodes_2"/>
+          <dgm:constr type="b" for="ch" forName="FourNodes_2_text" refType="b" refFor="ch" refForName="FourNodes_2"/>
+          <dgm:constr type="r" for="ch" forName="FourNodes_2_text" refType="r" refFor="ch" refForName="FourNodes_2"/>
+          <dgm:constr type="l" for="ch" forName="FourNodes_3_text" refType="r" refFor="ch" refForName="FourConn_2-3"/>
+          <dgm:constr type="t" for="ch" forName="FourNodes_3_text" refType="t" refFor="ch" refForName="FourNodes_3"/>
+          <dgm:constr type="b" for="ch" forName="FourNodes_3_text" refType="b" refFor="ch" refForName="FourNodes_3"/>
+          <dgm:constr type="r" for="ch" forName="FourNodes_3_text" refType="r" refFor="ch" refForName="FourNodes_3"/>
+          <dgm:constr type="l" for="ch" forName="FourNodes_4_text" refType="r" refFor="ch" refForName="FourConn_3-4"/>
+          <dgm:constr type="t" for="ch" forName="FourNodes_4_text" refType="t" refFor="ch" refForName="FourNodes_4"/>
+          <dgm:constr type="b" for="ch" forName="FourNodes_4_text" refType="b" refFor="ch" refForName="FourNodes_4"/>
+          <dgm:constr type="r" for="ch" forName="FourNodes_4_text" refType="r" refFor="ch" refForName="FourNodes_4"/>
+          <dgm:constr type="w" for="ch" forName="FiveNodes_1" refType="w" fact="0.77"/>
+          <dgm:constr type="h" for="ch" forName="FiveNodes_1" refType="h" fact="0.18"/>
+          <dgm:constr type="t" for="ch" forName="FiveNodes_1"/>
+          <dgm:constr type="r" for="ch" forName="FiveNodes_1" refType="w"/>
+          <dgm:constr type="w" for="ch" forName="FiveNodes_2" refType="w" fact="0.77"/>
+          <dgm:constr type="h" for="ch" forName="FiveNodes_2" refType="h" fact="0.18"/>
+          <dgm:constr type="ctrY" for="ch" forName="FiveNodes_2" refType="h" fact="0.295"/>
+          <dgm:constr type="ctrX" for="ch" forName="FiveNodes_2" refType="w" fact="0.5575"/>
+          <dgm:constr type="w" for="ch" forName="FiveNodes_3" refType="w" fact="0.77"/>
+          <dgm:constr type="h" for="ch" forName="FiveNodes_3" refType="h" fact="0.18"/>
+          <dgm:constr type="ctrY" for="ch" forName="FiveNodes_3" refType="h" fact="0.5"/>
+          <dgm:constr type="ctrX" for="ch" forName="FiveNodes_3" refType="w" fact="0.5"/>
+          <dgm:constr type="w" for="ch" forName="FiveNodes_4" refType="w" fact="0.77"/>
+          <dgm:constr type="h" for="ch" forName="FiveNodes_4" refType="h" fact="0.18"/>
+          <dgm:constr type="ctrY" for="ch" forName="FiveNodes_4" refType="h" fact="0.705"/>
+          <dgm:constr type="ctrX" for="ch" forName="FiveNodes_4" refType="w" fact="0.4425"/>
+          <dgm:constr type="w" for="ch" forName="FiveNodes_5" refType="w" fact="0.77"/>
+          <dgm:constr type="h" for="ch" forName="FiveNodes_5" refType="h" fact="0.18"/>
+          <dgm:constr type="b" for="ch" forName="FiveNodes_5" refType="h"/>
+          <dgm:constr type="l" for="ch" forName="FiveNodes_5"/>
+          <dgm:constr type="w" for="ch" forName="FiveConn_1-2" refType="h" refFor="ch" refForName="FiveNodes_1" fact="0.65"/>
+          <dgm:constr type="h" for="ch" forName="FiveConn_1-2" refType="h" refFor="ch" refForName="FiveNodes_1" fact="0.65"/>
+          <dgm:constr type="ctrY" for="ch" forName="FiveConn_1-2" refType="h" fact="0.19"/>
+          <dgm:constr type="l" for="ch" forName="FiveConn_1-2" refType="l" refFor="ch" refForName="FiveNodes_1"/>
+          <dgm:constr type="w" for="ch" forName="FiveConn_2-3" refType="h" refFor="ch" refForName="FiveNodes_2" fact="0.65"/>
+          <dgm:constr type="h" for="ch" forName="FiveConn_2-3" refType="h" refFor="ch" refForName="FiveNodes_2" fact="0.65"/>
+          <dgm:constr type="ctrY" for="ch" forName="FiveConn_2-3" refType="h" fact="0.395"/>
+          <dgm:constr type="l" for="ch" forName="FiveConn_2-3" refType="l" refFor="ch" refForName="FiveNodes_2"/>
+          <dgm:constr type="w" for="ch" forName="FiveConn_3-4" refType="h" refFor="ch" refForName="FiveNodes_3" fact="0.65"/>
+          <dgm:constr type="h" for="ch" forName="FiveConn_3-4" refType="h" refFor="ch" refForName="FiveNodes_3" fact="0.65"/>
+          <dgm:constr type="ctrY" for="ch" forName="FiveConn_3-4" refType="h" fact="0.597"/>
+          <dgm:constr type="l" for="ch" forName="FiveConn_3-4" refType="l" refFor="ch" refForName="FiveNodes_3"/>
+          <dgm:constr type="w" for="ch" forName="FiveConn_4-5" refType="h" refFor="ch" refForName="FiveNodes_4" fact="0.65"/>
+          <dgm:constr type="h" for="ch" forName="FiveConn_4-5" refType="h" refFor="ch" refForName="FiveNodes_4" fact="0.65"/>
+          <dgm:constr type="ctrY" for="ch" forName="FiveConn_4-5" refType="h" fact="0.804"/>
+          <dgm:constr type="l" for="ch" forName="FiveConn_4-5" refType="l" refFor="ch" refForName="FiveNodes_4"/>
+          <dgm:constr type="l" for="ch" forName="FiveNodes_1_text" refType="r" refFor="ch" refForName="FiveConn_1-2"/>
+          <dgm:constr type="lOff" for="ch" forName="FiveNodes_1_text" refType="w" refFor="ch" refForName="FiveConn_1-2" fact="0.73"/>
+          <dgm:constr type="t" for="ch" forName="FiveNodes_1_text" refType="t" refFor="ch" refForName="FiveNodes_1"/>
+          <dgm:constr type="b" for="ch" forName="FiveNodes_1_text" refType="b" refFor="ch" refForName="FiveNodes_1"/>
+          <dgm:constr type="r" for="ch" forName="FiveNodes_1_text" refType="r" refFor="ch" refForName="FiveNodes_1"/>
+          <dgm:constr type="l" for="ch" forName="FiveNodes_2_text" refType="r" refFor="ch" refForName="FiveConn_1-2"/>
+          <dgm:constr type="t" for="ch" forName="FiveNodes_2_text" refType="t" refFor="ch" refForName="FiveNodes_2"/>
+          <dgm:constr type="b" for="ch" forName="FiveNodes_2_text" refType="b" refFor="ch" refForName="FiveNodes_2"/>
+          <dgm:constr type="r" for="ch" forName="FiveNodes_2_text" refType="r" refFor="ch" refForName="FiveNodes_2"/>
+          <dgm:constr type="l" for="ch" forName="FiveNodes_3_text" refType="r" refFor="ch" refForName="FiveConn_2-3"/>
+          <dgm:constr type="t" for="ch" forName="FiveNodes_3_text" refType="t" refFor="ch" refForName="FiveNodes_3"/>
+          <dgm:constr type="b" for="ch" forName="FiveNodes_3_text" refType="b" refFor="ch" refForName="FiveNodes_3"/>
+          <dgm:constr type="r" for="ch" forName="FiveNodes_3_text" refType="r" refFor="ch" refForName="FiveNodes_3"/>
+          <dgm:constr type="l" for="ch" forName="FiveNodes_4_text" refType="r" refFor="ch" refForName="FiveConn_3-4"/>
+          <dgm:constr type="t" for="ch" forName="FiveNodes_4_text" refType="t" refFor="ch" refForName="FiveNodes_4"/>
+          <dgm:constr type="b" for="ch" forName="FiveNodes_4_text" refType="b" refFor="ch" refForName="FiveNodes_4"/>
+          <dgm:constr type="r" for="ch" forName="FiveNodes_4_text" refType="r" refFor="ch" refForName="FiveNodes_4"/>
+          <dgm:constr type="l" for="ch" forName="FiveNodes_5_text" refType="r" refFor="ch" refForName="FiveConn_4-5"/>
+          <dgm:constr type="t" for="ch" forName="FiveNodes_5_text" refType="t" refFor="ch" refForName="FiveNodes_5"/>
+          <dgm:constr type="b" for="ch" forName="FiveNodes_5_text" refType="b" refFor="ch" refForName="FiveNodes_5"/>
+          <dgm:constr type="r" for="ch" forName="FiveNodes_5_text" refType="r" refFor="ch" refForName="FiveNodes_5"/>
+        </dgm:constrLst>
+      </dgm:else>
+    </dgm:choose>
+    <dgm:ruleLst/>
+    <dgm:layoutNode name="dummyMaxCanvas">
+      <dgm:varLst/>
+      <dgm:alg type="sp"/>
+      <dgm:shape xmlns:r="http://schemas.openxmlformats.org/officeDocument/2006/relationships" r:blip="">
+        <dgm:adjLst/>
+      </dgm:shape>
+      <dgm:presOf/>
+      <dgm:constrLst/>
+      <dgm:ruleLst/>
+    </dgm:layoutNode>
+    <dgm:choose name="Name3">
+      <dgm:if name="Name4" axis="ch" ptType="node" func="cnt" op="equ" val="1">
+        <dgm:layoutNode name="OneNode_1">
+          <dgm:varLst>
+            <dgm:bulletEnabled val="1"/>
+          </dgm:varLst>
+          <dgm:alg type="tx"/>
+          <dgm:shape xmlns:r="http://schemas.openxmlformats.org/officeDocument/2006/relationships" type="roundRect" r:blip="">
+            <dgm:adjLst>
+              <dgm:adj idx="1" val="0.1"/>
+            </dgm:adjLst>
+          </dgm:shape>
+          <dgm:presOf axis="ch desOrSelf" ptType="node node" st="1 1" cnt="1 0"/>
+          <dgm:constrLst>
+            <dgm:constr type="lMarg" refType="primFontSz" fact="0.3"/>
+            <dgm:constr type="rMarg" refType="primFontSz" fact="0.3"/>
+            <dgm:constr type="tMarg" refType="primFontSz" fact="0.3"/>
+            <dgm:constr type="bMarg" refType="primFontSz" fact="0.3"/>
+          </dgm:constrLst>
+          <dgm:ruleLst>
+            <dgm:rule type="primFontSz" val="5" fact="NaN" max="NaN"/>
+          </dgm:ruleLst>
+        </dgm:layoutNode>
+      </dgm:if>
+      <dgm:else name="Name5">
+        <dgm:choose name="Name6">
+          <dgm:if name="Name7" axis="ch" ptType="node" func="cnt" op="equ" val="2">
+            <dgm:layoutNode name="TwoNodes_1">
+              <dgm:varLst>
+                <dgm:bulletEnabled val="1"/>
+              </dgm:varLst>
+              <dgm:alg type="sp"/>
+              <dgm:shape xmlns:r="http://schemas.openxmlformats.org/officeDocument/2006/relationships" type="roundRect" r:blip="">
+                <dgm:adjLst>
+                  <dgm:adj idx="1" val="0.1"/>
+                </dgm:adjLst>
+              </dgm:shape>
+              <dgm:presOf axis="ch desOrSelf" ptType="node node" st="1 1" cnt="1 0"/>
+              <dgm:constrLst/>
+              <dgm:ruleLst/>
+            </dgm:layoutNode>
+            <dgm:layoutNode name="TwoNodes_2">
+              <dgm:varLst>
+                <dgm:bulletEnabled val="1"/>
+              </dgm:varLst>
+              <dgm:alg type="sp"/>
+              <dgm:shape xmlns:r="http://schemas.openxmlformats.org/officeDocument/2006/relationships" type="roundRect" r:blip="">
+                <dgm:adjLst>
+                  <dgm:adj idx="1" val="0.1"/>
+                </dgm:adjLst>
+              </dgm:shape>
+              <dgm:presOf axis="ch desOrSelf" ptType="node node" st="2 1" cnt="1 0"/>
+              <dgm:constrLst/>
+              <dgm:ruleLst/>
+            </dgm:layoutNode>
+            <dgm:layoutNode name="TwoConn_1-2" styleLbl="fgAccFollowNode1">
+              <dgm:varLst>
+                <dgm:bulletEnabled val="1"/>
+              </dgm:varLst>
+              <dgm:alg type="tx"/>
+              <dgm:shape xmlns:r="http://schemas.openxmlformats.org/officeDocument/2006/relationships" type="downArrow" r:blip="">
+                <dgm:adjLst>
+                  <dgm:adj idx="1" val="0.55"/>
+                  <dgm:adj idx="2" val="0.45"/>
+                </dgm:adjLst>
+              </dgm:shape>
+              <dgm:presOf axis="ch" ptType="sibTrans" cnt="1"/>
+              <dgm:constrLst>
+                <dgm:constr type="lMarg" refType="primFontSz" fact="0.1"/>
+                <dgm:constr type="rMarg" refType="primFontSz" fact="0.1"/>
+                <dgm:constr type="tMarg" refType="primFontSz" fact="0.1"/>
+                <dgm:constr type="bMarg" refType="primFontSz" fact="0.1"/>
+              </dgm:constrLst>
+              <dgm:ruleLst>
+                <dgm:rule type="primFontSz" val="5" fact="NaN" max="NaN"/>
+              </dgm:ruleLst>
+            </dgm:layoutNode>
+            <dgm:layoutNode name="TwoNodes_1_text">
+              <dgm:varLst>
+                <dgm:bulletEnabled val="1"/>
+              </dgm:varLst>
+              <dgm:alg type="tx">
+                <dgm:param type="parTxLTRAlign" val="l"/>
+                <dgm:param type="txAnchorVertCh" val="mid"/>
+              </dgm:alg>
+              <dgm:shape xmlns:r="http://schemas.openxmlformats.org/officeDocument/2006/relationships" type="roundRect" r:blip="" hideGeom="1">
+                <dgm:adjLst>
+                  <dgm:adj idx="1" val="0.1"/>
+                </dgm:adjLst>
+              </dgm:shape>
+              <dgm:presOf axis="ch desOrSelf" ptType="node node" st="1 1" cnt="1 0"/>
+              <dgm:constrLst>
+                <dgm:constr type="lMarg" refType="primFontSz" fact="0.3"/>
+                <dgm:constr type="rMarg" refType="primFontSz" fact="0.3"/>
+                <dgm:constr type="tMarg" refType="primFontSz" fact="0.3"/>
+                <dgm:constr type="bMarg" refType="primFontSz" fact="0.3"/>
+              </dgm:constrLst>
+              <dgm:ruleLst>
+                <dgm:rule type="primFontSz" val="5" fact="NaN" max="NaN"/>
+              </dgm:ruleLst>
+            </dgm:layoutNode>
+            <dgm:layoutNode name="TwoNodes_2_text">
+              <dgm:varLst>
+                <dgm:bulletEnabled val="1"/>
+              </dgm:varLst>
+              <dgm:alg type="tx">
+                <dgm:param type="parTxLTRAlign" val="l"/>
+                <dgm:param type="txAnchorVertCh" val="mid"/>
+              </dgm:alg>
+              <dgm:shape xmlns:r="http://schemas.openxmlformats.org/officeDocument/2006/relationships" type="roundRect" r:blip="" hideGeom="1">
+                <dgm:adjLst>
+                  <dgm:adj idx="1" val="0.1"/>
+                </dgm:adjLst>
+              </dgm:shape>
+              <dgm:presOf axis="ch desOrSelf" ptType="node node" st="2 1" cnt="1 0"/>
+              <dgm:constrLst>
+                <dgm:constr type="lMarg" refType="primFontSz" fact="0.3"/>
+                <dgm:constr type="rMarg" refType="primFontSz" fact="0.3"/>
+                <dgm:constr type="tMarg" refType="primFontSz" fact="0.3"/>
+                <dgm:constr type="bMarg" refType="primFontSz" fact="0.3"/>
+              </dgm:constrLst>
+              <dgm:ruleLst>
+                <dgm:rule type="primFontSz" val="5" fact="NaN" max="NaN"/>
+              </dgm:ruleLst>
+            </dgm:layoutNode>
+          </dgm:if>
+          <dgm:else name="Name8">
+            <dgm:choose name="Name9">
+              <dgm:if name="Name10" axis="ch" ptType="node" func="cnt" op="equ" val="3">
+                <dgm:layoutNode name="ThreeNodes_1">
+                  <dgm:varLst>
+                    <dgm:bulletEnabled val="1"/>
+                  </dgm:varLst>
+                  <dgm:alg type="sp"/>
+                  <dgm:shape xmlns:r="http://schemas.openxmlformats.org/officeDocument/2006/relationships" type="roundRect" r:blip="">
+                    <dgm:adjLst>
+                      <dgm:adj idx="1" val="0.1"/>
+                    </dgm:adjLst>
+                  </dgm:shape>
+                  <dgm:presOf axis="ch desOrSelf" ptType="node node" st="1 1" cnt="1 0"/>
+                  <dgm:constrLst/>
+                  <dgm:ruleLst/>
+                </dgm:layoutNode>
+                <dgm:layoutNode name="ThreeNodes_2">
+                  <dgm:varLst>
+                    <dgm:bulletEnabled val="1"/>
+                  </dgm:varLst>
+                  <dgm:alg type="sp"/>
+                  <dgm:shape xmlns:r="http://schemas.openxmlformats.org/officeDocument/2006/relationships" type="roundRect" r:blip="">
+                    <dgm:adjLst>
+                      <dgm:adj idx="1" val="0.1"/>
+                    </dgm:adjLst>
+                  </dgm:shape>
+                  <dgm:presOf axis="ch desOrSelf" ptType="node node" st="2 1" cnt="1 0"/>
+                  <dgm:constrLst/>
+                  <dgm:ruleLst/>
+                </dgm:layoutNode>
+                <dgm:layoutNode name="ThreeNodes_3">
+                  <dgm:varLst>
+                    <dgm:bulletEnabled val="1"/>
+                  </dgm:varLst>
+                  <dgm:alg type="sp"/>
+                  <dgm:shape xmlns:r="http://schemas.openxmlformats.org/officeDocument/2006/relationships" type="roundRect" r:blip="">
+                    <dgm:adjLst>
+                      <dgm:adj idx="1" val="0.1"/>
+                    </dgm:adjLst>
+                  </dgm:shape>
+                  <dgm:presOf axis="ch desOrSelf" ptType="node node" st="3 1" cnt="1 0"/>
+                  <dgm:constrLst/>
+                  <dgm:ruleLst/>
+                </dgm:layoutNode>
+                <dgm:layoutNode name="ThreeConn_1-2" styleLbl="fgAccFollowNode1">
+                  <dgm:varLst>
+                    <dgm:bulletEnabled val="1"/>
+                  </dgm:varLst>
+                  <dgm:alg type="tx"/>
+                  <dgm:shape xmlns:r="http://schemas.openxmlformats.org/officeDocument/2006/relationships" type="downArrow" r:blip="">
+                    <dgm:adjLst>
+                      <dgm:adj idx="1" val="0.55"/>
+                      <dgm:adj idx="2" val="0.45"/>
+                    </dgm:adjLst>
+                  </dgm:shape>
+                  <dgm:presOf axis="ch" ptType="sibTrans" cnt="1"/>
+                  <dgm:constrLst>
+                    <dgm:constr type="lMarg" refType="primFontSz" fact="0.1"/>
+                    <dgm:constr type="rMarg" refType="primFontSz" fact="0.1"/>
+                    <dgm:constr type="tMarg" refType="primFontSz" fact="0.1"/>
+                    <dgm:constr type="bMarg" refType="primFontSz" fact="0.1"/>
+                  </dgm:constrLst>
+                  <dgm:ruleLst>
+                    <dgm:rule type="primFontSz" val="5" fact="NaN" max="NaN"/>
+                  </dgm:ruleLst>
+                </dgm:layoutNode>
+                <dgm:layoutNode name="ThreeConn_2-3" styleLbl="fgAccFollowNode1">
+                  <dgm:varLst>
+                    <dgm:bulletEnabled val="1"/>
+                  </dgm:varLst>
+                  <dgm:alg type="tx"/>
+                  <dgm:shape xmlns:r="http://schemas.openxmlformats.org/officeDocument/2006/relationships" type="downArrow" r:blip="">
+                    <dgm:adjLst>
+                      <dgm:adj idx="1" val="0.55"/>
+                      <dgm:adj idx="2" val="0.45"/>
+                    </dgm:adjLst>
+                  </dgm:shape>
+                  <dgm:presOf axis="ch" ptType="sibTrans" st="2" cnt="1"/>
+                  <dgm:constrLst>
+                    <dgm:constr type="lMarg" refType="primFontSz" fact="0.1"/>
+                    <dgm:constr type="rMarg" refType="primFontSz" fact="0.1"/>
+                    <dgm:constr type="tMarg" refType="primFontSz" fact="0.1"/>
+                    <dgm:constr type="bMarg" refType="primFontSz" fact="0.1"/>
+                  </dgm:constrLst>
+                  <dgm:ruleLst>
+                    <dgm:rule type="primFontSz" val="5" fact="NaN" max="NaN"/>
+                  </dgm:ruleLst>
+                </dgm:layoutNode>
+                <dgm:layoutNode name="ThreeNodes_1_text">
+                  <dgm:varLst>
+                    <dgm:bulletEnabled val="1"/>
+                  </dgm:varLst>
+                  <dgm:alg type="tx">
+                    <dgm:param type="parTxLTRAlign" val="l"/>
+                    <dgm:param type="txAnchorVertCh" val="mid"/>
+                  </dgm:alg>
+                  <dgm:shape xmlns:r="http://schemas.openxmlformats.org/officeDocument/2006/relationships" type="roundRect" r:blip="" hideGeom="1">
+                    <dgm:adjLst>
+                      <dgm:adj idx="1" val="0.1"/>
+                    </dgm:adjLst>
+                  </dgm:shape>
+                  <dgm:presOf axis="ch desOrSelf" ptType="node node" st="1 1" cnt="1 0"/>
+                  <dgm:constrLst>
+                    <dgm:constr type="lMarg" refType="primFontSz" fact="0.3"/>
+                    <dgm:constr type="rMarg" refType="primFontSz" fact="0.3"/>
+                    <dgm:constr type="tMarg" refType="primFontSz" fact="0.3"/>
+                    <dgm:constr type="bMarg" refType="primFontSz" fact="0.3"/>
+                  </dgm:constrLst>
+                  <dgm:ruleLst>
+                    <dgm:rule type="primFontSz" val="5" fact="NaN" max="NaN"/>
+                  </dgm:ruleLst>
+                </dgm:layoutNode>
+                <dgm:layoutNode name="ThreeNodes_2_text">
+                  <dgm:varLst>
+                    <dgm:bulletEnabled val="1"/>
+                  </dgm:varLst>
+                  <dgm:alg type="tx">
+                    <dgm:param type="parTxLTRAlign" val="l"/>
+                    <dgm:param type="txAnchorVertCh" val="mid"/>
+                  </dgm:alg>
+                  <dgm:shape xmlns:r="http://schemas.openxmlformats.org/officeDocument/2006/relationships" type="roundRect" r:blip="" hideGeom="1">
+                    <dgm:adjLst>
+                      <dgm:adj idx="1" val="0.1"/>
+                    </dgm:adjLst>
+                  </dgm:shape>
+                  <dgm:presOf axis="ch desOrSelf" ptType="node node" st="2 1" cnt="1 0"/>
+                  <dgm:constrLst>
+                    <dgm:constr type="lMarg" refType="primFontSz" fact="0.3"/>
+                    <dgm:constr type="rMarg" refType="primFontSz" fact="0.3"/>
+                    <dgm:constr type="tMarg" refType="primFontSz" fact="0.3"/>
+                    <dgm:constr type="bMarg" refType="primFontSz" fact="0.3"/>
+                  </dgm:constrLst>
+                  <dgm:ruleLst>
+                    <dgm:rule type="primFontSz" val="5" fact="NaN" max="NaN"/>
+                  </dgm:ruleLst>
+                </dgm:layoutNode>
+                <dgm:layoutNode name="ThreeNodes_3_text">
+                  <dgm:varLst>
+                    <dgm:bulletEnabled val="1"/>
+                  </dgm:varLst>
+                  <dgm:alg type="tx">
+                    <dgm:param type="parTxLTRAlign" val="l"/>
+                    <dgm:param type="txAnchorVertCh" val="mid"/>
+                  </dgm:alg>
+                  <dgm:shape xmlns:r="http://schemas.openxmlformats.org/officeDocument/2006/relationships" type="roundRect" r:blip="" hideGeom="1">
+                    <dgm:adjLst>
+                      <dgm:adj idx="1" val="0.1"/>
+                    </dgm:adjLst>
+                  </dgm:shape>
+                  <dgm:presOf axis="ch desOrSelf" ptType="node node" st="3 1" cnt="1 0"/>
+                  <dgm:constrLst>
+                    <dgm:constr type="lMarg" refType="primFontSz" fact="0.3"/>
+                    <dgm:constr type="rMarg" refType="primFontSz" fact="0.3"/>
+                    <dgm:constr type="tMarg" refType="primFontSz" fact="0.3"/>
+                    <dgm:constr type="bMarg" refType="primFontSz" fact="0.3"/>
+                  </dgm:constrLst>
+                  <dgm:ruleLst>
+                    <dgm:rule type="primFontSz" val="5" fact="NaN" max="NaN"/>
+                  </dgm:ruleLst>
+                </dgm:layoutNode>
+              </dgm:if>
+              <dgm:else name="Name11">
+                <dgm:choose name="Name12">
+                  <dgm:if name="Name13" axis="ch" ptType="node" func="cnt" op="equ" val="4">
+                    <dgm:layoutNode name="FourNodes_1">
+                      <dgm:varLst>
+                        <dgm:bulletEnabled val="1"/>
+                      </dgm:varLst>
+                      <dgm:alg type="sp"/>
+                      <dgm:shape xmlns:r="http://schemas.openxmlformats.org/officeDocument/2006/relationships" type="roundRect" r:blip="">
+                        <dgm:adjLst>
+                          <dgm:adj idx="1" val="0.1"/>
+                        </dgm:adjLst>
+                      </dgm:shape>
+                      <dgm:presOf axis="ch desOrSelf" ptType="node node" st="1 1" cnt="1 0"/>
+                      <dgm:constrLst/>
+                      <dgm:ruleLst/>
+                    </dgm:layoutNode>
+                    <dgm:layoutNode name="FourNodes_2">
+                      <dgm:varLst>
+                        <dgm:bulletEnabled val="1"/>
+                      </dgm:varLst>
+                      <dgm:alg type="sp"/>
+                      <dgm:shape xmlns:r="http://schemas.openxmlformats.org/officeDocument/2006/relationships" type="roundRect" r:blip="">
+                        <dgm:adjLst>
+                          <dgm:adj idx="1" val="0.1"/>
+                        </dgm:adjLst>
+                      </dgm:shape>
+                      <dgm:presOf axis="ch desOrSelf" ptType="node node" st="2 1" cnt="1 0"/>
+                      <dgm:constrLst/>
+                      <dgm:ruleLst/>
+                    </dgm:layoutNode>
+                    <dgm:layoutNode name="FourNodes_3">
+                      <dgm:varLst>
+                        <dgm:bulletEnabled val="1"/>
+                      </dgm:varLst>
+                      <dgm:alg type="sp"/>
+                      <dgm:shape xmlns:r="http://schemas.openxmlformats.org/officeDocument/2006/relationships" type="roundRect" r:blip="">
+                        <dgm:adjLst>
+                          <dgm:adj idx="1" val="0.1"/>
+                        </dgm:adjLst>
+                      </dgm:shape>
+                      <dgm:presOf axis="ch desOrSelf" ptType="node node" st="3 1" cnt="1 0"/>
+                      <dgm:constrLst/>
+                      <dgm:ruleLst/>
+                    </dgm:layoutNode>
+                    <dgm:layoutNode name="FourNodes_4">
+                      <dgm:varLst>
+                        <dgm:bulletEnabled val="1"/>
+                      </dgm:varLst>
+                      <dgm:alg type="sp"/>
+                      <dgm:shape xmlns:r="http://schemas.openxmlformats.org/officeDocument/2006/relationships" type="roundRect" r:blip="">
+                        <dgm:adjLst>
+                          <dgm:adj idx="1" val="0.1"/>
+                        </dgm:adjLst>
+                      </dgm:shape>
+                      <dgm:presOf axis="ch desOrSelf" ptType="node node" st="4 1" cnt="1 0"/>
+                      <dgm:constrLst/>
+                      <dgm:ruleLst/>
+                    </dgm:layoutNode>
+                    <dgm:layoutNode name="FourConn_1-2" styleLbl="fgAccFollowNode1">
+                      <dgm:varLst>
+                        <dgm:bulletEnabled val="1"/>
+                      </dgm:varLst>
+                      <dgm:alg type="tx"/>
+                      <dgm:shape xmlns:r="http://schemas.openxmlformats.org/officeDocument/2006/relationships" type="downArrow" r:blip="">
+                        <dgm:adjLst>
+                          <dgm:adj idx="1" val="0.55"/>
+                          <dgm:adj idx="2" val="0.45"/>
+                        </dgm:adjLst>
+                      </dgm:shape>
+                      <dgm:presOf axis="ch" ptType="sibTrans" cnt="1"/>
+                      <dgm:constrLst>
+                        <dgm:constr type="lMarg" refType="primFontSz" fact="0.1"/>
+                        <dgm:constr type="rMarg" refType="primFontSz" fact="0.1"/>
+                        <dgm:constr type="tMarg" refType="primFontSz" fact="0.1"/>
+                        <dgm:constr type="bMarg" refType="primFontSz" fact="0.1"/>
+                      </dgm:constrLst>
+                      <dgm:ruleLst>
+                        <dgm:rule type="primFontSz" val="5" fact="NaN" max="NaN"/>
+                      </dgm:ruleLst>
+                    </dgm:layoutNode>
+                    <dgm:layoutNode name="FourConn_2-3" styleLbl="fgAccFollowNode1">
+                      <dgm:varLst>
+                        <dgm:bulletEnabled val="1"/>
+                      </dgm:varLst>
+                      <dgm:alg type="tx"/>
+                      <dgm:shape xmlns:r="http://schemas.openxmlformats.org/officeDocument/2006/relationships" type="downArrow" r:blip="">
+                        <dgm:adjLst>
+                          <dgm:adj idx="1" val="0.55"/>
+                          <dgm:adj idx="2" val="0.45"/>
+                        </dgm:adjLst>
+                      </dgm:shape>
+                      <dgm:presOf axis="ch" ptType="sibTrans" st="2" cnt="1"/>
+                      <dgm:constrLst>
+                        <dgm:constr type="lMarg" refType="primFontSz" fact="0.1"/>
+                        <dgm:constr type="rMarg" refType="primFontSz" fact="0.1"/>
+                        <dgm:constr type="tMarg" refType="primFontSz" fact="0.1"/>
+                        <dgm:constr type="bMarg" refType="primFontSz" fact="0.1"/>
+                      </dgm:constrLst>
+                      <dgm:ruleLst>
+                        <dgm:rule type="primFontSz" val="5" fact="NaN" max="NaN"/>
+                      </dgm:ruleLst>
+                    </dgm:layoutNode>
+                    <dgm:layoutNode name="FourConn_3-4" styleLbl="fgAccFollowNode1">
+                      <dgm:varLst>
+                        <dgm:bulletEnabled val="1"/>
+                      </dgm:varLst>
+                      <dgm:alg type="tx"/>
+                      <dgm:shape xmlns:r="http://schemas.openxmlformats.org/officeDocument/2006/relationships" type="downArrow" r:blip="">
+                        <dgm:adjLst>
+                          <dgm:adj idx="1" val="0.55"/>
+                          <dgm:adj idx="2" val="0.45"/>
+                        </dgm:adjLst>
+                      </dgm:shape>
+                      <dgm:presOf axis="ch" ptType="sibTrans" st="3" cnt="1"/>
+                      <dgm:constrLst>
+                        <dgm:constr type="lMarg" refType="primFontSz" fact="0.1"/>
+                        <dgm:constr type="rMarg" refType="primFontSz" fact="0.1"/>
+                        <dgm:constr type="tMarg" refType="primFontSz" fact="0.1"/>
+                        <dgm:constr type="bMarg" refType="primFontSz" fact="0.1"/>
+                      </dgm:constrLst>
+                      <dgm:ruleLst>
+                        <dgm:rule type="primFontSz" val="5" fact="NaN" max="NaN"/>
+                      </dgm:ruleLst>
+                    </dgm:layoutNode>
+                    <dgm:layoutNode name="FourNodes_1_text">
+                      <dgm:varLst>
+                        <dgm:bulletEnabled val="1"/>
+                      </dgm:varLst>
+                      <dgm:alg type="tx">
+                        <dgm:param type="parTxLTRAlign" val="l"/>
+                        <dgm:param type="txAnchorVertCh" val="mid"/>
+                      </dgm:alg>
+                      <dgm:shape xmlns:r="http://schemas.openxmlformats.org/officeDocument/2006/relationships" type="roundRect" r:blip="" hideGeom="1">
+                        <dgm:adjLst>
+                          <dgm:adj idx="1" val="0.1"/>
+                        </dgm:adjLst>
+                      </dgm:shape>
+                      <dgm:presOf axis="ch desOrSelf" ptType="node node" st="1 1" cnt="1 0"/>
+                      <dgm:constrLst>
+                        <dgm:constr type="lMarg" refType="primFontSz" fact="0.3"/>
+                        <dgm:constr type="rMarg" refType="primFontSz" fact="0.3"/>
+                        <dgm:constr type="tMarg" refType="primFontSz" fact="0.3"/>
+                        <dgm:constr type="bMarg" refType="primFontSz" fact="0.3"/>
+                      </dgm:constrLst>
+                      <dgm:ruleLst>
+                        <dgm:rule type="primFontSz" val="5" fact="NaN" max="NaN"/>
+                      </dgm:ruleLst>
+                    </dgm:layoutNode>
+                    <dgm:layoutNode name="FourNodes_2_text">
+                      <dgm:varLst>
+                        <dgm:bulletEnabled val="1"/>
+                      </dgm:varLst>
+                      <dgm:alg type="tx">
+                        <dgm:param type="parTxLTRAlign" val="l"/>
+                        <dgm:param type="txAnchorVertCh" val="mid"/>
+                      </dgm:alg>
+                      <dgm:shape xmlns:r="http://schemas.openxmlformats.org/officeDocument/2006/relationships" type="roundRect" r:blip="" hideGeom="1">
+                        <dgm:adjLst>
+                          <dgm:adj idx="1" val="0.1"/>
+                        </dgm:adjLst>
+                      </dgm:shape>
+                      <dgm:presOf axis="ch desOrSelf" ptType="node node" st="2 1" cnt="1 0"/>
+                      <dgm:constrLst>
+                        <dgm:constr type="lMarg" refType="primFontSz" fact="0.3"/>
+                        <dgm:constr type="rMarg" refType="primFontSz" fact="0.3"/>
+                        <dgm:constr type="tMarg" refType="primFontSz" fact="0.3"/>
+                        <dgm:constr type="bMarg" refType="primFontSz" fact="0.3"/>
+                      </dgm:constrLst>
+                      <dgm:ruleLst>
+                        <dgm:rule type="primFontSz" val="5" fact="NaN" max="NaN"/>
+                      </dgm:ruleLst>
+                    </dgm:layoutNode>
+                    <dgm:layoutNode name="FourNodes_3_text">
+                      <dgm:varLst>
+                        <dgm:bulletEnabled val="1"/>
+                      </dgm:varLst>
+                      <dgm:alg type="tx">
+                        <dgm:param type="parTxLTRAlign" val="l"/>
+                        <dgm:param type="txAnchorVertCh" val="mid"/>
+                      </dgm:alg>
+                      <dgm:shape xmlns:r="http://schemas.openxmlformats.org/officeDocument/2006/relationships" type="roundRect" r:blip="" hideGeom="1">
+                        <dgm:adjLst>
+                          <dgm:adj idx="1" val="0.1"/>
+                        </dgm:adjLst>
+                      </dgm:shape>
+                      <dgm:presOf axis="ch desOrSelf" ptType="node node" st="3 1" cnt="1 0"/>
+                      <dgm:constrLst>
+                        <dgm:constr type="lMarg" refType="primFontSz" fact="0.3"/>
+                        <dgm:constr type="rMarg" refType="primFontSz" fact="0.3"/>
+                        <dgm:constr type="tMarg" refType="primFontSz" fact="0.3"/>
+                        <dgm:constr type="bMarg" refType="primFontSz" fact="0.3"/>
+                      </dgm:constrLst>
+                      <dgm:ruleLst>
+                        <dgm:rule type="primFontSz" val="5" fact="NaN" max="NaN"/>
+                      </dgm:ruleLst>
+                    </dgm:layoutNode>
+                    <dgm:layoutNode name="FourNodes_4_text">
+                      <dgm:varLst>
+                        <dgm:bulletEnabled val="1"/>
+                      </dgm:varLst>
+                      <dgm:alg type="tx">
+                        <dgm:param type="parTxLTRAlign" val="l"/>
+                        <dgm:param type="txAnchorVertCh" val="mid"/>
+                      </dgm:alg>
+                      <dgm:shape xmlns:r="http://schemas.openxmlformats.org/officeDocument/2006/relationships" type="roundRect" r:blip="" hideGeom="1">
+                        <dgm:adjLst>
+                          <dgm:adj idx="1" val="0.1"/>
+                        </dgm:adjLst>
+                      </dgm:shape>
+                      <dgm:presOf axis="ch desOrSelf" ptType="node node" st="4 1" cnt="1 0"/>
+                      <dgm:constrLst>
+                        <dgm:constr type="lMarg" refType="primFontSz" fact="0.3"/>
+                        <dgm:constr type="rMarg" refType="primFontSz" fact="0.3"/>
+                        <dgm:constr type="tMarg" refType="primFontSz" fact="0.3"/>
+                        <dgm:constr type="bMarg" refType="primFontSz" fact="0.3"/>
+                      </dgm:constrLst>
+                      <dgm:ruleLst>
+                        <dgm:rule type="primFontSz" val="5" fact="NaN" max="NaN"/>
+                      </dgm:ruleLst>
+                    </dgm:layoutNode>
+                  </dgm:if>
+                  <dgm:else name="Name14">
+                    <dgm:choose name="Name15">
+                      <dgm:if name="Name16" axis="ch" ptType="node" func="cnt" op="gte" val="5">
+                        <dgm:layoutNode name="FiveNodes_1">
+                          <dgm:varLst>
+                            <dgm:bulletEnabled val="1"/>
+                          </dgm:varLst>
+                          <dgm:alg type="sp"/>
+                          <dgm:shape xmlns:r="http://schemas.openxmlformats.org/officeDocument/2006/relationships" type="roundRect" r:blip="">
+                            <dgm:adjLst>
+                              <dgm:adj idx="1" val="0.1"/>
+                            </dgm:adjLst>
+                          </dgm:shape>
+                          <dgm:presOf axis="ch desOrSelf" ptType="node node" st="1 1" cnt="1 0"/>
+                          <dgm:constrLst/>
+                          <dgm:ruleLst/>
+                        </dgm:layoutNode>
+                        <dgm:layoutNode name="FiveNodes_2">
+                          <dgm:varLst>
+                            <dgm:bulletEnabled val="1"/>
+                          </dgm:varLst>
+                          <dgm:alg type="sp"/>
+                          <dgm:shape xmlns:r="http://schemas.openxmlformats.org/officeDocument/2006/relationships" type="roundRect" r:blip="">
+                            <dgm:adjLst>
+                              <dgm:adj idx="1" val="0.1"/>
+                            </dgm:adjLst>
+                          </dgm:shape>
+                          <dgm:presOf axis="ch desOrSelf" ptType="node node" st="2 1" cnt="1 0"/>
+                          <dgm:constrLst/>
+                          <dgm:ruleLst/>
+                        </dgm:layoutNode>
+                        <dgm:layoutNode name="FiveNodes_3">
+                          <dgm:varLst>
+                            <dgm:bulletEnabled val="1"/>
+                          </dgm:varLst>
+                          <dgm:alg type="sp"/>
+                          <dgm:shape xmlns:r="http://schemas.openxmlformats.org/officeDocument/2006/relationships" type="roundRect" r:blip="">
+                            <dgm:adjLst>
+                              <dgm:adj idx="1" val="0.1"/>
+                            </dgm:adjLst>
+                          </dgm:shape>
+                          <dgm:presOf axis="ch desOrSelf" ptType="node node" st="3 1" cnt="1 0"/>
+                          <dgm:constrLst/>
+                          <dgm:ruleLst/>
+                        </dgm:layoutNode>
+                        <dgm:layoutNode name="FiveNodes_4">
+                          <dgm:varLst>
+                            <dgm:bulletEnabled val="1"/>
+                          </dgm:varLst>
+                          <dgm:alg type="sp"/>
+                          <dgm:shape xmlns:r="http://schemas.openxmlformats.org/officeDocument/2006/relationships" type="roundRect" r:blip="">
+                            <dgm:adjLst>
+                              <dgm:adj idx="1" val="0.1"/>
+                            </dgm:adjLst>
+                          </dgm:shape>
+                          <dgm:presOf axis="ch desOrSelf" ptType="node node" st="4 1" cnt="1 0"/>
+                          <dgm:constrLst/>
+                          <dgm:ruleLst/>
+                        </dgm:layoutNode>
+                        <dgm:layoutNode name="FiveNodes_5">
+                          <dgm:varLst>
+                            <dgm:bulletEnabled val="1"/>
+                          </dgm:varLst>
+                          <dgm:alg type="sp"/>
+                          <dgm:shape xmlns:r="http://schemas.openxmlformats.org/officeDocument/2006/relationships" type="roundRect" r:blip="">
+                            <dgm:adjLst>
+                              <dgm:adj idx="1" val="0.1"/>
+                            </dgm:adjLst>
+                          </dgm:shape>
+                          <dgm:presOf axis="ch desOrSelf" ptType="node node" st="5 1" cnt="1 0"/>
+                          <dgm:constrLst/>
+                          <dgm:ruleLst/>
+                        </dgm:layoutNode>
+                        <dgm:layoutNode name="FiveConn_1-2" styleLbl="fgAccFollowNode1">
+                          <dgm:varLst>
+                            <dgm:bulletEnabled val="1"/>
+                          </dgm:varLst>
+                          <dgm:alg type="tx"/>
+                          <dgm:shape xmlns:r="http://schemas.openxmlformats.org/officeDocument/2006/relationships" type="downArrow" r:blip="">
+                            <dgm:adjLst>
+                              <dgm:adj idx="1" val="0.55"/>
+                              <dgm:adj idx="2" val="0.45"/>
+                            </dgm:adjLst>
+                          </dgm:shape>
+                          <dgm:presOf axis="ch" ptType="sibTrans" cnt="1"/>
+                          <dgm:constrLst>
+                            <dgm:constr type="lMarg" refType="primFontSz" fact="0.1"/>
+                            <dgm:constr type="rMarg" refType="primFontSz" fact="0.1"/>
+                            <dgm:constr type="tMarg" refType="primFontSz" fact="0.1"/>
+                            <dgm:constr type="bMarg" refType="primFontSz" fact="0.1"/>
+                          </dgm:constrLst>
+                          <dgm:ruleLst>
+                            <dgm:rule type="primFontSz" val="5" fact="NaN" max="NaN"/>
+                          </dgm:ruleLst>
+                        </dgm:layoutNode>
+                        <dgm:layoutNode name="FiveConn_2-3" styleLbl="fgAccFollowNode1">
+                          <dgm:varLst>
+                            <dgm:bulletEnabled val="1"/>
+                          </dgm:varLst>
+                          <dgm:alg type="tx"/>
+                          <dgm:shape xmlns:r="http://schemas.openxmlformats.org/officeDocument/2006/relationships" type="downArrow" r:blip="">
+                            <dgm:adjLst>
+                              <dgm:adj idx="1" val="0.55"/>
+                              <dgm:adj idx="2" val="0.45"/>
+                            </dgm:adjLst>
+                          </dgm:shape>
+                          <dgm:presOf axis="ch" ptType="sibTrans" st="2" cnt="1"/>
+                          <dgm:constrLst>
+                            <dgm:constr type="lMarg" refType="primFontSz" fact="0.1"/>
+                            <dgm:constr type="rMarg" refType="primFontSz" fact="0.1"/>
+                            <dgm:constr type="tMarg" refType="primFontSz" fact="0.1"/>
+                            <dgm:constr type="bMarg" refType="primFontSz" fact="0.1"/>
+                          </dgm:constrLst>
+                          <dgm:ruleLst>
+                            <dgm:rule type="primFontSz" val="5" fact="NaN" max="NaN"/>
+                          </dgm:ruleLst>
+                        </dgm:layoutNode>
+                        <dgm:layoutNode name="FiveConn_3-4" styleLbl="fgAccFollowNode1">
+                          <dgm:varLst>
+                            <dgm:bulletEnabled val="1"/>
+                          </dgm:varLst>
+                          <dgm:alg type="tx"/>
+                          <dgm:shape xmlns:r="http://schemas.openxmlformats.org/officeDocument/2006/relationships" type="downArrow" r:blip="">
+                            <dgm:adjLst>
+                              <dgm:adj idx="1" val="0.55"/>
+                              <dgm:adj idx="2" val="0.45"/>
+                            </dgm:adjLst>
+                          </dgm:shape>
+                          <dgm:presOf axis="ch" ptType="sibTrans" st="3" cnt="1"/>
+                          <dgm:constrLst>
+                            <dgm:constr type="lMarg" refType="primFontSz" fact="0.1"/>
+                            <dgm:constr type="rMarg" refType="primFontSz" fact="0.1"/>
+                            <dgm:constr type="tMarg" refType="primFontSz" fact="0.1"/>
+                            <dgm:constr type="bMarg" refType="primFontSz" fact="0.1"/>
+                          </dgm:constrLst>
+                          <dgm:ruleLst>
+                            <dgm:rule type="primFontSz" val="5" fact="NaN" max="NaN"/>
+                          </dgm:ruleLst>
+                        </dgm:layoutNode>
+                        <dgm:layoutNode name="FiveConn_4-5" styleLbl="fgAccFollowNode1">
+                          <dgm:varLst>
+                            <dgm:bulletEnabled val="1"/>
+                          </dgm:varLst>
+                          <dgm:alg type="tx"/>
+                          <dgm:shape xmlns:r="http://schemas.openxmlformats.org/officeDocument/2006/relationships" type="downArrow" r:blip="">
+                            <dgm:adjLst>
+                              <dgm:adj idx="1" val="0.55"/>
+                              <dgm:adj idx="2" val="0.45"/>
+                            </dgm:adjLst>
+                          </dgm:shape>
+                          <dgm:presOf axis="ch" ptType="sibTrans" st="4" cnt="1"/>
+                          <dgm:constrLst>
+                            <dgm:constr type="lMarg" refType="primFontSz" fact="0.1"/>
+                            <dgm:constr type="rMarg" refType="primFontSz" fact="0.1"/>
+                            <dgm:constr type="tMarg" refType="primFontSz" fact="0.1"/>
+                            <dgm:constr type="bMarg" refType="primFontSz" fact="0.1"/>
+                          </dgm:constrLst>
+                          <dgm:ruleLst>
+                            <dgm:rule type="primFontSz" val="5" fact="NaN" max="NaN"/>
+                          </dgm:ruleLst>
+                        </dgm:layoutNode>
+                        <dgm:layoutNode name="FiveNodes_1_text">
+                          <dgm:varLst>
+                            <dgm:bulletEnabled val="1"/>
+                          </dgm:varLst>
+                          <dgm:alg type="tx">
+                            <dgm:param type="parTxLTRAlign" val="l"/>
+                            <dgm:param type="txAnchorVertCh" val="mid"/>
+                          </dgm:alg>
+                          <dgm:shape xmlns:r="http://schemas.openxmlformats.org/officeDocument/2006/relationships" type="roundRect" r:blip="" hideGeom="1">
+                            <dgm:adjLst>
+                              <dgm:adj idx="1" val="0.1"/>
+                            </dgm:adjLst>
+                          </dgm:shape>
+                          <dgm:presOf axis="ch desOrSelf" ptType="node node" st="1 1" cnt="1 0"/>
+                          <dgm:constrLst>
+                            <dgm:constr type="lMarg" refType="primFontSz" fact="0.3"/>
+                            <dgm:constr type="rMarg" refType="primFontSz" fact="0.3"/>
+                            <dgm:constr type="tMarg" refType="primFontSz" fact="0.3"/>
+                            <dgm:constr type="bMarg" refType="primFontSz" fact="0.3"/>
+                          </dgm:constrLst>
+                          <dgm:ruleLst>
+                            <dgm:rule type="primFontSz" val="5" fact="NaN" max="NaN"/>
+                          </dgm:ruleLst>
+                        </dgm:layoutNode>
+                        <dgm:layoutNode name="FiveNodes_2_text">
+                          <dgm:varLst>
+                            <dgm:bulletEnabled val="1"/>
+                          </dgm:varLst>
+                          <dgm:alg type="tx">
+                            <dgm:param type="parTxLTRAlign" val="l"/>
+                            <dgm:param type="txAnchorVertCh" val="mid"/>
+                          </dgm:alg>
+                          <dgm:shape xmlns:r="http://schemas.openxmlformats.org/officeDocument/2006/relationships" type="roundRect" r:blip="" hideGeom="1">
+                            <dgm:adjLst>
+                              <dgm:adj idx="1" val="0.1"/>
+                            </dgm:adjLst>
+                          </dgm:shape>
+                          <dgm:presOf axis="ch desOrSelf" ptType="node node" st="2 1" cnt="1 0"/>
+                          <dgm:constrLst>
+                            <dgm:constr type="lMarg" refType="primFontSz" fact="0.3"/>
+                            <dgm:constr type="rMarg" refType="primFontSz" fact="0.3"/>
+                            <dgm:constr type="tMarg" refType="primFontSz" fact="0.3"/>
+                            <dgm:constr type="bMarg" refType="primFontSz" fact="0.3"/>
+                          </dgm:constrLst>
+                          <dgm:ruleLst>
+                            <dgm:rule type="primFontSz" val="5" fact="NaN" max="NaN"/>
+                          </dgm:ruleLst>
+                        </dgm:layoutNode>
+                        <dgm:layoutNode name="FiveNodes_3_text">
+                          <dgm:varLst>
+                            <dgm:bulletEnabled val="1"/>
+                          </dgm:varLst>
+                          <dgm:alg type="tx">
+                            <dgm:param type="parTxLTRAlign" val="l"/>
+                            <dgm:param type="txAnchorVertCh" val="mid"/>
+                          </dgm:alg>
+                          <dgm:shape xmlns:r="http://schemas.openxmlformats.org/officeDocument/2006/relationships" type="roundRect" r:blip="" hideGeom="1">
+                            <dgm:adjLst>
+                              <dgm:adj idx="1" val="0.1"/>
+                            </dgm:adjLst>
+                          </dgm:shape>
+                          <dgm:presOf axis="ch desOrSelf" ptType="node node" st="3 1" cnt="1 0"/>
+                          <dgm:constrLst>
+                            <dgm:constr type="lMarg" refType="primFontSz" fact="0.3"/>
+                            <dgm:constr type="rMarg" refType="primFontSz" fact="0.3"/>
+                            <dgm:constr type="tMarg" refType="primFontSz" fact="0.3"/>
+                            <dgm:constr type="bMarg" refType="primFontSz" fact="0.3"/>
+                          </dgm:constrLst>
+                          <dgm:ruleLst>
+                            <dgm:rule type="primFontSz" val="5" fact="NaN" max="NaN"/>
+                          </dgm:ruleLst>
+                        </dgm:layoutNode>
+                        <dgm:layoutNode name="FiveNodes_4_text">
+                          <dgm:varLst>
+                            <dgm:bulletEnabled val="1"/>
+                          </dgm:varLst>
+                          <dgm:alg type="tx">
+                            <dgm:param type="parTxLTRAlign" val="l"/>
+                            <dgm:param type="txAnchorVertCh" val="mid"/>
+                          </dgm:alg>
+                          <dgm:shape xmlns:r="http://schemas.openxmlformats.org/officeDocument/2006/relationships" type="roundRect" r:blip="" hideGeom="1">
+                            <dgm:adjLst>
+                              <dgm:adj idx="1" val="0.1"/>
+                            </dgm:adjLst>
+                          </dgm:shape>
+                          <dgm:presOf axis="ch desOrSelf" ptType="node node" st="4 1" cnt="1 0"/>
+                          <dgm:constrLst>
+                            <dgm:constr type="lMarg" refType="primFontSz" fact="0.3"/>
+                            <dgm:constr type="rMarg" refType="primFontSz" fact="0.3"/>
+                            <dgm:constr type="tMarg" refType="primFontSz" fact="0.3"/>
+                            <dgm:constr type="bMarg" refType="primFontSz" fact="0.3"/>
+                          </dgm:constrLst>
+                          <dgm:ruleLst>
+                            <dgm:rule type="primFontSz" val="5" fact="NaN" max="NaN"/>
+                          </dgm:ruleLst>
+                        </dgm:layoutNode>
+                        <dgm:layoutNode name="FiveNodes_5_text">
+                          <dgm:varLst>
+                            <dgm:bulletEnabled val="1"/>
+                          </dgm:varLst>
+                          <dgm:alg type="tx">
+                            <dgm:param type="parTxLTRAlign" val="l"/>
+                            <dgm:param type="txAnchorVertCh" val="mid"/>
+                          </dgm:alg>
+                          <dgm:shape xmlns:r="http://schemas.openxmlformats.org/officeDocument/2006/relationships" type="roundRect" r:blip="" hideGeom="1">
+                            <dgm:adjLst>
+                              <dgm:adj idx="1" val="0.1"/>
+                            </dgm:adjLst>
+                          </dgm:shape>
+                          <dgm:presOf axis="ch desOrSelf" ptType="node node" st="5 1" cnt="1 0"/>
+                          <dgm:constrLst>
+                            <dgm:constr type="lMarg" refType="primFontSz" fact="0.3"/>
+                            <dgm:constr type="rMarg" refType="primFontSz" fact="0.3"/>
+                            <dgm:constr type="tMarg" refType="primFontSz" fact="0.3"/>
+                            <dgm:constr type="bMarg" refType="primFontSz" fact="0.3"/>
+                          </dgm:constrLst>
+                          <dgm:ruleLst>
+                            <dgm:rule type="primFontSz" val="5" fact="NaN" max="NaN"/>
+                          </dgm:ruleLst>
+                        </dgm:layoutNode>
+                      </dgm:if>
+                      <dgm:else name="Name17"/>
+                    </dgm:choose>
+                  </dgm:else>
+                </dgm:choose>
+              </dgm:else>
+            </dgm:choose>
+          </dgm:else>
+        </dgm:choose>
+      </dgm:else>
+    </dgm:choose>
+  </dgm:layoutNode>
+</dgm:layoutDef>
+</file>
+
+<file path=ppt/diagrams/quickStyle1.xml><?xml version="1.0" encoding="utf-8"?>
+<dgm:styleDef xmlns:dgm="http://schemas.openxmlformats.org/drawingml/2006/diagram" xmlns:a="http://schemas.openxmlformats.org/drawingml/2006/main" uniqueId="urn:microsoft.com/office/officeart/2005/8/quickstyle/simple1">
+  <dgm:title val=""/>
+  <dgm:desc val=""/>
+  <dgm:catLst>
+    <dgm:cat type="simple" pri="10100"/>
+  </dgm:catLst>
+  <dgm:scene3d>
+    <a:camera prst="orthographicFront"/>
+    <a:lightRig rig="threePt" dir="t"/>
+  </dgm:scene3d>
+  <dgm:styleLbl name="node0">
+    <dgm:scene3d>
+      <a:camera prst="orthographicFront"/>
+      <a:lightRig rig="threePt" dir="t"/>
+    </dgm:scene3d>
+    <dgm:sp3d/>
+    <dgm:txPr/>
+    <dgm:style>
+      <a:lnRef idx="2">
+        <a:scrgbClr r="0" g="0" b="0"/>
+      </a:lnRef>
+      <a:fillRef idx="1">
+        <a:scrgbClr r="0" g="0" b="0"/>
+      </a:fillRef>
+      <a:effectRef idx="0">
+        <a:scrgbClr r="0" g="0" b="0"/>
+      </a:effectRef>
+      <a:fontRef idx="minor">
+        <a:schemeClr val="lt1"/>
+      </a:fontRef>
+    </dgm:style>
+  </dgm:styleLbl>
+  <dgm:styleLbl name="lnNode1">
+    <dgm:scene3d>
+      <a:camera prst="orthographicFront"/>
+      <a:lightRig rig="threePt" dir="t"/>
+    </dgm:scene3d>
+    <dgm:sp3d/>
+    <dgm:txPr/>
+    <dgm:style>
+      <a:lnRef idx="2">
+        <a:scrgbClr r="0" g="0" b="0"/>
+      </a:lnRef>
+      <a:fillRef idx="1">
+        <a:scrgbClr r="0" g="0" b="0"/>
+      </a:fillRef>
+      <a:effectRef idx="0">
+        <a:scrgbClr r="0" g="0" b="0"/>
+      </a:effectRef>
+      <a:fontRef idx="minor">
+        <a:schemeClr val="lt1"/>
+      </a:fontRef>
+    </dgm:style>
+  </dgm:styleLbl>
+  <dgm:styleLbl name="vennNode1">
+    <dgm:scene3d>
+      <a:camera prst="orthographicFront"/>
+      <a:lightRig rig="threePt" dir="t"/>
+    </dgm:scene3d>
+    <dgm:sp3d/>
+    <dgm:txPr/>
+    <dgm:style>
+      <a:lnRef idx="2">
+        <a:scrgbClr r="0" g="0" b="0"/>
+      </a:lnRef>
+      <a:fillRef idx="1">
+        <a:scrgbClr r="0" g="0" b="0"/>
+      </a:fillRef>
+      <a:effectRef idx="0">
+        <a:scrgbClr r="0" g="0" b="0"/>
+      </a:effectRef>
+      <a:fontRef idx="minor">
+        <a:schemeClr val="tx1"/>
+      </a:fontRef>
+    </dgm:style>
+  </dgm:styleLbl>
+  <dgm:styleLbl name="alignNode1">
+    <dgm:scene3d>
+      <a:camera prst="orthographicFront"/>
+      <a:lightRig rig="threePt" dir="t"/>
+    </dgm:scene3d>
+    <dgm:sp3d/>
+    <dgm:txPr/>
+    <dgm:style>
+      <a:lnRef idx="2">
+        <a:scrgbClr r="0" g="0" b="0"/>
+      </a:lnRef>
+      <a:fillRef idx="1">
+        <a:scrgbClr r="0" g="0" b="0"/>
+      </a:fillRef>
+      <a:effectRef idx="0">
+        <a:scrgbClr r="0" g="0" b="0"/>
+      </a:effectRef>
+      <a:fontRef idx="minor">
+        <a:schemeClr val="lt1"/>
+      </a:fontRef>
+    </dgm:style>
+  </dgm:styleLbl>
+  <dgm:styleLbl name="node1">
+    <dgm:scene3d>
+      <a:camera prst="orthographicFront"/>
+      <a:lightRig rig="threePt" dir="t"/>
+    </dgm:scene3d>
+    <dgm:sp3d/>
+    <dgm:txPr/>
+    <dgm:style>
+      <a:lnRef idx="2">
+        <a:scrgbClr r="0" g="0" b="0"/>
+      </a:lnRef>
+      <a:fillRef idx="1">
+        <a:scrgbClr r="0" g="0" b="0"/>
+      </a:fillRef>
+      <a:effectRef idx="0">
+        <a:scrgbClr r="0" g="0" b="0"/>
+      </a:effectRef>
+      <a:fontRef idx="minor">
+        <a:schemeClr val="lt1"/>
+      </a:fontRef>
+    </dgm:style>
+  </dgm:styleLbl>
+  <dgm:styleLbl name="node2">
+    <dgm:scene3d>
+      <a:camera prst="orthographicFront"/>
+      <a:lightRig rig="threePt" dir="t"/>
+    </dgm:scene3d>
+    <dgm:sp3d/>
+    <dgm:txPr/>
+    <dgm:style>
+      <a:lnRef idx="2">
+        <a:scrgbClr r="0" g="0" b="0"/>
+      </a:lnRef>
+      <a:fillRef idx="1">
+        <a:scrgbClr r="0" g="0" b="0"/>
+      </a:fillRef>
+      <a:effectRef idx="0">
+        <a:scrgbClr r="0" g="0" b="0"/>
+      </a:effectRef>
+      <a:fontRef idx="minor">
+        <a:schemeClr val="lt1"/>
+      </a:fontRef>
+    </dgm:style>
+  </dgm:styleLbl>
+  <dgm:styleLbl name="node3">
+    <dgm:scene3d>
+      <a:camera prst="orthographicFront"/>
+      <a:lightRig rig="threePt" dir="t"/>
+    </dgm:scene3d>
+    <dgm:sp3d/>
+    <dgm:txPr/>
+    <dgm:style>
+      <a:lnRef idx="2">
+        <a:scrgbClr r="0" g="0" b="0"/>
+      </a:lnRef>
+      <a:fillRef idx="1">
+        <a:scrgbClr r="0" g="0" b="0"/>
+      </a:fillRef>
+      <a:effectRef idx="0">
+        <a:scrgbClr r="0" g="0" b="0"/>
+      </a:effectRef>
+      <a:fontRef idx="minor">
+        <a:schemeClr val="lt1"/>
+      </a:fontRef>
+    </dgm:style>
+  </dgm:styleLbl>
+  <dgm:styleLbl name="node4">
+    <dgm:scene3d>
+      <a:camera prst="orthographicFront"/>
+      <a:lightRig rig="threePt" dir="t"/>
+    </dgm:scene3d>
+    <dgm:sp3d/>
+    <dgm:txPr/>
+    <dgm:style>
+      <a:lnRef idx="2">
+        <a:scrgbClr r="0" g="0" b="0"/>
+      </a:lnRef>
+      <a:fillRef idx="1">
+        <a:scrgbClr r="0" g="0" b="0"/>
+      </a:fillRef>
+      <a:effectRef idx="0">
+        <a:scrgbClr r="0" g="0" b="0"/>
+      </a:effectRef>
+      <a:fontRef idx="minor">
+        <a:schemeClr val="lt1"/>
+      </a:fontRef>
+    </dgm:style>
+  </dgm:styleLbl>
+  <dgm:styleLbl name="fgImgPlace1">
+    <dgm:scene3d>
+      <a:camera prst="orthographicFront"/>
+      <a:lightRig rig="threePt" dir="t"/>
+    </dgm:scene3d>
+    <dgm:sp3d/>
+    <dgm:txPr/>
+    <dgm:style>
+      <a:lnRef idx="2">
+        <a:scrgbClr r="0" g="0" b="0"/>
+      </a:lnRef>
+      <a:fillRef idx="1">
+        <a:scrgbClr r="0" g="0" b="0"/>
+      </a:fillRef>
+      <a:effectRef idx="0">
+        <a:scrgbClr r="0" g="0" b="0"/>
+      </a:effectRef>
+      <a:fontRef idx="minor"/>
+    </dgm:style>
+  </dgm:styleLbl>
+  <dgm:styleLbl name="alignImgPlace1">
+    <dgm:scene3d>
+      <a:camera prst="orthographicFront"/>
+      <a:lightRig rig="threePt" dir="t"/>
+    </dgm:scene3d>
+    <dgm:sp3d/>
+    <dgm:txPr/>
+    <dgm:style>
+      <a:lnRef idx="2">
+        <a:scrgbClr r="0" g="0" b="0"/>
+      </a:lnRef>
+      <a:fillRef idx="1">
+        <a:scrgbClr r="0" g="0" b="0"/>
+      </a:fillRef>
+      <a:effectRef idx="0">
+        <a:scrgbClr r="0" g="0" b="0"/>
+      </a:effectRef>
+      <a:fontRef idx="minor"/>
+    </dgm:style>
+  </dgm:styleLbl>
+  <dgm:styleLbl name="bgImgPlace1">
+    <dgm:scene3d>
+      <a:camera prst="orthographicFront"/>
+      <a:lightRig rig="threePt" dir="t"/>
+    </dgm:scene3d>
+    <dgm:sp3d/>
+    <dgm:txPr/>
+    <dgm:style>
+      <a:lnRef idx="2">
+        <a:scrgbClr r="0" g="0" b="0"/>
+      </a:lnRef>
+      <a:fillRef idx="1">
+        <a:scrgbClr r="0" g="0" b="0"/>
+      </a:fillRef>
+      <a:effectRef idx="0">
+        <a:scrgbClr r="0" g="0" b="0"/>
+      </a:effectRef>
+      <a:fontRef idx="minor"/>
+    </dgm:style>
+  </dgm:styleLbl>
+  <dgm:styleLbl name="sibTrans2D1">
+    <dgm:scene3d>
+      <a:camera prst="orthographicFront"/>
+      <a:lightRig rig="threePt" dir="t"/>
+    </dgm:scene3d>
+    <dgm:sp3d/>
+    <dgm:txPr/>
+    <dgm:style>
+      <a:lnRef idx="0">
+        <a:scrgbClr r="0" g="0" b="0"/>
+      </a:lnRef>
+      <a:fillRef idx="1">
+        <a:scrgbClr r="0" g="0" b="0"/>
+      </a:fillRef>
+      <a:effectRef idx="0">
+        <a:scrgbClr r="0" g="0" b="0"/>
+      </a:effectRef>
+      <a:fontRef idx="minor">
+        <a:schemeClr val="lt1"/>
+      </a:fontRef>
+    </dgm:style>
+  </dgm:styleLbl>
+  <dgm:styleLbl name="fgSibTrans2D1">
+    <dgm:scene3d>
+      <a:camera prst="orthographicFront"/>
+      <a:lightRig rig="threePt" dir="t"/>
+    </dgm:scene3d>
+    <dgm:sp3d/>
+    <dgm:txPr/>
+    <dgm:style>
+      <a:lnRef idx="0">
+        <a:scrgbClr r="0" g="0" b="0"/>
+      </a:lnRef>
+      <a:fillRef idx="1">
+        <a:scrgbClr r="0" g="0" b="0"/>
+      </a:fillRef>
+      <a:effectRef idx="0">
+        <a:scrgbClr r="0" g="0" b="0"/>
+      </a:effectRef>
+      <a:fontRef idx="minor">
+        <a:schemeClr val="lt1"/>
+      </a:fontRef>
+    </dgm:style>
+  </dgm:styleLbl>
+  <dgm:styleLbl name="bgSibTrans2D1">
+    <dgm:scene3d>
+      <a:camera prst="orthographicFront"/>
+      <a:lightRig rig="threePt" dir="t"/>
+    </dgm:scene3d>
+    <dgm:sp3d/>
+    <dgm:txPr/>
+    <dgm:style>
+      <a:lnRef idx="0">
+        <a:scrgbClr r="0" g="0" b="0"/>
+      </a:lnRef>
+      <a:fillRef idx="1">
+        <a:scrgbClr r="0" g="0" b="0"/>
+      </a:fillRef>
+      <a:effectRef idx="0">
+        <a:scrgbClr r="0" g="0" b="0"/>
+      </a:effectRef>
+      <a:fontRef idx="minor">
+        <a:schemeClr val="lt1"/>
+      </a:fontRef>
+    </dgm:style>
+  </dgm:styleLbl>
+  <dgm:styleLbl name="sibTrans1D1">
+    <dgm:scene3d>
+      <a:camera prst="orthographicFront"/>
+      <a:lightRig rig="threePt" dir="t"/>
+    </dgm:scene3d>
+    <dgm:sp3d/>
+    <dgm:txPr/>
+    <dgm:style>
+      <a:lnRef idx="1">
+        <a:scrgbClr r="0" g="0" b="0"/>
+      </a:lnRef>
+      <a:fillRef idx="0">
+        <a:scrgbClr r="0" g="0" b="0"/>
+      </a:fillRef>
+      <a:effectRef idx="0">
+        <a:scrgbClr r="0" g="0" b="0"/>
+      </a:effectRef>
+      <a:fontRef idx="minor"/>
+    </dgm:style>
+  </dgm:styleLbl>
+  <dgm:styleLbl name="callout">
+    <dgm:scene3d>
+      <a:camera prst="orthographicFront"/>
+      <a:lightRig rig="threePt" dir="t"/>
+    </dgm:scene3d>
+    <dgm:sp3d/>
+    <dgm:txPr/>
+    <dgm:style>
+      <a:lnRef idx="2">
+        <a:scrgbClr r="0" g="0" b="0"/>
+      </a:lnRef>
+      <a:fillRef idx="1">
+        <a:scrgbClr r="0" g="0" b="0"/>
+      </a:fillRef>
+      <a:effectRef idx="0">
+        <a:scrgbClr r="0" g="0" b="0"/>
+      </a:effectRef>
+      <a:fontRef idx="minor"/>
+    </dgm:style>
+  </dgm:styleLbl>
+  <dgm:styleLbl name="asst0">
+    <dgm:scene3d>
+      <a:camera prst="orthographicFront"/>
+      <a:lightRig rig="threePt" dir="t"/>
+    </dgm:scene3d>
+    <dgm:sp3d/>
+    <dgm:txPr/>
+    <dgm:style>
+      <a:lnRef idx="2">
+        <a:scrgbClr r="0" g="0" b="0"/>
+      </a:lnRef>
+      <a:fillRef idx="1">
+        <a:scrgbClr r="0" g="0" b="0"/>
+      </a:fillRef>
+      <a:effectRef idx="0">
+        <a:scrgbClr r="0" g="0" b="0"/>
+      </a:effectRef>
+      <a:fontRef idx="minor">
+        <a:schemeClr val="lt1"/>
+      </a:fontRef>
+    </dgm:style>
+  </dgm:styleLbl>
+  <dgm:styleLbl name="asst1">
+    <dgm:scene3d>
+      <a:camera prst="orthographicFront"/>
+      <a:lightRig rig="threePt" dir="t"/>
+    </dgm:scene3d>
+    <dgm:sp3d/>
+    <dgm:txPr/>
+    <dgm:style>
+      <a:lnRef idx="2">
+        <a:scrgbClr r="0" g="0" b="0"/>
+      </a:lnRef>
+      <a:fillRef idx="1">
+        <a:scrgbClr r="0" g="0" b="0"/>
+      </a:fillRef>
+      <a:effectRef idx="0">
+        <a:scrgbClr r="0" g="0" b="0"/>
+      </a:effectRef>
+      <a:fontRef idx="minor">
+        <a:schemeClr val="lt1"/>
+      </a:fontRef>
+    </dgm:style>
+  </dgm:styleLbl>
+  <dgm:styleLbl name="asst2">
+    <dgm:scene3d>
+      <a:camera prst="orthographicFront"/>
+      <a:lightRig rig="threePt" dir="t"/>
+    </dgm:scene3d>
+    <dgm:sp3d/>
+    <dgm:txPr/>
+    <dgm:style>
+      <a:lnRef idx="2">
+        <a:scrgbClr r="0" g="0" b="0"/>
+      </a:lnRef>
+      <a:fillRef idx="1">
+        <a:scrgbClr r="0" g="0" b="0"/>
+      </a:fillRef>
+      <a:effectRef idx="0">
+        <a:scrgbClr r="0" g="0" b="0"/>
+      </a:effectRef>
+      <a:fontRef idx="minor">
+        <a:schemeClr val="lt1"/>
+      </a:fontRef>
+    </dgm:style>
+  </dgm:styleLbl>
+  <dgm:styleLbl name="asst3">
+    <dgm:scene3d>
+      <a:camera prst="orthographicFront"/>
+      <a:lightRig rig="threePt" dir="t"/>
+    </dgm:scene3d>
+    <dgm:sp3d/>
+    <dgm:txPr/>
+    <dgm:style>
+      <a:lnRef idx="2">
+        <a:scrgbClr r="0" g="0" b="0"/>
+      </a:lnRef>
+      <a:fillRef idx="1">
+        <a:scrgbClr r="0" g="0" b="0"/>
+      </a:fillRef>
+      <a:effectRef idx="0">
+        <a:scrgbClr r="0" g="0" b="0"/>
+      </a:effectRef>
+      <a:fontRef idx="minor">
+        <a:schemeClr val="lt1"/>
+      </a:fontRef>
+    </dgm:style>
+  </dgm:styleLbl>
+  <dgm:styleLbl name="asst4">
+    <dgm:scene3d>
+      <a:camera prst="orthographicFront"/>
+      <a:lightRig rig="threePt" dir="t"/>
+    </dgm:scene3d>
+    <dgm:sp3d/>
+    <dgm:txPr/>
+    <dgm:style>
+      <a:lnRef idx="2">
+        <a:scrgbClr r="0" g="0" b="0"/>
+      </a:lnRef>
+      <a:fillRef idx="1">
+        <a:scrgbClr r="0" g="0" b="0"/>
+      </a:fillRef>
+      <a:effectRef idx="0">
+        <a:scrgbClr r="0" g="0" b="0"/>
+      </a:effectRef>
+      <a:fontRef idx="minor">
+        <a:schemeClr val="lt1"/>
+      </a:fontRef>
+    </dgm:style>
+  </dgm:styleLbl>
+  <dgm:styleLbl name="parChTrans2D1">
+    <dgm:scene3d>
+      <a:camera prst="orthographicFront"/>
+      <a:lightRig rig="threePt" dir="t"/>
+    </dgm:scene3d>
+    <dgm:sp3d/>
+    <dgm:txPr/>
+    <dgm:style>
+      <a:lnRef idx="2">
+        <a:scrgbClr r="0" g="0" b="0"/>
+      </a:lnRef>
+      <a:fillRef idx="1">
+        <a:scrgbClr r="0" g="0" b="0"/>
+      </a:fillRef>
+      <a:effectRef idx="0">
+        <a:scrgbClr r="0" g="0" b="0"/>
+      </a:effectRef>
+      <a:fontRef idx="minor">
+        <a:schemeClr val="lt1"/>
+      </a:fontRef>
+    </dgm:style>
+  </dgm:styleLbl>
+  <dgm:styleLbl name="parChTrans2D2">
+    <dgm:scene3d>
+      <a:camera prst="orthographicFront"/>
+      <a:lightRig rig="threePt" dir="t"/>
+    </dgm:scene3d>
+    <dgm:sp3d/>
+    <dgm:txPr/>
+    <dgm:style>
+      <a:lnRef idx="2">
+        <a:scrgbClr r="0" g="0" b="0"/>
+      </a:lnRef>
+      <a:fillRef idx="1">
+        <a:scrgbClr r="0" g="0" b="0"/>
+      </a:fillRef>
+      <a:effectRef idx="0">
+        <a:scrgbClr r="0" g="0" b="0"/>
+      </a:effectRef>
+      <a:fontRef idx="minor">
+        <a:schemeClr val="lt1"/>
+      </a:fontRef>
+    </dgm:style>
+  </dgm:styleLbl>
+  <dgm:styleLbl name="parChTrans2D3">
+    <dgm:scene3d>
+      <a:camera prst="orthographicFront"/>
+      <a:lightRig rig="threePt" dir="t"/>
+    </dgm:scene3d>
+    <dgm:sp3d/>
+    <dgm:txPr/>
+    <dgm:style>
+      <a:lnRef idx="2">
+        <a:scrgbClr r="0" g="0" b="0"/>
+      </a:lnRef>
+      <a:fillRef idx="1">
+        <a:scrgbClr r="0" g="0" b="0"/>
+      </a:fillRef>
+      <a:effectRef idx="0">
+        <a:scrgbClr r="0" g="0" b="0"/>
+      </a:effectRef>
+      <a:fontRef idx="minor">
+        <a:schemeClr val="lt1"/>
+      </a:fontRef>
+    </dgm:style>
+  </dgm:styleLbl>
+  <dgm:styleLbl name="parChTrans2D4">
+    <dgm:scene3d>
+      <a:camera prst="orthographicFront"/>
+      <a:lightRig rig="threePt" dir="t"/>
+    </dgm:scene3d>
+    <dgm:sp3d/>
+    <dgm:txPr/>
+    <dgm:style>
+      <a:lnRef idx="2">
+        <a:scrgbClr r="0" g="0" b="0"/>
+      </a:lnRef>
+      <a:fillRef idx="1">
+        <a:scrgbClr r="0" g="0" b="0"/>
+      </a:fillRef>
+      <a:effectRef idx="0">
+        <a:scrgbClr r="0" g="0" b="0"/>
+      </a:effectRef>
+      <a:fontRef idx="minor">
+        <a:schemeClr val="lt1"/>
+      </a:fontRef>
+    </dgm:style>
+  </dgm:styleLbl>
+  <dgm:styleLbl name="parChTrans1D1">
+    <dgm:scene3d>
+      <a:camera prst="orthographicFront"/>
+      <a:lightRig rig="threePt" dir="t"/>
+    </dgm:scene3d>
+    <dgm:sp3d/>
+    <dgm:txPr/>
+    <dgm:style>
+      <a:lnRef idx="2">
+        <a:scrgbClr r="0" g="0" b="0"/>
+      </a:lnRef>
+      <a:fillRef idx="0">
+        <a:scrgbClr r="0" g="0" b="0"/>
+      </a:fillRef>
+      <a:effectRef idx="0">
+        <a:scrgbClr r="0" g="0" b="0"/>
+      </a:effectRef>
+      <a:fontRef idx="minor"/>
+    </dgm:style>
+  </dgm:styleLbl>
+  <dgm:styleLbl name="parChTrans1D2">
+    <dgm:scene3d>
+      <a:camera prst="orthographicFront"/>
+      <a:lightRig rig="threePt" dir="t"/>
+    </dgm:scene3d>
+    <dgm:sp3d/>
+    <dgm:txPr/>
+    <dgm:style>
+      <a:lnRef idx="2">
+        <a:scrgbClr r="0" g="0" b="0"/>
+      </a:lnRef>
+      <a:fillRef idx="0">
+        <a:scrgbClr r="0" g="0" b="0"/>
+      </a:fillRef>
+      <a:effectRef idx="0">
+        <a:scrgbClr r="0" g="0" b="0"/>
+      </a:effectRef>
+      <a:fontRef idx="minor"/>
+    </dgm:style>
+  </dgm:styleLbl>
+  <dgm:styleLbl name="parChTrans1D3">
+    <dgm:scene3d>
+      <a:camera prst="orthographicFront"/>
+      <a:lightRig rig="threePt" dir="t"/>
+    </dgm:scene3d>
+    <dgm:sp3d/>
+    <dgm:txPr/>
+    <dgm:style>
+      <a:lnRef idx="2">
+        <a:scrgbClr r="0" g="0" b="0"/>
+      </a:lnRef>
+      <a:fillRef idx="0">
+        <a:scrgbClr r="0" g="0" b="0"/>
+      </a:fillRef>
+      <a:effectRef idx="0">
+        <a:scrgbClr r="0" g="0" b="0"/>
+      </a:effectRef>
+      <a:fontRef idx="minor"/>
+    </dgm:style>
+  </dgm:styleLbl>
+  <dgm:styleLbl name="parChTrans1D4">
+    <dgm:scene3d>
+      <a:camera prst="orthographicFront"/>
+      <a:lightRig rig="threePt" dir="t"/>
+    </dgm:scene3d>
+    <dgm:sp3d/>
+    <dgm:txPr/>
+    <dgm:style>
+      <a:lnRef idx="2">
+        <a:scrgbClr r="0" g="0" b="0"/>
+      </a:lnRef>
+      <a:fillRef idx="0">
+        <a:scrgbClr r="0" g="0" b="0"/>
+      </a:fillRef>
+      <a:effectRef idx="0">
+        <a:scrgbClr r="0" g="0" b="0"/>
+      </a:effectRef>
+      <a:fontRef idx="minor"/>
+    </dgm:style>
+  </dgm:styleLbl>
+  <dgm:styleLbl name="fgAcc1">
+    <dgm:scene3d>
+      <a:camera prst="orthographicFront"/>
+      <a:lightRig rig="threePt" dir="t"/>
+    </dgm:scene3d>
+    <dgm:sp3d/>
+    <dgm:txPr/>
+    <dgm:style>
+      <a:lnRef idx="2">
+        <a:scrgbClr r="0" g="0" b="0"/>
+      </a:lnRef>
+      <a:fillRef idx="1">
+        <a:scrgbClr r="0" g="0" b="0"/>
+      </a:fillRef>
+      <a:effectRef idx="0">
+        <a:scrgbClr r="0" g="0" b="0"/>
+      </a:effectRef>
+      <a:fontRef idx="minor"/>
+    </dgm:style>
+  </dgm:styleLbl>
+  <dgm:styleLbl name="conFgAcc1">
+    <dgm:scene3d>
+      <a:camera prst="orthographicFront"/>
+      <a:lightRig rig="threePt" dir="t"/>
+    </dgm:scene3d>
+    <dgm:sp3d/>
+    <dgm:txPr/>
+    <dgm:style>
+      <a:lnRef idx="2">
+        <a:scrgbClr r="0" g="0" b="0"/>
+      </a:lnRef>
+      <a:fillRef idx="1">
+        <a:scrgbClr r="0" g="0" b="0"/>
+      </a:fillRef>
+      <a:effectRef idx="0">
+        <a:scrgbClr r="0" g="0" b="0"/>
+      </a:effectRef>
+      <a:fontRef idx="minor"/>
+    </dgm:style>
+  </dgm:styleLbl>
+  <dgm:styleLbl name="alignAcc1">
+    <dgm:scene3d>
+      <a:camera prst="orthographicFront"/>
+      <a:lightRig rig="threePt" dir="t"/>
+    </dgm:scene3d>
+    <dgm:sp3d/>
+    <dgm:txPr/>
+    <dgm:style>
+      <a:lnRef idx="2">
+        <a:scrgbClr r="0" g="0" b="0"/>
+      </a:lnRef>
+      <a:fillRef idx="1">
+        <a:scrgbClr r="0" g="0" b="0"/>
+      </a:fillRef>
+      <a:effectRef idx="0">
+        <a:scrgbClr r="0" g="0" b="0"/>
+      </a:effectRef>
+      <a:fontRef idx="minor"/>
+    </dgm:style>
+  </dgm:styleLbl>
+  <dgm:styleLbl name="trAlignAcc1">
+    <dgm:scene3d>
+      <a:camera prst="orthographicFront"/>
+      <a:lightRig rig="threePt" dir="t"/>
+    </dgm:scene3d>
+    <dgm:sp3d/>
+    <dgm:txPr/>
+    <dgm:style>
+      <a:lnRef idx="1">
+        <a:scrgbClr r="0" g="0" b="0"/>
+      </a:lnRef>
+      <a:fillRef idx="1">
+        <a:scrgbClr r="0" g="0" b="0"/>
+      </a:fillRef>
+      <a:effectRef idx="0">
+        <a:scrgbClr r="0" g="0" b="0"/>
+      </a:effectRef>
+      <a:fontRef idx="minor"/>
+    </dgm:style>
+  </dgm:styleLbl>
+  <dgm:styleLbl name="bgAcc1">
+    <dgm:scene3d>
+      <a:camera prst="orthographicFront"/>
+      <a:lightRig rig="threePt" dir="t"/>
+    </dgm:scene3d>
+    <dgm:sp3d/>
+    <dgm:txPr/>
+    <dgm:style>
+      <a:lnRef idx="2">
+        <a:scrgbClr r="0" g="0" b="0"/>
+      </a:lnRef>
+      <a:fillRef idx="1">
+        <a:scrgbClr r="0" g="0" b="0"/>
+      </a:fillRef>
+      <a:effectRef idx="0">
+        <a:scrgbClr r="0" g="0" b="0"/>
+      </a:effectRef>
+      <a:fontRef idx="minor"/>
+    </dgm:style>
+  </dgm:styleLbl>
+  <dgm:styleLbl name="solidFgAcc1">
+    <dgm:scene3d>
+      <a:camera prst="orthographicFront"/>
+      <a:lightRig rig="threePt" dir="t"/>
+    </dgm:scene3d>
+    <dgm:sp3d/>
+    <dgm:txPr/>
+    <dgm:style>
+      <a:lnRef idx="2">
+        <a:scrgbClr r="0" g="0" b="0"/>
+      </a:lnRef>
+      <a:fillRef idx="1">
+        <a:scrgbClr r="0" g="0" b="0"/>
+      </a:fillRef>
+      <a:effectRef idx="0">
+        <a:scrgbClr r="0" g="0" b="0"/>
+      </a:effectRef>
+      <a:fontRef idx="minor"/>
+    </dgm:style>
+  </dgm:styleLbl>
+  <dgm:styleLbl name="solidAlignAcc1">
+    <dgm:scene3d>
+      <a:camera prst="orthographicFront"/>
+      <a:lightRig rig="threePt" dir="t"/>
+    </dgm:scene3d>
+    <dgm:sp3d/>
+    <dgm:txPr/>
+    <dgm:style>
+      <a:lnRef idx="2">
+        <a:scrgbClr r="0" g="0" b="0"/>
+      </a:lnRef>
+      <a:fillRef idx="1">
+        <a:scrgbClr r="0" g="0" b="0"/>
+      </a:fillRef>
+      <a:effectRef idx="0">
+        <a:scrgbClr r="0" g="0" b="0"/>
+      </a:effectRef>
+      <a:fontRef idx="minor"/>
+    </dgm:style>
+  </dgm:styleLbl>
+  <dgm:styleLbl name="solidBgAcc1">
+    <dgm:scene3d>
+      <a:camera prst="orthographicFront"/>
+      <a:lightRig rig="threePt" dir="t"/>
+    </dgm:scene3d>
+    <dgm:sp3d/>
+    <dgm:txPr/>
+    <dgm:style>
+      <a:lnRef idx="2">
+        <a:scrgbClr r="0" g="0" b="0"/>
+      </a:lnRef>
+      <a:fillRef idx="1">
+        <a:scrgbClr r="0" g="0" b="0"/>
+      </a:fillRef>
+      <a:effectRef idx="0">
+        <a:scrgbClr r="0" g="0" b="0"/>
+      </a:effectRef>
+      <a:fontRef idx="minor"/>
+    </dgm:style>
+  </dgm:styleLbl>
+  <dgm:styleLbl name="fgAccFollowNode1">
+    <dgm:scene3d>
+      <a:camera prst="orthographicFront"/>
+      <a:lightRig rig="threePt" dir="t"/>
+    </dgm:scene3d>
+    <dgm:sp3d/>
+    <dgm:txPr/>
+    <dgm:style>
+      <a:lnRef idx="2">
+        <a:scrgbClr r="0" g="0" b="0"/>
+      </a:lnRef>
+      <a:fillRef idx="1">
+        <a:scrgbClr r="0" g="0" b="0"/>
+      </a:fillRef>
+      <a:effectRef idx="0">
+        <a:scrgbClr r="0" g="0" b="0"/>
+      </a:effectRef>
+      <a:fontRef idx="minor"/>
+    </dgm:style>
+  </dgm:styleLbl>
+  <dgm:styleLbl name="alignAccFollowNode1">
+    <dgm:scene3d>
+      <a:camera prst="orthographicFront"/>
+      <a:lightRig rig="threePt" dir="t"/>
+    </dgm:scene3d>
+    <dgm:sp3d/>
+    <dgm:txPr/>
+    <dgm:style>
+      <a:lnRef idx="2">
+        <a:scrgbClr r="0" g="0" b="0"/>
+      </a:lnRef>
+      <a:fillRef idx="1">
+        <a:scrgbClr r="0" g="0" b="0"/>
+      </a:fillRef>
+      <a:effectRef idx="0">
+        <a:scrgbClr r="0" g="0" b="0"/>
+      </a:effectRef>
+      <a:fontRef idx="minor"/>
+    </dgm:style>
+  </dgm:styleLbl>
+  <dgm:styleLbl name="bgAccFollowNode1">
+    <dgm:scene3d>
+      <a:camera prst="orthographicFront"/>
+      <a:lightRig rig="threePt" dir="t"/>
+    </dgm:scene3d>
+    <dgm:sp3d/>
+    <dgm:txPr/>
+    <dgm:style>
+      <a:lnRef idx="2">
+        <a:scrgbClr r="0" g="0" b="0"/>
+      </a:lnRef>
+      <a:fillRef idx="1">
+        <a:scrgbClr r="0" g="0" b="0"/>
+      </a:fillRef>
+      <a:effectRef idx="0">
+        <a:scrgbClr r="0" g="0" b="0"/>
+      </a:effectRef>
+      <a:fontRef idx="minor"/>
+    </dgm:style>
+  </dgm:styleLbl>
+  <dgm:styleLbl name="fgAcc0">
+    <dgm:scene3d>
+      <a:camera prst="orthographicFront"/>
+      <a:lightRig rig="threePt" dir="t"/>
+    </dgm:scene3d>
+    <dgm:sp3d/>
+    <dgm:txPr/>
+    <dgm:style>
+      <a:lnRef idx="2">
+        <a:scrgbClr r="0" g="0" b="0"/>
+      </a:lnRef>
+      <a:fillRef idx="1">
+        <a:scrgbClr r="0" g="0" b="0"/>
+      </a:fillRef>
+      <a:effectRef idx="0">
+        <a:scrgbClr r="0" g="0" b="0"/>
+      </a:effectRef>
+      <a:fontRef idx="minor"/>
+    </dgm:style>
+  </dgm:styleLbl>
+  <dgm:styleLbl name="fgAcc2">
+    <dgm:scene3d>
+      <a:camera prst="orthographicFront"/>
+      <a:lightRig rig="threePt" dir="t"/>
+    </dgm:scene3d>
+    <dgm:sp3d/>
+    <dgm:txPr/>
+    <dgm:style>
+      <a:lnRef idx="2">
+        <a:scrgbClr r="0" g="0" b="0"/>
+      </a:lnRef>
+      <a:fillRef idx="1">
+        <a:scrgbClr r="0" g="0" b="0"/>
+      </a:fillRef>
+      <a:effectRef idx="0">
+        <a:scrgbClr r="0" g="0" b="0"/>
+      </a:effectRef>
+      <a:fontRef idx="minor"/>
+    </dgm:style>
+  </dgm:styleLbl>
+  <dgm:styleLbl name="fgAcc3">
+    <dgm:scene3d>
+      <a:camera prst="orthographicFront"/>
+      <a:lightRig rig="threePt" dir="t"/>
+    </dgm:scene3d>
+    <dgm:sp3d/>
+    <dgm:txPr/>
+    <dgm:style>
+      <a:lnRef idx="2">
+        <a:scrgbClr r="0" g="0" b="0"/>
+      </a:lnRef>
+      <a:fillRef idx="1">
+        <a:scrgbClr r="0" g="0" b="0"/>
+      </a:fillRef>
+      <a:effectRef idx="0">
+        <a:scrgbClr r="0" g="0" b="0"/>
+      </a:effectRef>
+      <a:fontRef idx="minor"/>
+    </dgm:style>
+  </dgm:styleLbl>
+  <dgm:styleLbl name="fgAcc4">
+    <dgm:scene3d>
+      <a:camera prst="orthographicFront"/>
+      <a:lightRig rig="threePt" dir="t"/>
+    </dgm:scene3d>
+    <dgm:sp3d/>
+    <dgm:txPr/>
+    <dgm:style>
+      <a:lnRef idx="2">
+        <a:scrgbClr r="0" g="0" b="0"/>
+      </a:lnRef>
+      <a:fillRef idx="1">
+        <a:scrgbClr r="0" g="0" b="0"/>
+      </a:fillRef>
+      <a:effectRef idx="0">
+        <a:scrgbClr r="0" g="0" b="0"/>
+      </a:effectRef>
+      <a:fontRef idx="minor"/>
+    </dgm:style>
+  </dgm:styleLbl>
+  <dgm:styleLbl name="bgShp">
+    <dgm:scene3d>
+      <a:camera prst="orthographicFront"/>
+      <a:lightRig rig="threePt" dir="t"/>
+    </dgm:scene3d>
+    <dgm:sp3d/>
+    <dgm:txPr/>
+    <dgm:style>
+      <a:lnRef idx="0">
+        <a:scrgbClr r="0" g="0" b="0"/>
+      </a:lnRef>
+      <a:fillRef idx="1">
+        <a:scrgbClr r="0" g="0" b="0"/>
+      </a:fillRef>
+      <a:effectRef idx="0">
+        <a:scrgbClr r="0" g="0" b="0"/>
+      </a:effectRef>
+      <a:fontRef idx="minor"/>
+    </dgm:style>
+  </dgm:styleLbl>
+  <dgm:styleLbl name="dkBgShp">
+    <dgm:scene3d>
+      <a:camera prst="orthographicFront"/>
+      <a:lightRig rig="threePt" dir="t"/>
+    </dgm:scene3d>
+    <dgm:sp3d/>
+    <dgm:txPr/>
+    <dgm:style>
+      <a:lnRef idx="0">
+        <a:scrgbClr r="0" g="0" b="0"/>
+      </a:lnRef>
+      <a:fillRef idx="1">
+        <a:scrgbClr r="0" g="0" b="0"/>
+      </a:fillRef>
+      <a:effectRef idx="0">
+        <a:scrgbClr r="0" g="0" b="0"/>
+      </a:effectRef>
+      <a:fontRef idx="minor"/>
+    </dgm:style>
+  </dgm:styleLbl>
+  <dgm:styleLbl name="trBgShp">
+    <dgm:scene3d>
+      <a:camera prst="orthographicFront"/>
+      <a:lightRig rig="threePt" dir="t"/>
+    </dgm:scene3d>
+    <dgm:sp3d/>
+    <dgm:txPr/>
+    <dgm:style>
+      <a:lnRef idx="0">
+        <a:scrgbClr r="0" g="0" b="0"/>
+      </a:lnRef>
+      <a:fillRef idx="1">
+        <a:scrgbClr r="0" g="0" b="0"/>
+      </a:fillRef>
+      <a:effectRef idx="0">
+        <a:scrgbClr r="0" g="0" b="0"/>
+      </a:effectRef>
+      <a:fontRef idx="minor"/>
+    </dgm:style>
+  </dgm:styleLbl>
+  <dgm:styleLbl name="fgShp">
+    <dgm:scene3d>
+      <a:camera prst="orthographicFront"/>
+      <a:lightRig rig="threePt" dir="t"/>
+    </dgm:scene3d>
+    <dgm:sp3d/>
+    <dgm:txPr/>
+    <dgm:style>
+      <a:lnRef idx="2">
+        <a:scrgbClr r="0" g="0" b="0"/>
+      </a:lnRef>
+      <a:fillRef idx="1">
+        <a:scrgbClr r="0" g="0" b="0"/>
+      </a:fillRef>
+      <a:effectRef idx="0">
+        <a:scrgbClr r="0" g="0" b="0"/>
+      </a:effectRef>
+      <a:fontRef idx="minor"/>
+    </dgm:style>
+  </dgm:styleLbl>
+  <dgm:styleLbl name="revTx">
+    <dgm:scene3d>
+      <a:camera prst="orthographicFront"/>
+      <a:lightRig rig="threePt" dir="t"/>
+    </dgm:scene3d>
+    <dgm:sp3d/>
+    <dgm:txPr/>
+    <dgm:style>
+      <a:lnRef idx="0">
+        <a:scrgbClr r="0" g="0" b="0"/>
+      </a:lnRef>
+      <a:fillRef idx="0">
+        <a:scrgbClr r="0" g="0" b="0"/>
+      </a:fillRef>
+      <a:effectRef idx="0">
+        <a:scrgbClr r="0" g="0" b="0"/>
+      </a:effectRef>
+      <a:fontRef idx="minor"/>
+    </dgm:style>
+  </dgm:styleLbl>
+</dgm:styleDef>
+</file>
+
 <file path=ppt/slideLayouts/slideLayout1.xml><?xml version="1.0" encoding="utf-8"?>
-<p:sldLayout xmlns:a="http://schemas.openxmlformats.org/drawingml/2006/main" xmlns:r="http://schemas.openxmlformats.org/officeDocument/2006/relationships" xmlns:p="http://schemas.openxmlformats.org/presentationml/2006/main" type="title" preserve="1">
+<p:sldLayout xmlns:a="http://schemas.openxmlformats.org/drawingml/2006/main" xmlns:r="http://schemas.openxmlformats.org/officeDocument/2006/relationships" xmlns:p="http://schemas.openxmlformats.org/presentationml/2006/main" showMasterSp="0" type="title" preserve="1">
   <p:cSld name="Diapositive de titre">
     <p:spTree>
       <p:nvGrpSpPr>
@@ -129,13 +3826,83 @@
       </p:grpSpPr>
       <p:sp>
         <p:nvSpPr>
-          <p:cNvPr id="2" name="Titre 1">
-            <a:extLst>
-              <a:ext uri="{FF2B5EF4-FFF2-40B4-BE49-F238E27FC236}">
-                <a16:creationId xmlns:a16="http://schemas.microsoft.com/office/drawing/2014/main" id="{052E07C5-077F-4200-BFDA-0A4612D7C981}"/>
-              </a:ext>
-            </a:extLst>
-          </p:cNvPr>
+          <p:cNvPr id="7" name="Rectangle 6"/>
+          <p:cNvSpPr/>
+          <p:nvPr/>
+        </p:nvSpPr>
+        <p:spPr>
+          <a:xfrm>
+            <a:off x="3175" y="6400800"/>
+            <a:ext cx="12188825" cy="457200"/>
+          </a:xfrm>
+          <a:prstGeom prst="rect">
+            <a:avLst/>
+          </a:prstGeom>
+          <a:solidFill>
+            <a:schemeClr val="accent2"/>
+          </a:solidFill>
+          <a:ln>
+            <a:noFill/>
+          </a:ln>
+        </p:spPr>
+        <p:style>
+          <a:lnRef idx="2">
+            <a:schemeClr val="accent1">
+              <a:shade val="50000"/>
+            </a:schemeClr>
+          </a:lnRef>
+          <a:fillRef idx="1">
+            <a:schemeClr val="accent1"/>
+          </a:fillRef>
+          <a:effectRef idx="0">
+            <a:schemeClr val="accent1"/>
+          </a:effectRef>
+          <a:fontRef idx="minor">
+            <a:schemeClr val="lt1"/>
+          </a:fontRef>
+        </p:style>
+      </p:sp>
+      <p:sp>
+        <p:nvSpPr>
+          <p:cNvPr id="8" name="Rectangle 7"/>
+          <p:cNvSpPr/>
+          <p:nvPr/>
+        </p:nvSpPr>
+        <p:spPr>
+          <a:xfrm>
+            <a:off x="15" y="6334316"/>
+            <a:ext cx="12188825" cy="64008"/>
+          </a:xfrm>
+          <a:prstGeom prst="rect">
+            <a:avLst/>
+          </a:prstGeom>
+          <a:solidFill>
+            <a:schemeClr val="accent1"/>
+          </a:solidFill>
+          <a:ln>
+            <a:noFill/>
+          </a:ln>
+        </p:spPr>
+        <p:style>
+          <a:lnRef idx="2">
+            <a:schemeClr val="accent1">
+              <a:shade val="50000"/>
+            </a:schemeClr>
+          </a:lnRef>
+          <a:fillRef idx="1">
+            <a:schemeClr val="accent1"/>
+          </a:fillRef>
+          <a:effectRef idx="0">
+            <a:schemeClr val="accent1"/>
+          </a:effectRef>
+          <a:fontRef idx="minor">
+            <a:schemeClr val="lt1"/>
+          </a:fontRef>
+        </p:style>
+      </p:sp>
+      <p:sp>
+        <p:nvSpPr>
+          <p:cNvPr id="2" name="Title 1"/>
           <p:cNvSpPr>
             <a:spLocks noGrp="1"/>
           </p:cNvSpPr>
@@ -145,15 +3912,27 @@
         </p:nvSpPr>
         <p:spPr>
           <a:xfrm>
-            <a:off x="1524000" y="1122363"/>
-            <a:ext cx="9144000" cy="2387600"/>
+            <a:off x="1097280" y="758952"/>
+            <a:ext cx="10058400" cy="3566160"/>
           </a:xfrm>
         </p:spPr>
         <p:txBody>
-          <a:bodyPr anchor="b"/>
+          <a:bodyPr anchor="b">
+            <a:normAutofit/>
+          </a:bodyPr>
           <a:lstStyle>
-            <a:lvl1pPr algn="ctr">
-              <a:defRPr sz="6000"/>
+            <a:lvl1pPr algn="l">
+              <a:lnSpc>
+                <a:spcPct val="85000"/>
+              </a:lnSpc>
+              <a:defRPr sz="8000" spc="-50" baseline="0">
+                <a:solidFill>
+                  <a:schemeClr val="tx1">
+                    <a:lumMod val="85000"/>
+                    <a:lumOff val="15000"/>
+                  </a:schemeClr>
+                </a:solidFill>
+              </a:defRPr>
             </a:lvl1pPr>
           </a:lstStyle>
           <a:p>
@@ -161,18 +3940,13 @@
               <a:rPr lang="fr-FR"/>
               <a:t>Modifiez le style du titre</a:t>
             </a:r>
+            <a:endParaRPr lang="en-US" dirty="0"/>
           </a:p>
         </p:txBody>
       </p:sp>
       <p:sp>
         <p:nvSpPr>
-          <p:cNvPr id="3" name="Sous-titre 2">
-            <a:extLst>
-              <a:ext uri="{FF2B5EF4-FFF2-40B4-BE49-F238E27FC236}">
-                <a16:creationId xmlns:a16="http://schemas.microsoft.com/office/drawing/2014/main" id="{4EB057F8-CEB2-4F1F-B704-A6E0E33ECA98}"/>
-              </a:ext>
-            </a:extLst>
-          </p:cNvPr>
+          <p:cNvPr id="3" name="Subtitle 2"/>
           <p:cNvSpPr>
             <a:spLocks noGrp="1"/>
           </p:cNvSpPr>
@@ -182,48 +3956,55 @@
         </p:nvSpPr>
         <p:spPr>
           <a:xfrm>
-            <a:off x="1524000" y="3602038"/>
-            <a:ext cx="9144000" cy="1655762"/>
+            <a:off x="1100051" y="4455620"/>
+            <a:ext cx="10058400" cy="1143000"/>
           </a:xfrm>
         </p:spPr>
         <p:txBody>
-          <a:bodyPr/>
+          <a:bodyPr lIns="91440" rIns="91440">
+            <a:normAutofit/>
+          </a:bodyPr>
           <a:lstStyle>
-            <a:lvl1pPr marL="0" indent="0" algn="ctr">
+            <a:lvl1pPr marL="0" indent="0" algn="l">
               <a:buNone/>
-              <a:defRPr sz="2400"/>
+              <a:defRPr sz="2400" cap="all" spc="200" baseline="0">
+                <a:solidFill>
+                  <a:schemeClr val="tx2"/>
+                </a:solidFill>
+                <a:latin typeface="+mj-lt"/>
+              </a:defRPr>
             </a:lvl1pPr>
             <a:lvl2pPr marL="457200" indent="0" algn="ctr">
               <a:buNone/>
-              <a:defRPr sz="2000"/>
+              <a:defRPr sz="2400"/>
             </a:lvl2pPr>
             <a:lvl3pPr marL="914400" indent="0" algn="ctr">
               <a:buNone/>
-              <a:defRPr sz="1800"/>
+              <a:defRPr sz="2400"/>
             </a:lvl3pPr>
             <a:lvl4pPr marL="1371600" indent="0" algn="ctr">
               <a:buNone/>
-              <a:defRPr sz="1600"/>
+              <a:defRPr sz="2000"/>
             </a:lvl4pPr>
             <a:lvl5pPr marL="1828800" indent="0" algn="ctr">
               <a:buNone/>
-              <a:defRPr sz="1600"/>
+              <a:defRPr sz="2000"/>
             </a:lvl5pPr>
             <a:lvl6pPr marL="2286000" indent="0" algn="ctr">
               <a:buNone/>
-              <a:defRPr sz="1600"/>
+              <a:defRPr sz="2000"/>
             </a:lvl6pPr>
             <a:lvl7pPr marL="2743200" indent="0" algn="ctr">
               <a:buNone/>
-              <a:defRPr sz="1600"/>
+              <a:defRPr sz="2000"/>
             </a:lvl7pPr>
             <a:lvl8pPr marL="3200400" indent="0" algn="ctr">
               <a:buNone/>
-              <a:defRPr sz="1600"/>
+              <a:defRPr sz="2000"/>
             </a:lvl8pPr>
             <a:lvl9pPr marL="3657600" indent="0" algn="ctr">
               <a:buNone/>
-              <a:defRPr sz="1600"/>
+              <a:defRPr sz="2000"/>
             </a:lvl9pPr>
           </a:lstStyle>
           <a:p>
@@ -231,18 +4012,13 @@
               <a:rPr lang="fr-FR"/>
               <a:t>Modifiez le style des sous-titres du masque</a:t>
             </a:r>
+            <a:endParaRPr lang="en-US" dirty="0"/>
           </a:p>
         </p:txBody>
       </p:sp>
       <p:sp>
         <p:nvSpPr>
-          <p:cNvPr id="4" name="Espace réservé de la date 3">
-            <a:extLst>
-              <a:ext uri="{FF2B5EF4-FFF2-40B4-BE49-F238E27FC236}">
-                <a16:creationId xmlns:a16="http://schemas.microsoft.com/office/drawing/2014/main" id="{A8B6CB00-3C2F-493B-AF5A-B4CF978C69A1}"/>
-              </a:ext>
-            </a:extLst>
-          </p:cNvPr>
+          <p:cNvPr id="4" name="Date Placeholder 3"/>
           <p:cNvSpPr>
             <a:spLocks noGrp="1"/>
           </p:cNvSpPr>
@@ -265,13 +4041,7 @@
       </p:sp>
       <p:sp>
         <p:nvSpPr>
-          <p:cNvPr id="5" name="Espace réservé du pied de page 4">
-            <a:extLst>
-              <a:ext uri="{FF2B5EF4-FFF2-40B4-BE49-F238E27FC236}">
-                <a16:creationId xmlns:a16="http://schemas.microsoft.com/office/drawing/2014/main" id="{AA0047BB-BEB0-4E97-9D24-ED72BD890F5D}"/>
-              </a:ext>
-            </a:extLst>
-          </p:cNvPr>
+          <p:cNvPr id="5" name="Footer Placeholder 4"/>
           <p:cNvSpPr>
             <a:spLocks noGrp="1"/>
           </p:cNvSpPr>
@@ -290,13 +4060,7 @@
       </p:sp>
       <p:sp>
         <p:nvSpPr>
-          <p:cNvPr id="6" name="Espace réservé du numéro de diapositive 5">
-            <a:extLst>
-              <a:ext uri="{FF2B5EF4-FFF2-40B4-BE49-F238E27FC236}">
-                <a16:creationId xmlns:a16="http://schemas.microsoft.com/office/drawing/2014/main" id="{2BFEB1E0-25EA-4A17-91F9-96A801A3E725}"/>
-              </a:ext>
-            </a:extLst>
-          </p:cNvPr>
+          <p:cNvPr id="6" name="Slide Number Placeholder 5"/>
           <p:cNvSpPr>
             <a:spLocks noGrp="1"/>
           </p:cNvSpPr>
@@ -317,10 +4081,48 @@
           </a:p>
         </p:txBody>
       </p:sp>
+      <p:cxnSp>
+        <p:nvCxnSpPr>
+          <p:cNvPr id="9" name="Straight Connector 8"/>
+          <p:cNvCxnSpPr/>
+          <p:nvPr/>
+        </p:nvCxnSpPr>
+        <p:spPr>
+          <a:xfrm>
+            <a:off x="1207658" y="4343400"/>
+            <a:ext cx="9875520" cy="0"/>
+          </a:xfrm>
+          <a:prstGeom prst="line">
+            <a:avLst/>
+          </a:prstGeom>
+          <a:ln w="6350">
+            <a:solidFill>
+              <a:schemeClr val="tx1">
+                <a:lumMod val="50000"/>
+                <a:lumOff val="50000"/>
+              </a:schemeClr>
+            </a:solidFill>
+          </a:ln>
+        </p:spPr>
+        <p:style>
+          <a:lnRef idx="1">
+            <a:schemeClr val="accent1"/>
+          </a:lnRef>
+          <a:fillRef idx="0">
+            <a:schemeClr val="accent1"/>
+          </a:fillRef>
+          <a:effectRef idx="0">
+            <a:schemeClr val="accent1"/>
+          </a:effectRef>
+          <a:fontRef idx="minor">
+            <a:schemeClr val="tx1"/>
+          </a:fontRef>
+        </p:style>
+      </p:cxnSp>
     </p:spTree>
     <p:extLst>
       <p:ext uri="{BB962C8B-B14F-4D97-AF65-F5344CB8AC3E}">
-        <p14:creationId xmlns:p14="http://schemas.microsoft.com/office/powerpoint/2010/main" val="1963817579"/>
+        <p14:creationId xmlns:p14="http://schemas.microsoft.com/office/powerpoint/2010/main" val="1857759969"/>
       </p:ext>
     </p:extLst>
   </p:cSld>
@@ -349,13 +4151,7 @@
       </p:grpSpPr>
       <p:sp>
         <p:nvSpPr>
-          <p:cNvPr id="2" name="Titre 1">
-            <a:extLst>
-              <a:ext uri="{FF2B5EF4-FFF2-40B4-BE49-F238E27FC236}">
-                <a16:creationId xmlns:a16="http://schemas.microsoft.com/office/drawing/2014/main" id="{6E407605-FD50-48C1-998E-F040439C5631}"/>
-              </a:ext>
-            </a:extLst>
-          </p:cNvPr>
+          <p:cNvPr id="2" name="Title 1"/>
           <p:cNvSpPr>
             <a:spLocks noGrp="1"/>
           </p:cNvSpPr>
@@ -372,18 +4168,13 @@
               <a:rPr lang="fr-FR"/>
               <a:t>Modifiez le style du titre</a:t>
             </a:r>
+            <a:endParaRPr lang="en-US" dirty="0"/>
           </a:p>
         </p:txBody>
       </p:sp>
       <p:sp>
         <p:nvSpPr>
-          <p:cNvPr id="3" name="Espace réservé du texte vertical 2">
-            <a:extLst>
-              <a:ext uri="{FF2B5EF4-FFF2-40B4-BE49-F238E27FC236}">
-                <a16:creationId xmlns:a16="http://schemas.microsoft.com/office/drawing/2014/main" id="{B2D59327-64A5-41D7-AB44-47E7DAEE687B}"/>
-              </a:ext>
-            </a:extLst>
-          </p:cNvPr>
+          <p:cNvPr id="3" name="Vertical Text Placeholder 2"/>
           <p:cNvSpPr>
             <a:spLocks noGrp="1"/>
           </p:cNvSpPr>
@@ -393,7 +4184,7 @@
         </p:nvSpPr>
         <p:spPr/>
         <p:txBody>
-          <a:bodyPr vert="eaVert"/>
+          <a:bodyPr vert="eaVert" lIns="45720" tIns="0" rIns="45720" bIns="0"/>
           <a:lstStyle/>
           <a:p>
             <a:pPr lvl="0"/>
@@ -429,18 +4220,13 @@
               <a:rPr lang="fr-FR"/>
               <a:t>Cinquième niveau</a:t>
             </a:r>
+            <a:endParaRPr lang="en-US" dirty="0"/>
           </a:p>
         </p:txBody>
       </p:sp>
       <p:sp>
         <p:nvSpPr>
-          <p:cNvPr id="4" name="Espace réservé de la date 3">
-            <a:extLst>
-              <a:ext uri="{FF2B5EF4-FFF2-40B4-BE49-F238E27FC236}">
-                <a16:creationId xmlns:a16="http://schemas.microsoft.com/office/drawing/2014/main" id="{8E2AC69C-F74B-466B-8CB4-DB0BE3A823A4}"/>
-              </a:ext>
-            </a:extLst>
-          </p:cNvPr>
+          <p:cNvPr id="4" name="Date Placeholder 3"/>
           <p:cNvSpPr>
             <a:spLocks noGrp="1"/>
           </p:cNvSpPr>
@@ -463,13 +4249,7 @@
       </p:sp>
       <p:sp>
         <p:nvSpPr>
-          <p:cNvPr id="5" name="Espace réservé du pied de page 4">
-            <a:extLst>
-              <a:ext uri="{FF2B5EF4-FFF2-40B4-BE49-F238E27FC236}">
-                <a16:creationId xmlns:a16="http://schemas.microsoft.com/office/drawing/2014/main" id="{FA8056BD-6818-4983-BF5C-88CBB47E7863}"/>
-              </a:ext>
-            </a:extLst>
-          </p:cNvPr>
+          <p:cNvPr id="5" name="Footer Placeholder 4"/>
           <p:cNvSpPr>
             <a:spLocks noGrp="1"/>
           </p:cNvSpPr>
@@ -488,13 +4268,7 @@
       </p:sp>
       <p:sp>
         <p:nvSpPr>
-          <p:cNvPr id="6" name="Espace réservé du numéro de diapositive 5">
-            <a:extLst>
-              <a:ext uri="{FF2B5EF4-FFF2-40B4-BE49-F238E27FC236}">
-                <a16:creationId xmlns:a16="http://schemas.microsoft.com/office/drawing/2014/main" id="{2B4DC04F-8E06-4BCB-98C1-9412756CFE71}"/>
-              </a:ext>
-            </a:extLst>
-          </p:cNvPr>
+          <p:cNvPr id="6" name="Slide Number Placeholder 5"/>
           <p:cNvSpPr>
             <a:spLocks noGrp="1"/>
           </p:cNvSpPr>
@@ -518,7 +4292,7 @@
     </p:spTree>
     <p:extLst>
       <p:ext uri="{BB962C8B-B14F-4D97-AF65-F5344CB8AC3E}">
-        <p14:creationId xmlns:p14="http://schemas.microsoft.com/office/powerpoint/2010/main" val="576178910"/>
+        <p14:creationId xmlns:p14="http://schemas.microsoft.com/office/powerpoint/2010/main" val="4203771490"/>
       </p:ext>
     </p:extLst>
   </p:cSld>
@@ -529,7 +4303,7 @@
 </file>
 
 <file path=ppt/slideLayouts/slideLayout11.xml><?xml version="1.0" encoding="utf-8"?>
-<p:sldLayout xmlns:a="http://schemas.openxmlformats.org/drawingml/2006/main" xmlns:r="http://schemas.openxmlformats.org/officeDocument/2006/relationships" xmlns:p="http://schemas.openxmlformats.org/presentationml/2006/main" type="vertTitleAndTx" preserve="1">
+<p:sldLayout xmlns:a="http://schemas.openxmlformats.org/drawingml/2006/main" xmlns:r="http://schemas.openxmlformats.org/officeDocument/2006/relationships" xmlns:p="http://schemas.openxmlformats.org/presentationml/2006/main" showMasterSp="0" type="vertTitleAndTx" preserve="1">
   <p:cSld name="Titre vertical et texte">
     <p:spTree>
       <p:nvGrpSpPr>
@@ -547,13 +4321,83 @@
       </p:grpSpPr>
       <p:sp>
         <p:nvSpPr>
-          <p:cNvPr id="2" name="Titre vertical 1">
-            <a:extLst>
-              <a:ext uri="{FF2B5EF4-FFF2-40B4-BE49-F238E27FC236}">
-                <a16:creationId xmlns:a16="http://schemas.microsoft.com/office/drawing/2014/main" id="{FDA073D9-CF96-4982-97BB-AB97C0702E38}"/>
-              </a:ext>
-            </a:extLst>
-          </p:cNvPr>
+          <p:cNvPr id="7" name="Rectangle 6"/>
+          <p:cNvSpPr/>
+          <p:nvPr/>
+        </p:nvSpPr>
+        <p:spPr>
+          <a:xfrm>
+            <a:off x="3175" y="6400800"/>
+            <a:ext cx="12188825" cy="457200"/>
+          </a:xfrm>
+          <a:prstGeom prst="rect">
+            <a:avLst/>
+          </a:prstGeom>
+          <a:solidFill>
+            <a:schemeClr val="accent2"/>
+          </a:solidFill>
+          <a:ln>
+            <a:noFill/>
+          </a:ln>
+        </p:spPr>
+        <p:style>
+          <a:lnRef idx="2">
+            <a:schemeClr val="accent1">
+              <a:shade val="50000"/>
+            </a:schemeClr>
+          </a:lnRef>
+          <a:fillRef idx="1">
+            <a:schemeClr val="accent1"/>
+          </a:fillRef>
+          <a:effectRef idx="0">
+            <a:schemeClr val="accent1"/>
+          </a:effectRef>
+          <a:fontRef idx="minor">
+            <a:schemeClr val="lt1"/>
+          </a:fontRef>
+        </p:style>
+      </p:sp>
+      <p:sp>
+        <p:nvSpPr>
+          <p:cNvPr id="8" name="Rectangle 7"/>
+          <p:cNvSpPr/>
+          <p:nvPr/>
+        </p:nvSpPr>
+        <p:spPr>
+          <a:xfrm>
+            <a:off x="15" y="6334316"/>
+            <a:ext cx="12188825" cy="64008"/>
+          </a:xfrm>
+          <a:prstGeom prst="rect">
+            <a:avLst/>
+          </a:prstGeom>
+          <a:solidFill>
+            <a:schemeClr val="accent1"/>
+          </a:solidFill>
+          <a:ln>
+            <a:noFill/>
+          </a:ln>
+        </p:spPr>
+        <p:style>
+          <a:lnRef idx="2">
+            <a:schemeClr val="accent1">
+              <a:shade val="50000"/>
+            </a:schemeClr>
+          </a:lnRef>
+          <a:fillRef idx="1">
+            <a:schemeClr val="accent1"/>
+          </a:fillRef>
+          <a:effectRef idx="0">
+            <a:schemeClr val="accent1"/>
+          </a:effectRef>
+          <a:fontRef idx="minor">
+            <a:schemeClr val="lt1"/>
+          </a:fontRef>
+        </p:style>
+      </p:sp>
+      <p:sp>
+        <p:nvSpPr>
+          <p:cNvPr id="2" name="Vertical Title 1"/>
           <p:cNvSpPr>
             <a:spLocks noGrp="1"/>
           </p:cNvSpPr>
@@ -563,8 +4407,8 @@
         </p:nvSpPr>
         <p:spPr>
           <a:xfrm>
-            <a:off x="8724900" y="365125"/>
-            <a:ext cx="2628900" cy="5811838"/>
+            <a:off x="8724900" y="414778"/>
+            <a:ext cx="2628900" cy="5757421"/>
           </a:xfrm>
         </p:spPr>
         <p:txBody>
@@ -575,18 +4419,13 @@
               <a:rPr lang="fr-FR"/>
               <a:t>Modifiez le style du titre</a:t>
             </a:r>
+            <a:endParaRPr lang="en-US" dirty="0"/>
           </a:p>
         </p:txBody>
       </p:sp>
       <p:sp>
         <p:nvSpPr>
-          <p:cNvPr id="3" name="Espace réservé du texte vertical 2">
-            <a:extLst>
-              <a:ext uri="{FF2B5EF4-FFF2-40B4-BE49-F238E27FC236}">
-                <a16:creationId xmlns:a16="http://schemas.microsoft.com/office/drawing/2014/main" id="{A4E873EF-C381-4E64-9895-AACF5F084AC7}"/>
-              </a:ext>
-            </a:extLst>
-          </p:cNvPr>
+          <p:cNvPr id="3" name="Vertical Text Placeholder 2"/>
           <p:cNvSpPr>
             <a:spLocks noGrp="1"/>
           </p:cNvSpPr>
@@ -596,12 +4435,12 @@
         </p:nvSpPr>
         <p:spPr>
           <a:xfrm>
-            <a:off x="838200" y="365125"/>
-            <a:ext cx="7734300" cy="5811838"/>
+            <a:off x="838200" y="414778"/>
+            <a:ext cx="7734300" cy="5757422"/>
           </a:xfrm>
         </p:spPr>
         <p:txBody>
-          <a:bodyPr vert="eaVert"/>
+          <a:bodyPr vert="eaVert" lIns="45720" tIns="0" rIns="45720" bIns="0"/>
           <a:lstStyle/>
           <a:p>
             <a:pPr lvl="0"/>
@@ -637,18 +4476,13 @@
               <a:rPr lang="fr-FR"/>
               <a:t>Cinquième niveau</a:t>
             </a:r>
+            <a:endParaRPr lang="en-US" dirty="0"/>
           </a:p>
         </p:txBody>
       </p:sp>
       <p:sp>
         <p:nvSpPr>
-          <p:cNvPr id="4" name="Espace réservé de la date 3">
-            <a:extLst>
-              <a:ext uri="{FF2B5EF4-FFF2-40B4-BE49-F238E27FC236}">
-                <a16:creationId xmlns:a16="http://schemas.microsoft.com/office/drawing/2014/main" id="{D6800587-4677-47D7-9CE4-4BE290F2239F}"/>
-              </a:ext>
-            </a:extLst>
-          </p:cNvPr>
+          <p:cNvPr id="4" name="Date Placeholder 3"/>
           <p:cNvSpPr>
             <a:spLocks noGrp="1"/>
           </p:cNvSpPr>
@@ -671,13 +4505,7 @@
       </p:sp>
       <p:sp>
         <p:nvSpPr>
-          <p:cNvPr id="5" name="Espace réservé du pied de page 4">
-            <a:extLst>
-              <a:ext uri="{FF2B5EF4-FFF2-40B4-BE49-F238E27FC236}">
-                <a16:creationId xmlns:a16="http://schemas.microsoft.com/office/drawing/2014/main" id="{EEE16FC2-113F-4C94-B3C7-768ED15220E3}"/>
-              </a:ext>
-            </a:extLst>
-          </p:cNvPr>
+          <p:cNvPr id="5" name="Footer Placeholder 4"/>
           <p:cNvSpPr>
             <a:spLocks noGrp="1"/>
           </p:cNvSpPr>
@@ -696,13 +4524,7 @@
       </p:sp>
       <p:sp>
         <p:nvSpPr>
-          <p:cNvPr id="6" name="Espace réservé du numéro de diapositive 5">
-            <a:extLst>
-              <a:ext uri="{FF2B5EF4-FFF2-40B4-BE49-F238E27FC236}">
-                <a16:creationId xmlns:a16="http://schemas.microsoft.com/office/drawing/2014/main" id="{3222A72E-6094-48B0-AE07-7457E53ED7DC}"/>
-              </a:ext>
-            </a:extLst>
-          </p:cNvPr>
+          <p:cNvPr id="6" name="Slide Number Placeholder 5"/>
           <p:cNvSpPr>
             <a:spLocks noGrp="1"/>
           </p:cNvSpPr>
@@ -726,7 +4548,7 @@
     </p:spTree>
     <p:extLst>
       <p:ext uri="{BB962C8B-B14F-4D97-AF65-F5344CB8AC3E}">
-        <p14:creationId xmlns:p14="http://schemas.microsoft.com/office/powerpoint/2010/main" val="2242245364"/>
+        <p14:creationId xmlns:p14="http://schemas.microsoft.com/office/powerpoint/2010/main" val="3990343000"/>
       </p:ext>
     </p:extLst>
   </p:cSld>
@@ -755,13 +4577,7 @@
       </p:grpSpPr>
       <p:sp>
         <p:nvSpPr>
-          <p:cNvPr id="2" name="Titre 1">
-            <a:extLst>
-              <a:ext uri="{FF2B5EF4-FFF2-40B4-BE49-F238E27FC236}">
-                <a16:creationId xmlns:a16="http://schemas.microsoft.com/office/drawing/2014/main" id="{47F7F4DA-9F77-481D-ABB4-DB705DCFC4AC}"/>
-              </a:ext>
-            </a:extLst>
-          </p:cNvPr>
+          <p:cNvPr id="2" name="Title 1"/>
           <p:cNvSpPr>
             <a:spLocks noGrp="1"/>
           </p:cNvSpPr>
@@ -772,24 +4588,23 @@
         <p:spPr/>
         <p:txBody>
           <a:bodyPr/>
-          <a:lstStyle/>
+          <a:lstStyle>
+            <a:lvl1pPr marL="0">
+              <a:defRPr/>
+            </a:lvl1pPr>
+          </a:lstStyle>
           <a:p>
             <a:r>
               <a:rPr lang="fr-FR"/>
               <a:t>Modifiez le style du titre</a:t>
             </a:r>
+            <a:endParaRPr lang="en-US" dirty="0"/>
           </a:p>
         </p:txBody>
       </p:sp>
       <p:sp>
         <p:nvSpPr>
-          <p:cNvPr id="3" name="Espace réservé du contenu 2">
-            <a:extLst>
-              <a:ext uri="{FF2B5EF4-FFF2-40B4-BE49-F238E27FC236}">
-                <a16:creationId xmlns:a16="http://schemas.microsoft.com/office/drawing/2014/main" id="{6D46A176-5806-43D5-A81B-7EDB9F14CB2C}"/>
-              </a:ext>
-            </a:extLst>
-          </p:cNvPr>
+          <p:cNvPr id="3" name="Content Placeholder 2"/>
           <p:cNvSpPr>
             <a:spLocks noGrp="1"/>
           </p:cNvSpPr>
@@ -835,18 +4650,13 @@
               <a:rPr lang="fr-FR"/>
               <a:t>Cinquième niveau</a:t>
             </a:r>
+            <a:endParaRPr lang="en-US" dirty="0"/>
           </a:p>
         </p:txBody>
       </p:sp>
       <p:sp>
         <p:nvSpPr>
-          <p:cNvPr id="4" name="Espace réservé de la date 3">
-            <a:extLst>
-              <a:ext uri="{FF2B5EF4-FFF2-40B4-BE49-F238E27FC236}">
-                <a16:creationId xmlns:a16="http://schemas.microsoft.com/office/drawing/2014/main" id="{0955CC09-FBAE-4AF7-B0FB-C98F053CC704}"/>
-              </a:ext>
-            </a:extLst>
-          </p:cNvPr>
+          <p:cNvPr id="4" name="Date Placeholder 3"/>
           <p:cNvSpPr>
             <a:spLocks noGrp="1"/>
           </p:cNvSpPr>
@@ -869,13 +4679,7 @@
       </p:sp>
       <p:sp>
         <p:nvSpPr>
-          <p:cNvPr id="5" name="Espace réservé du pied de page 4">
-            <a:extLst>
-              <a:ext uri="{FF2B5EF4-FFF2-40B4-BE49-F238E27FC236}">
-                <a16:creationId xmlns:a16="http://schemas.microsoft.com/office/drawing/2014/main" id="{7380E597-1CA8-438F-87FA-81DB97DDB3DE}"/>
-              </a:ext>
-            </a:extLst>
-          </p:cNvPr>
+          <p:cNvPr id="5" name="Footer Placeholder 4"/>
           <p:cNvSpPr>
             <a:spLocks noGrp="1"/>
           </p:cNvSpPr>
@@ -894,13 +4698,7 @@
       </p:sp>
       <p:sp>
         <p:nvSpPr>
-          <p:cNvPr id="6" name="Espace réservé du numéro de diapositive 5">
-            <a:extLst>
-              <a:ext uri="{FF2B5EF4-FFF2-40B4-BE49-F238E27FC236}">
-                <a16:creationId xmlns:a16="http://schemas.microsoft.com/office/drawing/2014/main" id="{C7F8B042-1C10-4732-9C69-336B8760EDE9}"/>
-              </a:ext>
-            </a:extLst>
-          </p:cNvPr>
+          <p:cNvPr id="6" name="Slide Number Placeholder 5"/>
           <p:cNvSpPr>
             <a:spLocks noGrp="1"/>
           </p:cNvSpPr>
@@ -924,7 +4722,7 @@
     </p:spTree>
     <p:extLst>
       <p:ext uri="{BB962C8B-B14F-4D97-AF65-F5344CB8AC3E}">
-        <p14:creationId xmlns:p14="http://schemas.microsoft.com/office/powerpoint/2010/main" val="1685840019"/>
+        <p14:creationId xmlns:p14="http://schemas.microsoft.com/office/powerpoint/2010/main" val="4009410105"/>
       </p:ext>
     </p:extLst>
   </p:cSld>
@@ -935,8 +4733,16 @@
 </file>
 
 <file path=ppt/slideLayouts/slideLayout3.xml><?xml version="1.0" encoding="utf-8"?>
-<p:sldLayout xmlns:a="http://schemas.openxmlformats.org/drawingml/2006/main" xmlns:r="http://schemas.openxmlformats.org/officeDocument/2006/relationships" xmlns:p="http://schemas.openxmlformats.org/presentationml/2006/main" type="secHead" preserve="1">
+<p:sldLayout xmlns:a="http://schemas.openxmlformats.org/drawingml/2006/main" xmlns:r="http://schemas.openxmlformats.org/officeDocument/2006/relationships" xmlns:p="http://schemas.openxmlformats.org/presentationml/2006/main" showMasterSp="0" type="secHead" preserve="1">
   <p:cSld name="Titre de section">
+    <p:bg>
+      <p:bgPr>
+        <a:solidFill>
+          <a:schemeClr val="bg1"/>
+        </a:solidFill>
+        <a:effectLst/>
+      </p:bgPr>
+    </p:bg>
     <p:spTree>
       <p:nvGrpSpPr>
         <p:cNvPr id="1" name=""/>
@@ -953,13 +4759,83 @@
       </p:grpSpPr>
       <p:sp>
         <p:nvSpPr>
-          <p:cNvPr id="2" name="Titre 1">
-            <a:extLst>
-              <a:ext uri="{FF2B5EF4-FFF2-40B4-BE49-F238E27FC236}">
-                <a16:creationId xmlns:a16="http://schemas.microsoft.com/office/drawing/2014/main" id="{1F95F671-DA99-4415-A170-CEE6F617323B}"/>
-              </a:ext>
-            </a:extLst>
-          </p:cNvPr>
+          <p:cNvPr id="7" name="Rectangle 6"/>
+          <p:cNvSpPr/>
+          <p:nvPr/>
+        </p:nvSpPr>
+        <p:spPr>
+          <a:xfrm>
+            <a:off x="3175" y="6400800"/>
+            <a:ext cx="12188825" cy="457200"/>
+          </a:xfrm>
+          <a:prstGeom prst="rect">
+            <a:avLst/>
+          </a:prstGeom>
+          <a:solidFill>
+            <a:schemeClr val="accent2"/>
+          </a:solidFill>
+          <a:ln>
+            <a:noFill/>
+          </a:ln>
+        </p:spPr>
+        <p:style>
+          <a:lnRef idx="2">
+            <a:schemeClr val="accent1">
+              <a:shade val="50000"/>
+            </a:schemeClr>
+          </a:lnRef>
+          <a:fillRef idx="1">
+            <a:schemeClr val="accent1"/>
+          </a:fillRef>
+          <a:effectRef idx="0">
+            <a:schemeClr val="accent1"/>
+          </a:effectRef>
+          <a:fontRef idx="minor">
+            <a:schemeClr val="lt1"/>
+          </a:fontRef>
+        </p:style>
+      </p:sp>
+      <p:sp>
+        <p:nvSpPr>
+          <p:cNvPr id="8" name="Rectangle 7"/>
+          <p:cNvSpPr/>
+          <p:nvPr/>
+        </p:nvSpPr>
+        <p:spPr>
+          <a:xfrm>
+            <a:off x="15" y="6334316"/>
+            <a:ext cx="12188825" cy="64008"/>
+          </a:xfrm>
+          <a:prstGeom prst="rect">
+            <a:avLst/>
+          </a:prstGeom>
+          <a:solidFill>
+            <a:schemeClr val="accent1"/>
+          </a:solidFill>
+          <a:ln>
+            <a:noFill/>
+          </a:ln>
+        </p:spPr>
+        <p:style>
+          <a:lnRef idx="2">
+            <a:schemeClr val="accent1">
+              <a:shade val="50000"/>
+            </a:schemeClr>
+          </a:lnRef>
+          <a:fillRef idx="1">
+            <a:schemeClr val="accent1"/>
+          </a:fillRef>
+          <a:effectRef idx="0">
+            <a:schemeClr val="accent1"/>
+          </a:effectRef>
+          <a:fontRef idx="minor">
+            <a:schemeClr val="lt1"/>
+          </a:fontRef>
+        </p:style>
+      </p:sp>
+      <p:sp>
+        <p:nvSpPr>
+          <p:cNvPr id="2" name="Title 1"/>
           <p:cNvSpPr>
             <a:spLocks noGrp="1"/>
           </p:cNvSpPr>
@@ -969,15 +4845,27 @@
         </p:nvSpPr>
         <p:spPr>
           <a:xfrm>
-            <a:off x="831850" y="1709738"/>
-            <a:ext cx="10515600" cy="2852737"/>
+            <a:off x="1097280" y="758952"/>
+            <a:ext cx="10058400" cy="3566160"/>
           </a:xfrm>
         </p:spPr>
         <p:txBody>
-          <a:bodyPr anchor="b"/>
+          <a:bodyPr anchor="b" anchorCtr="0">
+            <a:normAutofit/>
+          </a:bodyPr>
           <a:lstStyle>
             <a:lvl1pPr>
-              <a:defRPr sz="6000"/>
+              <a:lnSpc>
+                <a:spcPct val="85000"/>
+              </a:lnSpc>
+              <a:defRPr sz="8000" b="0">
+                <a:solidFill>
+                  <a:schemeClr val="tx1">
+                    <a:lumMod val="85000"/>
+                    <a:lumOff val="15000"/>
+                  </a:schemeClr>
+                </a:solidFill>
+              </a:defRPr>
             </a:lvl1pPr>
           </a:lstStyle>
           <a:p>
@@ -985,18 +4873,13 @@
               <a:rPr lang="fr-FR"/>
               <a:t>Modifiez le style du titre</a:t>
             </a:r>
+            <a:endParaRPr lang="en-US" dirty="0"/>
           </a:p>
         </p:txBody>
       </p:sp>
       <p:sp>
         <p:nvSpPr>
-          <p:cNvPr id="3" name="Espace réservé du texte 2">
-            <a:extLst>
-              <a:ext uri="{FF2B5EF4-FFF2-40B4-BE49-F238E27FC236}">
-                <a16:creationId xmlns:a16="http://schemas.microsoft.com/office/drawing/2014/main" id="{F0F5DC83-B4B0-4780-8A59-FF7EEBAE03BD}"/>
-              </a:ext>
-            </a:extLst>
-          </p:cNvPr>
+          <p:cNvPr id="3" name="Text Placeholder 2"/>
           <p:cNvSpPr>
             <a:spLocks noGrp="1"/>
           </p:cNvSpPr>
@@ -1006,26 +4889,27 @@
         </p:nvSpPr>
         <p:spPr>
           <a:xfrm>
-            <a:off x="831850" y="4589463"/>
-            <a:ext cx="10515600" cy="1500187"/>
+            <a:off x="1097280" y="4453128"/>
+            <a:ext cx="10058400" cy="1143000"/>
           </a:xfrm>
         </p:spPr>
         <p:txBody>
-          <a:bodyPr/>
+          <a:bodyPr lIns="91440" rIns="91440" anchor="t" anchorCtr="0">
+            <a:normAutofit/>
+          </a:bodyPr>
           <a:lstStyle>
             <a:lvl1pPr marL="0" indent="0">
               <a:buNone/>
-              <a:defRPr sz="2400">
+              <a:defRPr sz="2400" cap="all" spc="200" baseline="0">
                 <a:solidFill>
-                  <a:schemeClr val="tx1">
-                    <a:tint val="75000"/>
-                  </a:schemeClr>
+                  <a:schemeClr val="tx2"/>
                 </a:solidFill>
+                <a:latin typeface="+mj-lt"/>
               </a:defRPr>
             </a:lvl1pPr>
             <a:lvl2pPr marL="457200" indent="0">
               <a:buNone/>
-              <a:defRPr sz="2000">
+              <a:defRPr sz="1800">
                 <a:solidFill>
                   <a:schemeClr val="tx1">
                     <a:tint val="75000"/>
@@ -1035,7 +4919,7 @@
             </a:lvl2pPr>
             <a:lvl3pPr marL="914400" indent="0">
               <a:buNone/>
-              <a:defRPr sz="1800">
+              <a:defRPr sz="1600">
                 <a:solidFill>
                   <a:schemeClr val="tx1">
                     <a:tint val="75000"/>
@@ -1045,7 +4929,7 @@
             </a:lvl3pPr>
             <a:lvl4pPr marL="1371600" indent="0">
               <a:buNone/>
-              <a:defRPr sz="1600">
+              <a:defRPr sz="1400">
                 <a:solidFill>
                   <a:schemeClr val="tx1">
                     <a:tint val="75000"/>
@@ -1055,7 +4939,7 @@
             </a:lvl4pPr>
             <a:lvl5pPr marL="1828800" indent="0">
               <a:buNone/>
-              <a:defRPr sz="1600">
+              <a:defRPr sz="1400">
                 <a:solidFill>
                   <a:schemeClr val="tx1">
                     <a:tint val="75000"/>
@@ -1065,7 +4949,7 @@
             </a:lvl5pPr>
             <a:lvl6pPr marL="2286000" indent="0">
               <a:buNone/>
-              <a:defRPr sz="1600">
+              <a:defRPr sz="1400">
                 <a:solidFill>
                   <a:schemeClr val="tx1">
                     <a:tint val="75000"/>
@@ -1075,7 +4959,7 @@
             </a:lvl6pPr>
             <a:lvl7pPr marL="2743200" indent="0">
               <a:buNone/>
-              <a:defRPr sz="1600">
+              <a:defRPr sz="1400">
                 <a:solidFill>
                   <a:schemeClr val="tx1">
                     <a:tint val="75000"/>
@@ -1085,7 +4969,7 @@
             </a:lvl7pPr>
             <a:lvl8pPr marL="3200400" indent="0">
               <a:buNone/>
-              <a:defRPr sz="1600">
+              <a:defRPr sz="1400">
                 <a:solidFill>
                   <a:schemeClr val="tx1">
                     <a:tint val="75000"/>
@@ -1095,7 +4979,7 @@
             </a:lvl8pPr>
             <a:lvl9pPr marL="3657600" indent="0">
               <a:buNone/>
-              <a:defRPr sz="1600">
+              <a:defRPr sz="1400">
                 <a:solidFill>
                   <a:schemeClr val="tx1">
                     <a:tint val="75000"/>
@@ -1115,13 +4999,7 @@
       </p:sp>
       <p:sp>
         <p:nvSpPr>
-          <p:cNvPr id="4" name="Espace réservé de la date 3">
-            <a:extLst>
-              <a:ext uri="{FF2B5EF4-FFF2-40B4-BE49-F238E27FC236}">
-                <a16:creationId xmlns:a16="http://schemas.microsoft.com/office/drawing/2014/main" id="{C8C8FDC8-0C16-4FF6-BCB3-19E8949065DB}"/>
-              </a:ext>
-            </a:extLst>
-          </p:cNvPr>
+          <p:cNvPr id="4" name="Date Placeholder 3"/>
           <p:cNvSpPr>
             <a:spLocks noGrp="1"/>
           </p:cNvSpPr>
@@ -1144,13 +5022,7 @@
       </p:sp>
       <p:sp>
         <p:nvSpPr>
-          <p:cNvPr id="5" name="Espace réservé du pied de page 4">
-            <a:extLst>
-              <a:ext uri="{FF2B5EF4-FFF2-40B4-BE49-F238E27FC236}">
-                <a16:creationId xmlns:a16="http://schemas.microsoft.com/office/drawing/2014/main" id="{2A549661-119F-464F-B191-82989A697399}"/>
-              </a:ext>
-            </a:extLst>
-          </p:cNvPr>
+          <p:cNvPr id="5" name="Footer Placeholder 4"/>
           <p:cNvSpPr>
             <a:spLocks noGrp="1"/>
           </p:cNvSpPr>
@@ -1169,13 +5041,7 @@
       </p:sp>
       <p:sp>
         <p:nvSpPr>
-          <p:cNvPr id="6" name="Espace réservé du numéro de diapositive 5">
-            <a:extLst>
-              <a:ext uri="{FF2B5EF4-FFF2-40B4-BE49-F238E27FC236}">
-                <a16:creationId xmlns:a16="http://schemas.microsoft.com/office/drawing/2014/main" id="{637C0CAA-A777-43ED-9933-5A55F11A9C5A}"/>
-              </a:ext>
-            </a:extLst>
-          </p:cNvPr>
+          <p:cNvPr id="6" name="Slide Number Placeholder 5"/>
           <p:cNvSpPr>
             <a:spLocks noGrp="1"/>
           </p:cNvSpPr>
@@ -1196,10 +5062,48 @@
           </a:p>
         </p:txBody>
       </p:sp>
+      <p:cxnSp>
+        <p:nvCxnSpPr>
+          <p:cNvPr id="9" name="Straight Connector 8"/>
+          <p:cNvCxnSpPr/>
+          <p:nvPr/>
+        </p:nvCxnSpPr>
+        <p:spPr>
+          <a:xfrm>
+            <a:off x="1207658" y="4343400"/>
+            <a:ext cx="9875520" cy="0"/>
+          </a:xfrm>
+          <a:prstGeom prst="line">
+            <a:avLst/>
+          </a:prstGeom>
+          <a:ln w="6350">
+            <a:solidFill>
+              <a:schemeClr val="tx1">
+                <a:lumMod val="50000"/>
+                <a:lumOff val="50000"/>
+              </a:schemeClr>
+            </a:solidFill>
+          </a:ln>
+        </p:spPr>
+        <p:style>
+          <a:lnRef idx="1">
+            <a:schemeClr val="accent1"/>
+          </a:lnRef>
+          <a:fillRef idx="0">
+            <a:schemeClr val="accent1"/>
+          </a:fillRef>
+          <a:effectRef idx="0">
+            <a:schemeClr val="accent1"/>
+          </a:effectRef>
+          <a:fontRef idx="minor">
+            <a:schemeClr val="tx1"/>
+          </a:fontRef>
+        </p:style>
+      </p:cxnSp>
     </p:spTree>
     <p:extLst>
       <p:ext uri="{BB962C8B-B14F-4D97-AF65-F5344CB8AC3E}">
-        <p14:creationId xmlns:p14="http://schemas.microsoft.com/office/powerpoint/2010/main" val="1992641982"/>
+        <p14:creationId xmlns:p14="http://schemas.microsoft.com/office/powerpoint/2010/main" val="600040024"/>
       </p:ext>
     </p:extLst>
   </p:cSld>
@@ -1228,13 +5132,7 @@
       </p:grpSpPr>
       <p:sp>
         <p:nvSpPr>
-          <p:cNvPr id="2" name="Titre 1">
-            <a:extLst>
-              <a:ext uri="{FF2B5EF4-FFF2-40B4-BE49-F238E27FC236}">
-                <a16:creationId xmlns:a16="http://schemas.microsoft.com/office/drawing/2014/main" id="{943B4B0F-2572-475E-810B-21A1C495E154}"/>
-              </a:ext>
-            </a:extLst>
-          </p:cNvPr>
+          <p:cNvPr id="8" name="Title 7"/>
           <p:cNvSpPr>
             <a:spLocks noGrp="1"/>
           </p:cNvSpPr>
@@ -1242,7 +5140,12 @@
             <p:ph type="title"/>
           </p:nvPr>
         </p:nvSpPr>
-        <p:spPr/>
+        <p:spPr>
+          <a:xfrm>
+            <a:off x="1097280" y="286603"/>
+            <a:ext cx="10058400" cy="1450757"/>
+          </a:xfrm>
+        </p:spPr>
         <p:txBody>
           <a:bodyPr/>
           <a:lstStyle/>
@@ -1251,18 +5154,13 @@
               <a:rPr lang="fr-FR"/>
               <a:t>Modifiez le style du titre</a:t>
             </a:r>
+            <a:endParaRPr lang="en-US" dirty="0"/>
           </a:p>
         </p:txBody>
       </p:sp>
       <p:sp>
         <p:nvSpPr>
-          <p:cNvPr id="3" name="Espace réservé du contenu 2">
-            <a:extLst>
-              <a:ext uri="{FF2B5EF4-FFF2-40B4-BE49-F238E27FC236}">
-                <a16:creationId xmlns:a16="http://schemas.microsoft.com/office/drawing/2014/main" id="{0A32250A-6DAC-4499-BB85-974EAD4CDF8C}"/>
-              </a:ext>
-            </a:extLst>
-          </p:cNvPr>
+          <p:cNvPr id="3" name="Content Placeholder 2"/>
           <p:cNvSpPr>
             <a:spLocks noGrp="1"/>
           </p:cNvSpPr>
@@ -1272,8 +5170,8 @@
         </p:nvSpPr>
         <p:spPr>
           <a:xfrm>
-            <a:off x="838200" y="1825625"/>
-            <a:ext cx="5181600" cy="4351338"/>
+            <a:off x="1097279" y="1845734"/>
+            <a:ext cx="4937760" cy="4023360"/>
           </a:xfrm>
         </p:spPr>
         <p:txBody>
@@ -1313,18 +5211,13 @@
               <a:rPr lang="fr-FR"/>
               <a:t>Cinquième niveau</a:t>
             </a:r>
+            <a:endParaRPr lang="en-US" dirty="0"/>
           </a:p>
         </p:txBody>
       </p:sp>
       <p:sp>
         <p:nvSpPr>
-          <p:cNvPr id="4" name="Espace réservé du contenu 3">
-            <a:extLst>
-              <a:ext uri="{FF2B5EF4-FFF2-40B4-BE49-F238E27FC236}">
-                <a16:creationId xmlns:a16="http://schemas.microsoft.com/office/drawing/2014/main" id="{054FCB83-7420-4666-9F34-8D75AC299625}"/>
-              </a:ext>
-            </a:extLst>
-          </p:cNvPr>
+          <p:cNvPr id="4" name="Content Placeholder 3"/>
           <p:cNvSpPr>
             <a:spLocks noGrp="1"/>
           </p:cNvSpPr>
@@ -1334,8 +5227,8 @@
         </p:nvSpPr>
         <p:spPr>
           <a:xfrm>
-            <a:off x="6172200" y="1825625"/>
-            <a:ext cx="5181600" cy="4351338"/>
+            <a:off x="6217920" y="1845735"/>
+            <a:ext cx="4937760" cy="4023360"/>
           </a:xfrm>
         </p:spPr>
         <p:txBody>
@@ -1375,18 +5268,13 @@
               <a:rPr lang="fr-FR"/>
               <a:t>Cinquième niveau</a:t>
             </a:r>
+            <a:endParaRPr lang="en-US" dirty="0"/>
           </a:p>
         </p:txBody>
       </p:sp>
       <p:sp>
         <p:nvSpPr>
-          <p:cNvPr id="5" name="Espace réservé de la date 4">
-            <a:extLst>
-              <a:ext uri="{FF2B5EF4-FFF2-40B4-BE49-F238E27FC236}">
-                <a16:creationId xmlns:a16="http://schemas.microsoft.com/office/drawing/2014/main" id="{C75F7B5D-C9AA-4F7D-9026-2B52A5787BC7}"/>
-              </a:ext>
-            </a:extLst>
-          </p:cNvPr>
+          <p:cNvPr id="5" name="Date Placeholder 4"/>
           <p:cNvSpPr>
             <a:spLocks noGrp="1"/>
           </p:cNvSpPr>
@@ -1409,13 +5297,7 @@
       </p:sp>
       <p:sp>
         <p:nvSpPr>
-          <p:cNvPr id="6" name="Espace réservé du pied de page 5">
-            <a:extLst>
-              <a:ext uri="{FF2B5EF4-FFF2-40B4-BE49-F238E27FC236}">
-                <a16:creationId xmlns:a16="http://schemas.microsoft.com/office/drawing/2014/main" id="{E102AA1B-5765-4592-9F71-BF97A6655DD6}"/>
-              </a:ext>
-            </a:extLst>
-          </p:cNvPr>
+          <p:cNvPr id="6" name="Footer Placeholder 5"/>
           <p:cNvSpPr>
             <a:spLocks noGrp="1"/>
           </p:cNvSpPr>
@@ -1434,13 +5316,7 @@
       </p:sp>
       <p:sp>
         <p:nvSpPr>
-          <p:cNvPr id="7" name="Espace réservé du numéro de diapositive 6">
-            <a:extLst>
-              <a:ext uri="{FF2B5EF4-FFF2-40B4-BE49-F238E27FC236}">
-                <a16:creationId xmlns:a16="http://schemas.microsoft.com/office/drawing/2014/main" id="{655582BA-4C01-4B0D-820D-C9C354168B86}"/>
-              </a:ext>
-            </a:extLst>
-          </p:cNvPr>
+          <p:cNvPr id="7" name="Slide Number Placeholder 6"/>
           <p:cNvSpPr>
             <a:spLocks noGrp="1"/>
           </p:cNvSpPr>
@@ -1464,7 +5340,7 @@
     </p:spTree>
     <p:extLst>
       <p:ext uri="{BB962C8B-B14F-4D97-AF65-F5344CB8AC3E}">
-        <p14:creationId xmlns:p14="http://schemas.microsoft.com/office/powerpoint/2010/main" val="3041763370"/>
+        <p14:creationId xmlns:p14="http://schemas.microsoft.com/office/powerpoint/2010/main" val="358731602"/>
       </p:ext>
     </p:extLst>
   </p:cSld>
@@ -1493,13 +5369,7 @@
       </p:grpSpPr>
       <p:sp>
         <p:nvSpPr>
-          <p:cNvPr id="2" name="Titre 1">
-            <a:extLst>
-              <a:ext uri="{FF2B5EF4-FFF2-40B4-BE49-F238E27FC236}">
-                <a16:creationId xmlns:a16="http://schemas.microsoft.com/office/drawing/2014/main" id="{A5D8C763-4035-4F29-8D1E-9585C1F9E865}"/>
-              </a:ext>
-            </a:extLst>
-          </p:cNvPr>
+          <p:cNvPr id="10" name="Title 9"/>
           <p:cNvSpPr>
             <a:spLocks noGrp="1"/>
           </p:cNvSpPr>
@@ -1509,8 +5379,8 @@
         </p:nvSpPr>
         <p:spPr>
           <a:xfrm>
-            <a:off x="839788" y="365125"/>
-            <a:ext cx="10515600" cy="1325563"/>
+            <a:off x="1097280" y="286603"/>
+            <a:ext cx="10058400" cy="1450757"/>
           </a:xfrm>
         </p:spPr>
         <p:txBody>
@@ -1521,18 +5391,13 @@
               <a:rPr lang="fr-FR"/>
               <a:t>Modifiez le style du titre</a:t>
             </a:r>
+            <a:endParaRPr lang="en-US" dirty="0"/>
           </a:p>
         </p:txBody>
       </p:sp>
       <p:sp>
         <p:nvSpPr>
-          <p:cNvPr id="3" name="Espace réservé du texte 2">
-            <a:extLst>
-              <a:ext uri="{FF2B5EF4-FFF2-40B4-BE49-F238E27FC236}">
-                <a16:creationId xmlns:a16="http://schemas.microsoft.com/office/drawing/2014/main" id="{CB7649CF-DDD2-460C-B670-A95DF8C0C33A}"/>
-              </a:ext>
-            </a:extLst>
-          </p:cNvPr>
+          <p:cNvPr id="3" name="Text Placeholder 2"/>
           <p:cNvSpPr>
             <a:spLocks noGrp="1"/>
           </p:cNvSpPr>
@@ -1542,16 +5407,22 @@
         </p:nvSpPr>
         <p:spPr>
           <a:xfrm>
-            <a:off x="839788" y="1681163"/>
-            <a:ext cx="5157787" cy="823912"/>
+            <a:off x="1097280" y="1846052"/>
+            <a:ext cx="4937760" cy="736282"/>
           </a:xfrm>
         </p:spPr>
         <p:txBody>
-          <a:bodyPr anchor="b"/>
+          <a:bodyPr lIns="91440" rIns="91440" anchor="ctr">
+            <a:normAutofit/>
+          </a:bodyPr>
           <a:lstStyle>
             <a:lvl1pPr marL="0" indent="0">
               <a:buNone/>
-              <a:defRPr sz="2400" b="1"/>
+              <a:defRPr sz="2000" b="0" cap="all" baseline="0">
+                <a:solidFill>
+                  <a:schemeClr val="tx2"/>
+                </a:solidFill>
+              </a:defRPr>
             </a:lvl1pPr>
             <a:lvl2pPr marL="457200" indent="0">
               <a:buNone/>
@@ -1597,13 +5468,7 @@
       </p:sp>
       <p:sp>
         <p:nvSpPr>
-          <p:cNvPr id="4" name="Espace réservé du contenu 3">
-            <a:extLst>
-              <a:ext uri="{FF2B5EF4-FFF2-40B4-BE49-F238E27FC236}">
-                <a16:creationId xmlns:a16="http://schemas.microsoft.com/office/drawing/2014/main" id="{F058A017-4CF0-402D-BBDA-05212CF6536E}"/>
-              </a:ext>
-            </a:extLst>
-          </p:cNvPr>
+          <p:cNvPr id="4" name="Content Placeholder 3"/>
           <p:cNvSpPr>
             <a:spLocks noGrp="1"/>
           </p:cNvSpPr>
@@ -1613,8 +5478,8 @@
         </p:nvSpPr>
         <p:spPr>
           <a:xfrm>
-            <a:off x="839788" y="2505075"/>
-            <a:ext cx="5157787" cy="3684588"/>
+            <a:off x="1097280" y="2582334"/>
+            <a:ext cx="4937760" cy="3378200"/>
           </a:xfrm>
         </p:spPr>
         <p:txBody>
@@ -1654,18 +5519,13 @@
               <a:rPr lang="fr-FR"/>
               <a:t>Cinquième niveau</a:t>
             </a:r>
+            <a:endParaRPr lang="en-US" dirty="0"/>
           </a:p>
         </p:txBody>
       </p:sp>
       <p:sp>
         <p:nvSpPr>
-          <p:cNvPr id="5" name="Espace réservé du texte 4">
-            <a:extLst>
-              <a:ext uri="{FF2B5EF4-FFF2-40B4-BE49-F238E27FC236}">
-                <a16:creationId xmlns:a16="http://schemas.microsoft.com/office/drawing/2014/main" id="{D2BCFB96-DB61-49C7-AFE6-266E6A7680B1}"/>
-              </a:ext>
-            </a:extLst>
-          </p:cNvPr>
+          <p:cNvPr id="5" name="Text Placeholder 4"/>
           <p:cNvSpPr>
             <a:spLocks noGrp="1"/>
           </p:cNvSpPr>
@@ -1675,16 +5535,22 @@
         </p:nvSpPr>
         <p:spPr>
           <a:xfrm>
-            <a:off x="6172200" y="1681163"/>
-            <a:ext cx="5183188" cy="823912"/>
+            <a:off x="6217920" y="1846052"/>
+            <a:ext cx="4937760" cy="736282"/>
           </a:xfrm>
         </p:spPr>
         <p:txBody>
-          <a:bodyPr anchor="b"/>
+          <a:bodyPr lIns="91440" rIns="91440" anchor="ctr">
+            <a:normAutofit/>
+          </a:bodyPr>
           <a:lstStyle>
             <a:lvl1pPr marL="0" indent="0">
               <a:buNone/>
-              <a:defRPr sz="2400" b="1"/>
+              <a:defRPr sz="2000" b="0" cap="all" baseline="0">
+                <a:solidFill>
+                  <a:schemeClr val="tx2"/>
+                </a:solidFill>
+              </a:defRPr>
             </a:lvl1pPr>
             <a:lvl2pPr marL="457200" indent="0">
               <a:buNone/>
@@ -1730,13 +5596,7 @@
       </p:sp>
       <p:sp>
         <p:nvSpPr>
-          <p:cNvPr id="6" name="Espace réservé du contenu 5">
-            <a:extLst>
-              <a:ext uri="{FF2B5EF4-FFF2-40B4-BE49-F238E27FC236}">
-                <a16:creationId xmlns:a16="http://schemas.microsoft.com/office/drawing/2014/main" id="{584B0D9C-1457-4EBE-8D34-E89EF45CF439}"/>
-              </a:ext>
-            </a:extLst>
-          </p:cNvPr>
+          <p:cNvPr id="6" name="Content Placeholder 5"/>
           <p:cNvSpPr>
             <a:spLocks noGrp="1"/>
           </p:cNvSpPr>
@@ -1746,8 +5606,8 @@
         </p:nvSpPr>
         <p:spPr>
           <a:xfrm>
-            <a:off x="6172200" y="2505075"/>
-            <a:ext cx="5183188" cy="3684588"/>
+            <a:off x="6217920" y="2582334"/>
+            <a:ext cx="4937760" cy="3378200"/>
           </a:xfrm>
         </p:spPr>
         <p:txBody>
@@ -1787,18 +5647,13 @@
               <a:rPr lang="fr-FR"/>
               <a:t>Cinquième niveau</a:t>
             </a:r>
+            <a:endParaRPr lang="en-US" dirty="0"/>
           </a:p>
         </p:txBody>
       </p:sp>
       <p:sp>
         <p:nvSpPr>
-          <p:cNvPr id="7" name="Espace réservé de la date 6">
-            <a:extLst>
-              <a:ext uri="{FF2B5EF4-FFF2-40B4-BE49-F238E27FC236}">
-                <a16:creationId xmlns:a16="http://schemas.microsoft.com/office/drawing/2014/main" id="{6C084B39-4C03-4C67-8207-4E95FCBD6167}"/>
-              </a:ext>
-            </a:extLst>
-          </p:cNvPr>
+          <p:cNvPr id="7" name="Date Placeholder 6"/>
           <p:cNvSpPr>
             <a:spLocks noGrp="1"/>
           </p:cNvSpPr>
@@ -1821,13 +5676,7 @@
       </p:sp>
       <p:sp>
         <p:nvSpPr>
-          <p:cNvPr id="8" name="Espace réservé du pied de page 7">
-            <a:extLst>
-              <a:ext uri="{FF2B5EF4-FFF2-40B4-BE49-F238E27FC236}">
-                <a16:creationId xmlns:a16="http://schemas.microsoft.com/office/drawing/2014/main" id="{597C3856-C77D-41B8-BB7F-A5D1C51E0CFC}"/>
-              </a:ext>
-            </a:extLst>
-          </p:cNvPr>
+          <p:cNvPr id="8" name="Footer Placeholder 7"/>
           <p:cNvSpPr>
             <a:spLocks noGrp="1"/>
           </p:cNvSpPr>
@@ -1846,13 +5695,7 @@
       </p:sp>
       <p:sp>
         <p:nvSpPr>
-          <p:cNvPr id="9" name="Espace réservé du numéro de diapositive 8">
-            <a:extLst>
-              <a:ext uri="{FF2B5EF4-FFF2-40B4-BE49-F238E27FC236}">
-                <a16:creationId xmlns:a16="http://schemas.microsoft.com/office/drawing/2014/main" id="{DB92B8ED-945F-49D7-974E-376350B2688F}"/>
-              </a:ext>
-            </a:extLst>
-          </p:cNvPr>
+          <p:cNvPr id="9" name="Slide Number Placeholder 8"/>
           <p:cNvSpPr>
             <a:spLocks noGrp="1"/>
           </p:cNvSpPr>
@@ -1876,7 +5719,7 @@
     </p:spTree>
     <p:extLst>
       <p:ext uri="{BB962C8B-B14F-4D97-AF65-F5344CB8AC3E}">
-        <p14:creationId xmlns:p14="http://schemas.microsoft.com/office/powerpoint/2010/main" val="3709402746"/>
+        <p14:creationId xmlns:p14="http://schemas.microsoft.com/office/powerpoint/2010/main" val="3557784367"/>
       </p:ext>
     </p:extLst>
   </p:cSld>
@@ -1905,13 +5748,7 @@
       </p:grpSpPr>
       <p:sp>
         <p:nvSpPr>
-          <p:cNvPr id="2" name="Titre 1">
-            <a:extLst>
-              <a:ext uri="{FF2B5EF4-FFF2-40B4-BE49-F238E27FC236}">
-                <a16:creationId xmlns:a16="http://schemas.microsoft.com/office/drawing/2014/main" id="{94436569-4CB6-483D-AE76-FB578C82C88F}"/>
-              </a:ext>
-            </a:extLst>
-          </p:cNvPr>
+          <p:cNvPr id="2" name="Title 1"/>
           <p:cNvSpPr>
             <a:spLocks noGrp="1"/>
           </p:cNvSpPr>
@@ -1928,18 +5765,13 @@
               <a:rPr lang="fr-FR"/>
               <a:t>Modifiez le style du titre</a:t>
             </a:r>
+            <a:endParaRPr lang="en-US" dirty="0"/>
           </a:p>
         </p:txBody>
       </p:sp>
       <p:sp>
         <p:nvSpPr>
-          <p:cNvPr id="3" name="Espace réservé de la date 2">
-            <a:extLst>
-              <a:ext uri="{FF2B5EF4-FFF2-40B4-BE49-F238E27FC236}">
-                <a16:creationId xmlns:a16="http://schemas.microsoft.com/office/drawing/2014/main" id="{DADF91A1-1691-48D4-8FC3-B487437952B7}"/>
-              </a:ext>
-            </a:extLst>
-          </p:cNvPr>
+          <p:cNvPr id="3" name="Date Placeholder 2"/>
           <p:cNvSpPr>
             <a:spLocks noGrp="1"/>
           </p:cNvSpPr>
@@ -1962,13 +5794,7 @@
       </p:sp>
       <p:sp>
         <p:nvSpPr>
-          <p:cNvPr id="4" name="Espace réservé du pied de page 3">
-            <a:extLst>
-              <a:ext uri="{FF2B5EF4-FFF2-40B4-BE49-F238E27FC236}">
-                <a16:creationId xmlns:a16="http://schemas.microsoft.com/office/drawing/2014/main" id="{931F2937-ED76-43A4-A34C-6CC4E2E0E502}"/>
-              </a:ext>
-            </a:extLst>
-          </p:cNvPr>
+          <p:cNvPr id="4" name="Footer Placeholder 3"/>
           <p:cNvSpPr>
             <a:spLocks noGrp="1"/>
           </p:cNvSpPr>
@@ -1987,13 +5813,7 @@
       </p:sp>
       <p:sp>
         <p:nvSpPr>
-          <p:cNvPr id="5" name="Espace réservé du numéro de diapositive 4">
-            <a:extLst>
-              <a:ext uri="{FF2B5EF4-FFF2-40B4-BE49-F238E27FC236}">
-                <a16:creationId xmlns:a16="http://schemas.microsoft.com/office/drawing/2014/main" id="{BC2BF98D-C0BF-4703-A33A-925111F49602}"/>
-              </a:ext>
-            </a:extLst>
-          </p:cNvPr>
+          <p:cNvPr id="5" name="Slide Number Placeholder 4"/>
           <p:cNvSpPr>
             <a:spLocks noGrp="1"/>
           </p:cNvSpPr>
@@ -2017,7 +5837,7 @@
     </p:spTree>
     <p:extLst>
       <p:ext uri="{BB962C8B-B14F-4D97-AF65-F5344CB8AC3E}">
-        <p14:creationId xmlns:p14="http://schemas.microsoft.com/office/powerpoint/2010/main" val="451436991"/>
+        <p14:creationId xmlns:p14="http://schemas.microsoft.com/office/powerpoint/2010/main" val="2917636404"/>
       </p:ext>
     </p:extLst>
   </p:cSld>
@@ -2028,7 +5848,7 @@
 </file>
 
 <file path=ppt/slideLayouts/slideLayout7.xml><?xml version="1.0" encoding="utf-8"?>
-<p:sldLayout xmlns:a="http://schemas.openxmlformats.org/drawingml/2006/main" xmlns:r="http://schemas.openxmlformats.org/officeDocument/2006/relationships" xmlns:p="http://schemas.openxmlformats.org/presentationml/2006/main" type="blank" preserve="1">
+<p:sldLayout xmlns:a="http://schemas.openxmlformats.org/drawingml/2006/main" xmlns:r="http://schemas.openxmlformats.org/officeDocument/2006/relationships" xmlns:p="http://schemas.openxmlformats.org/presentationml/2006/main" showMasterSp="0" type="blank" preserve="1">
   <p:cSld name="Vide">
     <p:spTree>
       <p:nvGrpSpPr>
@@ -2046,13 +5866,83 @@
       </p:grpSpPr>
       <p:sp>
         <p:nvSpPr>
-          <p:cNvPr id="2" name="Espace réservé de la date 1">
-            <a:extLst>
-              <a:ext uri="{FF2B5EF4-FFF2-40B4-BE49-F238E27FC236}">
-                <a16:creationId xmlns:a16="http://schemas.microsoft.com/office/drawing/2014/main" id="{4BA29FC1-5293-47B5-AEC7-602657302204}"/>
-              </a:ext>
-            </a:extLst>
-          </p:cNvPr>
+          <p:cNvPr id="5" name="Rectangle 4"/>
+          <p:cNvSpPr/>
+          <p:nvPr/>
+        </p:nvSpPr>
+        <p:spPr>
+          <a:xfrm>
+            <a:off x="3175" y="6400800"/>
+            <a:ext cx="12188825" cy="457200"/>
+          </a:xfrm>
+          <a:prstGeom prst="rect">
+            <a:avLst/>
+          </a:prstGeom>
+          <a:solidFill>
+            <a:schemeClr val="accent2"/>
+          </a:solidFill>
+          <a:ln>
+            <a:noFill/>
+          </a:ln>
+        </p:spPr>
+        <p:style>
+          <a:lnRef idx="2">
+            <a:schemeClr val="accent1">
+              <a:shade val="50000"/>
+            </a:schemeClr>
+          </a:lnRef>
+          <a:fillRef idx="1">
+            <a:schemeClr val="accent1"/>
+          </a:fillRef>
+          <a:effectRef idx="0">
+            <a:schemeClr val="accent1"/>
+          </a:effectRef>
+          <a:fontRef idx="minor">
+            <a:schemeClr val="lt1"/>
+          </a:fontRef>
+        </p:style>
+      </p:sp>
+      <p:sp>
+        <p:nvSpPr>
+          <p:cNvPr id="6" name="Rectangle 5"/>
+          <p:cNvSpPr/>
+          <p:nvPr/>
+        </p:nvSpPr>
+        <p:spPr>
+          <a:xfrm>
+            <a:off x="15" y="6334316"/>
+            <a:ext cx="12188825" cy="64008"/>
+          </a:xfrm>
+          <a:prstGeom prst="rect">
+            <a:avLst/>
+          </a:prstGeom>
+          <a:solidFill>
+            <a:schemeClr val="accent1"/>
+          </a:solidFill>
+          <a:ln>
+            <a:noFill/>
+          </a:ln>
+        </p:spPr>
+        <p:style>
+          <a:lnRef idx="2">
+            <a:schemeClr val="accent1">
+              <a:shade val="50000"/>
+            </a:schemeClr>
+          </a:lnRef>
+          <a:fillRef idx="1">
+            <a:schemeClr val="accent1"/>
+          </a:fillRef>
+          <a:effectRef idx="0">
+            <a:schemeClr val="accent1"/>
+          </a:effectRef>
+          <a:fontRef idx="minor">
+            <a:schemeClr val="lt1"/>
+          </a:fontRef>
+        </p:style>
+      </p:sp>
+      <p:sp>
+        <p:nvSpPr>
+          <p:cNvPr id="7" name="Date Placeholder 6"/>
           <p:cNvSpPr>
             <a:spLocks noGrp="1"/>
           </p:cNvSpPr>
@@ -2075,13 +5965,7 @@
       </p:sp>
       <p:sp>
         <p:nvSpPr>
-          <p:cNvPr id="3" name="Espace réservé du pied de page 2">
-            <a:extLst>
-              <a:ext uri="{FF2B5EF4-FFF2-40B4-BE49-F238E27FC236}">
-                <a16:creationId xmlns:a16="http://schemas.microsoft.com/office/drawing/2014/main" id="{764FD4C1-5882-4AC6-8E28-471158D0379B}"/>
-              </a:ext>
-            </a:extLst>
-          </p:cNvPr>
+          <p:cNvPr id="8" name="Footer Placeholder 7"/>
           <p:cNvSpPr>
             <a:spLocks noGrp="1"/>
           </p:cNvSpPr>
@@ -2092,7 +5976,15 @@
         <p:spPr/>
         <p:txBody>
           <a:bodyPr/>
-          <a:lstStyle/>
+          <a:lstStyle>
+            <a:lvl1pPr>
+              <a:defRPr>
+                <a:solidFill>
+                  <a:srgbClr val="FFFFFF"/>
+                </a:solidFill>
+              </a:defRPr>
+            </a:lvl1pPr>
+          </a:lstStyle>
           <a:p>
             <a:endParaRPr lang="fr-FR"/>
           </a:p>
@@ -2100,13 +5992,7 @@
       </p:sp>
       <p:sp>
         <p:nvSpPr>
-          <p:cNvPr id="4" name="Espace réservé du numéro de diapositive 3">
-            <a:extLst>
-              <a:ext uri="{FF2B5EF4-FFF2-40B4-BE49-F238E27FC236}">
-                <a16:creationId xmlns:a16="http://schemas.microsoft.com/office/drawing/2014/main" id="{B386107A-C40C-430C-BA49-E6378730825C}"/>
-              </a:ext>
-            </a:extLst>
-          </p:cNvPr>
+          <p:cNvPr id="9" name="Slide Number Placeholder 8"/>
           <p:cNvSpPr>
             <a:spLocks noGrp="1"/>
           </p:cNvSpPr>
@@ -2130,7 +6016,7 @@
     </p:spTree>
     <p:extLst>
       <p:ext uri="{BB962C8B-B14F-4D97-AF65-F5344CB8AC3E}">
-        <p14:creationId xmlns:p14="http://schemas.microsoft.com/office/powerpoint/2010/main" val="1651945023"/>
+        <p14:creationId xmlns:p14="http://schemas.microsoft.com/office/powerpoint/2010/main" val="246527318"/>
       </p:ext>
     </p:extLst>
   </p:cSld>
@@ -2141,7 +6027,7 @@
 </file>
 
 <file path=ppt/slideLayouts/slideLayout8.xml><?xml version="1.0" encoding="utf-8"?>
-<p:sldLayout xmlns:a="http://schemas.openxmlformats.org/drawingml/2006/main" xmlns:r="http://schemas.openxmlformats.org/officeDocument/2006/relationships" xmlns:p="http://schemas.openxmlformats.org/presentationml/2006/main" type="objTx" preserve="1">
+<p:sldLayout xmlns:a="http://schemas.openxmlformats.org/drawingml/2006/main" xmlns:r="http://schemas.openxmlformats.org/officeDocument/2006/relationships" xmlns:p="http://schemas.openxmlformats.org/presentationml/2006/main" showMasterSp="0" type="objTx" preserve="1">
   <p:cSld name="Contenu avec légende">
     <p:spTree>
       <p:nvGrpSpPr>
@@ -2159,13 +6045,83 @@
       </p:grpSpPr>
       <p:sp>
         <p:nvSpPr>
-          <p:cNvPr id="2" name="Titre 1">
-            <a:extLst>
-              <a:ext uri="{FF2B5EF4-FFF2-40B4-BE49-F238E27FC236}">
-                <a16:creationId xmlns:a16="http://schemas.microsoft.com/office/drawing/2014/main" id="{B31D0E25-BB24-4E3F-8BEE-70050595CB5B}"/>
-              </a:ext>
-            </a:extLst>
-          </p:cNvPr>
+          <p:cNvPr id="8" name="Rectangle 7"/>
+          <p:cNvSpPr/>
+          <p:nvPr/>
+        </p:nvSpPr>
+        <p:spPr>
+          <a:xfrm>
+            <a:off x="16" y="0"/>
+            <a:ext cx="4050791" cy="6858000"/>
+          </a:xfrm>
+          <a:prstGeom prst="rect">
+            <a:avLst/>
+          </a:prstGeom>
+          <a:solidFill>
+            <a:schemeClr val="accent2"/>
+          </a:solidFill>
+          <a:ln>
+            <a:noFill/>
+          </a:ln>
+        </p:spPr>
+        <p:style>
+          <a:lnRef idx="2">
+            <a:schemeClr val="accent1">
+              <a:shade val="50000"/>
+            </a:schemeClr>
+          </a:lnRef>
+          <a:fillRef idx="1">
+            <a:schemeClr val="accent1"/>
+          </a:fillRef>
+          <a:effectRef idx="0">
+            <a:schemeClr val="accent1"/>
+          </a:effectRef>
+          <a:fontRef idx="minor">
+            <a:schemeClr val="lt1"/>
+          </a:fontRef>
+        </p:style>
+      </p:sp>
+      <p:sp>
+        <p:nvSpPr>
+          <p:cNvPr id="9" name="Rectangle 8"/>
+          <p:cNvSpPr/>
+          <p:nvPr/>
+        </p:nvSpPr>
+        <p:spPr>
+          <a:xfrm>
+            <a:off x="4040071" y="0"/>
+            <a:ext cx="64008" cy="6858000"/>
+          </a:xfrm>
+          <a:prstGeom prst="rect">
+            <a:avLst/>
+          </a:prstGeom>
+          <a:solidFill>
+            <a:schemeClr val="accent1"/>
+          </a:solidFill>
+          <a:ln>
+            <a:noFill/>
+          </a:ln>
+        </p:spPr>
+        <p:style>
+          <a:lnRef idx="2">
+            <a:schemeClr val="accent1">
+              <a:shade val="50000"/>
+            </a:schemeClr>
+          </a:lnRef>
+          <a:fillRef idx="1">
+            <a:schemeClr val="accent1"/>
+          </a:fillRef>
+          <a:effectRef idx="0">
+            <a:schemeClr val="accent1"/>
+          </a:effectRef>
+          <a:fontRef idx="minor">
+            <a:schemeClr val="lt1"/>
+          </a:fontRef>
+        </p:style>
+      </p:sp>
+      <p:sp>
+        <p:nvSpPr>
+          <p:cNvPr id="2" name="Title 1"/>
           <p:cNvSpPr>
             <a:spLocks noGrp="1"/>
           </p:cNvSpPr>
@@ -2175,15 +6131,21 @@
         </p:nvSpPr>
         <p:spPr>
           <a:xfrm>
-            <a:off x="839788" y="457200"/>
-            <a:ext cx="3932237" cy="1600200"/>
+            <a:off x="457200" y="594359"/>
+            <a:ext cx="3200400" cy="2286000"/>
           </a:xfrm>
         </p:spPr>
         <p:txBody>
-          <a:bodyPr anchor="b"/>
+          <a:bodyPr anchor="b">
+            <a:normAutofit/>
+          </a:bodyPr>
           <a:lstStyle>
             <a:lvl1pPr>
-              <a:defRPr sz="3200"/>
+              <a:defRPr sz="3600" b="0">
+                <a:solidFill>
+                  <a:srgbClr val="FFFFFF"/>
+                </a:solidFill>
+              </a:defRPr>
             </a:lvl1pPr>
           </a:lstStyle>
           <a:p>
@@ -2191,18 +6153,13 @@
               <a:rPr lang="fr-FR"/>
               <a:t>Modifiez le style du titre</a:t>
             </a:r>
+            <a:endParaRPr lang="en-US" dirty="0"/>
           </a:p>
         </p:txBody>
       </p:sp>
       <p:sp>
         <p:nvSpPr>
-          <p:cNvPr id="3" name="Espace réservé du contenu 2">
-            <a:extLst>
-              <a:ext uri="{FF2B5EF4-FFF2-40B4-BE49-F238E27FC236}">
-                <a16:creationId xmlns:a16="http://schemas.microsoft.com/office/drawing/2014/main" id="{25257EDE-8252-42C9-BA4E-24FBD58C1E7C}"/>
-              </a:ext>
-            </a:extLst>
-          </p:cNvPr>
+          <p:cNvPr id="3" name="Content Placeholder 2"/>
           <p:cNvSpPr>
             <a:spLocks noGrp="1"/>
           </p:cNvSpPr>
@@ -2212,41 +6169,13 @@
         </p:nvSpPr>
         <p:spPr>
           <a:xfrm>
-            <a:off x="5183188" y="987425"/>
-            <a:ext cx="6172200" cy="4873625"/>
+            <a:off x="4800600" y="731520"/>
+            <a:ext cx="6492240" cy="5257800"/>
           </a:xfrm>
         </p:spPr>
         <p:txBody>
           <a:bodyPr/>
-          <a:lstStyle>
-            <a:lvl1pPr>
-              <a:defRPr sz="3200"/>
-            </a:lvl1pPr>
-            <a:lvl2pPr>
-              <a:defRPr sz="2800"/>
-            </a:lvl2pPr>
-            <a:lvl3pPr>
-              <a:defRPr sz="2400"/>
-            </a:lvl3pPr>
-            <a:lvl4pPr>
-              <a:defRPr sz="2000"/>
-            </a:lvl4pPr>
-            <a:lvl5pPr>
-              <a:defRPr sz="2000"/>
-            </a:lvl5pPr>
-            <a:lvl6pPr>
-              <a:defRPr sz="2000"/>
-            </a:lvl6pPr>
-            <a:lvl7pPr>
-              <a:defRPr sz="2000"/>
-            </a:lvl7pPr>
-            <a:lvl8pPr>
-              <a:defRPr sz="2000"/>
-            </a:lvl8pPr>
-            <a:lvl9pPr>
-              <a:defRPr sz="2000"/>
-            </a:lvl9pPr>
-          </a:lstStyle>
+          <a:lstStyle/>
           <a:p>
             <a:pPr lvl="0"/>
             <a:r>
@@ -2281,18 +6210,13 @@
               <a:rPr lang="fr-FR"/>
               <a:t>Cinquième niveau</a:t>
             </a:r>
+            <a:endParaRPr lang="en-US" dirty="0"/>
           </a:p>
         </p:txBody>
       </p:sp>
       <p:sp>
         <p:nvSpPr>
-          <p:cNvPr id="4" name="Espace réservé du texte 3">
-            <a:extLst>
-              <a:ext uri="{FF2B5EF4-FFF2-40B4-BE49-F238E27FC236}">
-                <a16:creationId xmlns:a16="http://schemas.microsoft.com/office/drawing/2014/main" id="{6926A547-F199-4D38-A2D4-39AF15A4CC14}"/>
-              </a:ext>
-            </a:extLst>
-          </p:cNvPr>
+          <p:cNvPr id="4" name="Text Placeholder 3"/>
           <p:cNvSpPr>
             <a:spLocks noGrp="1"/>
           </p:cNvSpPr>
@@ -2302,48 +6226,54 @@
         </p:nvSpPr>
         <p:spPr>
           <a:xfrm>
-            <a:off x="839788" y="2057400"/>
-            <a:ext cx="3932237" cy="3811588"/>
+            <a:off x="457200" y="2926080"/>
+            <a:ext cx="3200400" cy="3379124"/>
           </a:xfrm>
         </p:spPr>
         <p:txBody>
-          <a:bodyPr/>
+          <a:bodyPr lIns="91440" rIns="91440">
+            <a:normAutofit/>
+          </a:bodyPr>
           <a:lstStyle>
             <a:lvl1pPr marL="0" indent="0">
               <a:buNone/>
-              <a:defRPr sz="1600"/>
+              <a:defRPr sz="1500">
+                <a:solidFill>
+                  <a:srgbClr val="FFFFFF"/>
+                </a:solidFill>
+              </a:defRPr>
             </a:lvl1pPr>
             <a:lvl2pPr marL="457200" indent="0">
               <a:buNone/>
-              <a:defRPr sz="1400"/>
+              <a:defRPr sz="1200"/>
             </a:lvl2pPr>
             <a:lvl3pPr marL="914400" indent="0">
               <a:buNone/>
-              <a:defRPr sz="1200"/>
+              <a:defRPr sz="1000"/>
             </a:lvl3pPr>
             <a:lvl4pPr marL="1371600" indent="0">
               <a:buNone/>
-              <a:defRPr sz="1000"/>
+              <a:defRPr sz="900"/>
             </a:lvl4pPr>
             <a:lvl5pPr marL="1828800" indent="0">
               <a:buNone/>
-              <a:defRPr sz="1000"/>
+              <a:defRPr sz="900"/>
             </a:lvl5pPr>
             <a:lvl6pPr marL="2286000" indent="0">
               <a:buNone/>
-              <a:defRPr sz="1000"/>
+              <a:defRPr sz="900"/>
             </a:lvl6pPr>
             <a:lvl7pPr marL="2743200" indent="0">
               <a:buNone/>
-              <a:defRPr sz="1000"/>
+              <a:defRPr sz="900"/>
             </a:lvl7pPr>
             <a:lvl8pPr marL="3200400" indent="0">
               <a:buNone/>
-              <a:defRPr sz="1000"/>
+              <a:defRPr sz="900"/>
             </a:lvl8pPr>
             <a:lvl9pPr marL="3657600" indent="0">
               <a:buNone/>
-              <a:defRPr sz="1000"/>
+              <a:defRPr sz="900"/>
             </a:lvl9pPr>
           </a:lstStyle>
           <a:p>
@@ -2357,13 +6287,7 @@
       </p:sp>
       <p:sp>
         <p:nvSpPr>
-          <p:cNvPr id="5" name="Espace réservé de la date 4">
-            <a:extLst>
-              <a:ext uri="{FF2B5EF4-FFF2-40B4-BE49-F238E27FC236}">
-                <a16:creationId xmlns:a16="http://schemas.microsoft.com/office/drawing/2014/main" id="{67BFC63B-27E0-413A-ADB8-546E9ACB622C}"/>
-              </a:ext>
-            </a:extLst>
-          </p:cNvPr>
+          <p:cNvPr id="5" name="Date Placeholder 4"/>
           <p:cNvSpPr>
             <a:spLocks noGrp="1"/>
           </p:cNvSpPr>
@@ -2371,10 +6295,19 @@
             <p:ph type="dt" sz="half" idx="10"/>
           </p:nvPr>
         </p:nvSpPr>
-        <p:spPr/>
+        <p:spPr>
+          <a:xfrm>
+            <a:off x="465512" y="6459785"/>
+            <a:ext cx="2618510" cy="365125"/>
+          </a:xfrm>
+        </p:spPr>
         <p:txBody>
           <a:bodyPr/>
-          <a:lstStyle/>
+          <a:lstStyle>
+            <a:lvl1pPr algn="l">
+              <a:defRPr/>
+            </a:lvl1pPr>
+          </a:lstStyle>
           <a:p>
             <a:fld id="{A8095A55-216D-4D44-9CAC-6F4804E7EE0C}" type="datetimeFigureOut">
               <a:rPr lang="fr-FR" smtClean="0"/>
@@ -2386,13 +6319,7 @@
       </p:sp>
       <p:sp>
         <p:nvSpPr>
-          <p:cNvPr id="6" name="Espace réservé du pied de page 5">
-            <a:extLst>
-              <a:ext uri="{FF2B5EF4-FFF2-40B4-BE49-F238E27FC236}">
-                <a16:creationId xmlns:a16="http://schemas.microsoft.com/office/drawing/2014/main" id="{F17A1ADD-10CF-4A03-A5D9-BA54F3A0DB11}"/>
-              </a:ext>
-            </a:extLst>
-          </p:cNvPr>
+          <p:cNvPr id="6" name="Footer Placeholder 5"/>
           <p:cNvSpPr>
             <a:spLocks noGrp="1"/>
           </p:cNvSpPr>
@@ -2400,10 +6327,23 @@
             <p:ph type="ftr" sz="quarter" idx="11"/>
           </p:nvPr>
         </p:nvSpPr>
-        <p:spPr/>
+        <p:spPr>
+          <a:xfrm>
+            <a:off x="4800600" y="6459785"/>
+            <a:ext cx="4648200" cy="365125"/>
+          </a:xfrm>
+        </p:spPr>
         <p:txBody>
           <a:bodyPr/>
-          <a:lstStyle/>
+          <a:lstStyle>
+            <a:lvl1pPr algn="l">
+              <a:defRPr>
+                <a:solidFill>
+                  <a:schemeClr val="tx2"/>
+                </a:solidFill>
+              </a:defRPr>
+            </a:lvl1pPr>
+          </a:lstStyle>
           <a:p>
             <a:endParaRPr lang="fr-FR"/>
           </a:p>
@@ -2411,13 +6351,7 @@
       </p:sp>
       <p:sp>
         <p:nvSpPr>
-          <p:cNvPr id="7" name="Espace réservé du numéro de diapositive 6">
-            <a:extLst>
-              <a:ext uri="{FF2B5EF4-FFF2-40B4-BE49-F238E27FC236}">
-                <a16:creationId xmlns:a16="http://schemas.microsoft.com/office/drawing/2014/main" id="{7DCE1D6E-0F18-4685-AE36-EEE04E99ABA3}"/>
-              </a:ext>
-            </a:extLst>
-          </p:cNvPr>
+          <p:cNvPr id="7" name="Slide Number Placeholder 6"/>
           <p:cNvSpPr>
             <a:spLocks noGrp="1"/>
           </p:cNvSpPr>
@@ -2428,7 +6362,15 @@
         <p:spPr/>
         <p:txBody>
           <a:bodyPr/>
-          <a:lstStyle/>
+          <a:lstStyle>
+            <a:lvl1pPr>
+              <a:defRPr>
+                <a:solidFill>
+                  <a:schemeClr val="tx2"/>
+                </a:solidFill>
+              </a:defRPr>
+            </a:lvl1pPr>
+          </a:lstStyle>
           <a:p>
             <a:fld id="{5F01F13D-5F05-49E3-8C53-CEACE4958B5F}" type="slidenum">
               <a:rPr lang="fr-FR" smtClean="0"/>
@@ -2441,7 +6383,7 @@
     </p:spTree>
     <p:extLst>
       <p:ext uri="{BB962C8B-B14F-4D97-AF65-F5344CB8AC3E}">
-        <p14:creationId xmlns:p14="http://schemas.microsoft.com/office/powerpoint/2010/main" val="2029335543"/>
+        <p14:creationId xmlns:p14="http://schemas.microsoft.com/office/powerpoint/2010/main" val="369368031"/>
       </p:ext>
     </p:extLst>
   </p:cSld>
@@ -2452,7 +6394,7 @@
 </file>
 
 <file path=ppt/slideLayouts/slideLayout9.xml><?xml version="1.0" encoding="utf-8"?>
-<p:sldLayout xmlns:a="http://schemas.openxmlformats.org/drawingml/2006/main" xmlns:r="http://schemas.openxmlformats.org/officeDocument/2006/relationships" xmlns:p="http://schemas.openxmlformats.org/presentationml/2006/main" type="picTx" preserve="1">
+<p:sldLayout xmlns:a="http://schemas.openxmlformats.org/drawingml/2006/main" xmlns:r="http://schemas.openxmlformats.org/officeDocument/2006/relationships" xmlns:p="http://schemas.openxmlformats.org/presentationml/2006/main" showMasterSp="0" type="picTx" preserve="1">
   <p:cSld name="Image avec légende">
     <p:spTree>
       <p:nvGrpSpPr>
@@ -2470,13 +6412,83 @@
       </p:grpSpPr>
       <p:sp>
         <p:nvSpPr>
-          <p:cNvPr id="2" name="Titre 1">
-            <a:extLst>
-              <a:ext uri="{FF2B5EF4-FFF2-40B4-BE49-F238E27FC236}">
-                <a16:creationId xmlns:a16="http://schemas.microsoft.com/office/drawing/2014/main" id="{2EBA147E-FF76-4505-94C0-8E939FB6233F}"/>
-              </a:ext>
-            </a:extLst>
-          </p:cNvPr>
+          <p:cNvPr id="8" name="Rectangle 7"/>
+          <p:cNvSpPr/>
+          <p:nvPr/>
+        </p:nvSpPr>
+        <p:spPr>
+          <a:xfrm>
+            <a:off x="0" y="4953000"/>
+            <a:ext cx="12188825" cy="1905000"/>
+          </a:xfrm>
+          <a:prstGeom prst="rect">
+            <a:avLst/>
+          </a:prstGeom>
+          <a:solidFill>
+            <a:schemeClr val="accent2"/>
+          </a:solidFill>
+          <a:ln>
+            <a:noFill/>
+          </a:ln>
+        </p:spPr>
+        <p:style>
+          <a:lnRef idx="2">
+            <a:schemeClr val="accent1">
+              <a:shade val="50000"/>
+            </a:schemeClr>
+          </a:lnRef>
+          <a:fillRef idx="1">
+            <a:schemeClr val="accent1"/>
+          </a:fillRef>
+          <a:effectRef idx="0">
+            <a:schemeClr val="accent1"/>
+          </a:effectRef>
+          <a:fontRef idx="minor">
+            <a:schemeClr val="lt1"/>
+          </a:fontRef>
+        </p:style>
+      </p:sp>
+      <p:sp>
+        <p:nvSpPr>
+          <p:cNvPr id="9" name="Rectangle 8"/>
+          <p:cNvSpPr/>
+          <p:nvPr/>
+        </p:nvSpPr>
+        <p:spPr>
+          <a:xfrm>
+            <a:off x="15" y="4915076"/>
+            <a:ext cx="12188825" cy="64008"/>
+          </a:xfrm>
+          <a:prstGeom prst="rect">
+            <a:avLst/>
+          </a:prstGeom>
+          <a:solidFill>
+            <a:schemeClr val="accent1"/>
+          </a:solidFill>
+          <a:ln>
+            <a:noFill/>
+          </a:ln>
+        </p:spPr>
+        <p:style>
+          <a:lnRef idx="2">
+            <a:schemeClr val="accent1">
+              <a:shade val="50000"/>
+            </a:schemeClr>
+          </a:lnRef>
+          <a:fillRef idx="1">
+            <a:schemeClr val="accent1"/>
+          </a:fillRef>
+          <a:effectRef idx="0">
+            <a:schemeClr val="accent1"/>
+          </a:effectRef>
+          <a:fontRef idx="minor">
+            <a:schemeClr val="lt1"/>
+          </a:fontRef>
+        </p:style>
+      </p:sp>
+      <p:sp>
+        <p:nvSpPr>
+          <p:cNvPr id="2" name="Title 1"/>
           <p:cNvSpPr>
             <a:spLocks noGrp="1"/>
           </p:cNvSpPr>
@@ -2486,15 +6498,21 @@
         </p:nvSpPr>
         <p:spPr>
           <a:xfrm>
-            <a:off x="839788" y="457200"/>
-            <a:ext cx="3932237" cy="1600200"/>
+            <a:off x="1097280" y="5074920"/>
+            <a:ext cx="10113264" cy="822960"/>
           </a:xfrm>
         </p:spPr>
         <p:txBody>
-          <a:bodyPr anchor="b"/>
+          <a:bodyPr lIns="91440" tIns="0" rIns="91440" bIns="0" anchor="b">
+            <a:noAutofit/>
+          </a:bodyPr>
           <a:lstStyle>
             <a:lvl1pPr>
-              <a:defRPr sz="3200"/>
+              <a:defRPr sz="3600" b="0">
+                <a:solidFill>
+                  <a:srgbClr val="FFFFFF"/>
+                </a:solidFill>
+              </a:defRPr>
             </a:lvl1pPr>
           </a:lstStyle>
           <a:p>
@@ -2502,20 +6520,15 @@
               <a:rPr lang="fr-FR"/>
               <a:t>Modifiez le style du titre</a:t>
             </a:r>
+            <a:endParaRPr lang="en-US" dirty="0"/>
           </a:p>
         </p:txBody>
       </p:sp>
       <p:sp>
         <p:nvSpPr>
-          <p:cNvPr id="3" name="Espace réservé pour une image  2">
-            <a:extLst>
-              <a:ext uri="{FF2B5EF4-FFF2-40B4-BE49-F238E27FC236}">
-                <a16:creationId xmlns:a16="http://schemas.microsoft.com/office/drawing/2014/main" id="{4D1C4E14-82D8-4AC4-8D89-56476E7E3320}"/>
-              </a:ext>
-            </a:extLst>
-          </p:cNvPr>
+          <p:cNvPr id="3" name="Picture Placeholder 2"/>
           <p:cNvSpPr>
-            <a:spLocks noGrp="1"/>
+            <a:spLocks noGrp="1" noChangeAspect="1"/>
           </p:cNvSpPr>
           <p:nvPr>
             <p:ph type="pic" idx="1"/>
@@ -2523,16 +6536,26 @@
         </p:nvSpPr>
         <p:spPr>
           <a:xfrm>
-            <a:off x="5183188" y="987425"/>
-            <a:ext cx="6172200" cy="4873625"/>
+            <a:off x="15" y="0"/>
+            <a:ext cx="12191985" cy="4915076"/>
           </a:xfrm>
+          <a:blipFill>
+            <a:blip r:embed="rId2"/>
+            <a:stretch>
+              <a:fillRect/>
+            </a:stretch>
+          </a:blipFill>
         </p:spPr>
         <p:txBody>
-          <a:bodyPr/>
+          <a:bodyPr lIns="457200" tIns="457200" anchor="t"/>
           <a:lstStyle>
             <a:lvl1pPr marL="0" indent="0">
               <a:buNone/>
-              <a:defRPr sz="3200"/>
+              <a:defRPr sz="3200">
+                <a:solidFill>
+                  <a:schemeClr val="bg1"/>
+                </a:solidFill>
+              </a:defRPr>
             </a:lvl1pPr>
             <a:lvl2pPr marL="457200" indent="0">
               <a:buNone/>
@@ -2568,19 +6591,17 @@
             </a:lvl9pPr>
           </a:lstStyle>
           <a:p>
-            <a:endParaRPr lang="fr-FR"/>
+            <a:r>
+              <a:rPr lang="fr-FR"/>
+              <a:t>Cliquez sur l'icône pour ajouter une image</a:t>
+            </a:r>
+            <a:endParaRPr lang="en-US" dirty="0"/>
           </a:p>
         </p:txBody>
       </p:sp>
       <p:sp>
         <p:nvSpPr>
-          <p:cNvPr id="4" name="Espace réservé du texte 3">
-            <a:extLst>
-              <a:ext uri="{FF2B5EF4-FFF2-40B4-BE49-F238E27FC236}">
-                <a16:creationId xmlns:a16="http://schemas.microsoft.com/office/drawing/2014/main" id="{89D65F32-1D37-4E52-9868-B9FE5847F866}"/>
-              </a:ext>
-            </a:extLst>
-          </p:cNvPr>
+          <p:cNvPr id="4" name="Text Placeholder 3"/>
           <p:cNvSpPr>
             <a:spLocks noGrp="1"/>
           </p:cNvSpPr>
@@ -2590,48 +6611,60 @@
         </p:nvSpPr>
         <p:spPr>
           <a:xfrm>
-            <a:off x="839788" y="2057400"/>
-            <a:ext cx="3932237" cy="3811588"/>
+            <a:off x="1097280" y="5907023"/>
+            <a:ext cx="10113264" cy="594360"/>
           </a:xfrm>
         </p:spPr>
         <p:txBody>
-          <a:bodyPr/>
+          <a:bodyPr lIns="91440" tIns="0" rIns="91440" bIns="0">
+            <a:normAutofit/>
+          </a:bodyPr>
           <a:lstStyle>
             <a:lvl1pPr marL="0" indent="0">
+              <a:spcBef>
+                <a:spcPts val="0"/>
+              </a:spcBef>
+              <a:spcAft>
+                <a:spcPts val="600"/>
+              </a:spcAft>
               <a:buNone/>
-              <a:defRPr sz="1600"/>
+              <a:defRPr sz="1500">
+                <a:solidFill>
+                  <a:srgbClr val="FFFFFF"/>
+                </a:solidFill>
+              </a:defRPr>
             </a:lvl1pPr>
             <a:lvl2pPr marL="457200" indent="0">
               <a:buNone/>
-              <a:defRPr sz="1400"/>
+              <a:defRPr sz="1200"/>
             </a:lvl2pPr>
             <a:lvl3pPr marL="914400" indent="0">
               <a:buNone/>
-              <a:defRPr sz="1200"/>
+              <a:defRPr sz="1000"/>
             </a:lvl3pPr>
             <a:lvl4pPr marL="1371600" indent="0">
               <a:buNone/>
-              <a:defRPr sz="1000"/>
+              <a:defRPr sz="900"/>
             </a:lvl4pPr>
             <a:lvl5pPr marL="1828800" indent="0">
               <a:buNone/>
-              <a:defRPr sz="1000"/>
+              <a:defRPr sz="900"/>
             </a:lvl5pPr>
             <a:lvl6pPr marL="2286000" indent="0">
               <a:buNone/>
-              <a:defRPr sz="1000"/>
+              <a:defRPr sz="900"/>
             </a:lvl6pPr>
             <a:lvl7pPr marL="2743200" indent="0">
               <a:buNone/>
-              <a:defRPr sz="1000"/>
+              <a:defRPr sz="900"/>
             </a:lvl7pPr>
             <a:lvl8pPr marL="3200400" indent="0">
               <a:buNone/>
-              <a:defRPr sz="1000"/>
+              <a:defRPr sz="900"/>
             </a:lvl8pPr>
             <a:lvl9pPr marL="3657600" indent="0">
               <a:buNone/>
-              <a:defRPr sz="1000"/>
+              <a:defRPr sz="900"/>
             </a:lvl9pPr>
           </a:lstStyle>
           <a:p>
@@ -2645,13 +6678,7 @@
       </p:sp>
       <p:sp>
         <p:nvSpPr>
-          <p:cNvPr id="5" name="Espace réservé de la date 4">
-            <a:extLst>
-              <a:ext uri="{FF2B5EF4-FFF2-40B4-BE49-F238E27FC236}">
-                <a16:creationId xmlns:a16="http://schemas.microsoft.com/office/drawing/2014/main" id="{55D85448-6100-489A-B46D-11236403E5C6}"/>
-              </a:ext>
-            </a:extLst>
-          </p:cNvPr>
+          <p:cNvPr id="5" name="Date Placeholder 4"/>
           <p:cNvSpPr>
             <a:spLocks noGrp="1"/>
           </p:cNvSpPr>
@@ -2674,13 +6701,7 @@
       </p:sp>
       <p:sp>
         <p:nvSpPr>
-          <p:cNvPr id="6" name="Espace réservé du pied de page 5">
-            <a:extLst>
-              <a:ext uri="{FF2B5EF4-FFF2-40B4-BE49-F238E27FC236}">
-                <a16:creationId xmlns:a16="http://schemas.microsoft.com/office/drawing/2014/main" id="{9C2041E1-FF5B-455D-9B44-28528B9E629A}"/>
-              </a:ext>
-            </a:extLst>
-          </p:cNvPr>
+          <p:cNvPr id="6" name="Footer Placeholder 5"/>
           <p:cNvSpPr>
             <a:spLocks noGrp="1"/>
           </p:cNvSpPr>
@@ -2699,13 +6720,7 @@
       </p:sp>
       <p:sp>
         <p:nvSpPr>
-          <p:cNvPr id="7" name="Espace réservé du numéro de diapositive 6">
-            <a:extLst>
-              <a:ext uri="{FF2B5EF4-FFF2-40B4-BE49-F238E27FC236}">
-                <a16:creationId xmlns:a16="http://schemas.microsoft.com/office/drawing/2014/main" id="{165118E8-5909-4CB0-8EEA-FEEC12366B5B}"/>
-              </a:ext>
-            </a:extLst>
-          </p:cNvPr>
+          <p:cNvPr id="7" name="Slide Number Placeholder 6"/>
           <p:cNvSpPr>
             <a:spLocks noGrp="1"/>
           </p:cNvSpPr>
@@ -2729,7 +6744,7 @@
     </p:spTree>
     <p:extLst>
       <p:ext uri="{BB962C8B-B14F-4D97-AF65-F5344CB8AC3E}">
-        <p14:creationId xmlns:p14="http://schemas.microsoft.com/office/powerpoint/2010/main" val="3957175159"/>
+        <p14:creationId xmlns:p14="http://schemas.microsoft.com/office/powerpoint/2010/main" val="1315353497"/>
       </p:ext>
     </p:extLst>
   </p:cSld>
@@ -2763,13 +6778,83 @@
       </p:grpSpPr>
       <p:sp>
         <p:nvSpPr>
-          <p:cNvPr id="2" name="Espace réservé du titre 1">
-            <a:extLst>
-              <a:ext uri="{FF2B5EF4-FFF2-40B4-BE49-F238E27FC236}">
-                <a16:creationId xmlns:a16="http://schemas.microsoft.com/office/drawing/2014/main" id="{79846AE7-44CA-48F8-BA8F-3C8406405DB9}"/>
-              </a:ext>
-            </a:extLst>
-          </p:cNvPr>
+          <p:cNvPr id="7" name="Rectangle 6"/>
+          <p:cNvSpPr/>
+          <p:nvPr/>
+        </p:nvSpPr>
+        <p:spPr>
+          <a:xfrm>
+            <a:off x="1" y="6400800"/>
+            <a:ext cx="12192000" cy="457200"/>
+          </a:xfrm>
+          <a:prstGeom prst="rect">
+            <a:avLst/>
+          </a:prstGeom>
+          <a:solidFill>
+            <a:schemeClr val="accent2"/>
+          </a:solidFill>
+          <a:ln>
+            <a:noFill/>
+          </a:ln>
+        </p:spPr>
+        <p:style>
+          <a:lnRef idx="2">
+            <a:schemeClr val="accent1">
+              <a:shade val="50000"/>
+            </a:schemeClr>
+          </a:lnRef>
+          <a:fillRef idx="1">
+            <a:schemeClr val="accent1"/>
+          </a:fillRef>
+          <a:effectRef idx="0">
+            <a:schemeClr val="accent1"/>
+          </a:effectRef>
+          <a:fontRef idx="minor">
+            <a:schemeClr val="lt1"/>
+          </a:fontRef>
+        </p:style>
+      </p:sp>
+      <p:sp>
+        <p:nvSpPr>
+          <p:cNvPr id="9" name="Rectangle 8"/>
+          <p:cNvSpPr/>
+          <p:nvPr/>
+        </p:nvSpPr>
+        <p:spPr>
+          <a:xfrm>
+            <a:off x="0" y="6334316"/>
+            <a:ext cx="12192001" cy="65998"/>
+          </a:xfrm>
+          <a:prstGeom prst="rect">
+            <a:avLst/>
+          </a:prstGeom>
+          <a:solidFill>
+            <a:schemeClr val="accent1"/>
+          </a:solidFill>
+          <a:ln>
+            <a:noFill/>
+          </a:ln>
+        </p:spPr>
+        <p:style>
+          <a:lnRef idx="2">
+            <a:schemeClr val="accent1">
+              <a:shade val="50000"/>
+            </a:schemeClr>
+          </a:lnRef>
+          <a:fillRef idx="1">
+            <a:schemeClr val="accent1"/>
+          </a:fillRef>
+          <a:effectRef idx="0">
+            <a:schemeClr val="accent1"/>
+          </a:effectRef>
+          <a:fontRef idx="minor">
+            <a:schemeClr val="lt1"/>
+          </a:fontRef>
+        </p:style>
+      </p:sp>
+      <p:sp>
+        <p:nvSpPr>
+          <p:cNvPr id="2" name="Title Placeholder 1"/>
           <p:cNvSpPr>
             <a:spLocks noGrp="1"/>
           </p:cNvSpPr>
@@ -2779,15 +6864,15 @@
         </p:nvSpPr>
         <p:spPr>
           <a:xfrm>
-            <a:off x="838200" y="365125"/>
-            <a:ext cx="10515600" cy="1325563"/>
+            <a:off x="1097280" y="286603"/>
+            <a:ext cx="10058400" cy="1450757"/>
           </a:xfrm>
           <a:prstGeom prst="rect">
             <a:avLst/>
           </a:prstGeom>
         </p:spPr>
         <p:txBody>
-          <a:bodyPr vert="horz" lIns="91440" tIns="45720" rIns="91440" bIns="45720" rtlCol="0" anchor="ctr">
+          <a:bodyPr vert="horz" lIns="91440" tIns="45720" rIns="91440" bIns="45720" rtlCol="0" anchor="b">
             <a:normAutofit/>
           </a:bodyPr>
           <a:lstStyle/>
@@ -2796,18 +6881,13 @@
               <a:rPr lang="fr-FR"/>
               <a:t>Modifiez le style du titre</a:t>
             </a:r>
+            <a:endParaRPr lang="en-US" dirty="0"/>
           </a:p>
         </p:txBody>
       </p:sp>
       <p:sp>
         <p:nvSpPr>
-          <p:cNvPr id="3" name="Espace réservé du texte 2">
-            <a:extLst>
-              <a:ext uri="{FF2B5EF4-FFF2-40B4-BE49-F238E27FC236}">
-                <a16:creationId xmlns:a16="http://schemas.microsoft.com/office/drawing/2014/main" id="{F4F76856-B2EA-41EE-8193-5A0BC0F63801}"/>
-              </a:ext>
-            </a:extLst>
-          </p:cNvPr>
+          <p:cNvPr id="3" name="Text Placeholder 2"/>
           <p:cNvSpPr>
             <a:spLocks noGrp="1"/>
           </p:cNvSpPr>
@@ -2817,15 +6897,15 @@
         </p:nvSpPr>
         <p:spPr>
           <a:xfrm>
-            <a:off x="838200" y="1825625"/>
-            <a:ext cx="10515600" cy="4351338"/>
+            <a:off x="1097280" y="1845734"/>
+            <a:ext cx="10058400" cy="4023360"/>
           </a:xfrm>
           <a:prstGeom prst="rect">
             <a:avLst/>
           </a:prstGeom>
         </p:spPr>
         <p:txBody>
-          <a:bodyPr vert="horz" lIns="91440" tIns="45720" rIns="91440" bIns="45720" rtlCol="0">
+          <a:bodyPr vert="horz" lIns="0" tIns="45720" rIns="0" bIns="45720" rtlCol="0">
             <a:normAutofit/>
           </a:bodyPr>
           <a:lstStyle/>
@@ -2863,18 +6943,13 @@
               <a:rPr lang="fr-FR"/>
               <a:t>Cinquième niveau</a:t>
             </a:r>
+            <a:endParaRPr lang="en-US" dirty="0"/>
           </a:p>
         </p:txBody>
       </p:sp>
       <p:sp>
         <p:nvSpPr>
-          <p:cNvPr id="4" name="Espace réservé de la date 3">
-            <a:extLst>
-              <a:ext uri="{FF2B5EF4-FFF2-40B4-BE49-F238E27FC236}">
-                <a16:creationId xmlns:a16="http://schemas.microsoft.com/office/drawing/2014/main" id="{F6C808CE-AE41-48C2-8988-9825B26E656C}"/>
-              </a:ext>
-            </a:extLst>
-          </p:cNvPr>
+          <p:cNvPr id="4" name="Date Placeholder 3"/>
           <p:cNvSpPr>
             <a:spLocks noGrp="1"/>
           </p:cNvSpPr>
@@ -2884,8 +6959,8 @@
         </p:nvSpPr>
         <p:spPr>
           <a:xfrm>
-            <a:off x="838200" y="6356350"/>
-            <a:ext cx="2743200" cy="365125"/>
+            <a:off x="1097280" y="6459785"/>
+            <a:ext cx="2472271" cy="365125"/>
           </a:xfrm>
           <a:prstGeom prst="rect">
             <a:avLst/>
@@ -2895,11 +6970,9 @@
           <a:bodyPr vert="horz" lIns="91440" tIns="45720" rIns="91440" bIns="45720" rtlCol="0" anchor="ctr"/>
           <a:lstStyle>
             <a:lvl1pPr algn="l">
-              <a:defRPr sz="1200">
+              <a:defRPr sz="900">
                 <a:solidFill>
-                  <a:schemeClr val="tx1">
-                    <a:tint val="75000"/>
-                  </a:schemeClr>
+                  <a:srgbClr val="FFFFFF"/>
                 </a:solidFill>
               </a:defRPr>
             </a:lvl1pPr>
@@ -2915,13 +6988,7 @@
       </p:sp>
       <p:sp>
         <p:nvSpPr>
-          <p:cNvPr id="5" name="Espace réservé du pied de page 4">
-            <a:extLst>
-              <a:ext uri="{FF2B5EF4-FFF2-40B4-BE49-F238E27FC236}">
-                <a16:creationId xmlns:a16="http://schemas.microsoft.com/office/drawing/2014/main" id="{150E537A-4162-4652-834C-D610E304C47C}"/>
-              </a:ext>
-            </a:extLst>
-          </p:cNvPr>
+          <p:cNvPr id="5" name="Footer Placeholder 4"/>
           <p:cNvSpPr>
             <a:spLocks noGrp="1"/>
           </p:cNvSpPr>
@@ -2931,8 +6998,8 @@
         </p:nvSpPr>
         <p:spPr>
           <a:xfrm>
-            <a:off x="4038600" y="6356350"/>
-            <a:ext cx="4114800" cy="365125"/>
+            <a:off x="3686185" y="6459785"/>
+            <a:ext cx="4822804" cy="365125"/>
           </a:xfrm>
           <a:prstGeom prst="rect">
             <a:avLst/>
@@ -2942,11 +7009,9 @@
           <a:bodyPr vert="horz" lIns="91440" tIns="45720" rIns="91440" bIns="45720" rtlCol="0" anchor="ctr"/>
           <a:lstStyle>
             <a:lvl1pPr algn="ctr">
-              <a:defRPr sz="1200">
+              <a:defRPr sz="900" cap="all" baseline="0">
                 <a:solidFill>
-                  <a:schemeClr val="tx1">
-                    <a:tint val="75000"/>
-                  </a:schemeClr>
+                  <a:srgbClr val="FFFFFF"/>
                 </a:solidFill>
               </a:defRPr>
             </a:lvl1pPr>
@@ -2958,13 +7023,7 @@
       </p:sp>
       <p:sp>
         <p:nvSpPr>
-          <p:cNvPr id="6" name="Espace réservé du numéro de diapositive 5">
-            <a:extLst>
-              <a:ext uri="{FF2B5EF4-FFF2-40B4-BE49-F238E27FC236}">
-                <a16:creationId xmlns:a16="http://schemas.microsoft.com/office/drawing/2014/main" id="{8E7A045E-2A0B-45C0-BBD1-910BAAC413DA}"/>
-              </a:ext>
-            </a:extLst>
-          </p:cNvPr>
+          <p:cNvPr id="6" name="Slide Number Placeholder 5"/>
           <p:cNvSpPr>
             <a:spLocks noGrp="1"/>
           </p:cNvSpPr>
@@ -2974,8 +7033,8 @@
         </p:nvSpPr>
         <p:spPr>
           <a:xfrm>
-            <a:off x="8610600" y="6356350"/>
-            <a:ext cx="2743200" cy="365125"/>
+            <a:off x="9900458" y="6459785"/>
+            <a:ext cx="1312025" cy="365125"/>
           </a:xfrm>
           <a:prstGeom prst="rect">
             <a:avLst/>
@@ -2985,11 +7044,9 @@
           <a:bodyPr vert="horz" lIns="91440" tIns="45720" rIns="91440" bIns="45720" rtlCol="0" anchor="ctr"/>
           <a:lstStyle>
             <a:lvl1pPr algn="r">
-              <a:defRPr sz="1200">
+              <a:defRPr sz="1050">
                 <a:solidFill>
-                  <a:schemeClr val="tx1">
-                    <a:tint val="75000"/>
-                  </a:schemeClr>
+                  <a:srgbClr val="FFFFFF"/>
                 </a:solidFill>
               </a:defRPr>
             </a:lvl1pPr>
@@ -3003,40 +7060,81 @@
           </a:p>
         </p:txBody>
       </p:sp>
+      <p:cxnSp>
+        <p:nvCxnSpPr>
+          <p:cNvPr id="10" name="Straight Connector 9"/>
+          <p:cNvCxnSpPr/>
+          <p:nvPr/>
+        </p:nvCxnSpPr>
+        <p:spPr>
+          <a:xfrm>
+            <a:off x="1193532" y="1737845"/>
+            <a:ext cx="9966960" cy="0"/>
+          </a:xfrm>
+          <a:prstGeom prst="line">
+            <a:avLst/>
+          </a:prstGeom>
+          <a:ln w="6350">
+            <a:solidFill>
+              <a:schemeClr val="tx1">
+                <a:lumMod val="50000"/>
+                <a:lumOff val="50000"/>
+              </a:schemeClr>
+            </a:solidFill>
+          </a:ln>
+        </p:spPr>
+        <p:style>
+          <a:lnRef idx="1">
+            <a:schemeClr val="accent1"/>
+          </a:lnRef>
+          <a:fillRef idx="0">
+            <a:schemeClr val="accent1"/>
+          </a:fillRef>
+          <a:effectRef idx="0">
+            <a:schemeClr val="accent1"/>
+          </a:effectRef>
+          <a:fontRef idx="minor">
+            <a:schemeClr val="tx1"/>
+          </a:fontRef>
+        </p:style>
+      </p:cxnSp>
     </p:spTree>
     <p:extLst>
       <p:ext uri="{BB962C8B-B14F-4D97-AF65-F5344CB8AC3E}">
-        <p14:creationId xmlns:p14="http://schemas.microsoft.com/office/powerpoint/2010/main" val="1032462117"/>
+        <p14:creationId xmlns:p14="http://schemas.microsoft.com/office/powerpoint/2010/main" val="2769945564"/>
       </p:ext>
     </p:extLst>
   </p:cSld>
   <p:clrMap bg1="lt1" tx1="dk1" bg2="lt2" tx2="dk2" accent1="accent1" accent2="accent2" accent3="accent3" accent4="accent4" accent5="accent5" accent6="accent6" hlink="hlink" folHlink="folHlink"/>
   <p:sldLayoutIdLst>
-    <p:sldLayoutId id="2147483649" r:id="rId1"/>
-    <p:sldLayoutId id="2147483650" r:id="rId2"/>
-    <p:sldLayoutId id="2147483651" r:id="rId3"/>
-    <p:sldLayoutId id="2147483652" r:id="rId4"/>
-    <p:sldLayoutId id="2147483653" r:id="rId5"/>
-    <p:sldLayoutId id="2147483654" r:id="rId6"/>
-    <p:sldLayoutId id="2147483655" r:id="rId7"/>
-    <p:sldLayoutId id="2147483656" r:id="rId8"/>
-    <p:sldLayoutId id="2147483657" r:id="rId9"/>
-    <p:sldLayoutId id="2147483658" r:id="rId10"/>
-    <p:sldLayoutId id="2147483659" r:id="rId11"/>
+    <p:sldLayoutId id="2147483661" r:id="rId1"/>
+    <p:sldLayoutId id="2147483662" r:id="rId2"/>
+    <p:sldLayoutId id="2147483663" r:id="rId3"/>
+    <p:sldLayoutId id="2147483664" r:id="rId4"/>
+    <p:sldLayoutId id="2147483665" r:id="rId5"/>
+    <p:sldLayoutId id="2147483666" r:id="rId6"/>
+    <p:sldLayoutId id="2147483667" r:id="rId7"/>
+    <p:sldLayoutId id="2147483668" r:id="rId8"/>
+    <p:sldLayoutId id="2147483669" r:id="rId9"/>
+    <p:sldLayoutId id="2147483670" r:id="rId10"/>
+    <p:sldLayoutId id="2147483671" r:id="rId11"/>
   </p:sldLayoutIdLst>
   <p:txStyles>
     <p:titleStyle>
       <a:lvl1pPr algn="l" defTabSz="914400" rtl="0" eaLnBrk="1" latinLnBrk="0" hangingPunct="1">
         <a:lnSpc>
-          <a:spcPct val="90000"/>
+          <a:spcPct val="85000"/>
         </a:lnSpc>
         <a:spcBef>
           <a:spcPct val="0"/>
         </a:spcBef>
         <a:buNone/>
-        <a:defRPr sz="4400" kern="1200">
+        <a:defRPr sz="4800" kern="1200" spc="-50" baseline="0">
           <a:solidFill>
-            <a:schemeClr val="tx1"/>
+            <a:schemeClr val="tx1">
+              <a:lumMod val="75000"/>
+              <a:lumOff val="25000"/>
+            </a:schemeClr>
           </a:solidFill>
           <a:latin typeface="+mj-lt"/>
           <a:ea typeface="+mj-ea"/>
@@ -3045,162 +7143,244 @@
       </a:lvl1pPr>
     </p:titleStyle>
     <p:bodyStyle>
-      <a:lvl1pPr marL="228600" indent="-228600" algn="l" defTabSz="914400" rtl="0" eaLnBrk="1" latinLnBrk="0" hangingPunct="1">
+      <a:lvl1pPr marL="91440" indent="-91440" algn="l" defTabSz="914400" rtl="0" eaLnBrk="1" latinLnBrk="0" hangingPunct="1">
         <a:lnSpc>
           <a:spcPct val="90000"/>
         </a:lnSpc>
         <a:spcBef>
-          <a:spcPts val="1000"/>
+          <a:spcPts val="1200"/>
         </a:spcBef>
-        <a:buFont typeface="Arial" panose="020B0604020202020204" pitchFamily="34" charset="0"/>
-        <a:buChar char="•"/>
-        <a:defRPr sz="2800" kern="1200">
+        <a:spcAft>
+          <a:spcPts val="200"/>
+        </a:spcAft>
+        <a:buClr>
+          <a:schemeClr val="accent1"/>
+        </a:buClr>
+        <a:buSzPct val="100000"/>
+        <a:buFont typeface="Calibri" panose="020F0502020204030204" pitchFamily="34" charset="0"/>
+        <a:buChar char=" "/>
+        <a:defRPr sz="2000" kern="1200">
           <a:solidFill>
-            <a:schemeClr val="tx1"/>
+            <a:schemeClr val="tx1">
+              <a:lumMod val="75000"/>
+              <a:lumOff val="25000"/>
+            </a:schemeClr>
           </a:solidFill>
           <a:latin typeface="+mn-lt"/>
           <a:ea typeface="+mn-ea"/>
           <a:cs typeface="+mn-cs"/>
         </a:defRPr>
       </a:lvl1pPr>
-      <a:lvl2pPr marL="685800" indent="-228600" algn="l" defTabSz="914400" rtl="0" eaLnBrk="1" latinLnBrk="0" hangingPunct="1">
+      <a:lvl2pPr marL="384048" indent="-182880" algn="l" defTabSz="914400" rtl="0" eaLnBrk="1" latinLnBrk="0" hangingPunct="1">
         <a:lnSpc>
           <a:spcPct val="90000"/>
         </a:lnSpc>
         <a:spcBef>
-          <a:spcPts val="500"/>
+          <a:spcPts val="200"/>
         </a:spcBef>
-        <a:buFont typeface="Arial" panose="020B0604020202020204" pitchFamily="34" charset="0"/>
-        <a:buChar char="•"/>
-        <a:defRPr sz="2400" kern="1200">
+        <a:spcAft>
+          <a:spcPts val="400"/>
+        </a:spcAft>
+        <a:buClr>
+          <a:schemeClr val="accent1"/>
+        </a:buClr>
+        <a:buFont typeface="Calibri" pitchFamily="34" charset="0"/>
+        <a:buChar char="◦"/>
+        <a:defRPr sz="1800" kern="1200">
           <a:solidFill>
-            <a:schemeClr val="tx1"/>
+            <a:schemeClr val="tx1">
+              <a:lumMod val="75000"/>
+              <a:lumOff val="25000"/>
+            </a:schemeClr>
           </a:solidFill>
           <a:latin typeface="+mn-lt"/>
           <a:ea typeface="+mn-ea"/>
           <a:cs typeface="+mn-cs"/>
         </a:defRPr>
       </a:lvl2pPr>
-      <a:lvl3pPr marL="1143000" indent="-228600" algn="l" defTabSz="914400" rtl="0" eaLnBrk="1" latinLnBrk="0" hangingPunct="1">
+      <a:lvl3pPr marL="566928" indent="-182880" algn="l" defTabSz="914400" rtl="0" eaLnBrk="1" latinLnBrk="0" hangingPunct="1">
         <a:lnSpc>
           <a:spcPct val="90000"/>
         </a:lnSpc>
         <a:spcBef>
-          <a:spcPts val="500"/>
+          <a:spcPts val="200"/>
         </a:spcBef>
-        <a:buFont typeface="Arial" panose="020B0604020202020204" pitchFamily="34" charset="0"/>
-        <a:buChar char="•"/>
-        <a:defRPr sz="2000" kern="1200">
+        <a:spcAft>
+          <a:spcPts val="400"/>
+        </a:spcAft>
+        <a:buClr>
+          <a:schemeClr val="accent1"/>
+        </a:buClr>
+        <a:buFont typeface="Calibri" pitchFamily="34" charset="0"/>
+        <a:buChar char="◦"/>
+        <a:defRPr sz="1400" kern="1200">
           <a:solidFill>
-            <a:schemeClr val="tx1"/>
+            <a:schemeClr val="tx1">
+              <a:lumMod val="75000"/>
+              <a:lumOff val="25000"/>
+            </a:schemeClr>
           </a:solidFill>
           <a:latin typeface="+mn-lt"/>
           <a:ea typeface="+mn-ea"/>
           <a:cs typeface="+mn-cs"/>
         </a:defRPr>
       </a:lvl3pPr>
-      <a:lvl4pPr marL="1600200" indent="-228600" algn="l" defTabSz="914400" rtl="0" eaLnBrk="1" latinLnBrk="0" hangingPunct="1">
+      <a:lvl4pPr marL="749808" indent="-182880" algn="l" defTabSz="914400" rtl="0" eaLnBrk="1" latinLnBrk="0" hangingPunct="1">
         <a:lnSpc>
           <a:spcPct val="90000"/>
         </a:lnSpc>
         <a:spcBef>
-          <a:spcPts val="500"/>
+          <a:spcPts val="200"/>
         </a:spcBef>
-        <a:buFont typeface="Arial" panose="020B0604020202020204" pitchFamily="34" charset="0"/>
-        <a:buChar char="•"/>
-        <a:defRPr sz="1800" kern="1200">
+        <a:spcAft>
+          <a:spcPts val="400"/>
+        </a:spcAft>
+        <a:buClr>
+          <a:schemeClr val="accent1"/>
+        </a:buClr>
+        <a:buFont typeface="Calibri" pitchFamily="34" charset="0"/>
+        <a:buChar char="◦"/>
+        <a:defRPr sz="1400" kern="1200">
           <a:solidFill>
-            <a:schemeClr val="tx1"/>
+            <a:schemeClr val="tx1">
+              <a:lumMod val="75000"/>
+              <a:lumOff val="25000"/>
+            </a:schemeClr>
           </a:solidFill>
           <a:latin typeface="+mn-lt"/>
           <a:ea typeface="+mn-ea"/>
           <a:cs typeface="+mn-cs"/>
         </a:defRPr>
       </a:lvl4pPr>
-      <a:lvl5pPr marL="2057400" indent="-228600" algn="l" defTabSz="914400" rtl="0" eaLnBrk="1" latinLnBrk="0" hangingPunct="1">
+      <a:lvl5pPr marL="932688" indent="-182880" algn="l" defTabSz="914400" rtl="0" eaLnBrk="1" latinLnBrk="0" hangingPunct="1">
         <a:lnSpc>
           <a:spcPct val="90000"/>
         </a:lnSpc>
         <a:spcBef>
-          <a:spcPts val="500"/>
+          <a:spcPts val="200"/>
         </a:spcBef>
-        <a:buFont typeface="Arial" panose="020B0604020202020204" pitchFamily="34" charset="0"/>
-        <a:buChar char="•"/>
-        <a:defRPr sz="1800" kern="1200">
+        <a:spcAft>
+          <a:spcPts val="400"/>
+        </a:spcAft>
+        <a:buClr>
+          <a:schemeClr val="accent1"/>
+        </a:buClr>
+        <a:buFont typeface="Calibri" pitchFamily="34" charset="0"/>
+        <a:buChar char="◦"/>
+        <a:defRPr sz="1400" kern="1200">
           <a:solidFill>
-            <a:schemeClr val="tx1"/>
+            <a:schemeClr val="tx1">
+              <a:lumMod val="75000"/>
+              <a:lumOff val="25000"/>
+            </a:schemeClr>
           </a:solidFill>
           <a:latin typeface="+mn-lt"/>
           <a:ea typeface="+mn-ea"/>
           <a:cs typeface="+mn-cs"/>
         </a:defRPr>
       </a:lvl5pPr>
-      <a:lvl6pPr marL="2514600" indent="-228600" algn="l" defTabSz="914400" rtl="0" eaLnBrk="1" latinLnBrk="0" hangingPunct="1">
+      <a:lvl6pPr marL="1100000" indent="-228600" algn="l" defTabSz="914400" rtl="0" eaLnBrk="1" latinLnBrk="0" hangingPunct="1">
         <a:lnSpc>
           <a:spcPct val="90000"/>
         </a:lnSpc>
         <a:spcBef>
-          <a:spcPts val="500"/>
+          <a:spcPts val="200"/>
         </a:spcBef>
-        <a:buFont typeface="Arial" panose="020B0604020202020204" pitchFamily="34" charset="0"/>
-        <a:buChar char="•"/>
-        <a:defRPr sz="1800" kern="1200">
+        <a:spcAft>
+          <a:spcPts val="400"/>
+        </a:spcAft>
+        <a:buClr>
+          <a:schemeClr val="accent1"/>
+        </a:buClr>
+        <a:buFont typeface="Calibri" pitchFamily="34" charset="0"/>
+        <a:buChar char="◦"/>
+        <a:defRPr sz="1400" kern="1200">
           <a:solidFill>
-            <a:schemeClr val="tx1"/>
+            <a:schemeClr val="tx1">
+              <a:lumMod val="75000"/>
+              <a:lumOff val="25000"/>
+            </a:schemeClr>
           </a:solidFill>
           <a:latin typeface="+mn-lt"/>
           <a:ea typeface="+mn-ea"/>
           <a:cs typeface="+mn-cs"/>
         </a:defRPr>
       </a:lvl6pPr>
-      <a:lvl7pPr marL="2971800" indent="-228600" algn="l" defTabSz="914400" rtl="0" eaLnBrk="1" latinLnBrk="0" hangingPunct="1">
+      <a:lvl7pPr marL="1300000" indent="-228600" algn="l" defTabSz="914400" rtl="0" eaLnBrk="1" latinLnBrk="0" hangingPunct="1">
         <a:lnSpc>
           <a:spcPct val="90000"/>
         </a:lnSpc>
         <a:spcBef>
-          <a:spcPts val="500"/>
+          <a:spcPts val="200"/>
         </a:spcBef>
-        <a:buFont typeface="Arial" panose="020B0604020202020204" pitchFamily="34" charset="0"/>
-        <a:buChar char="•"/>
-        <a:defRPr sz="1800" kern="1200">
+        <a:spcAft>
+          <a:spcPts val="400"/>
+        </a:spcAft>
+        <a:buClr>
+          <a:schemeClr val="accent1"/>
+        </a:buClr>
+        <a:buFont typeface="Calibri" pitchFamily="34" charset="0"/>
+        <a:buChar char="◦"/>
+        <a:defRPr sz="1400" kern="1200">
           <a:solidFill>
-            <a:schemeClr val="tx1"/>
+            <a:schemeClr val="tx1">
+              <a:lumMod val="75000"/>
+              <a:lumOff val="25000"/>
+            </a:schemeClr>
           </a:solidFill>
           <a:latin typeface="+mn-lt"/>
           <a:ea typeface="+mn-ea"/>
           <a:cs typeface="+mn-cs"/>
         </a:defRPr>
       </a:lvl7pPr>
-      <a:lvl8pPr marL="3429000" indent="-228600" algn="l" defTabSz="914400" rtl="0" eaLnBrk="1" latinLnBrk="0" hangingPunct="1">
+      <a:lvl8pPr marL="1500000" indent="-228600" algn="l" defTabSz="914400" rtl="0" eaLnBrk="1" latinLnBrk="0" hangingPunct="1">
         <a:lnSpc>
           <a:spcPct val="90000"/>
         </a:lnSpc>
         <a:spcBef>
-          <a:spcPts val="500"/>
+          <a:spcPts val="200"/>
         </a:spcBef>
-        <a:buFont typeface="Arial" panose="020B0604020202020204" pitchFamily="34" charset="0"/>
-        <a:buChar char="•"/>
-        <a:defRPr sz="1800" kern="1200">
+        <a:spcAft>
+          <a:spcPts val="400"/>
+        </a:spcAft>
+        <a:buClr>
+          <a:schemeClr val="accent1"/>
+        </a:buClr>
+        <a:buFont typeface="Calibri" pitchFamily="34" charset="0"/>
+        <a:buChar char="◦"/>
+        <a:defRPr sz="1400" kern="1200">
           <a:solidFill>
-            <a:schemeClr val="tx1"/>
+            <a:schemeClr val="tx1">
+              <a:lumMod val="75000"/>
+              <a:lumOff val="25000"/>
+            </a:schemeClr>
           </a:solidFill>
           <a:latin typeface="+mn-lt"/>
           <a:ea typeface="+mn-ea"/>
           <a:cs typeface="+mn-cs"/>
         </a:defRPr>
       </a:lvl8pPr>
-      <a:lvl9pPr marL="3886200" indent="-228600" algn="l" defTabSz="914400" rtl="0" eaLnBrk="1" latinLnBrk="0" hangingPunct="1">
+      <a:lvl9pPr marL="1700000" indent="-228600" algn="l" defTabSz="914400" rtl="0" eaLnBrk="1" latinLnBrk="0" hangingPunct="1">
         <a:lnSpc>
           <a:spcPct val="90000"/>
         </a:lnSpc>
         <a:spcBef>
-          <a:spcPts val="500"/>
+          <a:spcPts val="200"/>
         </a:spcBef>
-        <a:buFont typeface="Arial" panose="020B0604020202020204" pitchFamily="34" charset="0"/>
-        <a:buChar char="•"/>
-        <a:defRPr sz="1800" kern="1200">
+        <a:spcAft>
+          <a:spcPts val="400"/>
+        </a:spcAft>
+        <a:buClr>
+          <a:schemeClr val="accent1"/>
+        </a:buClr>
+        <a:buFont typeface="Calibri" pitchFamily="34" charset="0"/>
+        <a:buChar char="◦"/>
+        <a:defRPr sz="1400" kern="1200">
           <a:solidFill>
-            <a:schemeClr val="tx1"/>
+            <a:schemeClr val="tx1">
+              <a:lumMod val="75000"/>
+              <a:lumOff val="25000"/>
+            </a:schemeClr>
           </a:solidFill>
           <a:latin typeface="+mn-lt"/>
           <a:ea typeface="+mn-ea"/>
@@ -3210,7 +7390,7 @@
     </p:bodyStyle>
     <p:otherStyle>
       <a:defPPr>
-        <a:defRPr lang="fr-FR"/>
+        <a:defRPr lang="en-US"/>
       </a:defPPr>
       <a:lvl1pPr marL="0" algn="l" defTabSz="914400" rtl="0" eaLnBrk="1" latinLnBrk="0" hangingPunct="1">
         <a:defRPr sz="1800" kern="1200">
@@ -3413,6 +7593,14 @@
 <file path=ppt/slides/slide2.xml><?xml version="1.0" encoding="utf-8"?>
 <p:sld xmlns:a="http://schemas.openxmlformats.org/drawingml/2006/main" xmlns:r="http://schemas.openxmlformats.org/officeDocument/2006/relationships" xmlns:p="http://schemas.openxmlformats.org/presentationml/2006/main">
   <p:cSld>
+    <p:bg>
+      <p:bgPr>
+        <a:solidFill>
+          <a:schemeClr val="bg1"/>
+        </a:solidFill>
+        <a:effectLst/>
+      </p:bgPr>
+    </p:bg>
     <p:spTree>
       <p:nvGrpSpPr>
         <p:cNvPr id="1" name=""/>
@@ -3427,12 +7615,127 @@
           <a:chExt cx="0" cy="0"/>
         </a:xfrm>
       </p:grpSpPr>
+      <p:sp useBgFill="1">
+        <p:nvSpPr>
+          <p:cNvPr id="10" name="Rectangle 9">
+            <a:extLst>
+              <a:ext uri="{FF2B5EF4-FFF2-40B4-BE49-F238E27FC236}">
+                <a16:creationId xmlns:a16="http://schemas.microsoft.com/office/drawing/2014/main" id="{FB5993E2-C02B-4335-ABA5-D8EC465551E3}"/>
+              </a:ext>
+              <a:ext uri="{C183D7F6-B498-43B3-948B-1728B52AA6E4}">
+                <adec:decorative xmlns:adec="http://schemas.microsoft.com/office/drawing/2017/decorative" val="1"/>
+              </a:ext>
+            </a:extLst>
+          </p:cNvPr>
+          <p:cNvSpPr>
+            <a:spLocks noGrp="1" noRot="1" noChangeAspect="1" noMove="1" noResize="1" noEditPoints="1" noAdjustHandles="1" noChangeArrowheads="1" noChangeShapeType="1" noTextEdit="1"/>
+          </p:cNvSpPr>
+          <p:nvPr>
+            <p:extLst>
+              <p:ext uri="{386F3935-93C4-4BCD-93E2-E3B085C9AB24}">
+                <p16:designElem xmlns:p16="http://schemas.microsoft.com/office/powerpoint/2015/main" val="1"/>
+              </p:ext>
+            </p:extLst>
+          </p:nvPr>
+        </p:nvSpPr>
+        <p:spPr>
+          <a:xfrm>
+            <a:off x="0" y="0"/>
+            <a:ext cx="12186315" cy="6858000"/>
+          </a:xfrm>
+          <a:prstGeom prst="rect">
+            <a:avLst/>
+          </a:prstGeom>
+          <a:ln>
+            <a:noFill/>
+          </a:ln>
+        </p:spPr>
+        <p:style>
+          <a:lnRef idx="2">
+            <a:schemeClr val="accent6">
+              <a:shade val="50000"/>
+            </a:schemeClr>
+          </a:lnRef>
+          <a:fillRef idx="1001">
+            <a:schemeClr val="lt1"/>
+          </a:fillRef>
+          <a:effectRef idx="0">
+            <a:schemeClr val="accent6"/>
+          </a:effectRef>
+          <a:fontRef idx="minor">
+            <a:schemeClr val="lt1"/>
+          </a:fontRef>
+        </p:style>
+        <p:txBody>
+          <a:bodyPr rtlCol="0" anchor="ctr"/>
+          <a:lstStyle/>
+          <a:p>
+            <a:pPr algn="ctr"/>
+            <a:endParaRPr lang="en-US"/>
+          </a:p>
+        </p:txBody>
+      </p:sp>
+      <p:sp>
+        <p:nvSpPr>
+          <p:cNvPr id="12" name="Rectangle 11">
+            <a:extLst>
+              <a:ext uri="{FF2B5EF4-FFF2-40B4-BE49-F238E27FC236}">
+                <a16:creationId xmlns:a16="http://schemas.microsoft.com/office/drawing/2014/main" id="{C0B801A2-5622-4BE8-9AD2-C337A2CD0022}"/>
+              </a:ext>
+              <a:ext uri="{C183D7F6-B498-43B3-948B-1728B52AA6E4}">
+                <adec:decorative xmlns:adec="http://schemas.microsoft.com/office/drawing/2017/decorative" val="1"/>
+              </a:ext>
+            </a:extLst>
+          </p:cNvPr>
+          <p:cNvSpPr>
+            <a:spLocks noGrp="1" noRot="1" noChangeAspect="1" noMove="1" noResize="1" noEditPoints="1" noAdjustHandles="1" noChangeArrowheads="1" noChangeShapeType="1" noTextEdit="1"/>
+          </p:cNvSpPr>
+          <p:nvPr>
+            <p:extLst>
+              <p:ext uri="{386F3935-93C4-4BCD-93E2-E3B085C9AB24}">
+                <p16:designElem xmlns:p16="http://schemas.microsoft.com/office/powerpoint/2015/main" val="1"/>
+              </p:ext>
+            </p:extLst>
+          </p:nvPr>
+        </p:nvSpPr>
+        <p:spPr>
+          <a:xfrm>
+            <a:off x="16" y="0"/>
+            <a:ext cx="4050791" cy="6858000"/>
+          </a:xfrm>
+          <a:prstGeom prst="rect">
+            <a:avLst/>
+          </a:prstGeom>
+          <a:solidFill>
+            <a:schemeClr val="accent2"/>
+          </a:solidFill>
+          <a:ln>
+            <a:noFill/>
+          </a:ln>
+        </p:spPr>
+        <p:style>
+          <a:lnRef idx="2">
+            <a:schemeClr val="accent1">
+              <a:shade val="50000"/>
+            </a:schemeClr>
+          </a:lnRef>
+          <a:fillRef idx="1">
+            <a:schemeClr val="accent1"/>
+          </a:fillRef>
+          <a:effectRef idx="0">
+            <a:schemeClr val="accent1"/>
+          </a:effectRef>
+          <a:fontRef idx="minor">
+            <a:schemeClr val="lt1"/>
+          </a:fontRef>
+        </p:style>
+      </p:sp>
       <p:sp>
         <p:nvSpPr>
           <p:cNvPr id="2" name="Titre 1">
             <a:extLst>
               <a:ext uri="{FF2B5EF4-FFF2-40B4-BE49-F238E27FC236}">
-                <a16:creationId xmlns:a16="http://schemas.microsoft.com/office/drawing/2014/main" id="{E2123E92-A394-49A6-9F8F-46A48E9ADFFC}"/>
+                <a16:creationId xmlns:a16="http://schemas.microsoft.com/office/drawing/2014/main" id="{99B382CA-D136-4873-A01B-82367B44DADC}"/>
               </a:ext>
             </a:extLst>
           </p:cNvPr>
@@ -3443,197 +7746,119 @@
             <p:ph type="title"/>
           </p:nvPr>
         </p:nvSpPr>
-        <p:spPr/>
+        <p:spPr>
+          <a:xfrm>
+            <a:off x="492370" y="516835"/>
+            <a:ext cx="3084844" cy="5772840"/>
+          </a:xfrm>
+        </p:spPr>
         <p:txBody>
-          <a:bodyPr/>
+          <a:bodyPr anchor="ctr">
+            <a:normAutofit/>
+          </a:bodyPr>
           <a:lstStyle/>
           <a:p>
             <a:r>
-              <a:rPr lang="fr-FR" dirty="0"/>
-              <a:t>Description du </a:t>
-            </a:r>
-            <a:r>
-              <a:rPr lang="fr-FR" dirty="0" err="1"/>
-              <a:t>Dataset</a:t>
-            </a:r>
-            <a:endParaRPr lang="fr-FR" dirty="0"/>
+              <a:rPr lang="fr-FR" sz="3600">
+                <a:solidFill>
+                  <a:srgbClr val="FFFFFF"/>
+                </a:solidFill>
+              </a:rPr>
+              <a:t>But de l’étude </a:t>
+            </a:r>
           </a:p>
         </p:txBody>
       </p:sp>
       <p:sp>
         <p:nvSpPr>
-          <p:cNvPr id="3" name="Espace réservé du contenu 2">
+          <p:cNvPr id="14" name="Rectangle 13">
             <a:extLst>
               <a:ext uri="{FF2B5EF4-FFF2-40B4-BE49-F238E27FC236}">
-                <a16:creationId xmlns:a16="http://schemas.microsoft.com/office/drawing/2014/main" id="{B6ED5FC3-DA28-4857-8AB9-DAF90D7B468E}"/>
+                <a16:creationId xmlns:a16="http://schemas.microsoft.com/office/drawing/2014/main" id="{B7AF614F-5BC3-4086-99F5-B87C5847A071}"/>
+              </a:ext>
+              <a:ext uri="{C183D7F6-B498-43B3-948B-1728B52AA6E4}">
+                <adec:decorative xmlns:adec="http://schemas.microsoft.com/office/drawing/2017/decorative" val="1"/>
               </a:ext>
             </a:extLst>
           </p:cNvPr>
           <p:cNvSpPr>
-            <a:spLocks noGrp="1"/>
+            <a:spLocks noGrp="1" noRot="1" noChangeAspect="1" noMove="1" noResize="1" noEditPoints="1" noAdjustHandles="1" noChangeArrowheads="1" noChangeShapeType="1" noTextEdit="1"/>
           </p:cNvSpPr>
           <p:nvPr>
-            <p:ph idx="1"/>
+            <p:extLst>
+              <p:ext uri="{386F3935-93C4-4BCD-93E2-E3B085C9AB24}">
+                <p16:designElem xmlns:p16="http://schemas.microsoft.com/office/powerpoint/2015/main" val="1"/>
+              </p:ext>
+            </p:extLst>
           </p:nvPr>
         </p:nvSpPr>
         <p:spPr>
           <a:xfrm>
-            <a:off x="151254" y="1846250"/>
-            <a:ext cx="11202546" cy="5011749"/>
+            <a:off x="4040071" y="0"/>
+            <a:ext cx="64008" cy="6858000"/>
           </a:xfrm>
+          <a:prstGeom prst="rect">
+            <a:avLst/>
+          </a:prstGeom>
+          <a:solidFill>
+            <a:schemeClr val="accent1"/>
+          </a:solidFill>
+          <a:ln>
+            <a:noFill/>
+          </a:ln>
         </p:spPr>
-        <p:txBody>
-          <a:bodyPr>
-            <a:normAutofit lnSpcReduction="10000"/>
-          </a:bodyPr>
-          <a:lstStyle/>
-          <a:p>
-            <a:r>
-              <a:rPr lang="fr-FR" sz="2000" dirty="0"/>
-              <a:t>Le but de l’étude est de déterminer l’activité d’une personne en fonction de sa fréquence cardiaque. </a:t>
-            </a:r>
-          </a:p>
-          <a:p>
-            <a:r>
-              <a:rPr lang="fr-FR" sz="2000" dirty="0"/>
-              <a:t>Le </a:t>
-            </a:r>
-            <a:r>
-              <a:rPr lang="fr-FR" sz="2000" dirty="0" err="1"/>
-              <a:t>dataset</a:t>
-            </a:r>
-            <a:r>
-              <a:rPr lang="fr-FR" sz="2000" dirty="0"/>
-              <a:t> utilisé afin de répondre à cette problématique est le </a:t>
-            </a:r>
-            <a:r>
-              <a:rPr lang="fr-FR" sz="2000" dirty="0" err="1"/>
-              <a:t>dataset</a:t>
-            </a:r>
-            <a:r>
-              <a:rPr lang="fr-FR" sz="2000" dirty="0"/>
-              <a:t> PPG Field </a:t>
-            </a:r>
-            <a:r>
-              <a:rPr lang="fr-FR" sz="2000" dirty="0" err="1"/>
-              <a:t>Study</a:t>
-            </a:r>
-            <a:r>
-              <a:rPr lang="fr-FR" sz="2000" dirty="0"/>
-              <a:t> </a:t>
-            </a:r>
-            <a:r>
-              <a:rPr lang="fr-FR" sz="2000" dirty="0" err="1"/>
-              <a:t>Dataset</a:t>
-            </a:r>
-            <a:r>
-              <a:rPr lang="fr-FR" sz="2000" dirty="0"/>
-              <a:t>. </a:t>
-            </a:r>
-          </a:p>
-          <a:p>
-            <a:r>
-              <a:rPr lang="fr-FR" sz="2000" dirty="0"/>
-              <a:t>Ce </a:t>
-            </a:r>
-            <a:r>
-              <a:rPr lang="fr-FR" sz="2000" dirty="0" err="1"/>
-              <a:t>dataset</a:t>
-            </a:r>
-            <a:r>
-              <a:rPr lang="fr-FR" sz="2000" dirty="0"/>
-              <a:t> permet de répertorier les particularités cardiaques de différents individus dans différentes conditions. Ces individus sont tous différents, certains sont sportifs, d’autres sédentaires. </a:t>
-            </a:r>
-          </a:p>
-          <a:p>
-            <a:r>
-              <a:rPr lang="fr-FR" sz="2000" dirty="0"/>
-              <a:t>Dans ce </a:t>
-            </a:r>
-            <a:r>
-              <a:rPr lang="fr-FR" sz="2000" dirty="0" err="1"/>
-              <a:t>dataset</a:t>
-            </a:r>
-            <a:r>
-              <a:rPr lang="fr-FR" sz="2000" dirty="0"/>
-              <a:t>, nous avons différentes informations telles que la fréquence cardiaque en fonction d’activité réalisées comme monter des escaliers, conduire, faire du vélo, etc.</a:t>
-            </a:r>
-          </a:p>
-          <a:p>
-            <a:r>
-              <a:rPr lang="fr-FR" sz="2000" dirty="0"/>
-              <a:t>Nous avons aussi des informations sur les caractéristiques personnelles des individus de l’expérience telles que leur Age, leur taille, leurs poids, etc. </a:t>
-            </a:r>
-          </a:p>
-          <a:p>
-            <a:r>
-              <a:rPr lang="fr-FR" sz="2000" dirty="0"/>
-              <a:t>Deux Dispositifs ont été utilisés pour récolter les données : </a:t>
-            </a:r>
-          </a:p>
-          <a:p>
-            <a:pPr marL="457200" lvl="1" indent="0">
-              <a:buNone/>
-            </a:pPr>
-            <a:r>
-              <a:rPr lang="fr-FR" sz="1600" dirty="0"/>
-              <a:t>							-</a:t>
-            </a:r>
-            <a:r>
-              <a:rPr lang="fr-FR" sz="1600" dirty="0" err="1"/>
-              <a:t>RespiBAN</a:t>
-            </a:r>
-            <a:r>
-              <a:rPr lang="fr-FR" sz="1600" dirty="0"/>
-              <a:t>  sur le torse</a:t>
-            </a:r>
-          </a:p>
-          <a:p>
-            <a:pPr marL="457200" lvl="1" indent="0">
-              <a:buNone/>
-            </a:pPr>
-            <a:r>
-              <a:rPr lang="fr-FR" sz="1600" dirty="0"/>
-              <a:t>							-</a:t>
-            </a:r>
-            <a:r>
-              <a:rPr lang="fr-FR" sz="1600" dirty="0" err="1"/>
-              <a:t>Empatica</a:t>
-            </a:r>
-            <a:r>
-              <a:rPr lang="fr-FR" sz="1600" dirty="0"/>
-              <a:t> au poignet</a:t>
-            </a:r>
-          </a:p>
-          <a:p>
-            <a:r>
-              <a:rPr lang="fr-FR" sz="2000" dirty="0"/>
-              <a:t>Ces deux dispositifs nous génère entre autre des données relatives à l’activité cardiaque tel que </a:t>
-            </a:r>
-            <a:r>
-              <a:rPr lang="fr-FR" sz="2000" dirty="0" err="1"/>
-              <a:t>l’ecg</a:t>
-            </a:r>
-            <a:r>
-              <a:rPr lang="fr-FR" sz="2000" dirty="0"/>
-              <a:t> ou la différence de couleur entre le sang oxygéné et non oxygéné. </a:t>
-            </a:r>
-          </a:p>
-          <a:p>
-            <a:r>
-              <a:rPr lang="fr-FR" sz="2000" dirty="0"/>
-              <a:t>Les données des appareils n’étant pas récupérées à la même fréquence, il faudra adapter le traitement des données </a:t>
-            </a:r>
-          </a:p>
-          <a:p>
-            <a:endParaRPr lang="fr-FR" sz="2000" dirty="0"/>
-          </a:p>
-        </p:txBody>
-      </p:sp>
+        <p:style>
+          <a:lnRef idx="2">
+            <a:schemeClr val="accent1">
+              <a:shade val="50000"/>
+            </a:schemeClr>
+          </a:lnRef>
+          <a:fillRef idx="1">
+            <a:schemeClr val="accent1"/>
+          </a:fillRef>
+          <a:effectRef idx="0">
+            <a:schemeClr val="accent1"/>
+          </a:effectRef>
+          <a:fontRef idx="minor">
+            <a:schemeClr val="lt1"/>
+          </a:fontRef>
+        </p:style>
+      </p:sp>
+      <p:graphicFrame>
+        <p:nvGraphicFramePr>
+          <p:cNvPr id="7" name="Espace réservé du contenu 2">
+            <a:extLst>
+              <a:ext uri="{FF2B5EF4-FFF2-40B4-BE49-F238E27FC236}">
+                <a16:creationId xmlns:a16="http://schemas.microsoft.com/office/drawing/2014/main" id="{F9EDDE3F-0499-47D7-BCA3-ACDD0C6BF93F}"/>
+              </a:ext>
+            </a:extLst>
+          </p:cNvPr>
+          <p:cNvGraphicFramePr>
+            <a:graphicFrameLocks noGrp="1"/>
+          </p:cNvGraphicFramePr>
+          <p:nvPr>
+            <p:ph idx="1"/>
+            <p:extLst>
+              <p:ext uri="{D42A27DB-BD31-4B8C-83A1-F6EECF244321}">
+                <p14:modId xmlns:p14="http://schemas.microsoft.com/office/powerpoint/2010/main" val="2400194487"/>
+              </p:ext>
+            </p:extLst>
+          </p:nvPr>
+        </p:nvGraphicFramePr>
+        <p:xfrm>
+          <a:off x="4741863" y="639763"/>
+          <a:ext cx="6797675" cy="5649912"/>
+        </p:xfrm>
+        <a:graphic>
+          <a:graphicData uri="http://schemas.openxmlformats.org/drawingml/2006/diagram">
+            <dgm:relIds xmlns:dgm="http://schemas.openxmlformats.org/drawingml/2006/diagram" xmlns:r="http://schemas.openxmlformats.org/officeDocument/2006/relationships" r:dm="rId2" r:lo="rId3" r:qs="rId4" r:cs="rId5"/>
+          </a:graphicData>
+        </a:graphic>
+      </p:graphicFrame>
     </p:spTree>
     <p:extLst>
       <p:ext uri="{BB962C8B-B14F-4D97-AF65-F5344CB8AC3E}">
-        <p14:creationId xmlns:p14="http://schemas.microsoft.com/office/powerpoint/2010/main" val="2586486295"/>
+        <p14:creationId xmlns:p14="http://schemas.microsoft.com/office/powerpoint/2010/main" val="1905308907"/>
       </p:ext>
     </p:extLst>
   </p:cSld>
@@ -3646,6 +7871,14 @@
 <file path=ppt/slides/slide3.xml><?xml version="1.0" encoding="utf-8"?>
 <p:sld xmlns:a="http://schemas.openxmlformats.org/drawingml/2006/main" xmlns:r="http://schemas.openxmlformats.org/officeDocument/2006/relationships" xmlns:p="http://schemas.openxmlformats.org/presentationml/2006/main">
   <p:cSld>
+    <p:bg>
+      <p:bgPr>
+        <a:solidFill>
+          <a:schemeClr val="bg1"/>
+        </a:solidFill>
+        <a:effectLst/>
+      </p:bgPr>
+    </p:bg>
     <p:spTree>
       <p:nvGrpSpPr>
         <p:cNvPr id="1" name=""/>
@@ -3660,12 +7893,127 @@
           <a:chExt cx="0" cy="0"/>
         </a:xfrm>
       </p:grpSpPr>
+      <p:sp useBgFill="1">
+        <p:nvSpPr>
+          <p:cNvPr id="17" name="Rectangle 16">
+            <a:extLst>
+              <a:ext uri="{FF2B5EF4-FFF2-40B4-BE49-F238E27FC236}">
+                <a16:creationId xmlns:a16="http://schemas.microsoft.com/office/drawing/2014/main" id="{3741B58E-3B65-4A01-A276-975AB2CF8A08}"/>
+              </a:ext>
+              <a:ext uri="{C183D7F6-B498-43B3-948B-1728B52AA6E4}">
+                <adec:decorative xmlns:adec="http://schemas.microsoft.com/office/drawing/2017/decorative" val="1"/>
+              </a:ext>
+            </a:extLst>
+          </p:cNvPr>
+          <p:cNvSpPr>
+            <a:spLocks noGrp="1" noRot="1" noChangeAspect="1" noMove="1" noResize="1" noEditPoints="1" noAdjustHandles="1" noChangeArrowheads="1" noChangeShapeType="1" noTextEdit="1"/>
+          </p:cNvSpPr>
+          <p:nvPr>
+            <p:extLst>
+              <p:ext uri="{386F3935-93C4-4BCD-93E2-E3B085C9AB24}">
+                <p16:designElem xmlns:p16="http://schemas.microsoft.com/office/powerpoint/2015/main" val="1"/>
+              </p:ext>
+            </p:extLst>
+          </p:nvPr>
+        </p:nvSpPr>
+        <p:spPr>
+          <a:xfrm>
+            <a:off x="0" y="0"/>
+            <a:ext cx="12186315" cy="6858000"/>
+          </a:xfrm>
+          <a:prstGeom prst="rect">
+            <a:avLst/>
+          </a:prstGeom>
+          <a:ln>
+            <a:noFill/>
+          </a:ln>
+        </p:spPr>
+        <p:style>
+          <a:lnRef idx="2">
+            <a:schemeClr val="accent6">
+              <a:shade val="50000"/>
+            </a:schemeClr>
+          </a:lnRef>
+          <a:fillRef idx="1001">
+            <a:schemeClr val="lt1"/>
+          </a:fillRef>
+          <a:effectRef idx="0">
+            <a:schemeClr val="accent6"/>
+          </a:effectRef>
+          <a:fontRef idx="minor">
+            <a:schemeClr val="lt1"/>
+          </a:fontRef>
+        </p:style>
+        <p:txBody>
+          <a:bodyPr rtlCol="0" anchor="ctr"/>
+          <a:lstStyle/>
+          <a:p>
+            <a:pPr algn="ctr"/>
+            <a:endParaRPr lang="en-US"/>
+          </a:p>
+        </p:txBody>
+      </p:sp>
+      <p:sp>
+        <p:nvSpPr>
+          <p:cNvPr id="19" name="Rectangle 18">
+            <a:extLst>
+              <a:ext uri="{FF2B5EF4-FFF2-40B4-BE49-F238E27FC236}">
+                <a16:creationId xmlns:a16="http://schemas.microsoft.com/office/drawing/2014/main" id="{7AAC67C3-831B-4AB1-A259-DFB839CAFAFC}"/>
+              </a:ext>
+              <a:ext uri="{C183D7F6-B498-43B3-948B-1728B52AA6E4}">
+                <adec:decorative xmlns:adec="http://schemas.microsoft.com/office/drawing/2017/decorative" val="1"/>
+              </a:ext>
+            </a:extLst>
+          </p:cNvPr>
+          <p:cNvSpPr>
+            <a:spLocks noGrp="1" noRot="1" noChangeAspect="1" noMove="1" noResize="1" noEditPoints="1" noAdjustHandles="1" noChangeArrowheads="1" noChangeShapeType="1" noTextEdit="1"/>
+          </p:cNvSpPr>
+          <p:nvPr>
+            <p:extLst>
+              <p:ext uri="{386F3935-93C4-4BCD-93E2-E3B085C9AB24}">
+                <p16:designElem xmlns:p16="http://schemas.microsoft.com/office/powerpoint/2015/main" val="1"/>
+              </p:ext>
+            </p:extLst>
+          </p:nvPr>
+        </p:nvSpPr>
+        <p:spPr>
+          <a:xfrm>
+            <a:off x="16" y="0"/>
+            <a:ext cx="4050791" cy="6858000"/>
+          </a:xfrm>
+          <a:prstGeom prst="rect">
+            <a:avLst/>
+          </a:prstGeom>
+          <a:solidFill>
+            <a:schemeClr val="accent2"/>
+          </a:solidFill>
+          <a:ln>
+            <a:noFill/>
+          </a:ln>
+        </p:spPr>
+        <p:style>
+          <a:lnRef idx="2">
+            <a:schemeClr val="accent1">
+              <a:shade val="50000"/>
+            </a:schemeClr>
+          </a:lnRef>
+          <a:fillRef idx="1">
+            <a:schemeClr val="accent1"/>
+          </a:fillRef>
+          <a:effectRef idx="0">
+            <a:schemeClr val="accent1"/>
+          </a:effectRef>
+          <a:fontRef idx="minor">
+            <a:schemeClr val="lt1"/>
+          </a:fontRef>
+        </p:style>
+      </p:sp>
       <p:sp>
         <p:nvSpPr>
           <p:cNvPr id="2" name="Titre 1">
             <a:extLst>
               <a:ext uri="{FF2B5EF4-FFF2-40B4-BE49-F238E27FC236}">
-                <a16:creationId xmlns:a16="http://schemas.microsoft.com/office/drawing/2014/main" id="{5003A0A4-B47F-49C1-BDFD-101DBBD6B9AF}"/>
+                <a16:creationId xmlns:a16="http://schemas.microsoft.com/office/drawing/2014/main" id="{E2123E92-A394-49A6-9F8F-46A48E9ADFFC}"/>
               </a:ext>
             </a:extLst>
           </p:cNvPr>
@@ -3676,24 +8024,90 @@
             <p:ph type="title"/>
           </p:nvPr>
         </p:nvSpPr>
-        <p:spPr/>
+        <p:spPr>
+          <a:xfrm>
+            <a:off x="492370" y="605896"/>
+            <a:ext cx="3084844" cy="5646208"/>
+          </a:xfrm>
+        </p:spPr>
         <p:txBody>
-          <a:bodyPr/>
+          <a:bodyPr anchor="ctr">
+            <a:normAutofit/>
+          </a:bodyPr>
           <a:lstStyle/>
           <a:p>
             <a:r>
-              <a:rPr lang="fr-FR" dirty="0"/>
-              <a:t>Réflexions sur la question posée</a:t>
+              <a:rPr lang="fr-FR" sz="3600">
+                <a:solidFill>
+                  <a:srgbClr val="FFFFFF"/>
+                </a:solidFill>
+              </a:rPr>
+              <a:t>Description du Dataset</a:t>
             </a:r>
           </a:p>
         </p:txBody>
+      </p:sp>
+      <p:sp>
+        <p:nvSpPr>
+          <p:cNvPr id="21" name="Rectangle 20">
+            <a:extLst>
+              <a:ext uri="{FF2B5EF4-FFF2-40B4-BE49-F238E27FC236}">
+                <a16:creationId xmlns:a16="http://schemas.microsoft.com/office/drawing/2014/main" id="{054B3F04-9EAC-45C0-B3CE-0387EEA10A0C}"/>
+              </a:ext>
+              <a:ext uri="{C183D7F6-B498-43B3-948B-1728B52AA6E4}">
+                <adec:decorative xmlns:adec="http://schemas.microsoft.com/office/drawing/2017/decorative" val="1"/>
+              </a:ext>
+            </a:extLst>
+          </p:cNvPr>
+          <p:cNvSpPr>
+            <a:spLocks noGrp="1" noRot="1" noChangeAspect="1" noMove="1" noResize="1" noEditPoints="1" noAdjustHandles="1" noChangeArrowheads="1" noChangeShapeType="1" noTextEdit="1"/>
+          </p:cNvSpPr>
+          <p:nvPr>
+            <p:extLst>
+              <p:ext uri="{386F3935-93C4-4BCD-93E2-E3B085C9AB24}">
+                <p16:designElem xmlns:p16="http://schemas.microsoft.com/office/powerpoint/2015/main" val="1"/>
+              </p:ext>
+            </p:extLst>
+          </p:nvPr>
+        </p:nvSpPr>
+        <p:spPr>
+          <a:xfrm>
+            <a:off x="4040071" y="0"/>
+            <a:ext cx="64008" cy="6858000"/>
+          </a:xfrm>
+          <a:prstGeom prst="rect">
+            <a:avLst/>
+          </a:prstGeom>
+          <a:solidFill>
+            <a:schemeClr val="accent1"/>
+          </a:solidFill>
+          <a:ln>
+            <a:noFill/>
+          </a:ln>
+        </p:spPr>
+        <p:style>
+          <a:lnRef idx="2">
+            <a:schemeClr val="accent1">
+              <a:shade val="50000"/>
+            </a:schemeClr>
+          </a:lnRef>
+          <a:fillRef idx="1">
+            <a:schemeClr val="accent1"/>
+          </a:fillRef>
+          <a:effectRef idx="0">
+            <a:schemeClr val="accent1"/>
+          </a:effectRef>
+          <a:fontRef idx="minor">
+            <a:schemeClr val="lt1"/>
+          </a:fontRef>
+        </p:style>
       </p:sp>
       <p:sp>
         <p:nvSpPr>
           <p:cNvPr id="3" name="Espace réservé du contenu 2">
             <a:extLst>
               <a:ext uri="{FF2B5EF4-FFF2-40B4-BE49-F238E27FC236}">
-                <a16:creationId xmlns:a16="http://schemas.microsoft.com/office/drawing/2014/main" id="{5BF9C9E7-CD8B-4AE9-819A-8D0845D6F7D3}"/>
+                <a16:creationId xmlns:a16="http://schemas.microsoft.com/office/drawing/2014/main" id="{B6ED5FC3-DA28-4857-8AB9-DAF90D7B468E}"/>
               </a:ext>
             </a:extLst>
           </p:cNvPr>
@@ -3704,44 +8118,184 @@
             <p:ph idx="1"/>
           </p:nvPr>
         </p:nvSpPr>
-        <p:spPr/>
+        <p:spPr>
+          <a:xfrm>
+            <a:off x="4383480" y="302948"/>
+            <a:ext cx="7051600" cy="6252104"/>
+          </a:xfrm>
+        </p:spPr>
         <p:txBody>
-          <a:bodyPr/>
+          <a:bodyPr anchor="ctr">
+            <a:normAutofit/>
+          </a:bodyPr>
           <a:lstStyle/>
           <a:p>
-            <a:r>
-              <a:rPr lang="fr-FR" dirty="0"/>
-              <a:t>Plusieurs problème était à résoudre avant même d’analyser les données : </a:t>
-            </a:r>
-          </a:p>
-          <a:p>
-            <a:pPr lvl="1"/>
-            <a:r>
-              <a:rPr lang="fr-FR" dirty="0"/>
-              <a:t>Quelle données sont utiles ? J’ai fais le choix d’importer toutes les données qui n’étaient pas indiqué comme inutile dans la description du </a:t>
-            </a:r>
-            <a:r>
-              <a:rPr lang="fr-FR" dirty="0" err="1"/>
+            <a:pPr>
+              <a:buFont typeface="Arial" panose="020B0604020202020204" pitchFamily="34" charset="0"/>
+              <a:buChar char="•"/>
+            </a:pPr>
+            <a:r>
+              <a:rPr lang="fr-FR" sz="1200" dirty="0"/>
+              <a:t>Le but de l’étude est de déterminer l’activité d’une personne en fonction de sa fréquence cardiaque. </a:t>
+            </a:r>
+          </a:p>
+          <a:p>
+            <a:pPr>
+              <a:buFont typeface="Arial" panose="020B0604020202020204" pitchFamily="34" charset="0"/>
+              <a:buChar char="•"/>
+            </a:pPr>
+            <a:r>
+              <a:rPr lang="fr-FR" sz="1200" dirty="0"/>
+              <a:t>Le </a:t>
+            </a:r>
+            <a:r>
+              <a:rPr lang="fr-FR" sz="1200" dirty="0" err="1"/>
+              <a:t>dataset</a:t>
+            </a:r>
+            <a:r>
+              <a:rPr lang="fr-FR" sz="1200" dirty="0"/>
+              <a:t> utilisé afin de répondre à cette problématique est le </a:t>
+            </a:r>
+            <a:r>
+              <a:rPr lang="fr-FR" sz="1200" dirty="0" err="1"/>
+              <a:t>dataset</a:t>
+            </a:r>
+            <a:r>
+              <a:rPr lang="fr-FR" sz="1200" dirty="0"/>
+              <a:t> PPG Field </a:t>
+            </a:r>
+            <a:r>
+              <a:rPr lang="fr-FR" sz="1200" dirty="0" err="1"/>
+              <a:t>Study</a:t>
+            </a:r>
+            <a:r>
+              <a:rPr lang="fr-FR" sz="1200" dirty="0"/>
+              <a:t> </a:t>
+            </a:r>
+            <a:r>
+              <a:rPr lang="fr-FR" sz="1200" dirty="0" err="1"/>
               <a:t>Dataset</a:t>
             </a:r>
             <a:r>
-              <a:rPr lang="fr-FR" dirty="0"/>
-              <a:t> </a:t>
-            </a:r>
-          </a:p>
-          <a:p>
-            <a:pPr lvl="1"/>
-            <a:r>
-              <a:rPr lang="fr-FR" dirty="0"/>
-              <a:t>Les données étant enregistré sur des fréquences différentes, comment les échelonnées ? J’ai échelonné par rapport au nombre de données présentes dans la catégorie activité </a:t>
-            </a:r>
+              <a:rPr lang="fr-FR" sz="1200" dirty="0"/>
+              <a:t>. </a:t>
+            </a:r>
+          </a:p>
+          <a:p>
+            <a:pPr>
+              <a:buFont typeface="Arial" panose="020B0604020202020204" pitchFamily="34" charset="0"/>
+              <a:buChar char="•"/>
+            </a:pPr>
+            <a:r>
+              <a:rPr lang="fr-FR" sz="1200" dirty="0"/>
+              <a:t>Ce </a:t>
+            </a:r>
+            <a:r>
+              <a:rPr lang="fr-FR" sz="1200" dirty="0" err="1"/>
+              <a:t>dataset</a:t>
+            </a:r>
+            <a:r>
+              <a:rPr lang="fr-FR" sz="1200" dirty="0"/>
+              <a:t> permet de répertorier les particularités cardiaques de différents individus dans différentes conditions. Ces individus sont tous différents, certains sont sportifs, d’autres sédentaires. </a:t>
+            </a:r>
+          </a:p>
+          <a:p>
+            <a:pPr>
+              <a:buFont typeface="Arial" panose="020B0604020202020204" pitchFamily="34" charset="0"/>
+              <a:buChar char="•"/>
+            </a:pPr>
+            <a:r>
+              <a:rPr lang="fr-FR" sz="1200" dirty="0"/>
+              <a:t>Dans ce </a:t>
+            </a:r>
+            <a:r>
+              <a:rPr lang="fr-FR" sz="1200" dirty="0" err="1"/>
+              <a:t>dataset</a:t>
+            </a:r>
+            <a:r>
+              <a:rPr lang="fr-FR" sz="1200" dirty="0"/>
+              <a:t>, nous avons différentes informations telles que la fréquence cardiaque en fonction d’activité réalisées comme monter des escaliers, conduire, faire du vélo, etc.</a:t>
+            </a:r>
+          </a:p>
+          <a:p>
+            <a:pPr>
+              <a:buFont typeface="Arial" panose="020B0604020202020204" pitchFamily="34" charset="0"/>
+              <a:buChar char="•"/>
+            </a:pPr>
+            <a:r>
+              <a:rPr lang="fr-FR" sz="1200" dirty="0"/>
+              <a:t>Nous avons aussi des informations sur les caractéristiques personnelles des individus de l’expérience telles que leur Age, leur taille, leurs poids, etc. </a:t>
+            </a:r>
+          </a:p>
+          <a:p>
+            <a:pPr>
+              <a:buFont typeface="Arial" panose="020B0604020202020204" pitchFamily="34" charset="0"/>
+              <a:buChar char="•"/>
+            </a:pPr>
+            <a:r>
+              <a:rPr lang="fr-FR" sz="1200" dirty="0"/>
+              <a:t>Deux Dispositifs ont été utilisés pour récolter les données : </a:t>
+            </a:r>
+          </a:p>
+          <a:p>
+            <a:pPr marL="628650" lvl="1" indent="-171450"/>
+            <a:r>
+              <a:rPr lang="fr-FR" sz="1200" dirty="0" err="1"/>
+              <a:t>RespiBAN</a:t>
+            </a:r>
+            <a:r>
+              <a:rPr lang="fr-FR" sz="1200" dirty="0"/>
+              <a:t>  sur le torse</a:t>
+            </a:r>
+          </a:p>
+          <a:p>
+            <a:pPr marL="628650" lvl="1" indent="-171450"/>
+            <a:r>
+              <a:rPr lang="fr-FR" sz="1200" dirty="0" err="1"/>
+              <a:t>Empatica</a:t>
+            </a:r>
+            <a:r>
+              <a:rPr lang="fr-FR" sz="1200" dirty="0"/>
+              <a:t> au poignet</a:t>
+            </a:r>
+          </a:p>
+          <a:p>
+            <a:pPr>
+              <a:buFont typeface="Arial" panose="020B0604020202020204" pitchFamily="34" charset="0"/>
+              <a:buChar char="•"/>
+            </a:pPr>
+            <a:r>
+              <a:rPr lang="fr-FR" sz="1200" dirty="0"/>
+              <a:t>Ces deux dispositifs nous génère entre autre des données relatives à l’activité cardiaque tel que </a:t>
+            </a:r>
+            <a:r>
+              <a:rPr lang="fr-FR" sz="1200" dirty="0" err="1"/>
+              <a:t>l’ecg</a:t>
+            </a:r>
+            <a:r>
+              <a:rPr lang="fr-FR" sz="1200" dirty="0"/>
+              <a:t> ou la différence de couleur entre le sang oxygéné et non oxygéné. </a:t>
+            </a:r>
+          </a:p>
+          <a:p>
+            <a:pPr>
+              <a:buFont typeface="Arial" panose="020B0604020202020204" pitchFamily="34" charset="0"/>
+              <a:buChar char="•"/>
+            </a:pPr>
+            <a:r>
+              <a:rPr lang="fr-FR" sz="1200" dirty="0"/>
+              <a:t>Les données des appareils n’étant pas récupérées à la même fréquence, il faudra adapter le traitement des données </a:t>
+            </a:r>
+          </a:p>
+          <a:p>
+            <a:endParaRPr lang="fr-FR" sz="1200" dirty="0"/>
           </a:p>
         </p:txBody>
       </p:sp>
     </p:spTree>
     <p:extLst>
       <p:ext uri="{BB962C8B-B14F-4D97-AF65-F5344CB8AC3E}">
-        <p14:creationId xmlns:p14="http://schemas.microsoft.com/office/powerpoint/2010/main" val="549236144"/>
+        <p14:creationId xmlns:p14="http://schemas.microsoft.com/office/powerpoint/2010/main" val="2586486295"/>
       </p:ext>
     </p:extLst>
   </p:cSld>
@@ -3754,6 +8308,14 @@
 <file path=ppt/slides/slide4.xml><?xml version="1.0" encoding="utf-8"?>
 <p:sld xmlns:a="http://schemas.openxmlformats.org/drawingml/2006/main" xmlns:r="http://schemas.openxmlformats.org/officeDocument/2006/relationships" xmlns:p="http://schemas.openxmlformats.org/presentationml/2006/main">
   <p:cSld>
+    <p:bg>
+      <p:bgPr>
+        <a:solidFill>
+          <a:schemeClr val="bg1"/>
+        </a:solidFill>
+        <a:effectLst/>
+      </p:bgPr>
+    </p:bg>
     <p:spTree>
       <p:nvGrpSpPr>
         <p:cNvPr id="1" name=""/>
@@ -3768,6 +8330,425 @@
           <a:chExt cx="0" cy="0"/>
         </a:xfrm>
       </p:grpSpPr>
+      <p:sp useBgFill="1">
+        <p:nvSpPr>
+          <p:cNvPr id="8" name="Rectangle 7">
+            <a:extLst>
+              <a:ext uri="{FF2B5EF4-FFF2-40B4-BE49-F238E27FC236}">
+                <a16:creationId xmlns:a16="http://schemas.microsoft.com/office/drawing/2014/main" id="{3741B58E-3B65-4A01-A276-975AB2CF8A08}"/>
+              </a:ext>
+              <a:ext uri="{C183D7F6-B498-43B3-948B-1728B52AA6E4}">
+                <adec:decorative xmlns:adec="http://schemas.microsoft.com/office/drawing/2017/decorative" val="1"/>
+              </a:ext>
+            </a:extLst>
+          </p:cNvPr>
+          <p:cNvSpPr>
+            <a:spLocks noGrp="1" noRot="1" noChangeAspect="1" noMove="1" noResize="1" noEditPoints="1" noAdjustHandles="1" noChangeArrowheads="1" noChangeShapeType="1" noTextEdit="1"/>
+          </p:cNvSpPr>
+          <p:nvPr>
+            <p:extLst>
+              <p:ext uri="{386F3935-93C4-4BCD-93E2-E3B085C9AB24}">
+                <p16:designElem xmlns:p16="http://schemas.microsoft.com/office/powerpoint/2015/main" val="1"/>
+              </p:ext>
+            </p:extLst>
+          </p:nvPr>
+        </p:nvSpPr>
+        <p:spPr>
+          <a:xfrm>
+            <a:off x="0" y="0"/>
+            <a:ext cx="12186315" cy="6858000"/>
+          </a:xfrm>
+          <a:prstGeom prst="rect">
+            <a:avLst/>
+          </a:prstGeom>
+          <a:ln>
+            <a:noFill/>
+          </a:ln>
+        </p:spPr>
+        <p:style>
+          <a:lnRef idx="2">
+            <a:schemeClr val="accent6">
+              <a:shade val="50000"/>
+            </a:schemeClr>
+          </a:lnRef>
+          <a:fillRef idx="1001">
+            <a:schemeClr val="lt1"/>
+          </a:fillRef>
+          <a:effectRef idx="0">
+            <a:schemeClr val="accent6"/>
+          </a:effectRef>
+          <a:fontRef idx="minor">
+            <a:schemeClr val="lt1"/>
+          </a:fontRef>
+        </p:style>
+        <p:txBody>
+          <a:bodyPr rtlCol="0" anchor="ctr"/>
+          <a:lstStyle/>
+          <a:p>
+            <a:pPr algn="ctr"/>
+            <a:endParaRPr lang="en-US"/>
+          </a:p>
+        </p:txBody>
+      </p:sp>
+      <p:sp>
+        <p:nvSpPr>
+          <p:cNvPr id="10" name="Rectangle 9">
+            <a:extLst>
+              <a:ext uri="{FF2B5EF4-FFF2-40B4-BE49-F238E27FC236}">
+                <a16:creationId xmlns:a16="http://schemas.microsoft.com/office/drawing/2014/main" id="{7AAC67C3-831B-4AB1-A259-DFB839CAFAFC}"/>
+              </a:ext>
+              <a:ext uri="{C183D7F6-B498-43B3-948B-1728B52AA6E4}">
+                <adec:decorative xmlns:adec="http://schemas.microsoft.com/office/drawing/2017/decorative" val="1"/>
+              </a:ext>
+            </a:extLst>
+          </p:cNvPr>
+          <p:cNvSpPr>
+            <a:spLocks noGrp="1" noRot="1" noChangeAspect="1" noMove="1" noResize="1" noEditPoints="1" noAdjustHandles="1" noChangeArrowheads="1" noChangeShapeType="1" noTextEdit="1"/>
+          </p:cNvSpPr>
+          <p:nvPr>
+            <p:extLst>
+              <p:ext uri="{386F3935-93C4-4BCD-93E2-E3B085C9AB24}">
+                <p16:designElem xmlns:p16="http://schemas.microsoft.com/office/powerpoint/2015/main" val="1"/>
+              </p:ext>
+            </p:extLst>
+          </p:nvPr>
+        </p:nvSpPr>
+        <p:spPr>
+          <a:xfrm>
+            <a:off x="16" y="0"/>
+            <a:ext cx="4050791" cy="6858000"/>
+          </a:xfrm>
+          <a:prstGeom prst="rect">
+            <a:avLst/>
+          </a:prstGeom>
+          <a:solidFill>
+            <a:schemeClr val="accent2"/>
+          </a:solidFill>
+          <a:ln>
+            <a:noFill/>
+          </a:ln>
+        </p:spPr>
+        <p:style>
+          <a:lnRef idx="2">
+            <a:schemeClr val="accent1">
+              <a:shade val="50000"/>
+            </a:schemeClr>
+          </a:lnRef>
+          <a:fillRef idx="1">
+            <a:schemeClr val="accent1"/>
+          </a:fillRef>
+          <a:effectRef idx="0">
+            <a:schemeClr val="accent1"/>
+          </a:effectRef>
+          <a:fontRef idx="minor">
+            <a:schemeClr val="lt1"/>
+          </a:fontRef>
+        </p:style>
+      </p:sp>
+      <p:sp>
+        <p:nvSpPr>
+          <p:cNvPr id="2" name="Titre 1">
+            <a:extLst>
+              <a:ext uri="{FF2B5EF4-FFF2-40B4-BE49-F238E27FC236}">
+                <a16:creationId xmlns:a16="http://schemas.microsoft.com/office/drawing/2014/main" id="{5003A0A4-B47F-49C1-BDFD-101DBBD6B9AF}"/>
+              </a:ext>
+            </a:extLst>
+          </p:cNvPr>
+          <p:cNvSpPr>
+            <a:spLocks noGrp="1"/>
+          </p:cNvSpPr>
+          <p:nvPr>
+            <p:ph type="title"/>
+          </p:nvPr>
+        </p:nvSpPr>
+        <p:spPr>
+          <a:xfrm>
+            <a:off x="492370" y="605896"/>
+            <a:ext cx="3084844" cy="5646208"/>
+          </a:xfrm>
+        </p:spPr>
+        <p:txBody>
+          <a:bodyPr anchor="ctr">
+            <a:normAutofit/>
+          </a:bodyPr>
+          <a:lstStyle/>
+          <a:p>
+            <a:r>
+              <a:rPr lang="fr-FR" sz="3600">
+                <a:solidFill>
+                  <a:srgbClr val="FFFFFF"/>
+                </a:solidFill>
+              </a:rPr>
+              <a:t>Réflexions sur la question posée</a:t>
+            </a:r>
+          </a:p>
+        </p:txBody>
+      </p:sp>
+      <p:sp>
+        <p:nvSpPr>
+          <p:cNvPr id="12" name="Rectangle 11">
+            <a:extLst>
+              <a:ext uri="{FF2B5EF4-FFF2-40B4-BE49-F238E27FC236}">
+                <a16:creationId xmlns:a16="http://schemas.microsoft.com/office/drawing/2014/main" id="{054B3F04-9EAC-45C0-B3CE-0387EEA10A0C}"/>
+              </a:ext>
+              <a:ext uri="{C183D7F6-B498-43B3-948B-1728B52AA6E4}">
+                <adec:decorative xmlns:adec="http://schemas.microsoft.com/office/drawing/2017/decorative" val="1"/>
+              </a:ext>
+            </a:extLst>
+          </p:cNvPr>
+          <p:cNvSpPr>
+            <a:spLocks noGrp="1" noRot="1" noChangeAspect="1" noMove="1" noResize="1" noEditPoints="1" noAdjustHandles="1" noChangeArrowheads="1" noChangeShapeType="1" noTextEdit="1"/>
+          </p:cNvSpPr>
+          <p:nvPr>
+            <p:extLst>
+              <p:ext uri="{386F3935-93C4-4BCD-93E2-E3B085C9AB24}">
+                <p16:designElem xmlns:p16="http://schemas.microsoft.com/office/powerpoint/2015/main" val="1"/>
+              </p:ext>
+            </p:extLst>
+          </p:nvPr>
+        </p:nvSpPr>
+        <p:spPr>
+          <a:xfrm>
+            <a:off x="4040071" y="0"/>
+            <a:ext cx="64008" cy="6858000"/>
+          </a:xfrm>
+          <a:prstGeom prst="rect">
+            <a:avLst/>
+          </a:prstGeom>
+          <a:solidFill>
+            <a:schemeClr val="accent1"/>
+          </a:solidFill>
+          <a:ln>
+            <a:noFill/>
+          </a:ln>
+        </p:spPr>
+        <p:style>
+          <a:lnRef idx="2">
+            <a:schemeClr val="accent1">
+              <a:shade val="50000"/>
+            </a:schemeClr>
+          </a:lnRef>
+          <a:fillRef idx="1">
+            <a:schemeClr val="accent1"/>
+          </a:fillRef>
+          <a:effectRef idx="0">
+            <a:schemeClr val="accent1"/>
+          </a:effectRef>
+          <a:fontRef idx="minor">
+            <a:schemeClr val="lt1"/>
+          </a:fontRef>
+        </p:style>
+      </p:sp>
+      <p:sp>
+        <p:nvSpPr>
+          <p:cNvPr id="3" name="Espace réservé du contenu 2">
+            <a:extLst>
+              <a:ext uri="{FF2B5EF4-FFF2-40B4-BE49-F238E27FC236}">
+                <a16:creationId xmlns:a16="http://schemas.microsoft.com/office/drawing/2014/main" id="{5BF9C9E7-CD8B-4AE9-819A-8D0845D6F7D3}"/>
+              </a:ext>
+            </a:extLst>
+          </p:cNvPr>
+          <p:cNvSpPr>
+            <a:spLocks noGrp="1"/>
+          </p:cNvSpPr>
+          <p:nvPr>
+            <p:ph idx="1"/>
+          </p:nvPr>
+        </p:nvSpPr>
+        <p:spPr>
+          <a:xfrm>
+            <a:off x="4742016" y="605896"/>
+            <a:ext cx="6413663" cy="5646208"/>
+          </a:xfrm>
+        </p:spPr>
+        <p:txBody>
+          <a:bodyPr anchor="ctr">
+            <a:normAutofit/>
+          </a:bodyPr>
+          <a:lstStyle/>
+          <a:p>
+            <a:r>
+              <a:rPr lang="fr-FR" dirty="0"/>
+              <a:t>Plusieurs problème était à résoudre avant même d’analyser les données : </a:t>
+            </a:r>
+          </a:p>
+          <a:p>
+            <a:pPr lvl="1"/>
+            <a:r>
+              <a:rPr lang="fr-FR" dirty="0"/>
+              <a:t>Quelle données sont utiles ? J’ai fait le choix d’importer toutes les données qui n’étaient pas indiqué comme inutile dans la description du </a:t>
+            </a:r>
+            <a:r>
+              <a:rPr lang="fr-FR" dirty="0" err="1"/>
+              <a:t>Dataset</a:t>
+            </a:r>
+            <a:r>
+              <a:rPr lang="fr-FR" dirty="0"/>
+              <a:t> </a:t>
+            </a:r>
+          </a:p>
+          <a:p>
+            <a:pPr lvl="1"/>
+            <a:r>
+              <a:rPr lang="fr-FR" dirty="0"/>
+              <a:t>Les données étant enregistré sur des fréquences différentes, comment les échelonnées ? J’ai échelonné par rapport au nombre de données présentes dans la catégorie activité </a:t>
+            </a:r>
+          </a:p>
+        </p:txBody>
+      </p:sp>
+    </p:spTree>
+    <p:extLst>
+      <p:ext uri="{BB962C8B-B14F-4D97-AF65-F5344CB8AC3E}">
+        <p14:creationId xmlns:p14="http://schemas.microsoft.com/office/powerpoint/2010/main" val="549236144"/>
+      </p:ext>
+    </p:extLst>
+  </p:cSld>
+  <p:clrMapOvr>
+    <a:masterClrMapping/>
+  </p:clrMapOvr>
+</p:sld>
+</file>
+
+<file path=ppt/slides/slide5.xml><?xml version="1.0" encoding="utf-8"?>
+<p:sld xmlns:a="http://schemas.openxmlformats.org/drawingml/2006/main" xmlns:r="http://schemas.openxmlformats.org/officeDocument/2006/relationships" xmlns:p="http://schemas.openxmlformats.org/presentationml/2006/main">
+  <p:cSld>
+    <p:bg>
+      <p:bgPr>
+        <a:solidFill>
+          <a:schemeClr val="bg1"/>
+        </a:solidFill>
+        <a:effectLst/>
+      </p:bgPr>
+    </p:bg>
+    <p:spTree>
+      <p:nvGrpSpPr>
+        <p:cNvPr id="1" name=""/>
+        <p:cNvGrpSpPr/>
+        <p:nvPr/>
+      </p:nvGrpSpPr>
+      <p:grpSpPr>
+        <a:xfrm>
+          <a:off x="0" y="0"/>
+          <a:ext cx="0" cy="0"/>
+          <a:chOff x="0" y="0"/>
+          <a:chExt cx="0" cy="0"/>
+        </a:xfrm>
+      </p:grpSpPr>
+      <p:sp useBgFill="1">
+        <p:nvSpPr>
+          <p:cNvPr id="8" name="Rectangle 7">
+            <a:extLst>
+              <a:ext uri="{FF2B5EF4-FFF2-40B4-BE49-F238E27FC236}">
+                <a16:creationId xmlns:a16="http://schemas.microsoft.com/office/drawing/2014/main" id="{3741B58E-3B65-4A01-A276-975AB2CF8A08}"/>
+              </a:ext>
+              <a:ext uri="{C183D7F6-B498-43B3-948B-1728B52AA6E4}">
+                <adec:decorative xmlns:adec="http://schemas.microsoft.com/office/drawing/2017/decorative" val="1"/>
+              </a:ext>
+            </a:extLst>
+          </p:cNvPr>
+          <p:cNvSpPr>
+            <a:spLocks noGrp="1" noRot="1" noChangeAspect="1" noMove="1" noResize="1" noEditPoints="1" noAdjustHandles="1" noChangeArrowheads="1" noChangeShapeType="1" noTextEdit="1"/>
+          </p:cNvSpPr>
+          <p:nvPr>
+            <p:extLst>
+              <p:ext uri="{386F3935-93C4-4BCD-93E2-E3B085C9AB24}">
+                <p16:designElem xmlns:p16="http://schemas.microsoft.com/office/powerpoint/2015/main" val="1"/>
+              </p:ext>
+            </p:extLst>
+          </p:nvPr>
+        </p:nvSpPr>
+        <p:spPr>
+          <a:xfrm>
+            <a:off x="0" y="0"/>
+            <a:ext cx="12186315" cy="6858000"/>
+          </a:xfrm>
+          <a:prstGeom prst="rect">
+            <a:avLst/>
+          </a:prstGeom>
+          <a:ln>
+            <a:noFill/>
+          </a:ln>
+        </p:spPr>
+        <p:style>
+          <a:lnRef idx="2">
+            <a:schemeClr val="accent6">
+              <a:shade val="50000"/>
+            </a:schemeClr>
+          </a:lnRef>
+          <a:fillRef idx="1001">
+            <a:schemeClr val="lt1"/>
+          </a:fillRef>
+          <a:effectRef idx="0">
+            <a:schemeClr val="accent6"/>
+          </a:effectRef>
+          <a:fontRef idx="minor">
+            <a:schemeClr val="lt1"/>
+          </a:fontRef>
+        </p:style>
+        <p:txBody>
+          <a:bodyPr rtlCol="0" anchor="ctr"/>
+          <a:lstStyle/>
+          <a:p>
+            <a:pPr algn="ctr"/>
+            <a:endParaRPr lang="en-US"/>
+          </a:p>
+        </p:txBody>
+      </p:sp>
+      <p:sp>
+        <p:nvSpPr>
+          <p:cNvPr id="10" name="Rectangle 9">
+            <a:extLst>
+              <a:ext uri="{FF2B5EF4-FFF2-40B4-BE49-F238E27FC236}">
+                <a16:creationId xmlns:a16="http://schemas.microsoft.com/office/drawing/2014/main" id="{7AAC67C3-831B-4AB1-A259-DFB839CAFAFC}"/>
+              </a:ext>
+              <a:ext uri="{C183D7F6-B498-43B3-948B-1728B52AA6E4}">
+                <adec:decorative xmlns:adec="http://schemas.microsoft.com/office/drawing/2017/decorative" val="1"/>
+              </a:ext>
+            </a:extLst>
+          </p:cNvPr>
+          <p:cNvSpPr>
+            <a:spLocks noGrp="1" noRot="1" noChangeAspect="1" noMove="1" noResize="1" noEditPoints="1" noAdjustHandles="1" noChangeArrowheads="1" noChangeShapeType="1" noTextEdit="1"/>
+          </p:cNvSpPr>
+          <p:nvPr>
+            <p:extLst>
+              <p:ext uri="{386F3935-93C4-4BCD-93E2-E3B085C9AB24}">
+                <p16:designElem xmlns:p16="http://schemas.microsoft.com/office/powerpoint/2015/main" val="1"/>
+              </p:ext>
+            </p:extLst>
+          </p:nvPr>
+        </p:nvSpPr>
+        <p:spPr>
+          <a:xfrm>
+            <a:off x="16" y="0"/>
+            <a:ext cx="4050791" cy="6858000"/>
+          </a:xfrm>
+          <a:prstGeom prst="rect">
+            <a:avLst/>
+          </a:prstGeom>
+          <a:solidFill>
+            <a:schemeClr val="accent2"/>
+          </a:solidFill>
+          <a:ln>
+            <a:noFill/>
+          </a:ln>
+        </p:spPr>
+        <p:style>
+          <a:lnRef idx="2">
+            <a:schemeClr val="accent1">
+              <a:shade val="50000"/>
+            </a:schemeClr>
+          </a:lnRef>
+          <a:fillRef idx="1">
+            <a:schemeClr val="accent1"/>
+          </a:fillRef>
+          <a:effectRef idx="0">
+            <a:schemeClr val="accent1"/>
+          </a:effectRef>
+          <a:fontRef idx="minor">
+            <a:schemeClr val="lt1"/>
+          </a:fontRef>
+        </p:style>
+      </p:sp>
       <p:sp>
         <p:nvSpPr>
           <p:cNvPr id="2" name="Titre 1">
@@ -3784,17 +8765,83 @@
             <p:ph type="title"/>
           </p:nvPr>
         </p:nvSpPr>
-        <p:spPr/>
+        <p:spPr>
+          <a:xfrm>
+            <a:off x="492370" y="605896"/>
+            <a:ext cx="3084844" cy="5646208"/>
+          </a:xfrm>
+        </p:spPr>
         <p:txBody>
-          <a:bodyPr/>
+          <a:bodyPr anchor="ctr">
+            <a:normAutofit/>
+          </a:bodyPr>
           <a:lstStyle/>
           <a:p>
             <a:r>
-              <a:rPr lang="fr-FR" dirty="0"/>
+              <a:rPr lang="fr-FR" sz="3600">
+                <a:solidFill>
+                  <a:srgbClr val="FFFFFF"/>
+                </a:solidFill>
+              </a:rPr>
               <a:t>Choix de réalisation  </a:t>
             </a:r>
           </a:p>
         </p:txBody>
+      </p:sp>
+      <p:sp>
+        <p:nvSpPr>
+          <p:cNvPr id="12" name="Rectangle 11">
+            <a:extLst>
+              <a:ext uri="{FF2B5EF4-FFF2-40B4-BE49-F238E27FC236}">
+                <a16:creationId xmlns:a16="http://schemas.microsoft.com/office/drawing/2014/main" id="{054B3F04-9EAC-45C0-B3CE-0387EEA10A0C}"/>
+              </a:ext>
+              <a:ext uri="{C183D7F6-B498-43B3-948B-1728B52AA6E4}">
+                <adec:decorative xmlns:adec="http://schemas.microsoft.com/office/drawing/2017/decorative" val="1"/>
+              </a:ext>
+            </a:extLst>
+          </p:cNvPr>
+          <p:cNvSpPr>
+            <a:spLocks noGrp="1" noRot="1" noChangeAspect="1" noMove="1" noResize="1" noEditPoints="1" noAdjustHandles="1" noChangeArrowheads="1" noChangeShapeType="1" noTextEdit="1"/>
+          </p:cNvSpPr>
+          <p:nvPr>
+            <p:extLst>
+              <p:ext uri="{386F3935-93C4-4BCD-93E2-E3B085C9AB24}">
+                <p16:designElem xmlns:p16="http://schemas.microsoft.com/office/powerpoint/2015/main" val="1"/>
+              </p:ext>
+            </p:extLst>
+          </p:nvPr>
+        </p:nvSpPr>
+        <p:spPr>
+          <a:xfrm>
+            <a:off x="4040071" y="0"/>
+            <a:ext cx="64008" cy="6858000"/>
+          </a:xfrm>
+          <a:prstGeom prst="rect">
+            <a:avLst/>
+          </a:prstGeom>
+          <a:solidFill>
+            <a:schemeClr val="accent1"/>
+          </a:solidFill>
+          <a:ln>
+            <a:noFill/>
+          </a:ln>
+        </p:spPr>
+        <p:style>
+          <a:lnRef idx="2">
+            <a:schemeClr val="accent1">
+              <a:shade val="50000"/>
+            </a:schemeClr>
+          </a:lnRef>
+          <a:fillRef idx="1">
+            <a:schemeClr val="accent1"/>
+          </a:fillRef>
+          <a:effectRef idx="0">
+            <a:schemeClr val="accent1"/>
+          </a:effectRef>
+          <a:fontRef idx="minor">
+            <a:schemeClr val="lt1"/>
+          </a:fontRef>
+        </p:style>
       </p:sp>
       <p:sp>
         <p:nvSpPr>
@@ -3812,12 +8859,94 @@
             <p:ph idx="1"/>
           </p:nvPr>
         </p:nvSpPr>
-        <p:spPr/>
+        <p:spPr>
+          <a:xfrm>
+            <a:off x="4742016" y="605896"/>
+            <a:ext cx="6413663" cy="5646208"/>
+          </a:xfrm>
+        </p:spPr>
         <p:txBody>
-          <a:bodyPr/>
+          <a:bodyPr anchor="ctr">
+            <a:normAutofit/>
+          </a:bodyPr>
           <a:lstStyle/>
           <a:p>
-            <a:endParaRPr lang="fr-FR"/>
+            <a:pPr>
+              <a:buFont typeface="Arial" panose="020B0604020202020204" pitchFamily="34" charset="0"/>
+              <a:buChar char="•"/>
+            </a:pPr>
+            <a:r>
+              <a:rPr lang="fr-FR" dirty="0"/>
+              <a:t> Pour traiter les données, j’ai choisi d’échelonner toutes les données par rapport aux activités. Les activités nous étant fournis dans la colonne « </a:t>
+            </a:r>
+            <a:r>
+              <a:rPr lang="fr-FR" dirty="0" err="1"/>
+              <a:t>activity</a:t>
+            </a:r>
+            <a:r>
+              <a:rPr lang="fr-FR" dirty="0"/>
+              <a:t> », par sujet, sur 36000 valeur prenant des valeurs de 0 à 9.</a:t>
+            </a:r>
+          </a:p>
+          <a:p>
+            <a:pPr>
+              <a:buFont typeface="Arial" panose="020B0604020202020204" pitchFamily="34" charset="0"/>
+              <a:buChar char="•"/>
+            </a:pPr>
+            <a:r>
+              <a:rPr lang="fr-FR" dirty="0"/>
+              <a:t>Il a donc fallu trouver les rapports entre les données provenant entre autre des différents appareils et les données indique dans </a:t>
+            </a:r>
+            <a:r>
+              <a:rPr lang="fr-FR" dirty="0" err="1"/>
+              <a:t>activity</a:t>
+            </a:r>
+            <a:r>
+              <a:rPr lang="fr-FR" dirty="0"/>
+              <a:t> et échelonner en ne prenant que 1 valeur sur le facteur rapport ( 1 sur 175 par exemple)</a:t>
+            </a:r>
+          </a:p>
+          <a:p>
+            <a:pPr>
+              <a:buFont typeface="Arial" panose="020B0604020202020204" pitchFamily="34" charset="0"/>
+              <a:buChar char="•"/>
+            </a:pPr>
+            <a:endParaRPr lang="fr-FR" dirty="0"/>
+          </a:p>
+          <a:p>
+            <a:pPr>
+              <a:buFont typeface="Arial" panose="020B0604020202020204" pitchFamily="34" charset="0"/>
+              <a:buChar char="•"/>
+            </a:pPr>
+            <a:r>
+              <a:rPr lang="fr-FR" dirty="0"/>
+              <a:t>Ensuite, une fois mon </a:t>
+            </a:r>
+            <a:r>
+              <a:rPr lang="fr-FR" dirty="0" err="1"/>
+              <a:t>Dataset</a:t>
+            </a:r>
+            <a:r>
+              <a:rPr lang="fr-FR" dirty="0"/>
+              <a:t> formé, je l’ai exporté en </a:t>
+            </a:r>
+            <a:r>
+              <a:rPr lang="fr-FR" dirty="0" err="1"/>
+              <a:t>cvs</a:t>
+            </a:r>
+            <a:r>
+              <a:rPr lang="fr-FR" dirty="0"/>
+              <a:t> pour ensuite pouvoir l’utiliser si besoin dans l’API par la suite. Il en est de même pour le modèle de </a:t>
+            </a:r>
+            <a:r>
+              <a:rPr lang="fr-FR" dirty="0" err="1"/>
+              <a:t>RandomForestClassifier</a:t>
+            </a:r>
+            <a:r>
+              <a:rPr lang="fr-FR"/>
+              <a:t>.</a:t>
+            </a:r>
+            <a:endParaRPr lang="fr-FR" dirty="0"/>
           </a:p>
         </p:txBody>
       </p:sp>
@@ -3835,54 +8964,54 @@
 </file>
 
 <file path=ppt/theme/theme1.xml><?xml version="1.0" encoding="utf-8"?>
-<a:theme xmlns:a="http://schemas.openxmlformats.org/drawingml/2006/main" name="Thème Office">
+<a:theme xmlns:a="http://schemas.openxmlformats.org/drawingml/2006/main" name="Rétrospective">
   <a:themeElements>
-    <a:clrScheme name="Office">
+    <a:clrScheme name="Rétrospective">
       <a:dk1>
-        <a:sysClr val="windowText" lastClr="000000"/>
+        <a:srgbClr val="000000"/>
       </a:dk1>
       <a:lt1>
         <a:sysClr val="window" lastClr="FFFFFF"/>
       </a:lt1>
       <a:dk2>
-        <a:srgbClr val="44546A"/>
+        <a:srgbClr val="637052"/>
       </a:dk2>
       <a:lt2>
-        <a:srgbClr val="E7E6E6"/>
+        <a:srgbClr val="CCDDEA"/>
       </a:lt2>
       <a:accent1>
-        <a:srgbClr val="4472C4"/>
+        <a:srgbClr val="E48312"/>
       </a:accent1>
       <a:accent2>
-        <a:srgbClr val="ED7D31"/>
+        <a:srgbClr val="BD582C"/>
       </a:accent2>
       <a:accent3>
-        <a:srgbClr val="A5A5A5"/>
+        <a:srgbClr val="865640"/>
       </a:accent3>
       <a:accent4>
-        <a:srgbClr val="FFC000"/>
+        <a:srgbClr val="9B8357"/>
       </a:accent4>
       <a:accent5>
-        <a:srgbClr val="5B9BD5"/>
+        <a:srgbClr val="C2BC80"/>
       </a:accent5>
       <a:accent6>
-        <a:srgbClr val="70AD47"/>
+        <a:srgbClr val="94A088"/>
       </a:accent6>
       <a:hlink>
-        <a:srgbClr val="0563C1"/>
+        <a:srgbClr val="2998E3"/>
       </a:hlink>
       <a:folHlink>
-        <a:srgbClr val="954F72"/>
+        <a:srgbClr val="8C8C8C"/>
       </a:folHlink>
     </a:clrScheme>
-    <a:fontScheme name="Office">
+    <a:fontScheme name="Rétrospective">
       <a:majorFont>
         <a:latin typeface="Calibri Light" panose="020F0302020204030204"/>
         <a:ea typeface=""/>
         <a:cs typeface=""/>
-        <a:font script="Jpan" typeface="游ゴシック Light"/>
+        <a:font script="Jpan" typeface="ＭＳ Ｐゴシック"/>
         <a:font script="Hang" typeface="맑은 고딕"/>
-        <a:font script="Hans" typeface="等线 Light"/>
+        <a:font script="Hans" typeface="宋体"/>
         <a:font script="Hant" typeface="新細明體"/>
         <a:font script="Arab" typeface="Times New Roman"/>
         <a:font script="Hebr" typeface="Times New Roman"/>
@@ -3910,31 +9039,14 @@
         <a:font script="Viet" typeface="Times New Roman"/>
         <a:font script="Uigh" typeface="Microsoft Uighur"/>
         <a:font script="Geor" typeface="Sylfaen"/>
-        <a:font script="Armn" typeface="Arial"/>
-        <a:font script="Bugi" typeface="Leelawadee UI"/>
-        <a:font script="Bopo" typeface="Microsoft JhengHei"/>
-        <a:font script="Java" typeface="Javanese Text"/>
-        <a:font script="Lisu" typeface="Segoe UI"/>
-        <a:font script="Mymr" typeface="Myanmar Text"/>
-        <a:font script="Nkoo" typeface="Ebrima"/>
-        <a:font script="Olck" typeface="Nirmala UI"/>
-        <a:font script="Osma" typeface="Ebrima"/>
-        <a:font script="Phag" typeface="Phagspa"/>
-        <a:font script="Syrn" typeface="Estrangelo Edessa"/>
-        <a:font script="Syrj" typeface="Estrangelo Edessa"/>
-        <a:font script="Syre" typeface="Estrangelo Edessa"/>
-        <a:font script="Sora" typeface="Nirmala UI"/>
-        <a:font script="Tale" typeface="Microsoft Tai Le"/>
-        <a:font script="Talu" typeface="Microsoft New Tai Lue"/>
-        <a:font script="Tfng" typeface="Ebrima"/>
       </a:majorFont>
       <a:minorFont>
         <a:latin typeface="Calibri" panose="020F0502020204030204"/>
         <a:ea typeface=""/>
         <a:cs typeface=""/>
-        <a:font script="Jpan" typeface="游ゴシック"/>
+        <a:font script="Jpan" typeface="ＭＳ Ｐゴシック"/>
         <a:font script="Hang" typeface="맑은 고딕"/>
-        <a:font script="Hans" typeface="等线"/>
+        <a:font script="Hans" typeface="宋体"/>
         <a:font script="Hant" typeface="新細明體"/>
         <a:font script="Arab" typeface="Arial"/>
         <a:font script="Hebr" typeface="Arial"/>
@@ -3962,26 +9074,9 @@
         <a:font script="Viet" typeface="Arial"/>
         <a:font script="Uigh" typeface="Microsoft Uighur"/>
         <a:font script="Geor" typeface="Sylfaen"/>
-        <a:font script="Armn" typeface="Arial"/>
-        <a:font script="Bugi" typeface="Leelawadee UI"/>
-        <a:font script="Bopo" typeface="Microsoft JhengHei"/>
-        <a:font script="Java" typeface="Javanese Text"/>
-        <a:font script="Lisu" typeface="Segoe UI"/>
-        <a:font script="Mymr" typeface="Myanmar Text"/>
-        <a:font script="Nkoo" typeface="Ebrima"/>
-        <a:font script="Olck" typeface="Nirmala UI"/>
-        <a:font script="Osma" typeface="Ebrima"/>
-        <a:font script="Phag" typeface="Phagspa"/>
-        <a:font script="Syrn" typeface="Estrangelo Edessa"/>
-        <a:font script="Syrj" typeface="Estrangelo Edessa"/>
-        <a:font script="Syre" typeface="Estrangelo Edessa"/>
-        <a:font script="Sora" typeface="Nirmala UI"/>
-        <a:font script="Tale" typeface="Microsoft Tai Le"/>
-        <a:font script="Talu" typeface="Microsoft New Tai Lue"/>
-        <a:font script="Tfng" typeface="Ebrima"/>
       </a:minorFont>
     </a:fontScheme>
-    <a:fmtScheme name="Office">
+    <a:fmtScheme name="Rétrospective">
       <a:fillStyleLst>
         <a:solidFill>
           <a:schemeClr val="phClr"/>
@@ -3990,76 +9085,81 @@
           <a:gsLst>
             <a:gs pos="0">
               <a:schemeClr val="phClr">
-                <a:lumMod val="110000"/>
-                <a:satMod val="105000"/>
-                <a:tint val="67000"/>
+                <a:tint val="65000"/>
+                <a:shade val="92000"/>
+                <a:satMod val="130000"/>
               </a:schemeClr>
             </a:gs>
-            <a:gs pos="50000">
+            <a:gs pos="45000">
               <a:schemeClr val="phClr">
-                <a:lumMod val="105000"/>
-                <a:satMod val="103000"/>
-                <a:tint val="73000"/>
+                <a:tint val="60000"/>
+                <a:shade val="99000"/>
+                <a:satMod val="120000"/>
               </a:schemeClr>
             </a:gs>
             <a:gs pos="100000">
               <a:schemeClr val="phClr">
-                <a:lumMod val="105000"/>
-                <a:satMod val="109000"/>
-                <a:tint val="81000"/>
+                <a:tint val="55000"/>
+                <a:satMod val="140000"/>
               </a:schemeClr>
             </a:gs>
           </a:gsLst>
-          <a:lin ang="5400000" scaled="0"/>
+          <a:path path="circle">
+            <a:fillToRect l="100000" t="100000" r="100000" b="100000"/>
+          </a:path>
         </a:gradFill>
         <a:gradFill rotWithShape="1">
           <a:gsLst>
             <a:gs pos="0">
               <a:schemeClr val="phClr">
-                <a:satMod val="103000"/>
-                <a:lumMod val="102000"/>
-                <a:tint val="94000"/>
+                <a:shade val="85000"/>
+                <a:satMod val="130000"/>
               </a:schemeClr>
             </a:gs>
-            <a:gs pos="50000">
+            <a:gs pos="34000">
               <a:schemeClr val="phClr">
-                <a:satMod val="110000"/>
-                <a:lumMod val="100000"/>
-                <a:shade val="100000"/>
+                <a:shade val="87000"/>
+                <a:satMod val="125000"/>
+              </a:schemeClr>
+            </a:gs>
+            <a:gs pos="70000">
+              <a:schemeClr val="phClr">
+                <a:tint val="100000"/>
+                <a:shade val="90000"/>
+                <a:satMod val="130000"/>
               </a:schemeClr>
             </a:gs>
             <a:gs pos="100000">
               <a:schemeClr val="phClr">
-                <a:lumMod val="99000"/>
-                <a:satMod val="120000"/>
-                <a:shade val="78000"/>
+                <a:tint val="100000"/>
+                <a:shade val="100000"/>
+                <a:satMod val="110000"/>
               </a:schemeClr>
             </a:gs>
           </a:gsLst>
-          <a:lin ang="5400000" scaled="0"/>
+          <a:path path="circle">
+            <a:fillToRect l="100000" t="100000" r="100000" b="100000"/>
+          </a:path>
         </a:gradFill>
       </a:fillStyleLst>
       <a:lnStyleLst>
-        <a:ln w="6350" cap="flat" cmpd="sng" algn="ctr">
-          <a:solidFill>
-            <a:schemeClr val="phClr"/>
-          </a:solidFill>
-          <a:prstDash val="solid"/>
-          <a:miter lim="800000"/>
-        </a:ln>
         <a:ln w="12700" cap="flat" cmpd="sng" algn="ctr">
           <a:solidFill>
             <a:schemeClr val="phClr"/>
           </a:solidFill>
           <a:prstDash val="solid"/>
-          <a:miter lim="800000"/>
         </a:ln>
-        <a:ln w="19050" cap="flat" cmpd="sng" algn="ctr">
+        <a:ln w="15875" cap="flat" cmpd="sng" algn="ctr">
           <a:solidFill>
             <a:schemeClr val="phClr"/>
           </a:solidFill>
           <a:prstDash val="solid"/>
-          <a:miter lim="800000"/>
+        </a:ln>
+        <a:ln w="25400" cap="flat" cmpd="sng" algn="ctr">
+          <a:solidFill>
+            <a:schemeClr val="phClr"/>
+          </a:solidFill>
+          <a:prstDash val="solid"/>
         </a:ln>
       </a:lnStyleLst>
       <a:effectStyleLst>
@@ -4067,16 +9167,33 @@
           <a:effectLst/>
         </a:effectStyle>
         <a:effectStyle>
-          <a:effectLst/>
+          <a:effectLst>
+            <a:outerShdw blurRad="38100" dist="25400" dir="2700000" algn="br" rotWithShape="0">
+              <a:srgbClr val="000000">
+                <a:alpha val="60000"/>
+              </a:srgbClr>
+            </a:outerShdw>
+          </a:effectLst>
         </a:effectStyle>
         <a:effectStyle>
           <a:effectLst>
-            <a:outerShdw blurRad="57150" dist="19050" dir="5400000" algn="ctr" rotWithShape="0">
+            <a:outerShdw blurRad="44450" dist="25400" dir="2700000" algn="br" rotWithShape="0">
               <a:srgbClr val="000000">
-                <a:alpha val="63000"/>
+                <a:alpha val="60000"/>
               </a:srgbClr>
             </a:outerShdw>
           </a:effectLst>
+          <a:scene3d>
+            <a:camera prst="orthographicFront">
+              <a:rot lat="0" lon="0" rev="0"/>
+            </a:camera>
+            <a:lightRig rig="threePt" dir="t">
+              <a:rot lat="0" lon="0" rev="19800000"/>
+            </a:lightRig>
+          </a:scene3d>
+          <a:sp3d prstMaterial="flat">
+            <a:bevelT w="25400" h="31750"/>
+          </a:sp3d>
         </a:effectStyle>
       </a:effectStyleLst>
       <a:bgFillStyleLst>
@@ -4085,36 +9202,36 @@
         </a:solidFill>
         <a:solidFill>
           <a:schemeClr val="phClr">
-            <a:tint val="95000"/>
-            <a:satMod val="170000"/>
+            <a:tint val="90000"/>
+            <a:shade val="97000"/>
+            <a:satMod val="130000"/>
           </a:schemeClr>
         </a:solidFill>
         <a:gradFill rotWithShape="1">
           <a:gsLst>
             <a:gs pos="0">
               <a:schemeClr val="phClr">
-                <a:tint val="93000"/>
-                <a:satMod val="150000"/>
-                <a:shade val="98000"/>
-                <a:lumMod val="102000"/>
+                <a:tint val="96000"/>
+                <a:shade val="99000"/>
+                <a:satMod val="140000"/>
               </a:schemeClr>
             </a:gs>
-            <a:gs pos="50000">
+            <a:gs pos="65000">
               <a:schemeClr val="phClr">
-                <a:tint val="98000"/>
+                <a:tint val="100000"/>
+                <a:shade val="80000"/>
                 <a:satMod val="130000"/>
-                <a:shade val="90000"/>
-                <a:lumMod val="103000"/>
               </a:schemeClr>
             </a:gs>
             <a:gs pos="100000">
               <a:schemeClr val="phClr">
-                <a:shade val="63000"/>
+                <a:tint val="100000"/>
+                <a:shade val="48000"/>
                 <a:satMod val="120000"/>
               </a:schemeClr>
             </a:gs>
           </a:gsLst>
-          <a:lin ang="5400000" scaled="0"/>
+          <a:lin ang="16200000" scaled="0"/>
         </a:gradFill>
       </a:bgFillStyleLst>
     </a:fmtScheme>
@@ -4123,7 +9240,7 @@
   <a:extraClrSchemeLst/>
   <a:extLst>
     <a:ext uri="{05A4C25C-085E-4340-85A3-A5531E510DB2}">
-      <thm15:themeFamily xmlns:thm15="http://schemas.microsoft.com/office/thememl/2012/main" name="Office Theme" id="{62F939B6-93AF-4DB8-9C6B-D6C7DFDC589F}" vid="{4A3C46E8-61CC-4603-A589-7422A47A8E4A}"/>
+      <thm15:themeFamily xmlns:thm15="http://schemas.microsoft.com/office/thememl/2012/main" name="Retrospect" id="{5F128B03-DCCA-4EEB-AB3B-CF2899314A46}" vid="{3F1AAB62-24C6-49D2-8E01-B56FAC9A3DCD}"/>
     </a:ext>
   </a:extLst>
 </a:theme>
